--- a/业务习惯/入职三月以来工作总结.pptx
+++ b/业务习惯/入职三月以来工作总结.pptx
@@ -18,7 +18,10 @@
     <p:sldId id="269" r:id="rId12"/>
     <p:sldId id="267" r:id="rId13"/>
     <p:sldId id="268" r:id="rId14"/>
-    <p:sldId id="260" r:id="rId15"/>
+    <p:sldId id="270" r:id="rId15"/>
+    <p:sldId id="271" r:id="rId16"/>
+    <p:sldId id="272" r:id="rId17"/>
+    <p:sldId id="260" r:id="rId18"/>
   </p:sldIdLst>
   <p:sldSz cx="12192000" cy="6858000"/>
   <p:notesSz cx="6858000" cy="9144000"/>
@@ -147,6 +150,9 @@
             <p14:sldId id="269"/>
             <p14:sldId id="267"/>
             <p14:sldId id="268"/>
+            <p14:sldId id="270"/>
+            <p14:sldId id="271"/>
+            <p14:sldId id="272"/>
           </p14:sldIdLst>
         </p14:section>
         <p14:section name="总结" id="{C4093FB5-5155-4A73-8B5E-764E842CF0BF}">
@@ -155,6 +161,9 @@
           </p14:sldIdLst>
         </p14:section>
       </p14:sectionLst>
+    </p:ext>
+    <p:ext uri="{EFAFB233-063F-42B5-8137-9DF3F51BA10A}">
+      <p15:sldGuideLst xmlns:p15="http://schemas.microsoft.com/office/powerpoint/2012/main"/>
     </p:ext>
   </p:extLst>
 </p:presentation>
@@ -349,7 +358,7 @@
             <a:fld id="{B61BEF0D-F0BB-DE4B-95CE-6DB70DBA9567}" type="datetimeFigureOut">
               <a:rPr lang="en-US" dirty="0"/>
               <a:pPr/>
-              <a:t>4/5/2018</a:t>
+              <a:t>4/6/2018</a:t>
             </a:fld>
             <a:endParaRPr lang="en-US" dirty="0"/>
           </a:p>
@@ -684,7 +693,7 @@
             <a:fld id="{B61BEF0D-F0BB-DE4B-95CE-6DB70DBA9567}" type="datetimeFigureOut">
               <a:rPr lang="en-US" dirty="0"/>
               <a:pPr/>
-              <a:t>4/5/2018</a:t>
+              <a:t>4/6/2018</a:t>
             </a:fld>
             <a:endParaRPr lang="en-US" dirty="0"/>
           </a:p>
@@ -1082,7 +1091,7 @@
             <a:fld id="{B61BEF0D-F0BB-DE4B-95CE-6DB70DBA9567}" type="datetimeFigureOut">
               <a:rPr lang="en-US" dirty="0"/>
               <a:pPr/>
-              <a:t>4/5/2018</a:t>
+              <a:t>4/6/2018</a:t>
             </a:fld>
             <a:endParaRPr lang="en-US" dirty="0"/>
           </a:p>
@@ -1415,7 +1424,7 @@
             <a:fld id="{B61BEF0D-F0BB-DE4B-95CE-6DB70DBA9567}" type="datetimeFigureOut">
               <a:rPr lang="en-US" dirty="0"/>
               <a:pPr/>
-              <a:t>4/5/2018</a:t>
+              <a:t>4/6/2018</a:t>
             </a:fld>
             <a:endParaRPr lang="en-US" dirty="0"/>
           </a:p>
@@ -1732,7 +1741,7 @@
             <a:fld id="{B61BEF0D-F0BB-DE4B-95CE-6DB70DBA9567}" type="datetimeFigureOut">
               <a:rPr lang="en-US" dirty="0"/>
               <a:pPr/>
-              <a:t>4/5/2018</a:t>
+              <a:t>4/6/2018</a:t>
             </a:fld>
             <a:endParaRPr lang="en-US" dirty="0"/>
           </a:p>
@@ -2125,7 +2134,7 @@
             <a:fld id="{B61BEF0D-F0BB-DE4B-95CE-6DB70DBA9567}" type="datetimeFigureOut">
               <a:rPr lang="en-US" dirty="0"/>
               <a:pPr/>
-              <a:t>4/5/2018</a:t>
+              <a:t>4/6/2018</a:t>
             </a:fld>
             <a:endParaRPr lang="en-US" dirty="0"/>
           </a:p>
@@ -2379,7 +2388,7 @@
             <a:fld id="{B61BEF0D-F0BB-DE4B-95CE-6DB70DBA9567}" type="datetimeFigureOut">
               <a:rPr lang="en-US" dirty="0"/>
               <a:pPr/>
-              <a:t>4/5/2018</a:t>
+              <a:t>4/6/2018</a:t>
             </a:fld>
             <a:endParaRPr lang="en-US" dirty="0"/>
           </a:p>
@@ -2638,7 +2647,7 @@
             <a:fld id="{B61BEF0D-F0BB-DE4B-95CE-6DB70DBA9567}" type="datetimeFigureOut">
               <a:rPr lang="en-US" dirty="0"/>
               <a:pPr/>
-              <a:t>4/5/2018</a:t>
+              <a:t>4/6/2018</a:t>
             </a:fld>
             <a:endParaRPr lang="en-US" dirty="0"/>
           </a:p>
@@ -2897,7 +2906,7 @@
             <a:fld id="{B61BEF0D-F0BB-DE4B-95CE-6DB70DBA9567}" type="datetimeFigureOut">
               <a:rPr lang="en-US" dirty="0"/>
               <a:pPr/>
-              <a:t>4/5/2018</a:t>
+              <a:t>4/6/2018</a:t>
             </a:fld>
             <a:endParaRPr lang="en-US" dirty="0"/>
           </a:p>
@@ -3223,7 +3232,7 @@
             <a:fld id="{B61BEF0D-F0BB-DE4B-95CE-6DB70DBA9567}" type="datetimeFigureOut">
               <a:rPr lang="en-US" dirty="0"/>
               <a:pPr/>
-              <a:t>4/5/2018</a:t>
+              <a:t>4/6/2018</a:t>
             </a:fld>
             <a:endParaRPr lang="en-US" dirty="0"/>
           </a:p>
@@ -3543,7 +3552,7 @@
             <a:fld id="{B61BEF0D-F0BB-DE4B-95CE-6DB70DBA9567}" type="datetimeFigureOut">
               <a:rPr lang="en-US" dirty="0"/>
               <a:pPr/>
-              <a:t>4/5/2018</a:t>
+              <a:t>4/6/2018</a:t>
             </a:fld>
             <a:endParaRPr lang="en-US" dirty="0"/>
           </a:p>
@@ -3997,7 +4006,7 @@
             <a:fld id="{B61BEF0D-F0BB-DE4B-95CE-6DB70DBA9567}" type="datetimeFigureOut">
               <a:rPr lang="en-US" dirty="0"/>
               <a:pPr/>
-              <a:t>4/5/2018</a:t>
+              <a:t>4/6/2018</a:t>
             </a:fld>
             <a:endParaRPr lang="en-US" dirty="0"/>
           </a:p>
@@ -4199,7 +4208,7 @@
             <a:fld id="{B61BEF0D-F0BB-DE4B-95CE-6DB70DBA9567}" type="datetimeFigureOut">
               <a:rPr lang="en-US" dirty="0"/>
               <a:pPr/>
-              <a:t>4/5/2018</a:t>
+              <a:t>4/6/2018</a:t>
             </a:fld>
             <a:endParaRPr lang="en-US" dirty="0"/>
           </a:p>
@@ -4373,7 +4382,7 @@
             <a:fld id="{B61BEF0D-F0BB-DE4B-95CE-6DB70DBA9567}" type="datetimeFigureOut">
               <a:rPr lang="en-US" dirty="0"/>
               <a:pPr/>
-              <a:t>4/5/2018</a:t>
+              <a:t>4/6/2018</a:t>
             </a:fld>
             <a:endParaRPr lang="en-US" dirty="0"/>
           </a:p>
@@ -4703,7 +4712,7 @@
             <a:fld id="{B61BEF0D-F0BB-DE4B-95CE-6DB70DBA9567}" type="datetimeFigureOut">
               <a:rPr lang="en-US" dirty="0"/>
               <a:pPr/>
-              <a:t>4/5/2018</a:t>
+              <a:t>4/6/2018</a:t>
             </a:fld>
             <a:endParaRPr lang="en-US" dirty="0"/>
           </a:p>
@@ -5045,7 +5054,7 @@
             <a:fld id="{B61BEF0D-F0BB-DE4B-95CE-6DB70DBA9567}" type="datetimeFigureOut">
               <a:rPr lang="en-US" dirty="0"/>
               <a:pPr/>
-              <a:t>4/5/2018</a:t>
+              <a:t>4/6/2018</a:t>
             </a:fld>
             <a:endParaRPr lang="en-US" dirty="0"/>
           </a:p>
@@ -7159,7 +7168,7 @@
             <a:fld id="{B61BEF0D-F0BB-DE4B-95CE-6DB70DBA9567}" type="datetimeFigureOut">
               <a:rPr lang="en-US" dirty="0"/>
               <a:pPr/>
-              <a:t>4/5/2018</a:t>
+              <a:t>4/6/2018</a:t>
             </a:fld>
             <a:endParaRPr lang="en-US" dirty="0"/>
           </a:p>
@@ -8394,16 +8403,20 @@
           <a:lstStyle/>
           <a:p>
             <a:r>
-              <a:rPr lang="en-US" altLang="zh-CN" dirty="0"/>
+              <a:rPr lang="zh-CN" altLang="en-US" dirty="0" smtClean="0"/>
+              <a:t>项目</a:t>
+            </a:r>
+            <a:r>
+              <a:rPr lang="en-US" altLang="zh-CN" dirty="0" smtClean="0"/>
               <a:t>https</a:t>
             </a:r>
             <a:r>
-              <a:rPr lang="zh-CN" altLang="en-US" dirty="0"/>
+              <a:rPr lang="zh-CN" altLang="en-US" dirty="0" smtClean="0"/>
               <a:t>连接</a:t>
             </a:r>
             <a:r>
               <a:rPr lang="zh-CN" altLang="en-US" dirty="0" smtClean="0"/>
-              <a:t>：</a:t>
+              <a:t>实现问题？</a:t>
             </a:r>
             <a:endParaRPr lang="en-US" altLang="zh-CN" dirty="0" smtClean="0"/>
           </a:p>
@@ -8419,55 +8432,31 @@
             </a:r>
             <a:r>
               <a:rPr lang="zh-CN" altLang="en-US" dirty="0" smtClean="0"/>
-              <a:t>代理：对于</a:t>
+              <a:t>代理</a:t>
+            </a:r>
+            <a:r>
+              <a:rPr lang="zh-CN" altLang="en-US" dirty="0" smtClean="0"/>
+              <a:t>：项目以</a:t>
+            </a:r>
+            <a:r>
+              <a:rPr lang="en-US" altLang="zh-CN" dirty="0" smtClean="0"/>
+              <a:t>maven </a:t>
+            </a:r>
+            <a:r>
+              <a:rPr lang="en-US" altLang="zh-CN" dirty="0" err="1" smtClean="0"/>
+              <a:t>jetty:run</a:t>
             </a:r>
             <a:r>
               <a:rPr lang="zh-CN" altLang="en-US" dirty="0"/>
-              <a:t>使用</a:t>
-            </a:r>
-            <a:r>
-              <a:rPr lang="en-US" altLang="zh-CN" dirty="0"/>
-              <a:t>jetty </a:t>
-            </a:r>
-            <a:r>
-              <a:rPr lang="en-US" altLang="zh-CN" dirty="0" err="1"/>
-              <a:t>eclise</a:t>
-            </a:r>
-            <a:r>
-              <a:rPr lang="zh-CN" altLang="en-US" dirty="0" smtClean="0"/>
-              <a:t>插件</a:t>
+              <a:t>启动</a:t>
+            </a:r>
+            <a:r>
+              <a:rPr lang="zh-CN" altLang="en-US" dirty="0" smtClean="0"/>
+              <a:t>，方案如下。缺点：尽管可以</a:t>
             </a:r>
             <a:r>
               <a:rPr lang="zh-CN" altLang="en-US" dirty="0"/>
-              <a:t>，</a:t>
-            </a:r>
-            <a:r>
-              <a:rPr lang="zh-CN" altLang="en-US" dirty="0" smtClean="0"/>
-              <a:t>从</a:t>
-            </a:r>
-            <a:r>
-              <a:rPr lang="zh-CN" altLang="en-US" dirty="0"/>
-              <a:t>项目的配置中获取；和</a:t>
-            </a:r>
-            <a:r>
-              <a:rPr lang="en-US" altLang="zh-CN" dirty="0"/>
-              <a:t>maven </a:t>
-            </a:r>
-            <a:r>
-              <a:rPr lang="en-US" altLang="zh-CN" dirty="0" err="1"/>
-              <a:t>jetty:run</a:t>
-            </a:r>
-            <a:r>
-              <a:rPr lang="zh-CN" altLang="en-US" dirty="0"/>
-              <a:t>运行的方式，</a:t>
-            </a:r>
-            <a:r>
-              <a:rPr lang="zh-CN" altLang="en-US" dirty="0" smtClean="0"/>
-              <a:t>可行方案：</a:t>
-            </a:r>
-            <a:r>
-              <a:rPr lang="zh-CN" altLang="en-US" dirty="0"/>
-              <a:t>可以使得</a:t>
+              <a:t>使得</a:t>
             </a:r>
             <a:r>
               <a:rPr lang="en-US" altLang="zh-CN" dirty="0"/>
@@ -8483,7 +8472,15 @@
             </a:r>
             <a:r>
               <a:rPr lang="zh-CN" altLang="en-US" dirty="0"/>
-              <a:t>端口，但是自签名，所以会有不安全的标记</a:t>
+              <a:t>端口，但是自签名，</a:t>
+            </a:r>
+            <a:r>
+              <a:rPr lang="zh-CN" altLang="en-US" dirty="0" smtClean="0"/>
+              <a:t>所以浏览器上访问时会</a:t>
+            </a:r>
+            <a:r>
+              <a:rPr lang="zh-CN" altLang="en-US" dirty="0"/>
+              <a:t>有不安全的标记</a:t>
             </a:r>
             <a:r>
               <a:rPr lang="zh-CN" altLang="en-US" dirty="0" smtClean="0"/>
@@ -8567,20 +8564,130 @@
             </a:r>
             <a:r>
               <a:rPr lang="zh-CN" altLang="en-US" dirty="0" smtClean="0"/>
-              <a:t>端口，但是自签名，所以会有不安全的标记。</a:t>
+              <a:t>端口，但是自签名，所以会有不安全的</a:t>
+            </a:r>
+            <a:r>
+              <a:rPr lang="zh-CN" altLang="en-US" dirty="0" smtClean="0"/>
+              <a:t>标记</a:t>
             </a:r>
             <a:endParaRPr lang="en-US" altLang="zh-CN" dirty="0" smtClean="0"/>
           </a:p>
           <a:p>
+            <a:r>
+              <a:rPr lang="zh-CN" altLang="en-US" dirty="0"/>
+              <a:t>本地</a:t>
+            </a:r>
+            <a:r>
+              <a:rPr lang="zh-CN" altLang="en-US" dirty="0" smtClean="0"/>
+              <a:t>可以查出附近房源数而</a:t>
+            </a:r>
+            <a:r>
+              <a:rPr lang="en-US" altLang="zh-CN" dirty="0" smtClean="0"/>
+              <a:t>app</a:t>
+            </a:r>
+            <a:r>
+              <a:rPr lang="zh-CN" altLang="en-US" dirty="0" smtClean="0"/>
+              <a:t>上没有查出的问题？</a:t>
+            </a:r>
+            <a:endParaRPr lang="en-US" altLang="zh-CN" dirty="0" smtClean="0"/>
+          </a:p>
+          <a:p>
             <a:pPr lvl="1"/>
+            <a:r>
+              <a:rPr lang="zh-CN" altLang="en-US" dirty="0" smtClean="0"/>
+              <a:t>问题详情：使用</a:t>
+            </a:r>
+            <a:r>
+              <a:rPr lang="en-US" altLang="zh-CN" dirty="0" err="1" smtClean="0"/>
+              <a:t>houseinterface</a:t>
+            </a:r>
+            <a:r>
+              <a:rPr lang="zh-CN" altLang="en-US" dirty="0" smtClean="0"/>
+              <a:t>的</a:t>
+            </a:r>
+            <a:r>
+              <a:rPr lang="en-US" altLang="zh-CN" dirty="0" err="1" smtClean="0"/>
+              <a:t>NewDictServcie</a:t>
+            </a:r>
+            <a:r>
+              <a:rPr lang="zh-CN" altLang="en-US" dirty="0" smtClean="0"/>
+              <a:t>接口查附近房源数，本地可以查出为</a:t>
+            </a:r>
+            <a:r>
+              <a:rPr lang="en-US" altLang="zh-CN" dirty="0" smtClean="0"/>
+              <a:t>				</a:t>
+            </a:r>
+            <a:r>
+              <a:rPr lang="zh-CN" altLang="en-US" dirty="0" smtClean="0"/>
+              <a:t>正数，私有云上查出为</a:t>
+            </a:r>
+            <a:r>
+              <a:rPr lang="en-US" altLang="zh-CN" dirty="0" smtClean="0"/>
+              <a:t>0</a:t>
+            </a:r>
+            <a:r>
+              <a:rPr lang="zh-CN" altLang="en-US" dirty="0" smtClean="0"/>
+              <a:t>。</a:t>
+            </a:r>
             <a:endParaRPr lang="en-US" altLang="zh-CN" dirty="0" smtClean="0"/>
           </a:p>
           <a:p>
+            <a:pPr lvl="1"/>
+            <a:r>
+              <a:rPr lang="zh-CN" altLang="en-US" dirty="0" smtClean="0"/>
+              <a:t>问题定位：由</a:t>
+            </a:r>
             <a:r>
               <a:rPr lang="en-US" altLang="zh-CN" dirty="0" err="1" smtClean="0"/>
-              <a:t>ss</a:t>
-            </a:r>
+              <a:t>charles</a:t>
+            </a:r>
+            <a:r>
+              <a:rPr lang="zh-CN" altLang="en-US" dirty="0"/>
+              <a:t> </a:t>
+            </a:r>
+            <a:r>
+              <a:rPr lang="en-US" altLang="zh-CN" dirty="0" smtClean="0"/>
+              <a:t>map remote</a:t>
+            </a:r>
+            <a:r>
+              <a:rPr lang="zh-CN" altLang="en-US" dirty="0" smtClean="0"/>
+              <a:t>转发请求到本地来</a:t>
+            </a:r>
+            <a:r>
+              <a:rPr lang="en-US" altLang="zh-CN" dirty="0" smtClean="0"/>
+              <a:t>debug</a:t>
+            </a:r>
+            <a:r>
+              <a:rPr lang="zh-CN" altLang="en-US" dirty="0" smtClean="0"/>
+              <a:t>后发现是请求传的经纬度的值不同，某些经纬度下附近</a:t>
+            </a:r>
+            <a:r>
+              <a:rPr lang="en-US" altLang="zh-CN" dirty="0" smtClean="0"/>
+              <a:t>1km</a:t>
+            </a:r>
+            <a:r>
+              <a:rPr lang="zh-CN" altLang="en-US" dirty="0" smtClean="0"/>
+              <a:t>查出来的二手房数量为</a:t>
+            </a:r>
+            <a:r>
+              <a:rPr lang="en-US" altLang="zh-CN" dirty="0" smtClean="0"/>
+              <a:t>0</a:t>
+            </a:r>
+            <a:r>
+              <a:rPr lang="zh-CN" altLang="en-US" dirty="0" smtClean="0"/>
+              <a:t>，比如本人工位上。</a:t>
+            </a:r>
+            <a:endParaRPr lang="en-US" altLang="zh-CN" dirty="0"/>
+          </a:p>
+          <a:p>
+            <a:pPr lvl="1"/>
             <a:endParaRPr lang="zh-CN" altLang="en-US" dirty="0"/>
+          </a:p>
+          <a:p>
+            <a:endParaRPr lang="en-US" altLang="zh-CN" dirty="0"/>
+          </a:p>
+          <a:p>
+            <a:endParaRPr lang="en-US" altLang="zh-CN" dirty="0"/>
           </a:p>
         </p:txBody>
       </p:sp>
@@ -8629,6 +8736,14 @@
           <a:bodyPr/>
           <a:lstStyle/>
           <a:p>
+            <a:r>
+              <a:rPr lang="zh-CN" altLang="en-US" dirty="0"/>
+              <a:t>切换中遇到的问题和解决措施</a:t>
+            </a:r>
+            <a:r>
+              <a:rPr lang="zh-CN" altLang="en-US" dirty="0" smtClean="0"/>
+              <a:t>（二）</a:t>
+            </a:r>
             <a:endParaRPr lang="zh-CN" altLang="en-US" dirty="0"/>
           </a:p>
         </p:txBody>
@@ -8645,10 +8760,306 @@
         </p:nvSpPr>
         <p:spPr/>
         <p:txBody>
-          <a:bodyPr/>
+          <a:bodyPr>
+            <a:normAutofit fontScale="92500"/>
+          </a:bodyPr>
           <a:lstStyle/>
           <a:p>
-            <a:endParaRPr lang="zh-CN" altLang="en-US"/>
+            <a:r>
+              <a:rPr lang="zh-CN" altLang="en-US" dirty="0" smtClean="0"/>
+              <a:t>广告位</a:t>
+            </a:r>
+            <a:r>
+              <a:rPr lang="en-US" altLang="zh-CN" dirty="0" smtClean="0"/>
+              <a:t>banner</a:t>
+            </a:r>
+            <a:r>
+              <a:rPr lang="zh-CN" altLang="en-US" dirty="0" smtClean="0"/>
+              <a:t>实现中，</a:t>
+            </a:r>
+            <a:r>
+              <a:rPr lang="en-US" altLang="zh-CN" dirty="0" smtClean="0"/>
+              <a:t>ajax</a:t>
+            </a:r>
+            <a:r>
+              <a:rPr lang="zh-CN" altLang="en-US" dirty="0" smtClean="0"/>
+              <a:t>跨域请求后端的实现问题？</a:t>
+            </a:r>
+            <a:endParaRPr lang="en-US" altLang="zh-CN" dirty="0" smtClean="0"/>
+          </a:p>
+          <a:p>
+            <a:pPr lvl="1"/>
+            <a:r>
+              <a:rPr lang="zh-CN" altLang="en-US" dirty="0"/>
+              <a:t>跨</a:t>
+            </a:r>
+            <a:r>
+              <a:rPr lang="zh-CN" altLang="en-US" dirty="0" smtClean="0"/>
+              <a:t>域请求不能直接实现的原因：</a:t>
+            </a:r>
+            <a:r>
+              <a:rPr lang="en-US" altLang="zh-CN" dirty="0" smtClean="0"/>
+              <a:t>ajax</a:t>
+            </a:r>
+            <a:r>
+              <a:rPr lang="zh-CN" altLang="en-US" dirty="0"/>
+              <a:t>请求</a:t>
+            </a:r>
+            <a:r>
+              <a:rPr lang="zh-CN" altLang="en-US" dirty="0" smtClean="0"/>
+              <a:t>时在报头增加了</a:t>
+            </a:r>
+            <a:r>
+              <a:rPr lang="en-US" altLang="zh-CN" dirty="0" err="1" smtClean="0"/>
+              <a:t>orgin</a:t>
+            </a:r>
+            <a:r>
+              <a:rPr lang="zh-CN" altLang="en-US" dirty="0" smtClean="0"/>
+              <a:t>等字段，后台检测报头后拒绝。</a:t>
+            </a:r>
+            <a:endParaRPr lang="en-US" altLang="zh-CN" dirty="0" smtClean="0"/>
+          </a:p>
+          <a:p>
+            <a:pPr lvl="1"/>
+            <a:r>
+              <a:rPr lang="en-US" altLang="zh-CN" dirty="0" err="1"/>
+              <a:t>j</a:t>
+            </a:r>
+            <a:r>
+              <a:rPr lang="en-US" altLang="zh-CN" dirty="0" err="1" smtClean="0"/>
+              <a:t>sonp</a:t>
+            </a:r>
+            <a:r>
+              <a:rPr lang="zh-CN" altLang="en-US" dirty="0" smtClean="0"/>
+              <a:t>方案：</a:t>
+            </a:r>
+            <a:endParaRPr lang="en-US" altLang="zh-CN" dirty="0" smtClean="0"/>
+          </a:p>
+          <a:p>
+            <a:pPr lvl="2"/>
+            <a:r>
+              <a:rPr lang="zh-CN" altLang="en-US" dirty="0" smtClean="0"/>
+              <a:t>原理：因为</a:t>
+            </a:r>
+            <a:r>
+              <a:rPr lang="en-US" altLang="zh-CN" dirty="0" smtClean="0"/>
+              <a:t>&lt;script &gt;</a:t>
+            </a:r>
+            <a:r>
+              <a:rPr lang="zh-CN" altLang="en-US" dirty="0" smtClean="0"/>
+              <a:t>标签中</a:t>
+            </a:r>
+            <a:r>
+              <a:rPr lang="en-US" altLang="zh-CN" dirty="0" err="1" smtClean="0"/>
+              <a:t>src</a:t>
+            </a:r>
+            <a:r>
+              <a:rPr lang="zh-CN" altLang="en-US" dirty="0" smtClean="0"/>
+              <a:t>可以是跨域的</a:t>
+            </a:r>
+            <a:r>
+              <a:rPr lang="en-US" altLang="zh-CN" dirty="0" err="1" smtClean="0"/>
+              <a:t>url</a:t>
+            </a:r>
+            <a:r>
+              <a:rPr lang="zh-CN" altLang="en-US" dirty="0" smtClean="0"/>
+              <a:t>，又因为通过此请求到脚本资源后会立即加载执行。</a:t>
+            </a:r>
+            <a:r>
+              <a:rPr lang="en-US" altLang="zh-CN" dirty="0" smtClean="0"/>
+              <a:t/>
+            </a:r>
+            <a:br>
+              <a:rPr lang="en-US" altLang="zh-CN" dirty="0" smtClean="0"/>
+            </a:br>
+            <a:r>
+              <a:rPr lang="zh-CN" altLang="en-US" dirty="0"/>
+              <a:t>从而</a:t>
+            </a:r>
+            <a:r>
+              <a:rPr lang="zh-CN" altLang="en-US" dirty="0" smtClean="0"/>
+              <a:t>请求到的脚本就在页面上了。</a:t>
+            </a:r>
+            <a:endParaRPr lang="en-US" altLang="zh-CN" dirty="0" smtClean="0"/>
+          </a:p>
+          <a:p>
+            <a:pPr lvl="3"/>
+            <a:r>
+              <a:rPr lang="zh-CN" altLang="en-US" dirty="0" smtClean="0"/>
+              <a:t>如果这个脚本是一个赋值语句，被赋变量是全局变量，赋的值就是目标数据，那么可以通过此全局变量获取到需要的数据。</a:t>
+            </a:r>
+            <a:endParaRPr lang="en-US" altLang="zh-CN" dirty="0" smtClean="0"/>
+          </a:p>
+          <a:p>
+            <a:pPr lvl="3"/>
+            <a:r>
+              <a:rPr lang="zh-CN" altLang="en-US" dirty="0" smtClean="0"/>
+              <a:t>如果这个脚本是一个函数调用语句，参数是目标数据，而且这个函数已经定义，函数内容定义为调用</a:t>
+            </a:r>
+            <a:r>
+              <a:rPr lang="en-US" altLang="zh-CN" dirty="0" smtClean="0"/>
+              <a:t>ajax</a:t>
+            </a:r>
+            <a:r>
+              <a:rPr lang="zh-CN" altLang="en-US" dirty="0" smtClean="0"/>
+              <a:t>的回调函数</a:t>
+            </a:r>
+            <a:r>
+              <a:rPr lang="en-US" altLang="zh-CN" dirty="0" smtClean="0"/>
+              <a:t>(success,</a:t>
+            </a:r>
+            <a:r>
+              <a:rPr lang="zh-CN" altLang="en-US" dirty="0" smtClean="0"/>
+              <a:t>或者</a:t>
+            </a:r>
+            <a:r>
+              <a:rPr lang="en-US" altLang="zh-CN" dirty="0" smtClean="0"/>
+              <a:t>error</a:t>
+            </a:r>
+            <a:r>
+              <a:rPr lang="zh-CN" altLang="en-US" dirty="0" smtClean="0"/>
+              <a:t>的回调函数</a:t>
+            </a:r>
+            <a:r>
+              <a:rPr lang="en-US" altLang="zh-CN" dirty="0" smtClean="0"/>
+              <a:t>)</a:t>
+            </a:r>
+            <a:r>
+              <a:rPr lang="zh-CN" altLang="en-US" dirty="0" smtClean="0"/>
+              <a:t>，回调函数参数就是本函数的参数，那么</a:t>
+            </a:r>
+            <a:r>
+              <a:rPr lang="en-US" altLang="zh-CN" dirty="0" smtClean="0"/>
+              <a:t>ajax</a:t>
+            </a:r>
+            <a:r>
+              <a:rPr lang="zh-CN" altLang="en-US" dirty="0" smtClean="0"/>
+              <a:t>请求就间接通过</a:t>
+            </a:r>
+            <a:r>
+              <a:rPr lang="en-US" altLang="zh-CN" dirty="0" smtClean="0"/>
+              <a:t>http</a:t>
+            </a:r>
+            <a:r>
+              <a:rPr lang="zh-CN" altLang="en-US" dirty="0" smtClean="0"/>
+              <a:t>请求获取到了后台数据来传给回调函数。</a:t>
+            </a:r>
+            <a:endParaRPr lang="en-US" altLang="zh-CN" dirty="0"/>
+          </a:p>
+          <a:p>
+            <a:pPr lvl="2"/>
+            <a:r>
+              <a:rPr lang="zh-CN" altLang="en-US" dirty="0" smtClean="0"/>
+              <a:t>缺点：只能</a:t>
+            </a:r>
+            <a:r>
+              <a:rPr lang="en-US" altLang="zh-CN" dirty="0" smtClean="0"/>
+              <a:t>get</a:t>
+            </a:r>
+            <a:r>
+              <a:rPr lang="zh-CN" altLang="en-US" dirty="0" smtClean="0"/>
+              <a:t>请求</a:t>
+            </a:r>
+            <a:endParaRPr lang="en-US" altLang="zh-CN" dirty="0" smtClean="0"/>
+          </a:p>
+          <a:p>
+            <a:pPr lvl="2"/>
+            <a:r>
+              <a:rPr lang="en-US" altLang="zh-CN" dirty="0" err="1" smtClean="0"/>
+              <a:t>wf</a:t>
+            </a:r>
+            <a:r>
+              <a:rPr lang="zh-CN" altLang="en-US" dirty="0" smtClean="0"/>
+              <a:t>下应用实践：</a:t>
+            </a:r>
+            <a:r>
+              <a:rPr lang="en-US" altLang="zh-CN" dirty="0"/>
+              <a:t>@Response</a:t>
+            </a:r>
+            <a:r>
+              <a:rPr lang="zh-CN" altLang="en-US" dirty="0"/>
+              <a:t>注解一个非</a:t>
+            </a:r>
+            <a:r>
+              <a:rPr lang="en-US" altLang="zh-CN" dirty="0" err="1"/>
+              <a:t>ActionResult</a:t>
+            </a:r>
+            <a:r>
+              <a:rPr lang="zh-CN" altLang="en-US" dirty="0"/>
+              <a:t>返回类型的</a:t>
+            </a:r>
+            <a:r>
+              <a:rPr lang="zh-CN" altLang="en-US" dirty="0" smtClean="0"/>
+              <a:t>方法，该</a:t>
+            </a:r>
+            <a:r>
+              <a:rPr lang="zh-CN" altLang="en-US" dirty="0"/>
+              <a:t>方法不会被</a:t>
+            </a:r>
+            <a:r>
+              <a:rPr lang="zh-CN" altLang="en-US" dirty="0" smtClean="0"/>
+              <a:t>访问。有</a:t>
+            </a:r>
+            <a:r>
+              <a:rPr lang="zh-CN" altLang="en-US" dirty="0"/>
+              <a:t>一个现成的</a:t>
+            </a:r>
+            <a:r>
+              <a:rPr lang="en-US" altLang="zh-CN" dirty="0" err="1"/>
+              <a:t>ActionResult</a:t>
+            </a:r>
+            <a:r>
+              <a:rPr lang="zh-CN" altLang="en-US" dirty="0"/>
+              <a:t>子类可以实现：</a:t>
+            </a:r>
+            <a:r>
+              <a:rPr lang="en-US" altLang="zh-CN" dirty="0"/>
+              <a:t>return new </a:t>
+            </a:r>
+            <a:r>
+              <a:rPr lang="en-US" altLang="zh-CN" dirty="0" err="1"/>
+              <a:t>JsonPActionResult</a:t>
+            </a:r>
+            <a:r>
+              <a:rPr lang="en-US" altLang="zh-CN" dirty="0"/>
+              <a:t>(</a:t>
+            </a:r>
+            <a:r>
+              <a:rPr lang="zh-CN" altLang="en-US" dirty="0"/>
+              <a:t>函数名，</a:t>
+            </a:r>
+            <a:r>
+              <a:rPr lang="en-US" altLang="zh-CN" dirty="0"/>
+              <a:t>new </a:t>
+            </a:r>
+            <a:r>
+              <a:rPr lang="en-US" altLang="zh-CN" dirty="0" err="1"/>
+              <a:t>JsonVo</a:t>
+            </a:r>
+            <a:r>
+              <a:rPr lang="en-US" altLang="zh-CN" dirty="0"/>
+              <a:t>(</a:t>
+            </a:r>
+            <a:r>
+              <a:rPr lang="en-US" altLang="zh-CN" dirty="0" err="1"/>
+              <a:t>json</a:t>
+            </a:r>
+            <a:r>
+              <a:rPr lang="zh-CN" altLang="en-US" dirty="0"/>
+              <a:t>字符串</a:t>
+            </a:r>
+            <a:r>
+              <a:rPr lang="en-US" altLang="zh-CN" dirty="0"/>
+              <a:t>))</a:t>
+            </a:r>
+            <a:endParaRPr lang="en-US" altLang="zh-CN" dirty="0" smtClean="0"/>
+          </a:p>
+          <a:p>
+            <a:pPr lvl="1"/>
+            <a:endParaRPr lang="en-US" altLang="zh-CN" dirty="0"/>
+          </a:p>
+          <a:p>
+            <a:endParaRPr lang="zh-CN" altLang="en-US" dirty="0"/>
           </a:p>
         </p:txBody>
       </p:sp>
@@ -8666,6 +9077,604 @@
 </file>
 
 <file path=ppt/slides/slide14.xml><?xml version="1.0" encoding="utf-8"?>
+<p:sld xmlns:a="http://schemas.openxmlformats.org/drawingml/2006/main" xmlns:r="http://schemas.openxmlformats.org/officeDocument/2006/relationships" xmlns:p="http://schemas.openxmlformats.org/presentationml/2006/main">
+  <p:cSld>
+    <p:spTree>
+      <p:nvGrpSpPr>
+        <p:cNvPr id="1" name=""/>
+        <p:cNvGrpSpPr/>
+        <p:nvPr/>
+      </p:nvGrpSpPr>
+      <p:grpSpPr>
+        <a:xfrm>
+          <a:off x="0" y="0"/>
+          <a:ext cx="0" cy="0"/>
+          <a:chOff x="0" y="0"/>
+          <a:chExt cx="0" cy="0"/>
+        </a:xfrm>
+      </p:grpSpPr>
+      <p:sp>
+        <p:nvSpPr>
+          <p:cNvPr id="2" name="标题 1"/>
+          <p:cNvSpPr>
+            <a:spLocks noGrp="1"/>
+          </p:cNvSpPr>
+          <p:nvPr>
+            <p:ph type="title"/>
+          </p:nvPr>
+        </p:nvSpPr>
+        <p:spPr/>
+        <p:txBody>
+          <a:bodyPr/>
+          <a:lstStyle/>
+          <a:p>
+            <a:r>
+              <a:rPr lang="zh-CN" altLang="en-US" dirty="0"/>
+              <a:t>切换中遇到的问题和解决措施</a:t>
+            </a:r>
+            <a:r>
+              <a:rPr lang="zh-CN" altLang="en-US" dirty="0" smtClean="0"/>
+              <a:t>（三）</a:t>
+            </a:r>
+            <a:endParaRPr lang="zh-CN" altLang="en-US" dirty="0"/>
+          </a:p>
+        </p:txBody>
+      </p:sp>
+      <p:sp>
+        <p:nvSpPr>
+          <p:cNvPr id="3" name="内容占位符 2"/>
+          <p:cNvSpPr>
+            <a:spLocks noGrp="1"/>
+          </p:cNvSpPr>
+          <p:nvPr>
+            <p:ph idx="1"/>
+          </p:nvPr>
+        </p:nvSpPr>
+        <p:spPr/>
+        <p:txBody>
+          <a:bodyPr/>
+          <a:lstStyle/>
+          <a:p>
+            <a:r>
+              <a:rPr lang="zh-CN" altLang="en-US" dirty="0"/>
+              <a:t>广告位</a:t>
+            </a:r>
+            <a:r>
+              <a:rPr lang="en-US" altLang="zh-CN" dirty="0"/>
+              <a:t>banner</a:t>
+            </a:r>
+            <a:r>
+              <a:rPr lang="zh-CN" altLang="en-US" dirty="0"/>
+              <a:t>实现中，</a:t>
+            </a:r>
+            <a:r>
+              <a:rPr lang="en-US" altLang="zh-CN" dirty="0"/>
+              <a:t>ajax</a:t>
+            </a:r>
+            <a:r>
+              <a:rPr lang="zh-CN" altLang="en-US" dirty="0"/>
+              <a:t>跨域请求后端的实现问题</a:t>
+            </a:r>
+            <a:r>
+              <a:rPr lang="zh-CN" altLang="en-US" dirty="0" smtClean="0"/>
+              <a:t>？</a:t>
+            </a:r>
+            <a:r>
+              <a:rPr lang="en-US" altLang="zh-CN" dirty="0" smtClean="0"/>
+              <a:t>(</a:t>
+            </a:r>
+            <a:r>
+              <a:rPr lang="zh-CN" altLang="en-US" dirty="0" smtClean="0"/>
+              <a:t>续</a:t>
+            </a:r>
+            <a:r>
+              <a:rPr lang="en-US" altLang="zh-CN" dirty="0" smtClean="0"/>
+              <a:t>)</a:t>
+            </a:r>
+            <a:endParaRPr lang="en-US" altLang="zh-CN" dirty="0"/>
+          </a:p>
+          <a:p>
+            <a:pPr lvl="1"/>
+            <a:r>
+              <a:rPr lang="en-US" altLang="zh-CN" dirty="0" smtClean="0"/>
+              <a:t>CORS</a:t>
+            </a:r>
+            <a:r>
+              <a:rPr lang="zh-CN" altLang="en-US" dirty="0" smtClean="0"/>
+              <a:t>方案：</a:t>
+            </a:r>
+            <a:endParaRPr lang="en-US" altLang="zh-CN" dirty="0" smtClean="0"/>
+          </a:p>
+          <a:p>
+            <a:pPr lvl="2"/>
+            <a:r>
+              <a:rPr lang="zh-CN" altLang="en-US" dirty="0" smtClean="0"/>
+              <a:t>原理：让服务器允许某个跨域请求。即在这个请求返回的报文中增加</a:t>
+            </a:r>
+            <a:r>
+              <a:rPr lang="en-US" altLang="zh-CN" dirty="0" smtClean="0"/>
+              <a:t>|</a:t>
+            </a:r>
+            <a:r>
+              <a:rPr lang="zh-CN" altLang="en-US" dirty="0" smtClean="0"/>
+              <a:t>配置三个报头：</a:t>
+            </a:r>
+            <a:endParaRPr lang="en-US" altLang="zh-CN" dirty="0" smtClean="0"/>
+          </a:p>
+          <a:p>
+            <a:pPr lvl="3"/>
+            <a:r>
+              <a:rPr lang="en-US" altLang="zh-CN" dirty="0"/>
+              <a:t>Access-Control-Allow-Headers: </a:t>
+            </a:r>
+            <a:r>
+              <a:rPr lang="en-US" altLang="zh-CN" dirty="0" smtClean="0"/>
+              <a:t>X-Requested-</a:t>
+            </a:r>
+            <a:r>
+              <a:rPr lang="en-US" altLang="zh-CN" dirty="0" err="1" smtClean="0"/>
+              <a:t>With,Content</a:t>
+            </a:r>
+            <a:r>
+              <a:rPr lang="en-US" altLang="zh-CN" dirty="0" smtClean="0"/>
+              <a:t>-</a:t>
+            </a:r>
+            <a:r>
+              <a:rPr lang="en-US" altLang="zh-CN" dirty="0" err="1" smtClean="0"/>
+              <a:t>Type,Accept</a:t>
+            </a:r>
+            <a:endParaRPr lang="en-US" altLang="zh-CN" dirty="0" smtClean="0"/>
+          </a:p>
+          <a:p>
+            <a:pPr lvl="3"/>
+            <a:r>
+              <a:rPr lang="en-US" altLang="zh-CN" dirty="0"/>
+              <a:t>Access-Control-Allow-Methods: </a:t>
+            </a:r>
+            <a:r>
+              <a:rPr lang="en-US" altLang="zh-CN" dirty="0" err="1" smtClean="0"/>
+              <a:t>Get,Post,Put,OPTIONS</a:t>
+            </a:r>
+            <a:r>
+              <a:rPr lang="en-US" altLang="zh-CN" dirty="0" smtClean="0"/>
+              <a:t>(</a:t>
+            </a:r>
+            <a:r>
+              <a:rPr lang="zh-CN" altLang="en-US" dirty="0" smtClean="0"/>
+              <a:t>非简单请求，允许预检</a:t>
+            </a:r>
+            <a:r>
+              <a:rPr lang="en-US" altLang="zh-CN" dirty="0" smtClean="0"/>
+              <a:t>)</a:t>
+            </a:r>
+          </a:p>
+          <a:p>
+            <a:pPr lvl="3"/>
+            <a:r>
+              <a:rPr lang="en-US" altLang="zh-CN" dirty="0"/>
+              <a:t>Access-Control-Allow-Origin: *</a:t>
+            </a:r>
+            <a:endParaRPr lang="en-US" altLang="zh-CN" dirty="0" smtClean="0"/>
+          </a:p>
+          <a:p>
+            <a:pPr lvl="2"/>
+            <a:r>
+              <a:rPr lang="zh-CN" altLang="en-US" dirty="0" smtClean="0"/>
+              <a:t>实现：直接在某个请求后加，或者用</a:t>
+            </a:r>
+            <a:r>
+              <a:rPr lang="en-US" altLang="zh-CN" dirty="0" smtClean="0"/>
+              <a:t>filter</a:t>
+            </a:r>
+            <a:r>
+              <a:rPr lang="zh-CN" altLang="en-US" dirty="0" smtClean="0"/>
+              <a:t>统一加。</a:t>
+            </a:r>
+            <a:endParaRPr lang="en-US" altLang="zh-CN" dirty="0" smtClean="0"/>
+          </a:p>
+          <a:p>
+            <a:pPr lvl="2"/>
+            <a:r>
+              <a:rPr lang="en-US" altLang="zh-CN" dirty="0" err="1"/>
+              <a:t>w</a:t>
+            </a:r>
+            <a:r>
+              <a:rPr lang="en-US" altLang="zh-CN" dirty="0" err="1" smtClean="0"/>
+              <a:t>f</a:t>
+            </a:r>
+            <a:r>
+              <a:rPr lang="zh-CN" altLang="en-US" dirty="0" smtClean="0"/>
+              <a:t>下实现：增加：</a:t>
+            </a:r>
+            <a:r>
+              <a:rPr lang="en-US" altLang="zh-CN" dirty="0"/>
+              <a:t> </a:t>
+            </a:r>
+            <a:r>
+              <a:rPr lang="en-US" altLang="zh-CN" dirty="0" err="1"/>
+              <a:t>beat.getResponse</a:t>
+            </a:r>
+            <a:r>
+              <a:rPr lang="en-US" altLang="zh-CN" dirty="0"/>
+              <a:t>().</a:t>
+            </a:r>
+            <a:r>
+              <a:rPr lang="en-US" altLang="zh-CN" dirty="0" err="1"/>
+              <a:t>addHeader</a:t>
+            </a:r>
+            <a:r>
+              <a:rPr lang="en-US" altLang="zh-CN" dirty="0"/>
+              <a:t>("Access-Control-Allow-Origin", "*");</a:t>
+            </a:r>
+            <a:endParaRPr lang="en-US" altLang="zh-CN" dirty="0" smtClean="0"/>
+          </a:p>
+          <a:p>
+            <a:pPr lvl="1"/>
+            <a:endParaRPr lang="en-US" altLang="zh-CN" dirty="0" smtClean="0"/>
+          </a:p>
+          <a:p>
+            <a:endParaRPr lang="zh-CN" altLang="en-US" dirty="0"/>
+          </a:p>
+        </p:txBody>
+      </p:sp>
+    </p:spTree>
+    <p:extLst>
+      <p:ext uri="{BB962C8B-B14F-4D97-AF65-F5344CB8AC3E}">
+        <p14:creationId xmlns:p14="http://schemas.microsoft.com/office/powerpoint/2010/main" val="4030390260"/>
+      </p:ext>
+    </p:extLst>
+  </p:cSld>
+  <p:clrMapOvr>
+    <a:masterClrMapping/>
+  </p:clrMapOvr>
+</p:sld>
+</file>
+
+<file path=ppt/slides/slide15.xml><?xml version="1.0" encoding="utf-8"?>
+<p:sld xmlns:a="http://schemas.openxmlformats.org/drawingml/2006/main" xmlns:r="http://schemas.openxmlformats.org/officeDocument/2006/relationships" xmlns:p="http://schemas.openxmlformats.org/presentationml/2006/main">
+  <p:cSld>
+    <p:spTree>
+      <p:nvGrpSpPr>
+        <p:cNvPr id="1" name=""/>
+        <p:cNvGrpSpPr/>
+        <p:nvPr/>
+      </p:nvGrpSpPr>
+      <p:grpSpPr>
+        <a:xfrm>
+          <a:off x="0" y="0"/>
+          <a:ext cx="0" cy="0"/>
+          <a:chOff x="0" y="0"/>
+          <a:chExt cx="0" cy="0"/>
+        </a:xfrm>
+      </p:grpSpPr>
+      <p:sp>
+        <p:nvSpPr>
+          <p:cNvPr id="2" name="标题 1"/>
+          <p:cNvSpPr>
+            <a:spLocks noGrp="1"/>
+          </p:cNvSpPr>
+          <p:nvPr>
+            <p:ph type="title"/>
+          </p:nvPr>
+        </p:nvSpPr>
+        <p:spPr/>
+        <p:txBody>
+          <a:bodyPr/>
+          <a:lstStyle/>
+          <a:p>
+            <a:r>
+              <a:rPr lang="zh-CN" altLang="en-US" dirty="0"/>
+              <a:t>切换中遇到的问题和解决措施</a:t>
+            </a:r>
+            <a:r>
+              <a:rPr lang="zh-CN" altLang="en-US" dirty="0" smtClean="0"/>
+              <a:t>（四）</a:t>
+            </a:r>
+            <a:endParaRPr lang="zh-CN" altLang="en-US" dirty="0"/>
+          </a:p>
+        </p:txBody>
+      </p:sp>
+      <p:sp>
+        <p:nvSpPr>
+          <p:cNvPr id="3" name="内容占位符 2"/>
+          <p:cNvSpPr>
+            <a:spLocks noGrp="1"/>
+          </p:cNvSpPr>
+          <p:nvPr>
+            <p:ph idx="1"/>
+          </p:nvPr>
+        </p:nvSpPr>
+        <p:spPr/>
+        <p:txBody>
+          <a:bodyPr/>
+          <a:lstStyle/>
+          <a:p>
+            <a:r>
+              <a:rPr lang="zh-CN" altLang="en-US" dirty="0"/>
+              <a:t>简单</a:t>
+            </a:r>
+            <a:r>
+              <a:rPr lang="zh-CN" altLang="en-US" dirty="0" smtClean="0"/>
+              <a:t>网站压力测试？</a:t>
+            </a:r>
+            <a:endParaRPr lang="en-US" altLang="zh-CN" dirty="0" smtClean="0"/>
+          </a:p>
+          <a:p>
+            <a:pPr lvl="1"/>
+            <a:r>
+              <a:rPr lang="en-US" altLang="zh-CN" dirty="0" smtClean="0"/>
+              <a:t>Apache Bench:</a:t>
+            </a:r>
+            <a:r>
+              <a:rPr lang="zh-CN" altLang="en-US" dirty="0" smtClean="0"/>
+              <a:t>在</a:t>
+            </a:r>
+            <a:r>
+              <a:rPr lang="en-US" altLang="zh-CN" dirty="0" err="1" smtClean="0"/>
+              <a:t>httpd</a:t>
+            </a:r>
+            <a:r>
+              <a:rPr lang="en-US" altLang="zh-CN" dirty="0" smtClean="0"/>
+              <a:t>/apache/bin</a:t>
+            </a:r>
+            <a:r>
+              <a:rPr lang="zh-CN" altLang="en-US" dirty="0" smtClean="0"/>
+              <a:t>目录下</a:t>
+            </a:r>
+            <a:endParaRPr lang="en-US" altLang="zh-CN" dirty="0"/>
+          </a:p>
+          <a:p>
+            <a:pPr lvl="2"/>
+            <a:r>
+              <a:rPr lang="zh-CN" altLang="en-US" dirty="0" smtClean="0"/>
+              <a:t>一般使用：</a:t>
+            </a:r>
+            <a:r>
+              <a:rPr lang="en-US" altLang="zh-CN" dirty="0" smtClean="0"/>
+              <a:t>ab –n </a:t>
+            </a:r>
+            <a:r>
+              <a:rPr lang="zh-CN" altLang="en-US" dirty="0" smtClean="0"/>
+              <a:t>总请求量 </a:t>
+            </a:r>
+            <a:r>
+              <a:rPr lang="en-US" altLang="zh-CN" dirty="0" smtClean="0"/>
+              <a:t>–c </a:t>
+            </a:r>
+            <a:r>
+              <a:rPr lang="zh-CN" altLang="en-US" dirty="0" smtClean="0"/>
+              <a:t>并发请求量 目标网站</a:t>
+            </a:r>
+            <a:r>
+              <a:rPr lang="en-US" altLang="zh-CN" dirty="0" err="1" smtClean="0"/>
+              <a:t>url</a:t>
+            </a:r>
+            <a:r>
+              <a:rPr lang="en-US" altLang="zh-CN" dirty="0" smtClean="0"/>
+              <a:t>   </a:t>
+            </a:r>
+          </a:p>
+          <a:p>
+            <a:pPr lvl="2"/>
+            <a:r>
+              <a:rPr lang="zh-CN" altLang="en-US" dirty="0" smtClean="0"/>
+              <a:t>返回信息：如每秒请求数：</a:t>
+            </a:r>
+            <a:r>
+              <a:rPr lang="en-US" altLang="zh-CN" dirty="0" smtClean="0"/>
+              <a:t>requests per second  </a:t>
+            </a:r>
+            <a:r>
+              <a:rPr lang="zh-CN" altLang="en-US" dirty="0" smtClean="0"/>
+              <a:t>、每个请求的响应时间的分布情况</a:t>
+            </a:r>
+            <a:endParaRPr lang="en-US" altLang="zh-CN" dirty="0" smtClean="0"/>
+          </a:p>
+          <a:p>
+            <a:pPr lvl="1"/>
+            <a:r>
+              <a:rPr lang="en-US" altLang="zh-CN" dirty="0" smtClean="0"/>
+              <a:t>Apache </a:t>
+            </a:r>
+            <a:r>
+              <a:rPr lang="en-US" altLang="zh-CN" dirty="0" err="1" smtClean="0"/>
+              <a:t>jmeter</a:t>
+            </a:r>
+            <a:r>
+              <a:rPr lang="en-US" altLang="zh-CN" dirty="0" smtClean="0"/>
+              <a:t>:</a:t>
+            </a:r>
+          </a:p>
+          <a:p>
+            <a:pPr lvl="2"/>
+            <a:r>
+              <a:rPr lang="zh-CN" altLang="en-US" dirty="0" smtClean="0"/>
+              <a:t>一般使用：配置线程组、</a:t>
+            </a:r>
+            <a:r>
+              <a:rPr lang="en-US" altLang="zh-CN" dirty="0" smtClean="0"/>
+              <a:t>http cookie manager</a:t>
+            </a:r>
+            <a:r>
+              <a:rPr lang="zh-CN" altLang="en-US" dirty="0" smtClean="0"/>
+              <a:t>、</a:t>
+            </a:r>
+            <a:r>
+              <a:rPr lang="en-US" altLang="zh-CN" dirty="0" smtClean="0"/>
+              <a:t>view results tree</a:t>
+            </a:r>
+            <a:r>
+              <a:rPr lang="zh-CN" altLang="en-US" dirty="0" smtClean="0"/>
+              <a:t>。点击</a:t>
+            </a:r>
+            <a:r>
+              <a:rPr lang="en-US" altLang="zh-CN" dirty="0" smtClean="0"/>
+              <a:t>start</a:t>
+            </a:r>
+            <a:r>
+              <a:rPr lang="zh-CN" altLang="en-US" dirty="0" smtClean="0"/>
+              <a:t>。查看</a:t>
+            </a:r>
+            <a:r>
+              <a:rPr lang="en-US" altLang="zh-CN" dirty="0" smtClean="0"/>
+              <a:t>summary report</a:t>
+            </a:r>
+            <a:r>
+              <a:rPr lang="zh-CN" altLang="en-US" dirty="0" smtClean="0"/>
+              <a:t>即可。</a:t>
+            </a:r>
+            <a:endParaRPr lang="en-US" altLang="zh-CN" dirty="0" smtClean="0"/>
+          </a:p>
+          <a:p>
+            <a:pPr lvl="2"/>
+            <a:r>
+              <a:rPr lang="en-US" altLang="zh-CN" dirty="0" smtClean="0"/>
+              <a:t>Summary report</a:t>
+            </a:r>
+            <a:r>
+              <a:rPr lang="zh-CN" altLang="en-US" dirty="0" smtClean="0"/>
+              <a:t>信息：每秒请求数：</a:t>
+            </a:r>
+            <a:r>
+              <a:rPr lang="en-US" altLang="zh-CN" dirty="0" smtClean="0"/>
+              <a:t>Throughout ,</a:t>
+            </a:r>
+            <a:r>
+              <a:rPr lang="zh-CN" altLang="en-US" dirty="0" smtClean="0"/>
+              <a:t>每秒发送流量和接收流量</a:t>
+            </a:r>
+            <a:endParaRPr lang="en-US" altLang="zh-CN" dirty="0"/>
+          </a:p>
+          <a:p>
+            <a:pPr lvl="1"/>
+            <a:endParaRPr lang="en-US" altLang="zh-CN" dirty="0"/>
+          </a:p>
+          <a:p>
+            <a:pPr lvl="1"/>
+            <a:endParaRPr lang="zh-CN" altLang="en-US" dirty="0"/>
+          </a:p>
+        </p:txBody>
+      </p:sp>
+    </p:spTree>
+    <p:extLst>
+      <p:ext uri="{BB962C8B-B14F-4D97-AF65-F5344CB8AC3E}">
+        <p14:creationId xmlns:p14="http://schemas.microsoft.com/office/powerpoint/2010/main" val="1454907375"/>
+      </p:ext>
+    </p:extLst>
+  </p:cSld>
+  <p:clrMapOvr>
+    <a:masterClrMapping/>
+  </p:clrMapOvr>
+</p:sld>
+</file>
+
+<file path=ppt/slides/slide16.xml><?xml version="1.0" encoding="utf-8"?>
+<p:sld xmlns:a="http://schemas.openxmlformats.org/drawingml/2006/main" xmlns:r="http://schemas.openxmlformats.org/officeDocument/2006/relationships" xmlns:p="http://schemas.openxmlformats.org/presentationml/2006/main">
+  <p:cSld>
+    <p:spTree>
+      <p:nvGrpSpPr>
+        <p:cNvPr id="1" name=""/>
+        <p:cNvGrpSpPr/>
+        <p:nvPr/>
+      </p:nvGrpSpPr>
+      <p:grpSpPr>
+        <a:xfrm>
+          <a:off x="0" y="0"/>
+          <a:ext cx="0" cy="0"/>
+          <a:chOff x="0" y="0"/>
+          <a:chExt cx="0" cy="0"/>
+        </a:xfrm>
+      </p:grpSpPr>
+      <p:sp>
+        <p:nvSpPr>
+          <p:cNvPr id="2" name="标题 1"/>
+          <p:cNvSpPr>
+            <a:spLocks noGrp="1"/>
+          </p:cNvSpPr>
+          <p:nvPr>
+            <p:ph type="title"/>
+          </p:nvPr>
+        </p:nvSpPr>
+        <p:spPr/>
+        <p:txBody>
+          <a:bodyPr/>
+          <a:lstStyle/>
+          <a:p>
+            <a:endParaRPr lang="zh-CN" altLang="en-US"/>
+          </a:p>
+        </p:txBody>
+      </p:sp>
+      <p:sp>
+        <p:nvSpPr>
+          <p:cNvPr id="3" name="内容占位符 2"/>
+          <p:cNvSpPr>
+            <a:spLocks noGrp="1"/>
+          </p:cNvSpPr>
+          <p:nvPr>
+            <p:ph idx="1"/>
+          </p:nvPr>
+        </p:nvSpPr>
+        <p:spPr/>
+        <p:txBody>
+          <a:bodyPr/>
+          <a:lstStyle/>
+          <a:p>
+            <a:r>
+              <a:rPr lang="en-US" altLang="zh-CN" dirty="0"/>
+              <a:t>App</a:t>
+            </a:r>
+            <a:r>
+              <a:rPr lang="zh-CN" altLang="en-US" dirty="0"/>
+              <a:t>请求转发到本地</a:t>
+            </a:r>
+            <a:r>
+              <a:rPr lang="en-US" altLang="zh-CN" dirty="0"/>
+              <a:t>debug</a:t>
+            </a:r>
+            <a:r>
+              <a:rPr lang="zh-CN" altLang="en-US" dirty="0" smtClean="0"/>
+              <a:t>？</a:t>
+            </a:r>
+            <a:endParaRPr lang="en-US" altLang="zh-CN" dirty="0" smtClean="0"/>
+          </a:p>
+          <a:p>
+            <a:pPr lvl="1"/>
+            <a:r>
+              <a:rPr lang="zh-CN" altLang="en-US" dirty="0" smtClean="0"/>
+              <a:t>使用</a:t>
+            </a:r>
+            <a:r>
+              <a:rPr lang="en-US" altLang="zh-CN" dirty="0" err="1" smtClean="0"/>
+              <a:t>charles</a:t>
+            </a:r>
+            <a:r>
+              <a:rPr lang="en-US" altLang="zh-CN" smtClean="0"/>
+              <a:t>:</a:t>
+            </a:r>
+            <a:endParaRPr lang="en-US" altLang="zh-CN" dirty="0"/>
+          </a:p>
+          <a:p>
+            <a:endParaRPr lang="en-US" altLang="zh-CN" dirty="0" smtClean="0"/>
+          </a:p>
+          <a:p>
+            <a:endParaRPr lang="en-US" altLang="zh-CN" dirty="0"/>
+          </a:p>
+        </p:txBody>
+      </p:sp>
+    </p:spTree>
+    <p:extLst>
+      <p:ext uri="{BB962C8B-B14F-4D97-AF65-F5344CB8AC3E}">
+        <p14:creationId xmlns:p14="http://schemas.microsoft.com/office/powerpoint/2010/main" val="2577353309"/>
+      </p:ext>
+    </p:extLst>
+  </p:cSld>
+  <p:clrMapOvr>
+    <a:masterClrMapping/>
+  </p:clrMapOvr>
+</p:sld>
+</file>
+
+<file path=ppt/slides/slide17.xml><?xml version="1.0" encoding="utf-8"?>
 <p:sld xmlns:a="http://schemas.openxmlformats.org/drawingml/2006/main" xmlns:r="http://schemas.openxmlformats.org/officeDocument/2006/relationships" xmlns:p="http://schemas.openxmlformats.org/presentationml/2006/main">
   <p:cSld>
     <p:spTree>

--- a/业务习惯/入职三月以来工作总结.pptx
+++ b/业务习惯/入职三月以来工作总结.pptx
@@ -21,7 +21,12 @@
     <p:sldId id="270" r:id="rId15"/>
     <p:sldId id="271" r:id="rId16"/>
     <p:sldId id="272" r:id="rId17"/>
-    <p:sldId id="260" r:id="rId18"/>
+    <p:sldId id="273" r:id="rId18"/>
+    <p:sldId id="274" r:id="rId19"/>
+    <p:sldId id="275" r:id="rId20"/>
+    <p:sldId id="277" r:id="rId21"/>
+    <p:sldId id="276" r:id="rId22"/>
+    <p:sldId id="260" r:id="rId23"/>
   </p:sldIdLst>
   <p:sldSz cx="12192000" cy="6858000"/>
   <p:notesSz cx="6858000" cy="9144000"/>
@@ -153,6 +158,15 @@
             <p14:sldId id="270"/>
             <p14:sldId id="271"/>
             <p14:sldId id="272"/>
+            <p14:sldId id="273"/>
+            <p14:sldId id="274"/>
+            <p14:sldId id="275"/>
+          </p14:sldIdLst>
+        </p14:section>
+        <p14:section name="二手房大类页-我的举报和钱包" id="{22372DB3-57FB-42A6-B558-160B8765ACA8}">
+          <p14:sldIdLst>
+            <p14:sldId id="277"/>
+            <p14:sldId id="276"/>
           </p14:sldIdLst>
         </p14:section>
         <p14:section name="总结" id="{C4093FB5-5155-4A73-8B5E-764E842CF0BF}">
@@ -8412,11 +8426,7 @@
             </a:r>
             <a:r>
               <a:rPr lang="zh-CN" altLang="en-US" dirty="0" smtClean="0"/>
-              <a:t>连接</a:t>
-            </a:r>
-            <a:r>
-              <a:rPr lang="zh-CN" altLang="en-US" dirty="0" smtClean="0"/>
-              <a:t>实现问题？</a:t>
+              <a:t>连接实现问题？</a:t>
             </a:r>
             <a:endParaRPr lang="en-US" altLang="zh-CN" dirty="0" smtClean="0"/>
           </a:p>
@@ -8432,11 +8442,7 @@
             </a:r>
             <a:r>
               <a:rPr lang="zh-CN" altLang="en-US" dirty="0" smtClean="0"/>
-              <a:t>代理</a:t>
-            </a:r>
-            <a:r>
-              <a:rPr lang="zh-CN" altLang="en-US" dirty="0" smtClean="0"/>
-              <a:t>：项目以</a:t>
+              <a:t>代理：项目以</a:t>
             </a:r>
             <a:r>
               <a:rPr lang="en-US" altLang="zh-CN" dirty="0" smtClean="0"/>
@@ -8564,11 +8570,7 @@
             </a:r>
             <a:r>
               <a:rPr lang="zh-CN" altLang="en-US" dirty="0" smtClean="0"/>
-              <a:t>端口，但是自签名，所以会有不安全的</a:t>
-            </a:r>
-            <a:r>
-              <a:rPr lang="zh-CN" altLang="en-US" dirty="0" smtClean="0"/>
-              <a:t>标记</a:t>
+              <a:t>端口，但是自签名，所以会有不安全的标记</a:t>
             </a:r>
             <a:endParaRPr lang="en-US" altLang="zh-CN" dirty="0" smtClean="0"/>
           </a:p>
@@ -9600,7 +9602,15 @@
           <a:bodyPr/>
           <a:lstStyle/>
           <a:p>
-            <a:endParaRPr lang="zh-CN" altLang="en-US"/>
+            <a:r>
+              <a:rPr lang="zh-CN" altLang="en-US" dirty="0"/>
+              <a:t>切换中遇到的问题和解决措施</a:t>
+            </a:r>
+            <a:r>
+              <a:rPr lang="zh-CN" altLang="en-US" dirty="0" smtClean="0"/>
+              <a:t>（五）</a:t>
+            </a:r>
+            <a:endParaRPr lang="zh-CN" altLang="en-US" dirty="0"/>
           </a:p>
         </p:txBody>
       </p:sp>
@@ -9648,9 +9658,301 @@
               <a:t>charles</a:t>
             </a:r>
             <a:r>
-              <a:rPr lang="en-US" altLang="zh-CN" smtClean="0"/>
+              <a:rPr lang="zh-CN" altLang="en-US" dirty="0" smtClean="0"/>
+              <a:t>作代理服务器</a:t>
+            </a:r>
+            <a:r>
+              <a:rPr lang="en-US" altLang="zh-CN" dirty="0" smtClean="0"/>
               <a:t>:</a:t>
             </a:r>
+          </a:p>
+          <a:p>
+            <a:pPr lvl="2"/>
+            <a:r>
+              <a:rPr lang="zh-CN" altLang="en-US" dirty="0"/>
+              <a:t>环境条件：电脑无线</a:t>
+            </a:r>
+            <a:r>
+              <a:rPr lang="zh-CN" altLang="en-US" dirty="0" smtClean="0"/>
+              <a:t>连接、防火墙</a:t>
+            </a:r>
+            <a:r>
+              <a:rPr lang="zh-CN" altLang="en-US" dirty="0"/>
+              <a:t>关闭 </a:t>
+            </a:r>
+            <a:r>
+              <a:rPr lang="zh-CN" altLang="en-US" dirty="0" smtClean="0"/>
+              <a:t>、手机</a:t>
+            </a:r>
+            <a:r>
+              <a:rPr lang="zh-CN" altLang="en-US" dirty="0"/>
+              <a:t>连接代理服务器后安装证书</a:t>
+            </a:r>
+            <a:r>
+              <a:rPr lang="en-US" altLang="zh-CN" dirty="0"/>
+              <a:t>(</a:t>
+            </a:r>
+            <a:r>
+              <a:rPr lang="en-US" altLang="zh-CN" dirty="0" err="1"/>
+              <a:t>ios</a:t>
+            </a:r>
+            <a:r>
+              <a:rPr lang="en-US" altLang="zh-CN" dirty="0"/>
+              <a:t> </a:t>
+            </a:r>
+            <a:r>
+              <a:rPr lang="zh-CN" altLang="en-US" dirty="0"/>
+              <a:t>扫</a:t>
+            </a:r>
+            <a:r>
+              <a:rPr lang="en-US" altLang="zh-CN" dirty="0" smtClean="0">
+                <a:hlinkClick r:id="rId2"/>
+              </a:rPr>
+              <a:t>www.charlesproxy.com/getssl</a:t>
+            </a:r>
+            <a:r>
+              <a:rPr lang="en-US" altLang="zh-CN" dirty="0" smtClean="0"/>
+              <a:t>)</a:t>
+            </a:r>
+            <a:r>
+              <a:rPr lang="zh-CN" altLang="en-US" dirty="0" smtClean="0"/>
+              <a:t>、</a:t>
+            </a:r>
+            <a:r>
+              <a:rPr lang="en-US" altLang="zh-CN" dirty="0" err="1" smtClean="0"/>
+              <a:t>charles</a:t>
+            </a:r>
+            <a:r>
+              <a:rPr lang="zh-CN" altLang="en-US" dirty="0"/>
+              <a:t>确认</a:t>
+            </a:r>
+            <a:r>
+              <a:rPr lang="en-US" altLang="zh-CN" dirty="0" smtClean="0"/>
+              <a:t>allow</a:t>
+            </a:r>
+          </a:p>
+          <a:p>
+            <a:pPr lvl="2"/>
+            <a:r>
+              <a:rPr lang="zh-CN" altLang="en-US" dirty="0" smtClean="0"/>
+              <a:t>基本配置：</a:t>
+            </a:r>
+            <a:endParaRPr lang="en-US" altLang="zh-CN" dirty="0" smtClean="0"/>
+          </a:p>
+          <a:p>
+            <a:pPr lvl="3"/>
+            <a:r>
+              <a:rPr lang="en-US" altLang="zh-CN" dirty="0"/>
+              <a:t>p</a:t>
+            </a:r>
+            <a:r>
+              <a:rPr lang="en-US" altLang="zh-CN" dirty="0" smtClean="0"/>
+              <a:t>roxy settings:</a:t>
+            </a:r>
+            <a:r>
+              <a:rPr lang="zh-CN" altLang="en-US" dirty="0" smtClean="0"/>
+              <a:t>配置代理服务器端口、使能透明</a:t>
+            </a:r>
+            <a:r>
+              <a:rPr lang="en-US" altLang="zh-CN" dirty="0" smtClean="0"/>
+              <a:t>http </a:t>
+            </a:r>
+            <a:r>
+              <a:rPr lang="en-US" altLang="zh-CN" dirty="0" err="1" smtClean="0"/>
+              <a:t>proxying</a:t>
+            </a:r>
+            <a:r>
+              <a:rPr lang="zh-CN" altLang="en-US" dirty="0" smtClean="0"/>
+              <a:t>，点击开始</a:t>
+            </a:r>
+            <a:r>
+              <a:rPr lang="zh-CN" altLang="en-US" dirty="0"/>
+              <a:t>记录</a:t>
+            </a:r>
+            <a:endParaRPr lang="en-US" altLang="zh-CN" dirty="0" smtClean="0"/>
+          </a:p>
+          <a:p>
+            <a:pPr lvl="3"/>
+            <a:r>
+              <a:rPr lang="en-US" altLang="zh-CN" dirty="0" err="1"/>
+              <a:t>ssl</a:t>
+            </a:r>
+            <a:r>
+              <a:rPr lang="en-US" altLang="zh-CN" dirty="0"/>
+              <a:t> proxy settings: locations</a:t>
+            </a:r>
+            <a:r>
+              <a:rPr lang="zh-CN" altLang="en-US" dirty="0"/>
+              <a:t>一栏要加*</a:t>
+            </a:r>
+            <a:r>
+              <a:rPr lang="en-US" altLang="zh-CN" dirty="0"/>
+              <a:t>:443</a:t>
+            </a:r>
+            <a:r>
+              <a:rPr lang="zh-CN" altLang="en-US" dirty="0"/>
+              <a:t>来代理所有的</a:t>
+            </a:r>
+            <a:r>
+              <a:rPr lang="en-US" altLang="zh-CN" dirty="0"/>
+              <a:t>https</a:t>
+            </a:r>
+            <a:r>
+              <a:rPr lang="zh-CN" altLang="en-US" dirty="0"/>
+              <a:t>安全请求</a:t>
+            </a:r>
+            <a:r>
+              <a:rPr lang="en-US" altLang="zh-CN" dirty="0"/>
+              <a:t>,</a:t>
+            </a:r>
+            <a:r>
+              <a:rPr lang="zh-CN" altLang="en-US" dirty="0"/>
+              <a:t>否则有的</a:t>
+            </a:r>
+            <a:r>
+              <a:rPr lang="en-US" altLang="zh-CN" dirty="0"/>
+              <a:t>https</a:t>
+            </a:r>
+            <a:r>
+              <a:rPr lang="zh-CN" altLang="en-US" dirty="0"/>
+              <a:t>请求会被忽略</a:t>
+            </a:r>
+            <a:r>
+              <a:rPr lang="en-US" altLang="zh-CN" dirty="0"/>
+              <a:t>--</a:t>
+            </a:r>
+            <a:r>
+              <a:rPr lang="zh-CN" altLang="en-US" dirty="0"/>
+              <a:t>比如</a:t>
+            </a:r>
+            <a:r>
+              <a:rPr lang="en-US" altLang="zh-CN" dirty="0" err="1"/>
+              <a:t>js</a:t>
+            </a:r>
+            <a:r>
+              <a:rPr lang="en-US" altLang="zh-CN" dirty="0"/>
+              <a:t>/</a:t>
+            </a:r>
+            <a:r>
+              <a:rPr lang="en-US" altLang="zh-CN" dirty="0" err="1"/>
+              <a:t>css</a:t>
+            </a:r>
+            <a:r>
+              <a:rPr lang="zh-CN" altLang="en-US" dirty="0"/>
+              <a:t>从而获取不到资源</a:t>
+            </a:r>
+            <a:r>
+              <a:rPr lang="zh-CN" altLang="en-US" dirty="0" smtClean="0"/>
+              <a:t>。</a:t>
+            </a:r>
+            <a:endParaRPr lang="en-US" altLang="zh-CN" dirty="0" smtClean="0"/>
+          </a:p>
+          <a:p>
+            <a:pPr lvl="3"/>
+            <a:r>
+              <a:rPr lang="en-US" altLang="zh-CN" dirty="0"/>
+              <a:t>map remote settings: </a:t>
+            </a:r>
+            <a:r>
+              <a:rPr lang="zh-CN" altLang="en-US" dirty="0"/>
+              <a:t>要加一个</a:t>
+            </a:r>
+            <a:r>
+              <a:rPr lang="en-US" altLang="zh-CN" dirty="0" err="1"/>
+              <a:t>url</a:t>
+            </a:r>
+            <a:r>
+              <a:rPr lang="zh-CN" altLang="en-US" dirty="0"/>
+              <a:t>映射</a:t>
+            </a:r>
+            <a:r>
+              <a:rPr lang="zh-CN" altLang="en-US" dirty="0" smtClean="0"/>
+              <a:t>，协议、域名必写，</a:t>
+            </a:r>
+            <a:r>
+              <a:rPr lang="en-US" altLang="zh-CN" dirty="0" smtClean="0"/>
+              <a:t>query</a:t>
+            </a:r>
+            <a:r>
+              <a:rPr lang="zh-CN" altLang="en-US" dirty="0"/>
+              <a:t>一栏可以不写，会自动将源</a:t>
+            </a:r>
+            <a:r>
+              <a:rPr lang="en-US" altLang="zh-CN" dirty="0" err="1"/>
+              <a:t>url</a:t>
+            </a:r>
+            <a:r>
+              <a:rPr lang="zh-CN" altLang="en-US" dirty="0"/>
+              <a:t>上</a:t>
+            </a:r>
+            <a:r>
+              <a:rPr lang="zh-CN" altLang="en-US" dirty="0" smtClean="0"/>
+              <a:t>的查询参数补</a:t>
+            </a:r>
+            <a:r>
+              <a:rPr lang="zh-CN" altLang="en-US" dirty="0"/>
+              <a:t>到目的</a:t>
+            </a:r>
+            <a:r>
+              <a:rPr lang="en-US" altLang="zh-CN" dirty="0" err="1"/>
+              <a:t>url</a:t>
+            </a:r>
+            <a:r>
+              <a:rPr lang="zh-CN" altLang="en-US" dirty="0"/>
+              <a:t>上。</a:t>
+            </a:r>
+            <a:endParaRPr lang="en-US" altLang="zh-CN" dirty="0"/>
+          </a:p>
+          <a:p>
+            <a:pPr lvl="2"/>
+            <a:r>
+              <a:rPr lang="zh-CN" altLang="en-US" dirty="0"/>
+              <a:t>注意：源请求</a:t>
+            </a:r>
+            <a:r>
+              <a:rPr lang="en-US" altLang="zh-CN" dirty="0"/>
+              <a:t>path</a:t>
+            </a:r>
+            <a:r>
+              <a:rPr lang="zh-CN" altLang="en-US" dirty="0"/>
+              <a:t>路径不</a:t>
+            </a:r>
+            <a:r>
+              <a:rPr lang="zh-CN" altLang="en-US" dirty="0" smtClean="0"/>
+              <a:t>加</a:t>
+            </a:r>
+            <a:r>
+              <a:rPr lang="zh-CN" altLang="en-US" dirty="0"/>
+              <a:t>？</a:t>
+            </a:r>
+            <a:r>
+              <a:rPr lang="zh-CN" altLang="en-US" dirty="0" smtClean="0"/>
+              <a:t>结尾</a:t>
+            </a:r>
+            <a:r>
+              <a:rPr lang="zh-CN" altLang="en-US" dirty="0"/>
+              <a:t>，而目标</a:t>
+            </a:r>
+            <a:r>
+              <a:rPr lang="en-US" altLang="zh-CN" dirty="0" err="1"/>
+              <a:t>url</a:t>
+            </a:r>
+            <a:r>
+              <a:rPr lang="zh-CN" altLang="en-US" dirty="0"/>
+              <a:t>可以加</a:t>
+            </a:r>
+            <a:r>
+              <a:rPr lang="zh-CN" altLang="en-US" dirty="0" smtClean="0"/>
+              <a:t>。否则无法路由。</a:t>
+            </a:r>
+            <a:endParaRPr lang="en-US" altLang="zh-CN" dirty="0"/>
+          </a:p>
+          <a:p>
+            <a:pPr lvl="1"/>
+            <a:endParaRPr lang="en-US" altLang="zh-CN" dirty="0" smtClean="0"/>
+          </a:p>
+          <a:p>
+            <a:pPr lvl="1"/>
             <a:endParaRPr lang="en-US" altLang="zh-CN" dirty="0"/>
           </a:p>
           <a:p>
@@ -9706,7 +10008,15 @@
           <a:bodyPr/>
           <a:lstStyle/>
           <a:p>
-            <a:endParaRPr lang="zh-CN" altLang="en-US"/>
+            <a:r>
+              <a:rPr lang="zh-CN" altLang="en-US" dirty="0"/>
+              <a:t>切换中遇到的问题和解决措施</a:t>
+            </a:r>
+            <a:r>
+              <a:rPr lang="zh-CN" altLang="en-US" dirty="0" smtClean="0"/>
+              <a:t>（六）</a:t>
+            </a:r>
+            <a:endParaRPr lang="zh-CN" altLang="en-US" dirty="0"/>
           </a:p>
         </p:txBody>
       </p:sp>
@@ -9722,17 +10032,1066 @@
         </p:nvSpPr>
         <p:spPr/>
         <p:txBody>
-          <a:bodyPr/>
+          <a:bodyPr>
+            <a:normAutofit fontScale="92500" lnSpcReduction="20000"/>
+          </a:bodyPr>
           <a:lstStyle/>
           <a:p>
-            <a:endParaRPr lang="zh-CN" altLang="en-US"/>
+            <a:r>
+              <a:rPr lang="en-US" altLang="zh-CN" dirty="0" smtClean="0"/>
+              <a:t>android/</a:t>
+            </a:r>
+            <a:r>
+              <a:rPr lang="en-US" altLang="zh-CN" dirty="0" err="1" smtClean="0"/>
+              <a:t>ios</a:t>
+            </a:r>
+            <a:r>
+              <a:rPr lang="zh-CN" altLang="en-US" dirty="0" smtClean="0"/>
+              <a:t>环境上</a:t>
+            </a:r>
+            <a:r>
+              <a:rPr lang="en-US" altLang="zh-CN" dirty="0" smtClean="0"/>
+              <a:t>app</a:t>
+            </a:r>
+            <a:r>
+              <a:rPr lang="zh-CN" altLang="en-US" dirty="0" smtClean="0"/>
+              <a:t>测试包的基本使用：</a:t>
+            </a:r>
+            <a:endParaRPr lang="en-US" altLang="zh-CN" dirty="0" smtClean="0"/>
+          </a:p>
+          <a:p>
+            <a:pPr lvl="1"/>
+            <a:r>
+              <a:rPr lang="zh-CN" altLang="en-US" dirty="0" smtClean="0"/>
+              <a:t>测试环境切换：</a:t>
+            </a:r>
+            <a:r>
+              <a:rPr lang="en-US" altLang="zh-CN" dirty="0" smtClean="0"/>
+              <a:t>app</a:t>
+            </a:r>
+            <a:r>
+              <a:rPr lang="en-US" altLang="zh-CN" dirty="0" smtClean="0">
+                <a:sym typeface="Wingdings" panose="05000000000000000000" pitchFamily="2" charset="2"/>
+              </a:rPr>
+              <a:t></a:t>
+            </a:r>
+            <a:r>
+              <a:rPr lang="zh-CN" altLang="en-US" dirty="0" smtClean="0">
+                <a:sym typeface="Wingdings" panose="05000000000000000000" pitchFamily="2" charset="2"/>
+              </a:rPr>
+              <a:t>个人中心</a:t>
+            </a:r>
+            <a:r>
+              <a:rPr lang="en-US" altLang="zh-CN" dirty="0" smtClean="0">
+                <a:sym typeface="Wingdings" panose="05000000000000000000" pitchFamily="2" charset="2"/>
+              </a:rPr>
+              <a:t></a:t>
+            </a:r>
+            <a:r>
+              <a:rPr lang="zh-CN" altLang="en-US" dirty="0" smtClean="0"/>
+              <a:t>开发</a:t>
+            </a:r>
+            <a:r>
+              <a:rPr lang="zh-CN" altLang="en-US" dirty="0"/>
+              <a:t>者</a:t>
+            </a:r>
+            <a:r>
+              <a:rPr lang="zh-CN" altLang="en-US" dirty="0" smtClean="0"/>
+              <a:t>选项</a:t>
+            </a:r>
+            <a:r>
+              <a:rPr lang="en-US" altLang="zh-CN" dirty="0" smtClean="0">
+                <a:sym typeface="Wingdings" panose="05000000000000000000" pitchFamily="2" charset="2"/>
+              </a:rPr>
+              <a:t></a:t>
+            </a:r>
+            <a:r>
+              <a:rPr lang="zh-CN" altLang="en-US" dirty="0" smtClean="0"/>
+              <a:t>切换</a:t>
+            </a:r>
+            <a:r>
+              <a:rPr lang="zh-CN" altLang="en-US" dirty="0"/>
+              <a:t>运行</a:t>
+            </a:r>
+            <a:r>
+              <a:rPr lang="zh-CN" altLang="en-US" dirty="0" smtClean="0"/>
+              <a:t>环境</a:t>
+            </a:r>
+            <a:r>
+              <a:rPr lang="en-US" altLang="zh-CN" dirty="0" smtClean="0">
+                <a:sym typeface="Wingdings" panose="05000000000000000000" pitchFamily="2" charset="2"/>
+              </a:rPr>
+              <a:t></a:t>
+            </a:r>
+            <a:r>
+              <a:rPr lang="zh-CN" altLang="en-US" dirty="0" smtClean="0"/>
+              <a:t>测试</a:t>
+            </a:r>
+            <a:r>
+              <a:rPr lang="zh-CN" altLang="en-US" dirty="0"/>
+              <a:t>环境</a:t>
+            </a:r>
+            <a:r>
+              <a:rPr lang="en-US" altLang="zh-CN" dirty="0"/>
+              <a:t>/</a:t>
+            </a:r>
+            <a:r>
+              <a:rPr lang="zh-CN" altLang="en-US" dirty="0"/>
+              <a:t>业务线预上线</a:t>
+            </a:r>
+            <a:r>
+              <a:rPr lang="zh-CN" altLang="en-US" dirty="0" smtClean="0"/>
+              <a:t>环境。。。测试环境可以配置为连接私有云沙箱环境。</a:t>
+            </a:r>
+            <a:endParaRPr lang="en-US" altLang="zh-CN" dirty="0"/>
+          </a:p>
+          <a:p>
+            <a:r>
+              <a:rPr lang="en-US" altLang="zh-CN" dirty="0" err="1"/>
+              <a:t>i</a:t>
+            </a:r>
+            <a:r>
+              <a:rPr lang="en-US" altLang="zh-CN" dirty="0" err="1" smtClean="0"/>
+              <a:t>os</a:t>
+            </a:r>
+            <a:r>
+              <a:rPr lang="zh-CN" altLang="en-US" dirty="0" smtClean="0"/>
+              <a:t>上</a:t>
+            </a:r>
+            <a:r>
+              <a:rPr lang="en-US" altLang="zh-CN" dirty="0" smtClean="0"/>
+              <a:t>app</a:t>
+            </a:r>
+            <a:r>
+              <a:rPr lang="zh-CN" altLang="en-US" dirty="0" smtClean="0"/>
+              <a:t>二手房大类页没显示城市地图的</a:t>
+            </a:r>
+            <a:r>
+              <a:rPr lang="en-US" altLang="zh-CN" dirty="0" smtClean="0"/>
+              <a:t>bug</a:t>
+            </a:r>
+            <a:r>
+              <a:rPr lang="zh-CN" altLang="en-US" dirty="0" smtClean="0"/>
+              <a:t>？</a:t>
+            </a:r>
+            <a:endParaRPr lang="en-US" altLang="zh-CN" dirty="0" smtClean="0"/>
+          </a:p>
+          <a:p>
+            <a:pPr lvl="1"/>
+            <a:r>
+              <a:rPr lang="zh-CN" altLang="en-US" dirty="0" smtClean="0"/>
+              <a:t>问题复现：在</a:t>
+            </a:r>
+            <a:r>
+              <a:rPr lang="en-US" altLang="zh-CN" dirty="0" smtClean="0"/>
+              <a:t>android</a:t>
+            </a:r>
+            <a:r>
+              <a:rPr lang="zh-CN" altLang="en-US" dirty="0" smtClean="0"/>
+              <a:t>系统上，可以显示。而在</a:t>
+            </a:r>
+            <a:r>
+              <a:rPr lang="en-US" altLang="zh-CN" dirty="0" err="1" smtClean="0"/>
+              <a:t>ios</a:t>
+            </a:r>
+            <a:r>
+              <a:rPr lang="zh-CN" altLang="en-US" dirty="0" smtClean="0"/>
+              <a:t>上不显示。在浏览器上可以显示。</a:t>
+            </a:r>
+            <a:endParaRPr lang="en-US" altLang="zh-CN" dirty="0" smtClean="0"/>
+          </a:p>
+          <a:p>
+            <a:pPr lvl="1"/>
+            <a:r>
+              <a:rPr lang="zh-CN" altLang="en-US" dirty="0" smtClean="0"/>
+              <a:t>显示的逻辑：判断当前城市</a:t>
+            </a:r>
+            <a:r>
+              <a:rPr lang="en-US" altLang="zh-CN" dirty="0" smtClean="0"/>
+              <a:t>id == </a:t>
+            </a:r>
+            <a:r>
+              <a:rPr lang="zh-CN" altLang="en-US" dirty="0" smtClean="0"/>
+              <a:t>定位城市</a:t>
+            </a:r>
+            <a:r>
+              <a:rPr lang="en-US" altLang="zh-CN" dirty="0" smtClean="0"/>
+              <a:t>id  ,</a:t>
+            </a:r>
+            <a:r>
+              <a:rPr lang="zh-CN" altLang="en-US" dirty="0" smtClean="0"/>
+              <a:t>为真则显示，否则不显示。</a:t>
+            </a:r>
+            <a:endParaRPr lang="en-US" altLang="zh-CN" dirty="0" smtClean="0"/>
+          </a:p>
+          <a:p>
+            <a:pPr lvl="1"/>
+            <a:r>
+              <a:rPr lang="zh-CN" altLang="en-US" dirty="0" smtClean="0"/>
+              <a:t>问题原因：</a:t>
+            </a:r>
+            <a:r>
+              <a:rPr lang="en-US" altLang="zh-CN" dirty="0" err="1" smtClean="0"/>
+              <a:t>ios</a:t>
+            </a:r>
+            <a:r>
+              <a:rPr lang="zh-CN" altLang="en-US" dirty="0" smtClean="0"/>
+              <a:t>定位城市</a:t>
+            </a:r>
+            <a:r>
+              <a:rPr lang="en-US" altLang="zh-CN" dirty="0" smtClean="0"/>
+              <a:t>id</a:t>
+            </a:r>
+            <a:r>
+              <a:rPr lang="zh-CN" altLang="en-US" dirty="0" smtClean="0"/>
+              <a:t>取值为</a:t>
+            </a:r>
+            <a:r>
+              <a:rPr lang="en-US" altLang="zh-CN" dirty="0" smtClean="0"/>
+              <a:t>null</a:t>
+            </a:r>
+            <a:r>
+              <a:rPr lang="zh-CN" altLang="en-US" dirty="0" smtClean="0"/>
+              <a:t>。</a:t>
+            </a:r>
+            <a:endParaRPr lang="en-US" altLang="zh-CN" dirty="0" smtClean="0"/>
+          </a:p>
+          <a:p>
+            <a:pPr lvl="2"/>
+            <a:r>
+              <a:rPr lang="zh-CN" altLang="en-US" dirty="0" smtClean="0"/>
+              <a:t>为</a:t>
+            </a:r>
+            <a:r>
+              <a:rPr lang="en-US" altLang="zh-CN" dirty="0" smtClean="0"/>
+              <a:t>null</a:t>
+            </a:r>
+            <a:r>
+              <a:rPr lang="zh-CN" altLang="en-US" dirty="0" smtClean="0"/>
+              <a:t>原因：</a:t>
+            </a:r>
+            <a:r>
+              <a:rPr lang="en-US" altLang="zh-CN" dirty="0" err="1" smtClean="0"/>
+              <a:t>currentcid</a:t>
+            </a:r>
+            <a:r>
+              <a:rPr lang="zh-CN" altLang="en-US" dirty="0" smtClean="0"/>
+              <a:t>键值对在</a:t>
+            </a:r>
+            <a:r>
+              <a:rPr lang="en-US" altLang="zh-CN" dirty="0" smtClean="0"/>
+              <a:t>android</a:t>
+            </a:r>
+            <a:r>
+              <a:rPr lang="zh-CN" altLang="en-US" dirty="0"/>
+              <a:t>发</a:t>
+            </a:r>
+            <a:r>
+              <a:rPr lang="zh-CN" altLang="en-US" dirty="0" smtClean="0"/>
+              <a:t>来的请求中是在</a:t>
+            </a:r>
+            <a:r>
+              <a:rPr lang="en-US" altLang="zh-CN" dirty="0" smtClean="0"/>
+              <a:t>cookie</a:t>
+            </a:r>
+            <a:r>
+              <a:rPr lang="zh-CN" altLang="en-US" dirty="0" smtClean="0"/>
+              <a:t>里，而</a:t>
+            </a:r>
+            <a:r>
+              <a:rPr lang="en-US" altLang="zh-CN" dirty="0" err="1" smtClean="0"/>
+              <a:t>ios</a:t>
+            </a:r>
+            <a:r>
+              <a:rPr lang="zh-CN" altLang="en-US" dirty="0" smtClean="0"/>
+              <a:t>发来的请求中是在</a:t>
+            </a:r>
+            <a:r>
+              <a:rPr lang="en-US" altLang="zh-CN" dirty="0" smtClean="0"/>
+              <a:t>headers</a:t>
+            </a:r>
+            <a:r>
+              <a:rPr lang="zh-CN" altLang="en-US" dirty="0" smtClean="0"/>
+              <a:t>里。且键名全为小写。</a:t>
+            </a:r>
+            <a:r>
+              <a:rPr lang="en-US" altLang="zh-CN" dirty="0" smtClean="0"/>
+              <a:t>(</a:t>
+            </a:r>
+            <a:r>
+              <a:rPr lang="en-US" altLang="zh-CN" dirty="0" err="1" smtClean="0"/>
+              <a:t>php</a:t>
+            </a:r>
+            <a:r>
+              <a:rPr lang="zh-CN" altLang="en-US" dirty="0" smtClean="0"/>
+              <a:t>中代码从</a:t>
+            </a:r>
+            <a:r>
+              <a:rPr lang="en-US" altLang="zh-CN" dirty="0" smtClean="0"/>
+              <a:t>header</a:t>
+            </a:r>
+            <a:r>
+              <a:rPr lang="zh-CN" altLang="en-US" dirty="0" smtClean="0"/>
+              <a:t>取却是首字母大写</a:t>
+            </a:r>
+            <a:r>
+              <a:rPr lang="en-US" altLang="zh-CN" dirty="0" smtClean="0"/>
+              <a:t>)</a:t>
+            </a:r>
+          </a:p>
+          <a:p>
+            <a:pPr lvl="1"/>
+            <a:r>
+              <a:rPr lang="zh-CN" altLang="en-US" dirty="0" smtClean="0"/>
+              <a:t>总结：</a:t>
+            </a:r>
+            <a:endParaRPr lang="en-US" altLang="zh-CN" dirty="0" smtClean="0"/>
+          </a:p>
+          <a:p>
+            <a:pPr lvl="2"/>
+            <a:r>
+              <a:rPr lang="en-US" altLang="zh-CN" dirty="0" err="1" smtClean="0"/>
+              <a:t>php</a:t>
+            </a:r>
+            <a:r>
+              <a:rPr lang="zh-CN" altLang="en-US" dirty="0" smtClean="0"/>
+              <a:t>里的代码中</a:t>
+            </a:r>
+            <a:r>
+              <a:rPr lang="en-US" altLang="zh-CN" dirty="0" smtClean="0"/>
+              <a:t>request-&gt;headers</a:t>
+            </a:r>
+            <a:r>
+              <a:rPr lang="zh-CN" altLang="en-US" dirty="0" smtClean="0"/>
+              <a:t>中的键不一定和实际传来的一样</a:t>
+            </a:r>
+            <a:r>
+              <a:rPr lang="en-US" altLang="zh-CN" dirty="0" smtClean="0"/>
+              <a:t>,</a:t>
+            </a:r>
+            <a:r>
+              <a:rPr lang="zh-CN" altLang="en-US" dirty="0" smtClean="0"/>
+              <a:t>还是要以真实报头为准。</a:t>
+            </a:r>
+            <a:endParaRPr lang="en-US" altLang="zh-CN" dirty="0" smtClean="0"/>
+          </a:p>
+          <a:p>
+            <a:pPr lvl="2"/>
+            <a:r>
+              <a:rPr lang="zh-CN" altLang="en-US" dirty="0" smtClean="0"/>
+              <a:t>第二，</a:t>
+            </a:r>
+            <a:r>
+              <a:rPr lang="en-US" altLang="zh-CN" dirty="0" smtClean="0"/>
+              <a:t>android</a:t>
+            </a:r>
+            <a:r>
+              <a:rPr lang="zh-CN" altLang="en-US" dirty="0" smtClean="0"/>
+              <a:t>和</a:t>
+            </a:r>
+            <a:r>
+              <a:rPr lang="en-US" altLang="zh-CN" dirty="0" err="1" smtClean="0"/>
+              <a:t>ios</a:t>
+            </a:r>
+            <a:r>
+              <a:rPr lang="zh-CN" altLang="en-US" dirty="0" smtClean="0"/>
+              <a:t>上发送来的请求中</a:t>
+            </a:r>
+            <a:r>
+              <a:rPr lang="en-US" altLang="zh-CN" dirty="0" smtClean="0"/>
+              <a:t>key-value</a:t>
+            </a:r>
+            <a:r>
+              <a:rPr lang="zh-CN" altLang="en-US" dirty="0" smtClean="0"/>
+              <a:t>安排位置可能不一样。</a:t>
+            </a:r>
+            <a:endParaRPr lang="en-US" altLang="zh-CN" dirty="0" smtClean="0"/>
+          </a:p>
+          <a:p>
+            <a:pPr lvl="2"/>
+            <a:r>
+              <a:rPr lang="en-US" altLang="zh-CN" dirty="0" smtClean="0"/>
+              <a:t>div</a:t>
+            </a:r>
+            <a:r>
+              <a:rPr lang="zh-CN" altLang="en-US" dirty="0" smtClean="0"/>
+              <a:t>块一样但显示结果却不同，可能是</a:t>
+            </a:r>
+            <a:r>
+              <a:rPr lang="en-US" altLang="zh-CN" dirty="0" smtClean="0"/>
+              <a:t>__json4fe</a:t>
+            </a:r>
+            <a:r>
+              <a:rPr lang="zh-CN" altLang="en-US" dirty="0" smtClean="0"/>
+              <a:t>里的参数值不同。</a:t>
+            </a:r>
+            <a:endParaRPr lang="en-US" altLang="zh-CN" dirty="0"/>
+          </a:p>
+          <a:p>
+            <a:endParaRPr lang="en-US" altLang="zh-CN" dirty="0" smtClean="0"/>
+          </a:p>
+          <a:p>
+            <a:endParaRPr lang="zh-CN" altLang="en-US" dirty="0"/>
           </a:p>
         </p:txBody>
       </p:sp>
     </p:spTree>
     <p:extLst>
       <p:ext uri="{BB962C8B-B14F-4D97-AF65-F5344CB8AC3E}">
-        <p14:creationId xmlns:p14="http://schemas.microsoft.com/office/powerpoint/2010/main" val="884583111"/>
+        <p14:creationId xmlns:p14="http://schemas.microsoft.com/office/powerpoint/2010/main" val="3490281145"/>
+      </p:ext>
+    </p:extLst>
+  </p:cSld>
+  <p:clrMapOvr>
+    <a:masterClrMapping/>
+  </p:clrMapOvr>
+</p:sld>
+</file>
+
+<file path=ppt/slides/slide18.xml><?xml version="1.0" encoding="utf-8"?>
+<p:sld xmlns:a="http://schemas.openxmlformats.org/drawingml/2006/main" xmlns:r="http://schemas.openxmlformats.org/officeDocument/2006/relationships" xmlns:p="http://schemas.openxmlformats.org/presentationml/2006/main">
+  <p:cSld>
+    <p:spTree>
+      <p:nvGrpSpPr>
+        <p:cNvPr id="1" name=""/>
+        <p:cNvGrpSpPr/>
+        <p:nvPr/>
+      </p:nvGrpSpPr>
+      <p:grpSpPr>
+        <a:xfrm>
+          <a:off x="0" y="0"/>
+          <a:ext cx="0" cy="0"/>
+          <a:chOff x="0" y="0"/>
+          <a:chExt cx="0" cy="0"/>
+        </a:xfrm>
+      </p:grpSpPr>
+      <p:sp>
+        <p:nvSpPr>
+          <p:cNvPr id="2" name="标题 1"/>
+          <p:cNvSpPr>
+            <a:spLocks noGrp="1"/>
+          </p:cNvSpPr>
+          <p:nvPr>
+            <p:ph type="title"/>
+          </p:nvPr>
+        </p:nvSpPr>
+        <p:spPr/>
+        <p:txBody>
+          <a:bodyPr/>
+          <a:lstStyle/>
+          <a:p>
+            <a:r>
+              <a:rPr lang="zh-CN" altLang="en-US" dirty="0"/>
+              <a:t>切换中遇到的问题和解决措施</a:t>
+            </a:r>
+            <a:r>
+              <a:rPr lang="zh-CN" altLang="en-US" dirty="0" smtClean="0"/>
+              <a:t>（七）</a:t>
+            </a:r>
+            <a:endParaRPr lang="zh-CN" altLang="en-US" dirty="0"/>
+          </a:p>
+        </p:txBody>
+      </p:sp>
+      <p:sp>
+        <p:nvSpPr>
+          <p:cNvPr id="3" name="内容占位符 2"/>
+          <p:cNvSpPr>
+            <a:spLocks noGrp="1"/>
+          </p:cNvSpPr>
+          <p:nvPr>
+            <p:ph idx="1"/>
+          </p:nvPr>
+        </p:nvSpPr>
+        <p:spPr/>
+        <p:txBody>
+          <a:bodyPr>
+            <a:normAutofit fontScale="92500" lnSpcReduction="10000"/>
+          </a:bodyPr>
+          <a:lstStyle/>
+          <a:p>
+            <a:r>
+              <a:rPr lang="en-US" altLang="zh-CN" dirty="0" err="1"/>
+              <a:t>ios</a:t>
+            </a:r>
+            <a:r>
+              <a:rPr lang="zh-CN" altLang="en-US" dirty="0"/>
+              <a:t>上</a:t>
+            </a:r>
+            <a:r>
+              <a:rPr lang="en-US" altLang="zh-CN" dirty="0"/>
+              <a:t>app</a:t>
+            </a:r>
+            <a:r>
+              <a:rPr lang="zh-CN" altLang="en-US" dirty="0"/>
+              <a:t>二手房大类页没</a:t>
+            </a:r>
+            <a:r>
+              <a:rPr lang="zh-CN" altLang="en-US" dirty="0" smtClean="0"/>
+              <a:t>显示小区大全、房价走势的</a:t>
+            </a:r>
+            <a:r>
+              <a:rPr lang="en-US" altLang="zh-CN" dirty="0"/>
+              <a:t>bug</a:t>
+            </a:r>
+            <a:r>
+              <a:rPr lang="zh-CN" altLang="en-US" dirty="0" smtClean="0"/>
+              <a:t>？</a:t>
+            </a:r>
+            <a:endParaRPr lang="en-US" altLang="zh-CN" dirty="0" smtClean="0"/>
+          </a:p>
+          <a:p>
+            <a:pPr lvl="1"/>
+            <a:r>
+              <a:rPr lang="zh-CN" altLang="en-US" dirty="0" smtClean="0"/>
+              <a:t>原因：</a:t>
+            </a:r>
+            <a:r>
+              <a:rPr lang="en-US" altLang="zh-CN" dirty="0" smtClean="0"/>
+              <a:t>android</a:t>
+            </a:r>
+            <a:r>
+              <a:rPr lang="zh-CN" altLang="en-US" dirty="0" smtClean="0"/>
+              <a:t>上</a:t>
+            </a:r>
+            <a:r>
+              <a:rPr lang="en-US" altLang="zh-CN" dirty="0" smtClean="0"/>
+              <a:t>app</a:t>
+            </a:r>
+            <a:r>
+              <a:rPr lang="zh-CN" altLang="en-US" dirty="0" smtClean="0"/>
+              <a:t>发来的请求中</a:t>
+            </a:r>
+            <a:r>
+              <a:rPr lang="en-US" altLang="zh-CN" dirty="0" err="1" smtClean="0"/>
+              <a:t>os</a:t>
+            </a:r>
+            <a:r>
+              <a:rPr lang="zh-CN" altLang="en-US" dirty="0" smtClean="0"/>
+              <a:t>和</a:t>
+            </a:r>
+            <a:r>
+              <a:rPr lang="en-US" altLang="zh-CN" dirty="0" smtClean="0"/>
+              <a:t>platform</a:t>
+            </a:r>
+            <a:r>
+              <a:rPr lang="zh-CN" altLang="en-US" dirty="0" smtClean="0"/>
+              <a:t>的值都是</a:t>
+            </a:r>
+            <a:r>
+              <a:rPr lang="en-US" altLang="zh-CN" dirty="0" smtClean="0"/>
+              <a:t>android,</a:t>
+            </a:r>
+            <a:r>
+              <a:rPr lang="zh-CN" altLang="en-US" dirty="0" smtClean="0"/>
+              <a:t>但</a:t>
+            </a:r>
+            <a:r>
+              <a:rPr lang="en-US" altLang="zh-CN" dirty="0" err="1" smtClean="0"/>
+              <a:t>ios</a:t>
+            </a:r>
+            <a:r>
+              <a:rPr lang="zh-CN" altLang="en-US" dirty="0" smtClean="0"/>
+              <a:t>上</a:t>
+            </a:r>
+            <a:r>
+              <a:rPr lang="en-US" altLang="zh-CN" dirty="0" smtClean="0"/>
+              <a:t>app</a:t>
+            </a:r>
+            <a:r>
+              <a:rPr lang="zh-CN" altLang="en-US" dirty="0"/>
+              <a:t>发</a:t>
+            </a:r>
+            <a:r>
+              <a:rPr lang="zh-CN" altLang="en-US" dirty="0" smtClean="0"/>
+              <a:t>来的</a:t>
+            </a:r>
+            <a:r>
+              <a:rPr lang="en-US" altLang="zh-CN" dirty="0" err="1" smtClean="0"/>
+              <a:t>os</a:t>
+            </a:r>
+            <a:r>
+              <a:rPr lang="zh-CN" altLang="en-US" dirty="0" smtClean="0"/>
+              <a:t>和</a:t>
+            </a:r>
+            <a:r>
+              <a:rPr lang="en-US" altLang="zh-CN" dirty="0" smtClean="0"/>
+              <a:t>platform</a:t>
+            </a:r>
+            <a:r>
+              <a:rPr lang="zh-CN" altLang="en-US" dirty="0" smtClean="0"/>
+              <a:t>分别是：</a:t>
+            </a:r>
+            <a:r>
+              <a:rPr lang="en-US" altLang="zh-CN" dirty="0" err="1" smtClean="0"/>
+              <a:t>ios</a:t>
+            </a:r>
+            <a:r>
+              <a:rPr lang="en-US" altLang="zh-CN" dirty="0" smtClean="0"/>
+              <a:t> </a:t>
+            </a:r>
+            <a:r>
+              <a:rPr lang="zh-CN" altLang="en-US" dirty="0" smtClean="0"/>
+              <a:t>和</a:t>
+            </a:r>
+            <a:r>
+              <a:rPr lang="en-US" altLang="zh-CN" dirty="0" err="1" smtClean="0"/>
+              <a:t>iphone</a:t>
+            </a:r>
+            <a:r>
+              <a:rPr lang="en-US" altLang="zh-CN" dirty="0" smtClean="0"/>
+              <a:t> ,</a:t>
+            </a:r>
+            <a:r>
+              <a:rPr lang="zh-CN" altLang="en-US" dirty="0" smtClean="0"/>
+              <a:t>而要求后台逻辑不能直接将</a:t>
+            </a:r>
+            <a:r>
+              <a:rPr lang="en-US" altLang="zh-CN" dirty="0" smtClean="0"/>
+              <a:t>platform</a:t>
+            </a:r>
+            <a:r>
+              <a:rPr lang="zh-CN" altLang="en-US" dirty="0" smtClean="0"/>
+              <a:t>值覆盖</a:t>
+            </a:r>
+            <a:r>
+              <a:rPr lang="en-US" altLang="zh-CN" dirty="0" err="1" smtClean="0"/>
+              <a:t>os</a:t>
+            </a:r>
+            <a:r>
+              <a:rPr lang="zh-CN" altLang="en-US" dirty="0" smtClean="0"/>
+              <a:t>。而要转换为</a:t>
+            </a:r>
+            <a:r>
+              <a:rPr lang="en-US" altLang="zh-CN" dirty="0" err="1" smtClean="0"/>
+              <a:t>ios</a:t>
+            </a:r>
+            <a:r>
+              <a:rPr lang="zh-CN" altLang="en-US" dirty="0" smtClean="0"/>
+              <a:t>。</a:t>
+            </a:r>
+            <a:endParaRPr lang="en-US" altLang="zh-CN" dirty="0" smtClean="0"/>
+          </a:p>
+          <a:p>
+            <a:pPr lvl="1"/>
+            <a:r>
+              <a:rPr lang="zh-CN" altLang="en-US" dirty="0" smtClean="0"/>
+              <a:t>注意：</a:t>
+            </a:r>
+            <a:r>
+              <a:rPr lang="en-US" altLang="zh-CN" dirty="0" err="1" smtClean="0"/>
+              <a:t>php</a:t>
+            </a:r>
+            <a:r>
+              <a:rPr lang="zh-CN" altLang="en-US" dirty="0" smtClean="0"/>
+              <a:t>语法中，</a:t>
+            </a:r>
+            <a:r>
+              <a:rPr lang="en-US" altLang="zh-CN" dirty="0" smtClean="0"/>
+              <a:t>empty(</a:t>
+            </a:r>
+            <a:r>
+              <a:rPr lang="en-US" altLang="zh-CN" dirty="0" err="1" smtClean="0"/>
+              <a:t>obj</a:t>
+            </a:r>
+            <a:r>
+              <a:rPr lang="en-US" altLang="zh-CN" dirty="0" smtClean="0"/>
+              <a:t>)</a:t>
+            </a:r>
+            <a:r>
+              <a:rPr lang="zh-CN" altLang="en-US" dirty="0" smtClean="0"/>
+              <a:t>函数认为</a:t>
+            </a:r>
+            <a:r>
+              <a:rPr lang="en-US" altLang="zh-CN" dirty="0" err="1" smtClean="0"/>
+              <a:t>obj</a:t>
+            </a:r>
+            <a:r>
+              <a:rPr lang="zh-CN" altLang="en-US" dirty="0" smtClean="0"/>
+              <a:t>如果是空字符串、</a:t>
+            </a:r>
+            <a:r>
+              <a:rPr lang="en-US" altLang="zh-CN" dirty="0" smtClean="0"/>
+              <a:t>null</a:t>
+            </a:r>
+            <a:r>
+              <a:rPr lang="zh-CN" altLang="en-US" dirty="0" smtClean="0"/>
+              <a:t>、</a:t>
+            </a:r>
+            <a:r>
+              <a:rPr lang="en-US" altLang="zh-CN" dirty="0" smtClean="0"/>
+              <a:t>0</a:t>
+            </a:r>
+            <a:r>
+              <a:rPr lang="zh-CN" altLang="en-US" dirty="0" smtClean="0"/>
+              <a:t>返回值都是</a:t>
+            </a:r>
+            <a:r>
+              <a:rPr lang="en-US" altLang="zh-CN" dirty="0" smtClean="0"/>
+              <a:t>true</a:t>
+            </a:r>
+            <a:endParaRPr lang="en-US" altLang="zh-CN" dirty="0"/>
+          </a:p>
+          <a:p>
+            <a:r>
+              <a:rPr lang="en-US" altLang="zh-CN" dirty="0" err="1"/>
+              <a:t>p</a:t>
+            </a:r>
+            <a:r>
+              <a:rPr lang="en-US" altLang="zh-CN" dirty="0" err="1" smtClean="0"/>
+              <a:t>hp</a:t>
+            </a:r>
+            <a:r>
+              <a:rPr lang="zh-CN" altLang="en-US" dirty="0" smtClean="0"/>
+              <a:t>模板页面转换为</a:t>
+            </a:r>
+            <a:r>
+              <a:rPr lang="en-US" altLang="zh-CN" dirty="0" smtClean="0"/>
+              <a:t>html + velocity</a:t>
+            </a:r>
+            <a:r>
+              <a:rPr lang="zh-CN" altLang="en-US" dirty="0" smtClean="0"/>
+              <a:t>模板页面的问题？</a:t>
+            </a:r>
+            <a:endParaRPr lang="en-US" altLang="zh-CN" dirty="0" smtClean="0"/>
+          </a:p>
+          <a:p>
+            <a:pPr lvl="1"/>
+            <a:r>
+              <a:rPr lang="zh-CN" altLang="en-US" dirty="0"/>
+              <a:t>潜藏</a:t>
+            </a:r>
+            <a:r>
+              <a:rPr lang="zh-CN" altLang="en-US" dirty="0" smtClean="0"/>
+              <a:t>问题的做法：直接将浏览器访问到的</a:t>
+            </a:r>
+            <a:r>
+              <a:rPr lang="en-US" altLang="zh-CN" dirty="0" err="1" smtClean="0"/>
+              <a:t>php</a:t>
+            </a:r>
+            <a:r>
+              <a:rPr lang="zh-CN" altLang="en-US" dirty="0" smtClean="0"/>
+              <a:t>页面获取到的</a:t>
+            </a:r>
+            <a:r>
+              <a:rPr lang="en-US" altLang="zh-CN" dirty="0" smtClean="0"/>
+              <a:t>html</a:t>
+            </a:r>
+            <a:r>
+              <a:rPr lang="zh-CN" altLang="en-US" dirty="0" smtClean="0"/>
+              <a:t>复制下来改造，可能</a:t>
+            </a:r>
+            <a:r>
+              <a:rPr lang="en-US" altLang="zh-CN" dirty="0"/>
+              <a:t>html</a:t>
+            </a:r>
+            <a:r>
+              <a:rPr lang="zh-CN" altLang="en-US" dirty="0"/>
+              <a:t>页面</a:t>
+            </a:r>
+            <a:r>
+              <a:rPr lang="zh-CN" altLang="en-US" dirty="0" smtClean="0"/>
+              <a:t>上某些标签上会多出一些或者少一些</a:t>
+            </a:r>
+            <a:r>
+              <a:rPr lang="en-US" altLang="zh-CN" dirty="0" smtClean="0"/>
+              <a:t>class</a:t>
+            </a:r>
+            <a:r>
+              <a:rPr lang="zh-CN" altLang="en-US" dirty="0" smtClean="0"/>
+              <a:t>、</a:t>
+            </a:r>
+            <a:r>
+              <a:rPr lang="en-US" altLang="zh-CN" dirty="0" smtClean="0"/>
+              <a:t>style</a:t>
+            </a:r>
+            <a:r>
+              <a:rPr lang="zh-CN" altLang="en-US" dirty="0" smtClean="0"/>
+              <a:t>等。如果直接使用这个或多或少的</a:t>
+            </a:r>
+            <a:r>
+              <a:rPr lang="en-US" altLang="zh-CN" dirty="0" smtClean="0"/>
+              <a:t>html + velocity</a:t>
+            </a:r>
+            <a:r>
+              <a:rPr lang="zh-CN" altLang="en-US" dirty="0" smtClean="0"/>
+              <a:t>模板，访问时可能会出现页面抖动、伸缩一下的问题。</a:t>
+            </a:r>
+            <a:endParaRPr lang="en-US" altLang="zh-CN" dirty="0" smtClean="0"/>
+          </a:p>
+          <a:p>
+            <a:pPr lvl="2"/>
+            <a:r>
+              <a:rPr lang="zh-CN" altLang="en-US" dirty="0"/>
+              <a:t>图片收缩问题</a:t>
+            </a:r>
+            <a:r>
+              <a:rPr lang="zh-CN" altLang="en-US" dirty="0" smtClean="0"/>
+              <a:t>：加载页面时反复</a:t>
+            </a:r>
+            <a:r>
+              <a:rPr lang="zh-CN" altLang="en-US" dirty="0"/>
+              <a:t>应用</a:t>
+            </a:r>
+            <a:r>
+              <a:rPr lang="en-US" altLang="zh-CN" dirty="0"/>
+              <a:t>class</a:t>
+            </a:r>
+            <a:r>
+              <a:rPr lang="zh-CN" altLang="en-US" dirty="0" smtClean="0"/>
+              <a:t>样式，而该</a:t>
+            </a:r>
+            <a:r>
+              <a:rPr lang="en-US" altLang="zh-CN" dirty="0" smtClean="0"/>
+              <a:t>class</a:t>
+            </a:r>
+            <a:r>
+              <a:rPr lang="zh-CN" altLang="en-US" dirty="0" smtClean="0"/>
+              <a:t>样式是加载图片。</a:t>
+            </a:r>
+            <a:r>
+              <a:rPr lang="en-US" altLang="zh-CN" dirty="0" err="1"/>
+              <a:t>d</a:t>
+            </a:r>
+            <a:r>
+              <a:rPr lang="en-US" altLang="zh-CN" dirty="0" err="1" smtClean="0"/>
+              <a:t>om</a:t>
+            </a:r>
+            <a:r>
+              <a:rPr lang="zh-CN" altLang="en-US" dirty="0" smtClean="0"/>
+              <a:t>上加了，而</a:t>
+            </a:r>
+            <a:r>
+              <a:rPr lang="en-US" altLang="zh-CN" dirty="0" err="1" smtClean="0"/>
+              <a:t>js</a:t>
+            </a:r>
+            <a:r>
+              <a:rPr lang="zh-CN" altLang="en-US" dirty="0" smtClean="0"/>
+              <a:t>又加一遍。</a:t>
+            </a:r>
+            <a:endParaRPr lang="en-US" altLang="zh-CN" dirty="0" smtClean="0"/>
+          </a:p>
+          <a:p>
+            <a:pPr lvl="2"/>
+            <a:r>
+              <a:rPr lang="zh-CN" altLang="en-US" dirty="0" smtClean="0"/>
+              <a:t>页面抖动问题：浏览器渲染时对同一个地方先后使用两个不同值的样式。如</a:t>
+            </a:r>
+            <a:r>
+              <a:rPr lang="en-US" altLang="zh-CN" dirty="0" smtClean="0"/>
+              <a:t>font-size</a:t>
+            </a:r>
+            <a:r>
+              <a:rPr lang="zh-CN" altLang="en-US" dirty="0" smtClean="0"/>
+              <a:t>样式如果先写在</a:t>
+            </a:r>
+            <a:r>
+              <a:rPr lang="en-US" altLang="zh-CN" dirty="0" smtClean="0"/>
+              <a:t>&lt;html&gt;</a:t>
+            </a:r>
+            <a:r>
+              <a:rPr lang="zh-CN" altLang="en-US" dirty="0" smtClean="0"/>
+              <a:t>上，而</a:t>
+            </a:r>
+            <a:r>
+              <a:rPr lang="en-US" altLang="zh-CN" dirty="0" err="1" smtClean="0"/>
+              <a:t>js</a:t>
+            </a:r>
+            <a:r>
+              <a:rPr lang="zh-CN" altLang="en-US" dirty="0" smtClean="0"/>
+              <a:t>中又有立即函数重新给该</a:t>
+            </a:r>
+            <a:r>
+              <a:rPr lang="en-US" altLang="zh-CN" dirty="0" smtClean="0"/>
+              <a:t>font-size</a:t>
+            </a:r>
+            <a:r>
+              <a:rPr lang="zh-CN" altLang="en-US" dirty="0" smtClean="0"/>
+              <a:t>赋一个不同的值，就会出现页面出来瞬间抖动一下现象。</a:t>
+            </a:r>
+            <a:endParaRPr lang="en-US" altLang="zh-CN" dirty="0" smtClean="0"/>
+          </a:p>
+          <a:p>
+            <a:pPr lvl="1"/>
+            <a:r>
+              <a:rPr lang="zh-CN" altLang="en-US" dirty="0" smtClean="0"/>
+              <a:t>建议：直接对</a:t>
+            </a:r>
+            <a:r>
+              <a:rPr lang="en-US" altLang="zh-CN" dirty="0" err="1" smtClean="0"/>
+              <a:t>php</a:t>
+            </a:r>
+            <a:r>
+              <a:rPr lang="zh-CN" altLang="en-US" dirty="0" smtClean="0"/>
+              <a:t>模板改造，尽管有点麻烦。</a:t>
+            </a:r>
+            <a:endParaRPr lang="en-US" altLang="zh-CN" dirty="0"/>
+          </a:p>
+          <a:p>
+            <a:endParaRPr lang="zh-CN" altLang="en-US" dirty="0"/>
+          </a:p>
+        </p:txBody>
+      </p:sp>
+    </p:spTree>
+    <p:extLst>
+      <p:ext uri="{BB962C8B-B14F-4D97-AF65-F5344CB8AC3E}">
+        <p14:creationId xmlns:p14="http://schemas.microsoft.com/office/powerpoint/2010/main" val="2891412647"/>
+      </p:ext>
+    </p:extLst>
+  </p:cSld>
+  <p:clrMapOvr>
+    <a:masterClrMapping/>
+  </p:clrMapOvr>
+</p:sld>
+</file>
+
+<file path=ppt/slides/slide19.xml><?xml version="1.0" encoding="utf-8"?>
+<p:sld xmlns:a="http://schemas.openxmlformats.org/drawingml/2006/main" xmlns:r="http://schemas.openxmlformats.org/officeDocument/2006/relationships" xmlns:p="http://schemas.openxmlformats.org/presentationml/2006/main">
+  <p:cSld>
+    <p:spTree>
+      <p:nvGrpSpPr>
+        <p:cNvPr id="1" name=""/>
+        <p:cNvGrpSpPr/>
+        <p:nvPr/>
+      </p:nvGrpSpPr>
+      <p:grpSpPr>
+        <a:xfrm>
+          <a:off x="0" y="0"/>
+          <a:ext cx="0" cy="0"/>
+          <a:chOff x="0" y="0"/>
+          <a:chExt cx="0" cy="0"/>
+        </a:xfrm>
+      </p:grpSpPr>
+      <p:sp>
+        <p:nvSpPr>
+          <p:cNvPr id="2" name="标题 1"/>
+          <p:cNvSpPr>
+            <a:spLocks noGrp="1"/>
+          </p:cNvSpPr>
+          <p:nvPr>
+            <p:ph type="title"/>
+          </p:nvPr>
+        </p:nvSpPr>
+        <p:spPr/>
+        <p:txBody>
+          <a:bodyPr/>
+          <a:lstStyle/>
+          <a:p>
+            <a:r>
+              <a:rPr lang="zh-CN" altLang="en-US" dirty="0"/>
+              <a:t>切换中遇到的问题和解决措施</a:t>
+            </a:r>
+            <a:r>
+              <a:rPr lang="zh-CN" altLang="en-US" dirty="0" smtClean="0"/>
+              <a:t>（八）</a:t>
+            </a:r>
+            <a:endParaRPr lang="zh-CN" altLang="en-US" dirty="0"/>
+          </a:p>
+        </p:txBody>
+      </p:sp>
+      <p:sp>
+        <p:nvSpPr>
+          <p:cNvPr id="3" name="内容占位符 2"/>
+          <p:cNvSpPr>
+            <a:spLocks noGrp="1"/>
+          </p:cNvSpPr>
+          <p:nvPr>
+            <p:ph idx="1"/>
+          </p:nvPr>
+        </p:nvSpPr>
+        <p:spPr/>
+        <p:txBody>
+          <a:bodyPr/>
+          <a:lstStyle/>
+          <a:p>
+            <a:r>
+              <a:rPr lang="zh-CN" altLang="en-US" dirty="0"/>
+              <a:t>浏览器</a:t>
+            </a:r>
+            <a:r>
+              <a:rPr lang="zh-CN" altLang="en-US" dirty="0" smtClean="0"/>
+              <a:t>上访问网站时网页标题前</a:t>
+            </a:r>
+            <a:r>
+              <a:rPr lang="en-US" altLang="zh-CN" dirty="0" smtClean="0"/>
+              <a:t>logo</a:t>
+            </a:r>
+            <a:r>
+              <a:rPr lang="zh-CN" altLang="en-US" dirty="0" smtClean="0"/>
+              <a:t>图标未显示的问题？</a:t>
+            </a:r>
+            <a:endParaRPr lang="en-US" altLang="zh-CN" dirty="0" smtClean="0"/>
+          </a:p>
+          <a:p>
+            <a:pPr lvl="1"/>
+            <a:r>
+              <a:rPr lang="zh-CN" altLang="en-US" dirty="0" smtClean="0"/>
+              <a:t>固定格式：页面</a:t>
+            </a:r>
+            <a:r>
+              <a:rPr lang="en-US" altLang="zh-CN" dirty="0" smtClean="0"/>
+              <a:t>&lt;head&gt;</a:t>
+            </a:r>
+            <a:r>
+              <a:rPr lang="zh-CN" altLang="en-US" dirty="0" smtClean="0"/>
+              <a:t>里加</a:t>
+            </a:r>
+            <a:r>
+              <a:rPr lang="en-US" altLang="zh-CN" dirty="0" smtClean="0"/>
+              <a:t>&lt;link </a:t>
+            </a:r>
+            <a:r>
+              <a:rPr lang="en-US" altLang="zh-CN" dirty="0" err="1"/>
+              <a:t>rel</a:t>
+            </a:r>
+            <a:r>
+              <a:rPr lang="en-US" altLang="zh-CN" dirty="0"/>
+              <a:t>="shortcut icon" </a:t>
+            </a:r>
+            <a:r>
+              <a:rPr lang="en-US" altLang="zh-CN" dirty="0" err="1"/>
+              <a:t>href</a:t>
+            </a:r>
+            <a:r>
+              <a:rPr lang="en-US" altLang="zh-CN" dirty="0"/>
+              <a:t>="https://pic2.58.com/n/</a:t>
+            </a:r>
+            <a:r>
+              <a:rPr lang="en-US" altLang="zh-CN" dirty="0" err="1"/>
+              <a:t>tuan</a:t>
+            </a:r>
+            <a:r>
+              <a:rPr lang="en-US" altLang="zh-CN" dirty="0"/>
+              <a:t>/v3/</a:t>
+            </a:r>
+            <a:r>
+              <a:rPr lang="en-US" altLang="zh-CN" dirty="0" err="1"/>
+              <a:t>favicon.ico?v</a:t>
+            </a:r>
+            <a:r>
+              <a:rPr lang="en-US" altLang="zh-CN" dirty="0"/>
+              <a:t>=20160516" </a:t>
+            </a:r>
+            <a:r>
+              <a:rPr lang="en-US" altLang="zh-CN" dirty="0" smtClean="0"/>
+              <a:t>/&gt;</a:t>
+            </a:r>
+            <a:endParaRPr lang="en-US" altLang="zh-CN" dirty="0"/>
+          </a:p>
+          <a:p>
+            <a:endParaRPr lang="en-US" altLang="zh-CN" dirty="0" smtClean="0"/>
+          </a:p>
+          <a:p>
+            <a:endParaRPr lang="en-US" altLang="zh-CN" dirty="0"/>
+          </a:p>
+          <a:p>
+            <a:endParaRPr lang="zh-CN" altLang="en-US" dirty="0"/>
+          </a:p>
+        </p:txBody>
+      </p:sp>
+    </p:spTree>
+    <p:extLst>
+      <p:ext uri="{BB962C8B-B14F-4D97-AF65-F5344CB8AC3E}">
+        <p14:creationId xmlns:p14="http://schemas.microsoft.com/office/powerpoint/2010/main" val="2644243219"/>
       </p:ext>
     </p:extLst>
   </p:cSld>
@@ -9940,6 +11299,563 @@
     <p:extLst>
       <p:ext uri="{BB962C8B-B14F-4D97-AF65-F5344CB8AC3E}">
         <p14:creationId xmlns:p14="http://schemas.microsoft.com/office/powerpoint/2010/main" val="3847443197"/>
+      </p:ext>
+    </p:extLst>
+  </p:cSld>
+  <p:clrMapOvr>
+    <a:masterClrMapping/>
+  </p:clrMapOvr>
+</p:sld>
+</file>
+
+<file path=ppt/slides/slide20.xml><?xml version="1.0" encoding="utf-8"?>
+<p:sld xmlns:a="http://schemas.openxmlformats.org/drawingml/2006/main" xmlns:r="http://schemas.openxmlformats.org/officeDocument/2006/relationships" xmlns:p="http://schemas.openxmlformats.org/presentationml/2006/main">
+  <p:cSld>
+    <p:spTree>
+      <p:nvGrpSpPr>
+        <p:cNvPr id="1" name=""/>
+        <p:cNvGrpSpPr/>
+        <p:nvPr/>
+      </p:nvGrpSpPr>
+      <p:grpSpPr>
+        <a:xfrm>
+          <a:off x="0" y="0"/>
+          <a:ext cx="0" cy="0"/>
+          <a:chOff x="0" y="0"/>
+          <a:chExt cx="0" cy="0"/>
+        </a:xfrm>
+      </p:grpSpPr>
+      <p:sp>
+        <p:nvSpPr>
+          <p:cNvPr id="2" name="标题 1"/>
+          <p:cNvSpPr>
+            <a:spLocks noGrp="1"/>
+          </p:cNvSpPr>
+          <p:nvPr>
+            <p:ph type="title"/>
+          </p:nvPr>
+        </p:nvSpPr>
+        <p:spPr/>
+        <p:txBody>
+          <a:bodyPr/>
+          <a:lstStyle/>
+          <a:p>
+            <a:r>
+              <a:rPr lang="zh-CN" altLang="en-US" dirty="0" smtClean="0"/>
+              <a:t>开发时遇到</a:t>
+            </a:r>
+            <a:r>
+              <a:rPr lang="zh-CN" altLang="en-US" dirty="0"/>
+              <a:t>的问题和解决措施</a:t>
+            </a:r>
+          </a:p>
+        </p:txBody>
+      </p:sp>
+      <p:sp>
+        <p:nvSpPr>
+          <p:cNvPr id="3" name="内容占位符 2"/>
+          <p:cNvSpPr>
+            <a:spLocks noGrp="1"/>
+          </p:cNvSpPr>
+          <p:nvPr>
+            <p:ph idx="1"/>
+          </p:nvPr>
+        </p:nvSpPr>
+        <p:spPr/>
+        <p:txBody>
+          <a:bodyPr>
+            <a:normAutofit fontScale="85000" lnSpcReduction="20000"/>
+          </a:bodyPr>
+          <a:lstStyle/>
+          <a:p>
+            <a:r>
+              <a:rPr lang="en-US" altLang="zh-CN" dirty="0" err="1"/>
+              <a:t>json</a:t>
+            </a:r>
+            <a:r>
+              <a:rPr lang="zh-CN" altLang="en-US" dirty="0"/>
+              <a:t>格式化</a:t>
+            </a:r>
+            <a:r>
+              <a:rPr lang="zh-CN" altLang="en-US" dirty="0" smtClean="0"/>
+              <a:t>插件：</a:t>
+            </a:r>
+            <a:endParaRPr lang="en-US" altLang="zh-CN" dirty="0" smtClean="0"/>
+          </a:p>
+          <a:p>
+            <a:pPr lvl="1"/>
+            <a:r>
+              <a:rPr lang="en-US" altLang="zh-CN" dirty="0" smtClean="0"/>
+              <a:t>chrome</a:t>
+            </a:r>
+            <a:r>
+              <a:rPr lang="zh-CN" altLang="en-US" dirty="0"/>
+              <a:t>自带安装：下载</a:t>
+            </a:r>
+            <a:r>
+              <a:rPr lang="en-US" altLang="zh-CN" dirty="0">
+                <a:hlinkClick r:id="rId2"/>
+              </a:rPr>
+              <a:t>http://jsonhandle.sinaapp.com</a:t>
+            </a:r>
+            <a:r>
+              <a:rPr lang="en-US" altLang="zh-CN" dirty="0" smtClean="0">
+                <a:hlinkClick r:id="rId2"/>
+              </a:rPr>
+              <a:t>/</a:t>
+            </a:r>
+            <a:r>
+              <a:rPr lang="zh-CN" altLang="en-US" dirty="0"/>
+              <a:t>，将该</a:t>
+            </a:r>
+            <a:r>
+              <a:rPr lang="en-US" altLang="zh-CN" dirty="0" err="1"/>
+              <a:t>crx</a:t>
+            </a:r>
+            <a:r>
+              <a:rPr lang="zh-CN" altLang="en-US" dirty="0"/>
+              <a:t>文件拖入浏览器</a:t>
+            </a:r>
+            <a:r>
+              <a:rPr lang="en-US" altLang="zh-CN" dirty="0"/>
+              <a:t>chrome://extensions</a:t>
+            </a:r>
+            <a:r>
+              <a:rPr lang="en-US" altLang="zh-CN" dirty="0" smtClean="0"/>
+              <a:t>/</a:t>
+            </a:r>
+            <a:r>
+              <a:rPr lang="zh-CN" altLang="en-US" dirty="0" smtClean="0"/>
+              <a:t>。</a:t>
+            </a:r>
+            <a:endParaRPr lang="en-US" altLang="zh-CN" dirty="0" smtClean="0"/>
+          </a:p>
+          <a:p>
+            <a:pPr lvl="1"/>
+            <a:r>
+              <a:rPr lang="zh-CN" altLang="en-US" dirty="0" smtClean="0"/>
+              <a:t>使用</a:t>
+            </a:r>
+            <a:r>
+              <a:rPr lang="en-US" altLang="zh-CN" dirty="0" smtClean="0"/>
+              <a:t>: 	</a:t>
+            </a:r>
+            <a:r>
+              <a:rPr lang="zh-CN" altLang="en-US" dirty="0" smtClean="0"/>
+              <a:t>浏览器</a:t>
+            </a:r>
+            <a:r>
+              <a:rPr lang="zh-CN" altLang="en-US" dirty="0"/>
+              <a:t>右上角有</a:t>
+            </a:r>
+            <a:r>
+              <a:rPr lang="en-US" altLang="zh-CN" dirty="0"/>
+              <a:t>JH</a:t>
+            </a:r>
+            <a:r>
+              <a:rPr lang="zh-CN" altLang="en-US" dirty="0"/>
+              <a:t>的图标，点击可以</a:t>
+            </a:r>
+            <a:r>
+              <a:rPr lang="zh-CN" altLang="en-US" dirty="0" smtClean="0"/>
+              <a:t>使用。请求时返回的数据也会自动化</a:t>
+            </a:r>
+            <a:r>
+              <a:rPr lang="en-US" altLang="zh-CN" dirty="0" err="1" smtClean="0"/>
+              <a:t>json</a:t>
+            </a:r>
+            <a:r>
+              <a:rPr lang="zh-CN" altLang="en-US" dirty="0"/>
+              <a:t>层级格式。不想看这种格式想看实际数据的格式：选择查看网页源代码，或者开发者工具中</a:t>
+            </a:r>
+            <a:r>
+              <a:rPr lang="en-US" altLang="zh-CN" dirty="0"/>
+              <a:t>network tab</a:t>
+            </a:r>
+            <a:r>
+              <a:rPr lang="zh-CN" altLang="en-US" dirty="0"/>
+              <a:t>下查看。</a:t>
+            </a:r>
+            <a:endParaRPr lang="en-US" altLang="zh-CN" dirty="0"/>
+          </a:p>
+          <a:p>
+            <a:r>
+              <a:rPr lang="zh-CN" altLang="en-US" dirty="0" smtClean="0"/>
+              <a:t>查询到的</a:t>
+            </a:r>
+            <a:r>
+              <a:rPr lang="en-US" altLang="zh-CN" dirty="0" err="1" smtClean="0"/>
+              <a:t>json</a:t>
+            </a:r>
+            <a:r>
+              <a:rPr lang="zh-CN" altLang="en-US" dirty="0" smtClean="0"/>
+              <a:t>数据如何转换为</a:t>
+            </a:r>
+            <a:r>
+              <a:rPr lang="en-US" altLang="zh-CN" dirty="0" smtClean="0"/>
+              <a:t>java </a:t>
+            </a:r>
+            <a:r>
+              <a:rPr lang="zh-CN" altLang="en-US" dirty="0" smtClean="0"/>
+              <a:t>实体类来实现？</a:t>
+            </a:r>
+            <a:endParaRPr lang="en-US" altLang="zh-CN" dirty="0" smtClean="0"/>
+          </a:p>
+          <a:p>
+            <a:pPr lvl="1"/>
+            <a:r>
+              <a:rPr lang="zh-CN" altLang="en-US" dirty="0" smtClean="0"/>
+              <a:t>自动编程方式：根据</a:t>
+            </a:r>
+            <a:r>
+              <a:rPr lang="en-US" altLang="zh-CN" dirty="0" err="1" smtClean="0"/>
+              <a:t>json</a:t>
+            </a:r>
+            <a:r>
+              <a:rPr lang="zh-CN" altLang="en-US" dirty="0" smtClean="0"/>
+              <a:t>数据，生成一套</a:t>
+            </a:r>
+            <a:r>
+              <a:rPr lang="en-US" altLang="zh-CN" dirty="0" smtClean="0"/>
+              <a:t>java bean</a:t>
+            </a:r>
+            <a:r>
+              <a:rPr lang="zh-CN" altLang="en-US" dirty="0" smtClean="0"/>
+              <a:t>类代码，并用这套</a:t>
+            </a:r>
+            <a:r>
+              <a:rPr lang="en-US" altLang="zh-CN" dirty="0" smtClean="0"/>
+              <a:t>java bean</a:t>
+            </a:r>
+            <a:r>
+              <a:rPr lang="zh-CN" altLang="en-US" dirty="0" smtClean="0"/>
+              <a:t>类代码重新组装出对应</a:t>
+            </a:r>
+            <a:r>
+              <a:rPr lang="en-US" altLang="zh-CN" dirty="0" err="1" smtClean="0"/>
+              <a:t>json</a:t>
+            </a:r>
+            <a:r>
+              <a:rPr lang="zh-CN" altLang="en-US" dirty="0" smtClean="0"/>
+              <a:t>数据的最终实例。</a:t>
+            </a:r>
+            <a:endParaRPr lang="en-US" altLang="zh-CN" dirty="0" smtClean="0"/>
+          </a:p>
+          <a:p>
+            <a:pPr lvl="2"/>
+            <a:r>
+              <a:rPr lang="zh-CN" altLang="en-US" dirty="0"/>
+              <a:t>约定</a:t>
+            </a:r>
+            <a:r>
+              <a:rPr lang="zh-CN" altLang="en-US" dirty="0" smtClean="0"/>
+              <a:t>：</a:t>
+            </a:r>
+            <a:r>
+              <a:rPr lang="zh-CN" altLang="en-US" dirty="0"/>
+              <a:t>类名由父级给定、变量名由父级给定、</a:t>
+            </a:r>
+            <a:r>
+              <a:rPr lang="en-US" altLang="zh-CN" dirty="0" err="1"/>
+              <a:t>json</a:t>
+            </a:r>
+            <a:r>
+              <a:rPr lang="zh-CN" altLang="en-US" dirty="0"/>
+              <a:t>属性的变量名由所属对象给定（自己的变量名</a:t>
+            </a:r>
+            <a:r>
+              <a:rPr lang="en-US" altLang="zh-CN" dirty="0"/>
+              <a:t>+</a:t>
+            </a:r>
+            <a:r>
+              <a:rPr lang="zh-CN" altLang="en-US" dirty="0"/>
+              <a:t>该属性的属性名</a:t>
+            </a:r>
+            <a:r>
+              <a:rPr lang="zh-CN" altLang="en-US" dirty="0" smtClean="0"/>
+              <a:t>）</a:t>
+            </a:r>
+            <a:endParaRPr lang="en-US" altLang="zh-CN" dirty="0" smtClean="0"/>
+          </a:p>
+          <a:p>
+            <a:pPr lvl="2"/>
+            <a:r>
+              <a:rPr lang="en-US" altLang="zh-CN" dirty="0" err="1"/>
+              <a:t>j</a:t>
+            </a:r>
+            <a:r>
+              <a:rPr lang="en-US" altLang="zh-CN" dirty="0" err="1" smtClean="0"/>
+              <a:t>son</a:t>
+            </a:r>
+            <a:r>
+              <a:rPr lang="zh-CN" altLang="en-US" dirty="0" smtClean="0"/>
+              <a:t>特征：一个</a:t>
+            </a:r>
+            <a:r>
+              <a:rPr lang="en-US" altLang="zh-CN" dirty="0" err="1" smtClean="0"/>
+              <a:t>json</a:t>
+            </a:r>
+            <a:r>
+              <a:rPr lang="zh-CN" altLang="en-US" dirty="0" smtClean="0"/>
+              <a:t>的</a:t>
+            </a:r>
+            <a:r>
+              <a:rPr lang="en-US" altLang="zh-CN" dirty="0" smtClean="0"/>
+              <a:t>key</a:t>
+            </a:r>
+            <a:r>
+              <a:rPr lang="zh-CN" altLang="en-US" dirty="0"/>
+              <a:t>，不会重复。同</a:t>
+            </a:r>
+            <a:r>
+              <a:rPr lang="en-US" altLang="zh-CN" dirty="0" err="1"/>
+              <a:t>jsonarray</a:t>
+            </a:r>
+            <a:r>
+              <a:rPr lang="zh-CN" altLang="en-US" dirty="0"/>
+              <a:t>里</a:t>
+            </a:r>
+            <a:r>
+              <a:rPr lang="zh-CN" altLang="en-US" dirty="0" smtClean="0"/>
+              <a:t>的各个</a:t>
+            </a:r>
+            <a:r>
+              <a:rPr lang="en-US" altLang="zh-CN" dirty="0" err="1" smtClean="0"/>
+              <a:t>json</a:t>
+            </a:r>
+            <a:r>
+              <a:rPr lang="zh-CN" altLang="en-US" dirty="0" smtClean="0"/>
+              <a:t>对象，</a:t>
+            </a:r>
+            <a:r>
+              <a:rPr lang="en-US" altLang="zh-CN" dirty="0" smtClean="0"/>
+              <a:t>key</a:t>
+            </a:r>
+            <a:r>
+              <a:rPr lang="zh-CN" altLang="en-US" dirty="0" smtClean="0"/>
+              <a:t>可能不同，要融合。融合方式：文件。</a:t>
+            </a:r>
+            <a:endParaRPr lang="en-US" altLang="zh-CN" dirty="0" smtClean="0"/>
+          </a:p>
+          <a:p>
+            <a:pPr lvl="2"/>
+            <a:r>
+              <a:rPr lang="zh-CN" altLang="en-US" dirty="0" smtClean="0"/>
+              <a:t>对</a:t>
+            </a:r>
+            <a:r>
+              <a:rPr lang="en-US" altLang="zh-CN" dirty="0" err="1" smtClean="0"/>
+              <a:t>json</a:t>
+            </a:r>
+            <a:r>
+              <a:rPr lang="zh-CN" altLang="en-US" dirty="0" smtClean="0"/>
+              <a:t>数组的处理：认为每个</a:t>
+            </a:r>
+            <a:r>
+              <a:rPr lang="en-US" altLang="zh-CN" dirty="0" err="1" smtClean="0"/>
+              <a:t>json</a:t>
+            </a:r>
+            <a:r>
+              <a:rPr lang="zh-CN" altLang="en-US" dirty="0" smtClean="0"/>
+              <a:t>对象数据结构一致。实例化</a:t>
+            </a:r>
+            <a:r>
+              <a:rPr lang="en-US" altLang="zh-CN" dirty="0" err="1" smtClean="0"/>
+              <a:t>json</a:t>
+            </a:r>
+            <a:r>
+              <a:rPr lang="zh-CN" altLang="en-US" dirty="0" smtClean="0"/>
+              <a:t>数组属性时，先设置一个实例化</a:t>
+            </a:r>
+            <a:r>
+              <a:rPr lang="zh-CN" altLang="en-US" dirty="0"/>
+              <a:t>空</a:t>
+            </a:r>
+            <a:r>
+              <a:rPr lang="zh-CN" altLang="en-US" dirty="0" smtClean="0"/>
+              <a:t>数组，后给数</a:t>
+            </a:r>
+            <a:r>
+              <a:rPr lang="en-US" altLang="zh-CN" dirty="0" smtClean="0"/>
+              <a:t>				</a:t>
+            </a:r>
+            <a:r>
+              <a:rPr lang="zh-CN" altLang="en-US" dirty="0" smtClean="0"/>
+              <a:t>组添加元素。</a:t>
+            </a:r>
+            <a:endParaRPr lang="en-US" altLang="zh-CN" dirty="0" smtClean="0"/>
+          </a:p>
+          <a:p>
+            <a:pPr lvl="1"/>
+            <a:r>
+              <a:rPr lang="zh-CN" altLang="en-US" dirty="0" smtClean="0"/>
+              <a:t>不足：类命名、变量命名不很规范。</a:t>
+            </a:r>
+            <a:endParaRPr lang="en-US" altLang="zh-CN" dirty="0" smtClean="0"/>
+          </a:p>
+          <a:p>
+            <a:pPr lvl="1"/>
+            <a:r>
+              <a:rPr lang="zh-CN" altLang="en-US" dirty="0" smtClean="0"/>
+              <a:t>实际用处：</a:t>
+            </a:r>
+            <a:r>
+              <a:rPr lang="en-US" altLang="zh-CN" dirty="0" smtClean="0"/>
+              <a:t>…</a:t>
+            </a:r>
+          </a:p>
+          <a:p>
+            <a:endParaRPr lang="en-US" altLang="zh-CN" dirty="0" smtClean="0"/>
+          </a:p>
+        </p:txBody>
+      </p:sp>
+    </p:spTree>
+    <p:extLst>
+      <p:ext uri="{BB962C8B-B14F-4D97-AF65-F5344CB8AC3E}">
+        <p14:creationId xmlns:p14="http://schemas.microsoft.com/office/powerpoint/2010/main" val="2934030976"/>
+      </p:ext>
+    </p:extLst>
+  </p:cSld>
+  <p:clrMapOvr>
+    <a:masterClrMapping/>
+  </p:clrMapOvr>
+</p:sld>
+</file>
+
+<file path=ppt/slides/slide21.xml><?xml version="1.0" encoding="utf-8"?>
+<p:sld xmlns:a="http://schemas.openxmlformats.org/drawingml/2006/main" xmlns:r="http://schemas.openxmlformats.org/officeDocument/2006/relationships" xmlns:p="http://schemas.openxmlformats.org/presentationml/2006/main">
+  <p:cSld>
+    <p:spTree>
+      <p:nvGrpSpPr>
+        <p:cNvPr id="1" name=""/>
+        <p:cNvGrpSpPr/>
+        <p:nvPr/>
+      </p:nvGrpSpPr>
+      <p:grpSpPr>
+        <a:xfrm>
+          <a:off x="0" y="0"/>
+          <a:ext cx="0" cy="0"/>
+          <a:chOff x="0" y="0"/>
+          <a:chExt cx="0" cy="0"/>
+        </a:xfrm>
+      </p:grpSpPr>
+      <p:sp>
+        <p:nvSpPr>
+          <p:cNvPr id="2" name="标题 1"/>
+          <p:cNvSpPr>
+            <a:spLocks noGrp="1"/>
+          </p:cNvSpPr>
+          <p:nvPr>
+            <p:ph type="title"/>
+          </p:nvPr>
+        </p:nvSpPr>
+        <p:spPr/>
+        <p:txBody>
+          <a:bodyPr/>
+          <a:lstStyle/>
+          <a:p>
+            <a:r>
+              <a:rPr lang="en-US" altLang="zh-CN" dirty="0" smtClean="0"/>
+              <a:t>	</a:t>
+            </a:r>
+            <a:endParaRPr lang="zh-CN" altLang="en-US" dirty="0"/>
+          </a:p>
+        </p:txBody>
+      </p:sp>
+      <p:sp>
+        <p:nvSpPr>
+          <p:cNvPr id="3" name="内容占位符 2"/>
+          <p:cNvSpPr>
+            <a:spLocks noGrp="1"/>
+          </p:cNvSpPr>
+          <p:nvPr>
+            <p:ph idx="1"/>
+          </p:nvPr>
+        </p:nvSpPr>
+        <p:spPr/>
+        <p:txBody>
+          <a:bodyPr/>
+          <a:lstStyle/>
+          <a:p>
+            <a:pPr marL="0" indent="0">
+              <a:buNone/>
+            </a:pPr>
+            <a:endParaRPr lang="zh-CN" altLang="en-US" dirty="0"/>
+          </a:p>
+        </p:txBody>
+      </p:sp>
+    </p:spTree>
+    <p:extLst>
+      <p:ext uri="{BB962C8B-B14F-4D97-AF65-F5344CB8AC3E}">
+        <p14:creationId xmlns:p14="http://schemas.microsoft.com/office/powerpoint/2010/main" val="3365769730"/>
+      </p:ext>
+    </p:extLst>
+  </p:cSld>
+  <p:clrMapOvr>
+    <a:masterClrMapping/>
+  </p:clrMapOvr>
+</p:sld>
+</file>
+
+<file path=ppt/slides/slide22.xml><?xml version="1.0" encoding="utf-8"?>
+<p:sld xmlns:a="http://schemas.openxmlformats.org/drawingml/2006/main" xmlns:r="http://schemas.openxmlformats.org/officeDocument/2006/relationships" xmlns:p="http://schemas.openxmlformats.org/presentationml/2006/main">
+  <p:cSld>
+    <p:spTree>
+      <p:nvGrpSpPr>
+        <p:cNvPr id="1" name=""/>
+        <p:cNvGrpSpPr/>
+        <p:nvPr/>
+      </p:nvGrpSpPr>
+      <p:grpSpPr>
+        <a:xfrm>
+          <a:off x="0" y="0"/>
+          <a:ext cx="0" cy="0"/>
+          <a:chOff x="0" y="0"/>
+          <a:chExt cx="0" cy="0"/>
+        </a:xfrm>
+      </p:grpSpPr>
+      <p:sp>
+        <p:nvSpPr>
+          <p:cNvPr id="2" name="标题 1"/>
+          <p:cNvSpPr>
+            <a:spLocks noGrp="1"/>
+          </p:cNvSpPr>
+          <p:nvPr>
+            <p:ph type="title"/>
+          </p:nvPr>
+        </p:nvSpPr>
+        <p:spPr/>
+        <p:txBody>
+          <a:bodyPr/>
+          <a:lstStyle/>
+          <a:p>
+            <a:endParaRPr lang="zh-CN" altLang="en-US"/>
+          </a:p>
+        </p:txBody>
+      </p:sp>
+      <p:sp>
+        <p:nvSpPr>
+          <p:cNvPr id="3" name="内容占位符 2"/>
+          <p:cNvSpPr>
+            <a:spLocks noGrp="1"/>
+          </p:cNvSpPr>
+          <p:nvPr>
+            <p:ph idx="1"/>
+          </p:nvPr>
+        </p:nvSpPr>
+        <p:spPr/>
+        <p:txBody>
+          <a:bodyPr/>
+          <a:lstStyle/>
+          <a:p>
+            <a:endParaRPr lang="zh-CN" altLang="en-US"/>
+          </a:p>
+        </p:txBody>
+      </p:sp>
+    </p:spTree>
+    <p:extLst>
+      <p:ext uri="{BB962C8B-B14F-4D97-AF65-F5344CB8AC3E}">
+        <p14:creationId xmlns:p14="http://schemas.microsoft.com/office/powerpoint/2010/main" val="884583111"/>
       </p:ext>
     </p:extLst>
   </p:cSld>

--- a/业务习惯/入职三月以来工作总结.pptx
+++ b/业务习惯/入职三月以来工作总结.pptx
@@ -14,19 +14,20 @@
     <p:sldId id="265" r:id="rId8"/>
     <p:sldId id="263" r:id="rId9"/>
     <p:sldId id="258" r:id="rId10"/>
-    <p:sldId id="259" r:id="rId11"/>
-    <p:sldId id="269" r:id="rId12"/>
-    <p:sldId id="267" r:id="rId13"/>
-    <p:sldId id="268" r:id="rId14"/>
-    <p:sldId id="270" r:id="rId15"/>
-    <p:sldId id="271" r:id="rId16"/>
-    <p:sldId id="272" r:id="rId17"/>
-    <p:sldId id="273" r:id="rId18"/>
-    <p:sldId id="274" r:id="rId19"/>
-    <p:sldId id="275" r:id="rId20"/>
-    <p:sldId id="277" r:id="rId21"/>
-    <p:sldId id="276" r:id="rId22"/>
-    <p:sldId id="260" r:id="rId23"/>
+    <p:sldId id="278" r:id="rId11"/>
+    <p:sldId id="259" r:id="rId12"/>
+    <p:sldId id="269" r:id="rId13"/>
+    <p:sldId id="267" r:id="rId14"/>
+    <p:sldId id="268" r:id="rId15"/>
+    <p:sldId id="270" r:id="rId16"/>
+    <p:sldId id="271" r:id="rId17"/>
+    <p:sldId id="272" r:id="rId18"/>
+    <p:sldId id="273" r:id="rId19"/>
+    <p:sldId id="274" r:id="rId20"/>
+    <p:sldId id="275" r:id="rId21"/>
+    <p:sldId id="277" r:id="rId22"/>
+    <p:sldId id="276" r:id="rId23"/>
+    <p:sldId id="260" r:id="rId24"/>
   </p:sldIdLst>
   <p:sldSz cx="12192000" cy="6858000"/>
   <p:notesSz cx="6858000" cy="9144000"/>
@@ -147,6 +148,7 @@
         <p14:section name="小区newdict服务切换" id="{EEFD12FD-CA5D-4E5F-9C54-6B3AA1AA7B9F}">
           <p14:sldIdLst>
             <p14:sldId id="258"/>
+            <p14:sldId id="278"/>
           </p14:sldIdLst>
         </p14:section>
         <p14:section name="二手房、商铺写字楼大类页切换" id="{2B4DC2EF-2D8C-44AF-BC26-9D559AD5907E}">
@@ -7792,28 +7794,20 @@
           <a:lstStyle/>
           <a:p>
             <a:r>
-              <a:rPr lang="en-US" altLang="zh-CN" dirty="0" smtClean="0"/>
-              <a:t>app</a:t>
-            </a:r>
-            <a:r>
-              <a:rPr lang="zh-CN" altLang="en-US" dirty="0"/>
-              <a:t>二手房</a:t>
-            </a:r>
-            <a:r>
-              <a:rPr lang="zh-CN" altLang="en-US" dirty="0" smtClean="0"/>
-              <a:t>大类页</a:t>
-            </a:r>
-            <a:r>
-              <a:rPr lang="en-US" altLang="zh-CN" dirty="0" err="1" smtClean="0"/>
-              <a:t>php</a:t>
-            </a:r>
-            <a:r>
-              <a:rPr lang="zh-CN" altLang="en-US" dirty="0" smtClean="0"/>
-              <a:t>切换到</a:t>
-            </a:r>
-            <a:r>
-              <a:rPr lang="en-US" altLang="zh-CN" dirty="0" smtClean="0"/>
-              <a:t>java</a:t>
+              <a:rPr lang="zh-CN" altLang="en-US" dirty="0"/>
+              <a:t>遇到的问题和解决措施</a:t>
+            </a:r>
+            <a:r>
+              <a:rPr lang="en-US" altLang="zh-CN" dirty="0" smtClean="0"/>
+              <a:t>(</a:t>
+            </a:r>
+            <a:r>
+              <a:rPr lang="zh-CN" altLang="en-US" dirty="0" smtClean="0"/>
+              <a:t>一</a:t>
+            </a:r>
+            <a:r>
+              <a:rPr lang="en-US" altLang="zh-CN" dirty="0" smtClean="0"/>
+              <a:t>)</a:t>
             </a:r>
             <a:endParaRPr lang="zh-CN" altLang="en-US" dirty="0"/>
           </a:p>
@@ -7831,58 +7825,76 @@
         </p:nvSpPr>
         <p:spPr/>
         <p:txBody>
-          <a:bodyPr>
-            <a:normAutofit fontScale="77500" lnSpcReduction="20000"/>
-          </a:bodyPr>
+          <a:bodyPr/>
           <a:lstStyle/>
           <a:p>
             <a:r>
               <a:rPr lang="zh-CN" altLang="en-US" dirty="0" smtClean="0"/>
-              <a:t>需求简述：</a:t>
+              <a:t>线上</a:t>
+            </a:r>
+            <a:r>
+              <a:rPr lang="en-US" altLang="zh-CN" dirty="0" err="1" smtClean="0"/>
+              <a:t>url</a:t>
+            </a:r>
+            <a:r>
+              <a:rPr lang="zh-CN" altLang="en-US" dirty="0" smtClean="0"/>
+              <a:t>请求和项目中</a:t>
+            </a:r>
+            <a:r>
+              <a:rPr lang="en-US" altLang="zh-CN" dirty="0" err="1" smtClean="0"/>
+              <a:t>requestmappint</a:t>
+            </a:r>
+            <a:r>
+              <a:rPr lang="zh-CN" altLang="en-US" dirty="0" smtClean="0"/>
+              <a:t>没对应，</a:t>
+            </a:r>
+            <a:r>
+              <a:rPr lang="en-US" altLang="zh-CN" dirty="0" err="1" smtClean="0"/>
+              <a:t>url</a:t>
+            </a:r>
+            <a:r>
+              <a:rPr lang="zh-CN" altLang="en-US" dirty="0"/>
+              <a:t>的重新</a:t>
+            </a:r>
+            <a:r>
+              <a:rPr lang="zh-CN" altLang="en-US" dirty="0" smtClean="0"/>
+              <a:t>解析问题？</a:t>
             </a:r>
             <a:endParaRPr lang="en-US" altLang="zh-CN" dirty="0" smtClean="0"/>
           </a:p>
           <a:p>
             <a:pPr lvl="1"/>
             <a:r>
-              <a:rPr lang="en-US" altLang="zh-CN" dirty="0" smtClean="0"/>
-              <a:t>app</a:t>
-            </a:r>
-            <a:r>
-              <a:rPr lang="zh-CN" altLang="en-US" dirty="0" smtClean="0"/>
-              <a:t>上二手房大类页请求，之前走</a:t>
+              <a:rPr lang="zh-CN" altLang="en-US" dirty="0"/>
+              <a:t>推测</a:t>
+            </a:r>
+            <a:r>
+              <a:rPr lang="zh-CN" altLang="en-US" dirty="0" smtClean="0"/>
+              <a:t>：中央服务器或者</a:t>
             </a:r>
             <a:r>
               <a:rPr lang="en-US" altLang="zh-CN" dirty="0" err="1" smtClean="0"/>
-              <a:t>php</a:t>
-            </a:r>
-            <a:r>
-              <a:rPr lang="zh-CN" altLang="en-US" dirty="0" smtClean="0"/>
-              <a:t>实现的</a:t>
-            </a:r>
-            <a:r>
-              <a:rPr lang="en-US" altLang="zh-CN" dirty="0" smtClean="0"/>
-              <a:t>web</a:t>
-            </a:r>
-            <a:r>
-              <a:rPr lang="zh-CN" altLang="en-US" dirty="0" smtClean="0"/>
-              <a:t>服务，现要切换为</a:t>
-            </a:r>
-            <a:r>
-              <a:rPr lang="en-US" altLang="zh-CN" dirty="0" smtClean="0"/>
-              <a:t>java</a:t>
-            </a:r>
-            <a:r>
-              <a:rPr lang="zh-CN" altLang="en-US" dirty="0" smtClean="0"/>
-              <a:t>实现的</a:t>
-            </a:r>
-            <a:r>
-              <a:rPr lang="en-US" altLang="zh-CN" dirty="0" smtClean="0"/>
-              <a:t>web</a:t>
-            </a:r>
-            <a:r>
-              <a:rPr lang="zh-CN" altLang="en-US" dirty="0" smtClean="0"/>
-              <a:t>服务。</a:t>
+              <a:t>dns</a:t>
+            </a:r>
+            <a:r>
+              <a:rPr lang="zh-CN" altLang="en-US" dirty="0" smtClean="0"/>
+              <a:t>服务器或者</a:t>
+            </a:r>
+            <a:r>
+              <a:rPr lang="en-US" altLang="zh-CN" dirty="0" err="1" smtClean="0"/>
+              <a:t>nginx</a:t>
+            </a:r>
+            <a:r>
+              <a:rPr lang="zh-CN" altLang="en-US" dirty="0" smtClean="0"/>
+              <a:t>服务器有重新</a:t>
+            </a:r>
+            <a:r>
+              <a:rPr lang="zh-CN" altLang="en-US" dirty="0"/>
+              <a:t>解析域名的</a:t>
+            </a:r>
+            <a:r>
+              <a:rPr lang="zh-CN" altLang="en-US" dirty="0" smtClean="0"/>
+              <a:t>过程</a:t>
             </a:r>
             <a:endParaRPr lang="en-US" altLang="zh-CN" dirty="0" smtClean="0"/>
           </a:p>
@@ -7890,309 +7902,194 @@
             <a:pPr lvl="1"/>
             <a:r>
               <a:rPr lang="zh-CN" altLang="en-US" dirty="0" smtClean="0"/>
-              <a:t>新增需求：</a:t>
-            </a:r>
-            <a:r>
-              <a:rPr lang="en-US" altLang="zh-CN" dirty="0" smtClean="0"/>
-              <a:t>banner</a:t>
-            </a:r>
-            <a:r>
-              <a:rPr lang="zh-CN" altLang="en-US" dirty="0" smtClean="0"/>
-              <a:t>广告位、附近经纪人、底部菜单重点在“我的”</a:t>
+              <a:t>事实</a:t>
+            </a:r>
+            <a:r>
+              <a:rPr lang="en-US" altLang="zh-CN" dirty="0" smtClean="0"/>
+              <a:t>1</a:t>
+            </a:r>
+            <a:r>
+              <a:rPr lang="zh-CN" altLang="en-US" dirty="0"/>
+              <a:t>：域名中的城市，会被提取出来作为</a:t>
+            </a:r>
+            <a:r>
+              <a:rPr lang="en-US" altLang="zh-CN" dirty="0" err="1"/>
+              <a:t>uri</a:t>
+            </a:r>
+            <a:r>
+              <a:rPr lang="zh-CN" altLang="en-US" dirty="0"/>
+              <a:t>的第二个</a:t>
+            </a:r>
+            <a:r>
+              <a:rPr lang="en-US" altLang="zh-CN" dirty="0" smtClean="0"/>
+              <a:t>/</a:t>
+            </a:r>
+            <a:r>
+              <a:rPr lang="zh-CN" altLang="en-US" dirty="0" smtClean="0"/>
+              <a:t>后的路径</a:t>
+            </a:r>
+            <a:r>
+              <a:rPr lang="zh-CN" altLang="en-US" dirty="0"/>
+              <a:t>。比如</a:t>
+            </a:r>
+            <a:r>
+              <a:rPr lang="en-US" altLang="zh-CN" dirty="0"/>
+              <a:t>http://bj.58.com/xiaoqu      </a:t>
+            </a:r>
+            <a:r>
+              <a:rPr lang="zh-CN" altLang="en-US" dirty="0"/>
+              <a:t>域名解析后为：</a:t>
+            </a:r>
+            <a:r>
+              <a:rPr lang="en-US" altLang="zh-CN" dirty="0">
+                <a:hlinkClick r:id="rId2"/>
+              </a:rPr>
+              <a:t>http://</a:t>
+            </a:r>
+            <a:r>
+              <a:rPr lang="en-US" altLang="zh-CN" dirty="0" smtClean="0">
+                <a:hlinkClick r:id="rId2"/>
+              </a:rPr>
+              <a:t>ip:port/xiaoqu/bj</a:t>
             </a:r>
             <a:endParaRPr lang="en-US" altLang="zh-CN" dirty="0" smtClean="0"/>
           </a:p>
           <a:p>
-            <a:r>
-              <a:rPr lang="en-US" altLang="zh-CN" dirty="0" smtClean="0"/>
-              <a:t>web</a:t>
-            </a:r>
-            <a:r>
-              <a:rPr lang="zh-CN" altLang="en-US" dirty="0" smtClean="0"/>
-              <a:t>项目方案：</a:t>
+            <a:pPr lvl="1"/>
+            <a:r>
+              <a:rPr lang="zh-CN" altLang="en-US" dirty="0" smtClean="0"/>
+              <a:t>事实</a:t>
+            </a:r>
+            <a:r>
+              <a:rPr lang="en-US" altLang="zh-CN" dirty="0" smtClean="0"/>
+              <a:t>2</a:t>
+            </a:r>
+            <a:r>
+              <a:rPr lang="zh-CN" altLang="en-US" dirty="0"/>
+              <a:t>：</a:t>
+            </a:r>
+            <a:r>
+              <a:rPr lang="zh-CN" altLang="en-US" dirty="0" smtClean="0"/>
+              <a:t>同上理</a:t>
+            </a:r>
+            <a:r>
+              <a:rPr lang="zh-CN" altLang="en-US" dirty="0"/>
+              <a:t>：</a:t>
+            </a:r>
+            <a:r>
+              <a:rPr lang="en-US" altLang="zh-CN" dirty="0"/>
+              <a:t>http://cd.58.com/xiaoqu/esfhotlist/   </a:t>
+            </a:r>
+            <a:r>
+              <a:rPr lang="zh-CN" altLang="en-US" dirty="0"/>
+              <a:t>会被解析为</a:t>
+            </a:r>
+            <a:r>
+              <a:rPr lang="en-US" altLang="zh-CN" dirty="0">
+                <a:hlinkClick r:id="rId3"/>
+              </a:rPr>
+              <a:t>http://ip:port/xiaoqu/cd/esfhotlist</a:t>
+            </a:r>
+            <a:r>
+              <a:rPr lang="en-US" altLang="zh-CN" dirty="0" smtClean="0">
+                <a:hlinkClick r:id="rId3"/>
+              </a:rPr>
+              <a:t>/</a:t>
             </a:r>
             <a:endParaRPr lang="en-US" altLang="zh-CN" dirty="0" smtClean="0"/>
           </a:p>
           <a:p>
             <a:pPr lvl="1"/>
             <a:r>
-              <a:rPr lang="en-US" altLang="zh-CN" dirty="0" smtClean="0"/>
-              <a:t>web</a:t>
-            </a:r>
-            <a:r>
-              <a:rPr lang="zh-CN" altLang="en-US" dirty="0" smtClean="0"/>
-              <a:t>框架</a:t>
-            </a:r>
-            <a:r>
-              <a:rPr lang="en-US" altLang="zh-CN" dirty="0" smtClean="0"/>
-              <a:t>: </a:t>
-            </a:r>
-            <a:r>
-              <a:rPr lang="en-US" altLang="zh-CN" dirty="0" err="1" smtClean="0"/>
-              <a:t>wf</a:t>
-            </a:r>
-            <a:r>
-              <a:rPr lang="en-US" altLang="zh-CN" dirty="0" smtClean="0"/>
-              <a:t> + </a:t>
-            </a:r>
-            <a:r>
-              <a:rPr lang="en-US" altLang="zh-CN" dirty="0" err="1" smtClean="0"/>
-              <a:t>scf</a:t>
-            </a:r>
-            <a:r>
-              <a:rPr lang="en-US" altLang="zh-CN" dirty="0" smtClean="0"/>
-              <a:t> + velocity  + html5 + </a:t>
-            </a:r>
-            <a:r>
-              <a:rPr lang="en-US" altLang="zh-CN" dirty="0" err="1" smtClean="0"/>
-              <a:t>jquery</a:t>
-            </a:r>
-            <a:r>
-              <a:rPr lang="en-US" altLang="zh-CN" dirty="0" smtClean="0"/>
-              <a:t>…</a:t>
-            </a:r>
-          </a:p>
-          <a:p>
-            <a:pPr lvl="1"/>
-            <a:r>
-              <a:rPr lang="zh-CN" altLang="en-US" dirty="0" smtClean="0"/>
-              <a:t>项目管理：</a:t>
-            </a:r>
-            <a:r>
-              <a:rPr lang="en-US" altLang="zh-CN" dirty="0" err="1" smtClean="0"/>
-              <a:t>git</a:t>
-            </a:r>
+              <a:rPr lang="zh-CN" altLang="en-US" dirty="0" smtClean="0"/>
+              <a:t>事实</a:t>
+            </a:r>
+            <a:r>
+              <a:rPr lang="en-US" altLang="zh-CN" dirty="0" smtClean="0"/>
+              <a:t>3</a:t>
+            </a:r>
+            <a:r>
+              <a:rPr lang="zh-CN" altLang="en-US" dirty="0" smtClean="0"/>
+              <a:t>：</a:t>
+            </a:r>
+            <a:r>
+              <a:rPr lang="en-US" altLang="zh-CN" dirty="0" err="1"/>
+              <a:t>url</a:t>
+            </a:r>
+            <a:r>
+              <a:rPr lang="zh-CN" altLang="en-US" dirty="0"/>
+              <a:t>中的单词都可以</a:t>
+            </a:r>
+            <a:r>
+              <a:rPr lang="zh-CN" altLang="en-US" dirty="0" smtClean="0"/>
+              <a:t>替换。如 </a:t>
+            </a:r>
+            <a:r>
+              <a:rPr lang="en-US" altLang="zh-CN" dirty="0" smtClean="0"/>
+              <a:t>http</a:t>
+            </a:r>
+            <a:r>
+              <a:rPr lang="en-US" altLang="zh-CN" dirty="0"/>
+              <a:t>://bj.58.com/xiaoqu/xqlist_A_1/  </a:t>
+            </a:r>
+            <a:r>
+              <a:rPr lang="zh-CN" altLang="en-US" dirty="0"/>
+              <a:t>后台执行的是：</a:t>
+            </a:r>
+            <a:r>
+              <a:rPr lang="en-US" altLang="zh-CN" dirty="0"/>
+              <a:t>/</a:t>
+            </a:r>
+            <a:r>
+              <a:rPr lang="en-US" altLang="zh-CN" dirty="0" err="1"/>
+              <a:t>xiaoqu</a:t>
+            </a:r>
+            <a:r>
+              <a:rPr lang="en-US" altLang="zh-CN" dirty="0"/>
+              <a:t>/</a:t>
+            </a:r>
+            <a:r>
+              <a:rPr lang="en-US" altLang="zh-CN" dirty="0" err="1"/>
+              <a:t>xqlist</a:t>
+            </a:r>
+            <a:r>
+              <a:rPr lang="en-US" altLang="zh-CN" dirty="0"/>
+              <a:t>/bj_A_1   </a:t>
+            </a:r>
+            <a:r>
+              <a:rPr lang="zh-CN" altLang="en-US" dirty="0"/>
+              <a:t>（表示北京 </a:t>
+            </a:r>
+            <a:r>
+              <a:rPr lang="en-US" altLang="zh-CN" dirty="0"/>
+              <a:t>A</a:t>
+            </a:r>
+            <a:r>
+              <a:rPr lang="zh-CN" altLang="en-US" dirty="0"/>
+              <a:t>字母地区 第</a:t>
+            </a:r>
+            <a:r>
+              <a:rPr lang="en-US" altLang="zh-CN" dirty="0"/>
+              <a:t>1</a:t>
+            </a:r>
+            <a:r>
+              <a:rPr lang="zh-CN" altLang="en-US" dirty="0"/>
+              <a:t>页）</a:t>
+            </a:r>
+            <a:endParaRPr lang="en-US" altLang="zh-CN" dirty="0"/>
+          </a:p>
+          <a:p>
             <a:endParaRPr lang="en-US" altLang="zh-CN" dirty="0" smtClean="0"/>
           </a:p>
           <a:p>
-            <a:pPr lvl="1"/>
-            <a:r>
-              <a:rPr lang="zh-CN" altLang="en-US" dirty="0" smtClean="0"/>
-              <a:t>项目部署地：私有云沙箱环境、正式环境</a:t>
-            </a:r>
             <a:endParaRPr lang="zh-CN" altLang="en-US" dirty="0"/>
-          </a:p>
-          <a:p>
-            <a:r>
-              <a:rPr lang="en-US" altLang="zh-CN" dirty="0" smtClean="0"/>
-              <a:t>web</a:t>
-            </a:r>
-            <a:r>
-              <a:rPr lang="zh-CN" altLang="en-US" dirty="0" smtClean="0"/>
-              <a:t>项目开发进程：</a:t>
-            </a:r>
-            <a:endParaRPr lang="en-US" altLang="zh-CN" dirty="0" smtClean="0"/>
-          </a:p>
-          <a:p>
-            <a:pPr lvl="1"/>
-            <a:r>
-              <a:rPr lang="zh-CN" altLang="en-US" dirty="0" smtClean="0"/>
-              <a:t>搭建项目</a:t>
-            </a:r>
-            <a:r>
-              <a:rPr lang="en-US" altLang="zh-CN" dirty="0" smtClean="0"/>
-              <a:t>(2018.3.19)</a:t>
-            </a:r>
-            <a:r>
-              <a:rPr lang="en-US" altLang="zh-CN" dirty="0" smtClean="0">
-                <a:sym typeface="Wingdings" panose="05000000000000000000" pitchFamily="2" charset="2"/>
-              </a:rPr>
-              <a:t></a:t>
-            </a:r>
-            <a:r>
-              <a:rPr lang="zh-CN" altLang="en-US" dirty="0" smtClean="0">
-                <a:sym typeface="Wingdings" panose="05000000000000000000" pitchFamily="2" charset="2"/>
-              </a:rPr>
-              <a:t>根据</a:t>
-            </a:r>
-            <a:r>
-              <a:rPr lang="en-US" altLang="zh-CN" dirty="0" err="1" smtClean="0">
-                <a:sym typeface="Wingdings" panose="05000000000000000000" pitchFamily="2" charset="2"/>
-              </a:rPr>
-              <a:t>php</a:t>
-            </a:r>
-            <a:r>
-              <a:rPr lang="zh-CN" altLang="en-US" dirty="0" smtClean="0">
-                <a:sym typeface="Wingdings" panose="05000000000000000000" pitchFamily="2" charset="2"/>
-              </a:rPr>
-              <a:t>项目二手房大类页处理类的处理逻辑等同地用</a:t>
-            </a:r>
-            <a:r>
-              <a:rPr lang="en-US" altLang="zh-CN" dirty="0" smtClean="0">
-                <a:sym typeface="Wingdings" panose="05000000000000000000" pitchFamily="2" charset="2"/>
-              </a:rPr>
-              <a:t>java</a:t>
-            </a:r>
-            <a:r>
-              <a:rPr lang="zh-CN" altLang="en-US" dirty="0" smtClean="0">
-                <a:sym typeface="Wingdings" panose="05000000000000000000" pitchFamily="2" charset="2"/>
-              </a:rPr>
-              <a:t>实现提供相同的数据和子服务，用</a:t>
-            </a:r>
-            <a:r>
-              <a:rPr lang="en-US" altLang="zh-CN" dirty="0" smtClean="0">
-                <a:sym typeface="Wingdings" panose="05000000000000000000" pitchFamily="2" charset="2"/>
-              </a:rPr>
-              <a:t>html</a:t>
-            </a:r>
-            <a:r>
-              <a:rPr lang="zh-CN" altLang="en-US" dirty="0" smtClean="0">
-                <a:sym typeface="Wingdings" panose="05000000000000000000" pitchFamily="2" charset="2"/>
-              </a:rPr>
-              <a:t>模板页替换</a:t>
-            </a:r>
-            <a:r>
-              <a:rPr lang="en-US" altLang="zh-CN" dirty="0" err="1" smtClean="0">
-                <a:sym typeface="Wingdings" panose="05000000000000000000" pitchFamily="2" charset="2"/>
-              </a:rPr>
-              <a:t>php</a:t>
-            </a:r>
-            <a:r>
-              <a:rPr lang="zh-CN" altLang="en-US" dirty="0" smtClean="0">
-                <a:sym typeface="Wingdings" panose="05000000000000000000" pitchFamily="2" charset="2"/>
-              </a:rPr>
-              <a:t>的模板页实现等同视图效果</a:t>
-            </a:r>
-            <a:r>
-              <a:rPr lang="en-US" altLang="zh-CN" dirty="0" smtClean="0">
-                <a:sym typeface="Wingdings" panose="05000000000000000000" pitchFamily="2" charset="2"/>
-              </a:rPr>
-              <a:t></a:t>
-            </a:r>
-            <a:r>
-              <a:rPr lang="zh-CN" altLang="en-US" dirty="0" smtClean="0">
-                <a:sym typeface="Wingdings" panose="05000000000000000000" pitchFamily="2" charset="2"/>
-              </a:rPr>
-              <a:t>本地测试、上线私有云沙箱环境测试、</a:t>
-            </a:r>
-            <a:r>
-              <a:rPr lang="en-US" altLang="zh-CN" dirty="0" smtClean="0">
-                <a:sym typeface="Wingdings" panose="05000000000000000000" pitchFamily="2" charset="2"/>
-              </a:rPr>
-              <a:t>QA</a:t>
-            </a:r>
-            <a:r>
-              <a:rPr lang="zh-CN" altLang="en-US" dirty="0" smtClean="0">
-                <a:sym typeface="Wingdings" panose="05000000000000000000" pitchFamily="2" charset="2"/>
-              </a:rPr>
-              <a:t>压力测试、</a:t>
-            </a:r>
-            <a:r>
-              <a:rPr lang="en-US" altLang="zh-CN" dirty="0" smtClean="0">
-                <a:sym typeface="Wingdings" panose="05000000000000000000" pitchFamily="2" charset="2"/>
-              </a:rPr>
-              <a:t>app</a:t>
-            </a:r>
-            <a:r>
-              <a:rPr lang="zh-CN" altLang="en-US" dirty="0" smtClean="0">
-                <a:sym typeface="Wingdings" panose="05000000000000000000" pitchFamily="2" charset="2"/>
-              </a:rPr>
-              <a:t>上通过</a:t>
-            </a:r>
-            <a:r>
-              <a:rPr lang="en-US" altLang="zh-CN" dirty="0" err="1" smtClean="0">
-                <a:sym typeface="Wingdings" panose="05000000000000000000" pitchFamily="2" charset="2"/>
-              </a:rPr>
-              <a:t>charles</a:t>
-            </a:r>
-            <a:r>
-              <a:rPr lang="zh-CN" altLang="en-US" dirty="0" smtClean="0">
-                <a:sym typeface="Wingdings" panose="05000000000000000000" pitchFamily="2" charset="2"/>
-              </a:rPr>
-              <a:t>代理测试、</a:t>
-            </a:r>
-            <a:r>
-              <a:rPr lang="en-US" altLang="zh-CN" dirty="0" smtClean="0">
-                <a:sym typeface="Wingdings" panose="05000000000000000000" pitchFamily="2" charset="2"/>
-              </a:rPr>
-              <a:t>https</a:t>
-            </a:r>
-            <a:r>
-              <a:rPr lang="zh-CN" altLang="en-US" dirty="0" smtClean="0">
-                <a:sym typeface="Wingdings" panose="05000000000000000000" pitchFamily="2" charset="2"/>
-              </a:rPr>
-              <a:t>安全连接测试、</a:t>
-            </a:r>
-            <a:r>
-              <a:rPr lang="en-US" altLang="zh-CN" dirty="0" smtClean="0">
-                <a:sym typeface="Wingdings" panose="05000000000000000000" pitchFamily="2" charset="2"/>
-              </a:rPr>
-              <a:t>QA</a:t>
-            </a:r>
-            <a:r>
-              <a:rPr lang="zh-CN" altLang="en-US" dirty="0" smtClean="0">
-                <a:sym typeface="Wingdings" panose="05000000000000000000" pitchFamily="2" charset="2"/>
-              </a:rPr>
-              <a:t>一般测试，逐渐逼近真实使用场景</a:t>
-            </a:r>
-            <a:r>
-              <a:rPr lang="en-US" altLang="zh-CN" dirty="0" smtClean="0">
-                <a:sym typeface="Wingdings" panose="05000000000000000000" pitchFamily="2" charset="2"/>
-              </a:rPr>
-              <a:t></a:t>
-            </a:r>
-            <a:r>
-              <a:rPr lang="zh-CN" altLang="en-US" dirty="0" smtClean="0">
-                <a:sym typeface="Wingdings" panose="05000000000000000000" pitchFamily="2" charset="2"/>
-              </a:rPr>
-              <a:t>基本没问题后，上线至正式环境</a:t>
-            </a:r>
-            <a:r>
-              <a:rPr lang="en-US" altLang="zh-CN" dirty="0" smtClean="0">
-                <a:sym typeface="Wingdings" panose="05000000000000000000" pitchFamily="2" charset="2"/>
-              </a:rPr>
-              <a:t></a:t>
-            </a:r>
-            <a:r>
-              <a:rPr lang="zh-CN" altLang="en-US" dirty="0" smtClean="0">
-                <a:sym typeface="Wingdings" panose="05000000000000000000" pitchFamily="2" charset="2"/>
-              </a:rPr>
-              <a:t>再优化再升级</a:t>
-            </a:r>
-            <a:r>
-              <a:rPr lang="en-US" altLang="zh-CN" dirty="0" smtClean="0">
-                <a:sym typeface="Wingdings" panose="05000000000000000000" pitchFamily="2" charset="2"/>
-              </a:rPr>
-              <a:t>(2018.4.4)</a:t>
-            </a:r>
-            <a:endParaRPr lang="en-US" altLang="zh-CN" dirty="0" smtClean="0"/>
-          </a:p>
-          <a:p>
-            <a:r>
-              <a:rPr lang="en-US" altLang="zh-CN" dirty="0" smtClean="0"/>
-              <a:t>web</a:t>
-            </a:r>
-            <a:r>
-              <a:rPr lang="zh-CN" altLang="en-US" dirty="0" smtClean="0"/>
-              <a:t>项目未完成需求：底部菜单</a:t>
-            </a:r>
-            <a:endParaRPr lang="en-US" altLang="zh-CN" dirty="0" smtClean="0"/>
-          </a:p>
-          <a:p>
-            <a:r>
-              <a:rPr lang="en-US" altLang="zh-CN" dirty="0" smtClean="0"/>
-              <a:t>web</a:t>
-            </a:r>
-            <a:r>
-              <a:rPr lang="zh-CN" altLang="en-US" dirty="0" smtClean="0"/>
-              <a:t>项目路径：</a:t>
-            </a:r>
-            <a:r>
-              <a:rPr lang="en-US" altLang="zh-CN" dirty="0"/>
-              <a:t> http://gitlab.58corp.com/house.ershoufang/house.ershoufang.fanghomeweb</a:t>
-            </a:r>
-            <a:endParaRPr lang="en-US" altLang="zh-CN" dirty="0" smtClean="0"/>
-          </a:p>
-          <a:p>
-            <a:pPr lvl="1"/>
-            <a:endParaRPr lang="en-US" altLang="zh-CN" dirty="0" smtClean="0"/>
           </a:p>
         </p:txBody>
       </p:sp>
     </p:spTree>
     <p:extLst>
       <p:ext uri="{BB962C8B-B14F-4D97-AF65-F5344CB8AC3E}">
-        <p14:creationId xmlns:p14="http://schemas.microsoft.com/office/powerpoint/2010/main" val="975366533"/>
+        <p14:creationId xmlns:p14="http://schemas.microsoft.com/office/powerpoint/2010/main" val="690447439"/>
       </p:ext>
     </p:extLst>
   </p:cSld>
@@ -8235,16 +8132,16 @@
           <a:lstStyle/>
           <a:p>
             <a:r>
-              <a:rPr lang="en-US" altLang="zh-CN" dirty="0"/>
-              <a:t>a</a:t>
-            </a:r>
-            <a:r>
-              <a:rPr lang="en-US" altLang="zh-CN" dirty="0" smtClean="0"/>
-              <a:t>pp</a:t>
-            </a:r>
-            <a:r>
-              <a:rPr lang="zh-CN" altLang="en-US" dirty="0" smtClean="0"/>
-              <a:t>商业写字楼</a:t>
+              <a:rPr lang="en-US" altLang="zh-CN" dirty="0" smtClean="0"/>
+              <a:t>app</a:t>
+            </a:r>
+            <a:r>
+              <a:rPr lang="zh-CN" altLang="en-US" dirty="0"/>
+              <a:t>二手房</a:t>
+            </a:r>
+            <a:r>
+              <a:rPr lang="zh-CN" altLang="en-US" dirty="0" smtClean="0"/>
+              <a:t>大类页</a:t>
             </a:r>
             <a:r>
               <a:rPr lang="en-US" altLang="zh-CN" dirty="0" err="1" smtClean="0"/>
@@ -8274,7 +8171,9 @@
         </p:nvSpPr>
         <p:spPr/>
         <p:txBody>
-          <a:bodyPr/>
+          <a:bodyPr>
+            <a:normAutofit fontScale="77500" lnSpcReduction="20000"/>
+          </a:bodyPr>
           <a:lstStyle/>
           <a:p>
             <a:r>
@@ -8286,72 +8185,354 @@
           <a:p>
             <a:pPr lvl="1"/>
             <a:r>
+              <a:rPr lang="en-US" altLang="zh-CN" dirty="0" smtClean="0"/>
+              <a:t>app</a:t>
+            </a:r>
+            <a:r>
+              <a:rPr lang="zh-CN" altLang="en-US" dirty="0" smtClean="0"/>
+              <a:t>上二手房大类页请求，之前走</a:t>
+            </a:r>
+            <a:r>
+              <a:rPr lang="en-US" altLang="zh-CN" dirty="0" err="1" smtClean="0"/>
+              <a:t>php</a:t>
+            </a:r>
+            <a:r>
+              <a:rPr lang="zh-CN" altLang="en-US" dirty="0" smtClean="0"/>
+              <a:t>实现的</a:t>
+            </a:r>
+            <a:r>
+              <a:rPr lang="en-US" altLang="zh-CN" dirty="0" smtClean="0"/>
+              <a:t>web</a:t>
+            </a:r>
+            <a:r>
+              <a:rPr lang="zh-CN" altLang="en-US" dirty="0" smtClean="0"/>
+              <a:t>服务，现要切换为</a:t>
+            </a:r>
+            <a:r>
+              <a:rPr lang="en-US" altLang="zh-CN" dirty="0" smtClean="0"/>
+              <a:t>java</a:t>
+            </a:r>
+            <a:r>
+              <a:rPr lang="zh-CN" altLang="en-US" dirty="0" smtClean="0"/>
+              <a:t>实现的</a:t>
+            </a:r>
+            <a:r>
+              <a:rPr lang="en-US" altLang="zh-CN" dirty="0" smtClean="0"/>
+              <a:t>web</a:t>
+            </a:r>
+            <a:r>
+              <a:rPr lang="zh-CN" altLang="en-US" dirty="0" smtClean="0"/>
+              <a:t>服务。</a:t>
+            </a:r>
+            <a:endParaRPr lang="en-US" altLang="zh-CN" dirty="0" smtClean="0"/>
+          </a:p>
+          <a:p>
+            <a:pPr lvl="1"/>
+            <a:r>
+              <a:rPr lang="zh-CN" altLang="en-US" dirty="0" smtClean="0"/>
+              <a:t>新增需求：</a:t>
+            </a:r>
+            <a:r>
+              <a:rPr lang="en-US" altLang="zh-CN" dirty="0" smtClean="0"/>
+              <a:t>banner</a:t>
+            </a:r>
+            <a:r>
+              <a:rPr lang="zh-CN" altLang="en-US" dirty="0" smtClean="0"/>
+              <a:t>广告位、附近经纪人、底部菜单重点在“我的”</a:t>
+            </a:r>
+            <a:endParaRPr lang="en-US" altLang="zh-CN" dirty="0" smtClean="0"/>
+          </a:p>
+          <a:p>
+            <a:r>
+              <a:rPr lang="en-US" altLang="zh-CN" dirty="0" smtClean="0"/>
+              <a:t>web</a:t>
+            </a:r>
+            <a:r>
+              <a:rPr lang="zh-CN" altLang="en-US" dirty="0" smtClean="0"/>
+              <a:t>项目方案：</a:t>
+            </a:r>
+            <a:endParaRPr lang="en-US" altLang="zh-CN" dirty="0" smtClean="0"/>
+          </a:p>
+          <a:p>
+            <a:pPr lvl="1"/>
+            <a:r>
+              <a:rPr lang="en-US" altLang="zh-CN" dirty="0" smtClean="0"/>
+              <a:t>web</a:t>
+            </a:r>
+            <a:r>
+              <a:rPr lang="zh-CN" altLang="en-US" dirty="0" smtClean="0"/>
+              <a:t>框架</a:t>
+            </a:r>
+            <a:r>
+              <a:rPr lang="en-US" altLang="zh-CN" dirty="0" smtClean="0"/>
+              <a:t>: </a:t>
+            </a:r>
+            <a:r>
+              <a:rPr lang="en-US" altLang="zh-CN" dirty="0" err="1" smtClean="0"/>
+              <a:t>wf</a:t>
+            </a:r>
+            <a:r>
+              <a:rPr lang="en-US" altLang="zh-CN" dirty="0" smtClean="0"/>
+              <a:t> + </a:t>
+            </a:r>
+            <a:r>
+              <a:rPr lang="en-US" altLang="zh-CN" dirty="0" err="1" smtClean="0"/>
+              <a:t>scf</a:t>
+            </a:r>
+            <a:r>
+              <a:rPr lang="en-US" altLang="zh-CN" dirty="0" smtClean="0"/>
+              <a:t> + velocity  + html5 + </a:t>
+            </a:r>
+            <a:r>
+              <a:rPr lang="en-US" altLang="zh-CN" dirty="0" err="1" smtClean="0"/>
+              <a:t>jquery</a:t>
+            </a:r>
+            <a:r>
+              <a:rPr lang="en-US" altLang="zh-CN" dirty="0" smtClean="0"/>
+              <a:t>…</a:t>
+            </a:r>
+          </a:p>
+          <a:p>
+            <a:pPr lvl="1"/>
+            <a:r>
+              <a:rPr lang="zh-CN" altLang="en-US" dirty="0" smtClean="0"/>
+              <a:t>项目管理：</a:t>
+            </a:r>
+            <a:r>
+              <a:rPr lang="en-US" altLang="zh-CN" dirty="0" err="1" smtClean="0"/>
+              <a:t>git</a:t>
+            </a:r>
+            <a:endParaRPr lang="en-US" altLang="zh-CN" dirty="0" smtClean="0"/>
+          </a:p>
+          <a:p>
+            <a:pPr lvl="1"/>
+            <a:r>
+              <a:rPr lang="zh-CN" altLang="en-US" dirty="0" smtClean="0"/>
+              <a:t>项目部署地：私有云沙箱环境、正式环境</a:t>
+            </a:r>
+            <a:endParaRPr lang="zh-CN" altLang="en-US" dirty="0"/>
+          </a:p>
+          <a:p>
+            <a:r>
+              <a:rPr lang="en-US" altLang="zh-CN" dirty="0" smtClean="0"/>
+              <a:t>web</a:t>
+            </a:r>
+            <a:r>
+              <a:rPr lang="zh-CN" altLang="en-US" dirty="0" smtClean="0"/>
+              <a:t>项目开发进程：</a:t>
+            </a:r>
+            <a:endParaRPr lang="en-US" altLang="zh-CN" dirty="0" smtClean="0"/>
+          </a:p>
+          <a:p>
+            <a:pPr lvl="1"/>
+            <a:r>
+              <a:rPr lang="zh-CN" altLang="en-US" dirty="0" smtClean="0"/>
+              <a:t>搭建项目</a:t>
+            </a:r>
+            <a:r>
+              <a:rPr lang="en-US" altLang="zh-CN" dirty="0" smtClean="0"/>
+              <a:t>(2018.3.19)</a:t>
+            </a:r>
+            <a:r>
+              <a:rPr lang="en-US" altLang="zh-CN" dirty="0" smtClean="0">
+                <a:sym typeface="Wingdings" panose="05000000000000000000" pitchFamily="2" charset="2"/>
+              </a:rPr>
+              <a:t></a:t>
+            </a:r>
+            <a:r>
+              <a:rPr lang="zh-CN" altLang="en-US" dirty="0" smtClean="0">
+                <a:sym typeface="Wingdings" panose="05000000000000000000" pitchFamily="2" charset="2"/>
+              </a:rPr>
+              <a:t>根据</a:t>
+            </a:r>
+            <a:r>
+              <a:rPr lang="en-US" altLang="zh-CN" dirty="0" err="1" smtClean="0">
+                <a:sym typeface="Wingdings" panose="05000000000000000000" pitchFamily="2" charset="2"/>
+              </a:rPr>
+              <a:t>php</a:t>
+            </a:r>
+            <a:r>
+              <a:rPr lang="zh-CN" altLang="en-US" dirty="0" smtClean="0">
+                <a:sym typeface="Wingdings" panose="05000000000000000000" pitchFamily="2" charset="2"/>
+              </a:rPr>
+              <a:t>项目二手房大类页处理类的处理逻辑等同地用</a:t>
+            </a:r>
+            <a:r>
+              <a:rPr lang="en-US" altLang="zh-CN" dirty="0" smtClean="0">
+                <a:sym typeface="Wingdings" panose="05000000000000000000" pitchFamily="2" charset="2"/>
+              </a:rPr>
+              <a:t>java</a:t>
+            </a:r>
+            <a:r>
+              <a:rPr lang="zh-CN" altLang="en-US" dirty="0" smtClean="0">
+                <a:sym typeface="Wingdings" panose="05000000000000000000" pitchFamily="2" charset="2"/>
+              </a:rPr>
+              <a:t>实现提供相同的数据和子服务，用</a:t>
+            </a:r>
+            <a:r>
+              <a:rPr lang="en-US" altLang="zh-CN" dirty="0" smtClean="0">
+                <a:sym typeface="Wingdings" panose="05000000000000000000" pitchFamily="2" charset="2"/>
+              </a:rPr>
+              <a:t>html</a:t>
+            </a:r>
+            <a:r>
+              <a:rPr lang="zh-CN" altLang="en-US" dirty="0" smtClean="0">
+                <a:sym typeface="Wingdings" panose="05000000000000000000" pitchFamily="2" charset="2"/>
+              </a:rPr>
+              <a:t>模板页替换</a:t>
+            </a:r>
+            <a:r>
+              <a:rPr lang="en-US" altLang="zh-CN" dirty="0" err="1" smtClean="0">
+                <a:sym typeface="Wingdings" panose="05000000000000000000" pitchFamily="2" charset="2"/>
+              </a:rPr>
+              <a:t>php</a:t>
+            </a:r>
+            <a:r>
+              <a:rPr lang="zh-CN" altLang="en-US" dirty="0" smtClean="0">
+                <a:sym typeface="Wingdings" panose="05000000000000000000" pitchFamily="2" charset="2"/>
+              </a:rPr>
+              <a:t>的模板页实现等同视图效果</a:t>
+            </a:r>
+            <a:r>
+              <a:rPr lang="en-US" altLang="zh-CN" dirty="0" smtClean="0">
+                <a:sym typeface="Wingdings" panose="05000000000000000000" pitchFamily="2" charset="2"/>
+              </a:rPr>
+              <a:t></a:t>
+            </a:r>
+            <a:r>
+              <a:rPr lang="zh-CN" altLang="en-US" dirty="0" smtClean="0">
+                <a:sym typeface="Wingdings" panose="05000000000000000000" pitchFamily="2" charset="2"/>
+              </a:rPr>
+              <a:t>本地测试、上线私有云沙箱环境测试、</a:t>
+            </a:r>
+            <a:r>
+              <a:rPr lang="en-US" altLang="zh-CN" dirty="0" smtClean="0">
+                <a:sym typeface="Wingdings" panose="05000000000000000000" pitchFamily="2" charset="2"/>
+              </a:rPr>
+              <a:t>QA</a:t>
+            </a:r>
+            <a:r>
+              <a:rPr lang="zh-CN" altLang="en-US" dirty="0" smtClean="0">
+                <a:sym typeface="Wingdings" panose="05000000000000000000" pitchFamily="2" charset="2"/>
+              </a:rPr>
+              <a:t>压力测试、</a:t>
+            </a:r>
+            <a:r>
+              <a:rPr lang="en-US" altLang="zh-CN" dirty="0" smtClean="0">
+                <a:sym typeface="Wingdings" panose="05000000000000000000" pitchFamily="2" charset="2"/>
+              </a:rPr>
+              <a:t>app</a:t>
+            </a:r>
+            <a:r>
+              <a:rPr lang="zh-CN" altLang="en-US" dirty="0" smtClean="0">
+                <a:sym typeface="Wingdings" panose="05000000000000000000" pitchFamily="2" charset="2"/>
+              </a:rPr>
+              <a:t>上通过</a:t>
+            </a:r>
+            <a:r>
+              <a:rPr lang="en-US" altLang="zh-CN" dirty="0" err="1" smtClean="0">
+                <a:sym typeface="Wingdings" panose="05000000000000000000" pitchFamily="2" charset="2"/>
+              </a:rPr>
+              <a:t>charles</a:t>
+            </a:r>
+            <a:r>
+              <a:rPr lang="zh-CN" altLang="en-US" dirty="0" smtClean="0">
+                <a:sym typeface="Wingdings" panose="05000000000000000000" pitchFamily="2" charset="2"/>
+              </a:rPr>
+              <a:t>代理测试、</a:t>
+            </a:r>
+            <a:r>
+              <a:rPr lang="en-US" altLang="zh-CN" dirty="0" smtClean="0">
+                <a:sym typeface="Wingdings" panose="05000000000000000000" pitchFamily="2" charset="2"/>
+              </a:rPr>
+              <a:t>https</a:t>
+            </a:r>
+            <a:r>
+              <a:rPr lang="zh-CN" altLang="en-US" dirty="0" smtClean="0">
+                <a:sym typeface="Wingdings" panose="05000000000000000000" pitchFamily="2" charset="2"/>
+              </a:rPr>
+              <a:t>安全连接测试、</a:t>
+            </a:r>
+            <a:r>
+              <a:rPr lang="en-US" altLang="zh-CN" dirty="0" smtClean="0">
+                <a:sym typeface="Wingdings" panose="05000000000000000000" pitchFamily="2" charset="2"/>
+              </a:rPr>
+              <a:t>QA</a:t>
+            </a:r>
+            <a:r>
+              <a:rPr lang="zh-CN" altLang="en-US" dirty="0" smtClean="0">
+                <a:sym typeface="Wingdings" panose="05000000000000000000" pitchFamily="2" charset="2"/>
+              </a:rPr>
+              <a:t>一般测试，逐渐逼近真实使用场景</a:t>
+            </a:r>
+            <a:r>
+              <a:rPr lang="en-US" altLang="zh-CN" dirty="0" smtClean="0">
+                <a:sym typeface="Wingdings" panose="05000000000000000000" pitchFamily="2" charset="2"/>
+              </a:rPr>
+              <a:t></a:t>
+            </a:r>
+            <a:r>
+              <a:rPr lang="zh-CN" altLang="en-US" dirty="0" smtClean="0">
+                <a:sym typeface="Wingdings" panose="05000000000000000000" pitchFamily="2" charset="2"/>
+              </a:rPr>
+              <a:t>基本没问题后，上线至正式环境</a:t>
+            </a:r>
+            <a:r>
+              <a:rPr lang="en-US" altLang="zh-CN" dirty="0" smtClean="0">
+                <a:sym typeface="Wingdings" panose="05000000000000000000" pitchFamily="2" charset="2"/>
+              </a:rPr>
+              <a:t></a:t>
+            </a:r>
+            <a:r>
+              <a:rPr lang="zh-CN" altLang="en-US" dirty="0" smtClean="0">
+                <a:sym typeface="Wingdings" panose="05000000000000000000" pitchFamily="2" charset="2"/>
+              </a:rPr>
+              <a:t>再优化再升级</a:t>
+            </a:r>
+            <a:r>
+              <a:rPr lang="en-US" altLang="zh-CN" dirty="0" smtClean="0">
+                <a:sym typeface="Wingdings" panose="05000000000000000000" pitchFamily="2" charset="2"/>
+              </a:rPr>
+              <a:t>(2018.4.4)</a:t>
+            </a:r>
+            <a:endParaRPr lang="en-US" altLang="zh-CN" dirty="0" smtClean="0"/>
+          </a:p>
+          <a:p>
+            <a:r>
+              <a:rPr lang="en-US" altLang="zh-CN" dirty="0" smtClean="0"/>
+              <a:t>web</a:t>
+            </a:r>
+            <a:r>
+              <a:rPr lang="zh-CN" altLang="en-US" dirty="0" smtClean="0"/>
+              <a:t>项目未完成需求：底部菜单</a:t>
+            </a:r>
+            <a:endParaRPr lang="en-US" altLang="zh-CN" dirty="0" smtClean="0"/>
+          </a:p>
+          <a:p>
+            <a:r>
+              <a:rPr lang="en-US" altLang="zh-CN" dirty="0" smtClean="0"/>
+              <a:t>web</a:t>
+            </a:r>
+            <a:r>
+              <a:rPr lang="zh-CN" altLang="en-US" dirty="0" smtClean="0"/>
+              <a:t>项目路径：</a:t>
+            </a:r>
+            <a:r>
               <a:rPr lang="en-US" altLang="zh-CN" dirty="0"/>
-              <a:t>app</a:t>
-            </a:r>
-            <a:r>
-              <a:rPr lang="zh-CN" altLang="en-US" dirty="0" smtClean="0"/>
-              <a:t>上商业写字楼大</a:t>
-            </a:r>
-            <a:r>
-              <a:rPr lang="zh-CN" altLang="en-US" dirty="0"/>
-              <a:t>类页请求，之前走</a:t>
-            </a:r>
-            <a:r>
-              <a:rPr lang="en-US" altLang="zh-CN" dirty="0" err="1"/>
-              <a:t>php</a:t>
-            </a:r>
-            <a:r>
-              <a:rPr lang="zh-CN" altLang="en-US" dirty="0"/>
-              <a:t>实现的</a:t>
-            </a:r>
-            <a:r>
-              <a:rPr lang="en-US" altLang="zh-CN" dirty="0"/>
-              <a:t>web</a:t>
-            </a:r>
-            <a:r>
-              <a:rPr lang="zh-CN" altLang="en-US" dirty="0"/>
-              <a:t>服务，现要切换为</a:t>
-            </a:r>
-            <a:r>
-              <a:rPr lang="en-US" altLang="zh-CN" dirty="0"/>
-              <a:t>java</a:t>
-            </a:r>
-            <a:r>
-              <a:rPr lang="zh-CN" altLang="en-US" dirty="0"/>
-              <a:t>实现的</a:t>
-            </a:r>
-            <a:r>
-              <a:rPr lang="en-US" altLang="zh-CN" dirty="0"/>
-              <a:t>web</a:t>
-            </a:r>
-            <a:r>
-              <a:rPr lang="zh-CN" altLang="en-US" dirty="0"/>
-              <a:t>服务</a:t>
+              <a:t> http://gitlab.58corp.com/house.ershoufang/house.ershoufang.fanghomeweb</a:t>
             </a:r>
             <a:endParaRPr lang="en-US" altLang="zh-CN" dirty="0" smtClean="0"/>
           </a:p>
           <a:p>
-            <a:r>
-              <a:rPr lang="zh-CN" altLang="en-US" dirty="0" smtClean="0"/>
-              <a:t>方案：</a:t>
-            </a:r>
+            <a:pPr lvl="1"/>
             <a:endParaRPr lang="en-US" altLang="zh-CN" dirty="0" smtClean="0"/>
-          </a:p>
-          <a:p>
-            <a:pPr lvl="1"/>
-            <a:r>
-              <a:rPr lang="zh-CN" altLang="en-US" dirty="0" smtClean="0"/>
-              <a:t>和二手房大类页归属在同一个项目，略。</a:t>
-            </a:r>
-            <a:endParaRPr lang="en-US" altLang="zh-CN" dirty="0"/>
           </a:p>
         </p:txBody>
       </p:sp>
     </p:spTree>
     <p:extLst>
       <p:ext uri="{BB962C8B-B14F-4D97-AF65-F5344CB8AC3E}">
-        <p14:creationId xmlns:p14="http://schemas.microsoft.com/office/powerpoint/2010/main" val="1444609922"/>
+        <p14:creationId xmlns:p14="http://schemas.microsoft.com/office/powerpoint/2010/main" val="975366533"/>
       </p:ext>
     </p:extLst>
   </p:cSld>
@@ -8394,8 +8575,28 @@
           <a:lstStyle/>
           <a:p>
             <a:r>
-              <a:rPr lang="zh-CN" altLang="en-US" dirty="0" smtClean="0"/>
-              <a:t>切换中遇到的问题和解决措施（一）</a:t>
+              <a:rPr lang="en-US" altLang="zh-CN" dirty="0"/>
+              <a:t>a</a:t>
+            </a:r>
+            <a:r>
+              <a:rPr lang="en-US" altLang="zh-CN" dirty="0" smtClean="0"/>
+              <a:t>pp</a:t>
+            </a:r>
+            <a:r>
+              <a:rPr lang="zh-CN" altLang="en-US" dirty="0" smtClean="0"/>
+              <a:t>商业写字楼</a:t>
+            </a:r>
+            <a:r>
+              <a:rPr lang="en-US" altLang="zh-CN" dirty="0" err="1" smtClean="0"/>
+              <a:t>php</a:t>
+            </a:r>
+            <a:r>
+              <a:rPr lang="zh-CN" altLang="en-US" dirty="0" smtClean="0"/>
+              <a:t>切换到</a:t>
+            </a:r>
+            <a:r>
+              <a:rPr lang="en-US" altLang="zh-CN" dirty="0" smtClean="0"/>
+              <a:t>java</a:t>
             </a:r>
             <a:endParaRPr lang="zh-CN" altLang="en-US" dirty="0"/>
           </a:p>
@@ -8418,277 +8619,71 @@
           <a:p>
             <a:r>
               <a:rPr lang="zh-CN" altLang="en-US" dirty="0" smtClean="0"/>
-              <a:t>项目</a:t>
-            </a:r>
-            <a:r>
-              <a:rPr lang="en-US" altLang="zh-CN" dirty="0" smtClean="0"/>
-              <a:t>https</a:t>
-            </a:r>
-            <a:r>
-              <a:rPr lang="zh-CN" altLang="en-US" dirty="0" smtClean="0"/>
-              <a:t>连接实现问题？</a:t>
+              <a:t>需求简述：</a:t>
             </a:r>
             <a:endParaRPr lang="en-US" altLang="zh-CN" dirty="0" smtClean="0"/>
           </a:p>
           <a:p>
             <a:pPr lvl="1"/>
             <a:r>
-              <a:rPr lang="zh-CN" altLang="en-US" dirty="0" smtClean="0"/>
-              <a:t>本地非</a:t>
-            </a:r>
-            <a:r>
-              <a:rPr lang="en-US" altLang="zh-CN" dirty="0" err="1" smtClean="0"/>
-              <a:t>nginx</a:t>
-            </a:r>
-            <a:r>
-              <a:rPr lang="zh-CN" altLang="en-US" dirty="0" smtClean="0"/>
-              <a:t>代理：项目以</a:t>
-            </a:r>
-            <a:r>
-              <a:rPr lang="en-US" altLang="zh-CN" dirty="0" smtClean="0"/>
-              <a:t>maven </a:t>
-            </a:r>
-            <a:r>
-              <a:rPr lang="en-US" altLang="zh-CN" dirty="0" err="1" smtClean="0"/>
-              <a:t>jetty:run</a:t>
-            </a:r>
-            <a:r>
-              <a:rPr lang="zh-CN" altLang="en-US" dirty="0"/>
-              <a:t>启动</a:t>
-            </a:r>
-            <a:r>
-              <a:rPr lang="zh-CN" altLang="en-US" dirty="0" smtClean="0"/>
-              <a:t>，方案如下。缺点：尽管可以</a:t>
-            </a:r>
-            <a:r>
-              <a:rPr lang="zh-CN" altLang="en-US" dirty="0"/>
-              <a:t>使得</a:t>
-            </a:r>
-            <a:r>
               <a:rPr lang="en-US" altLang="zh-CN" dirty="0"/>
-              <a:t>jetty</a:t>
-            </a:r>
-            <a:r>
-              <a:rPr lang="zh-CN" altLang="en-US" dirty="0"/>
-              <a:t>监听</a:t>
+              <a:t>app</a:t>
+            </a:r>
+            <a:r>
+              <a:rPr lang="zh-CN" altLang="en-US" dirty="0" smtClean="0"/>
+              <a:t>上商业写字楼大</a:t>
+            </a:r>
+            <a:r>
+              <a:rPr lang="zh-CN" altLang="en-US" dirty="0"/>
+              <a:t>类页请求，之前走</a:t>
             </a:r>
             <a:r>
               <a:rPr lang="en-US" altLang="zh-CN" dirty="0" err="1"/>
-              <a:t>ssl</a:t>
-            </a:r>
-            <a:r>
-              <a:rPr lang="zh-CN" altLang="en-US" dirty="0"/>
-              <a:t>端口，但是自签名，</a:t>
-            </a:r>
-            <a:r>
-              <a:rPr lang="zh-CN" altLang="en-US" dirty="0" smtClean="0"/>
-              <a:t>所以浏览器上访问时会</a:t>
-            </a:r>
-            <a:r>
-              <a:rPr lang="zh-CN" altLang="en-US" dirty="0"/>
-              <a:t>有不安全的标记</a:t>
-            </a:r>
-            <a:r>
-              <a:rPr lang="zh-CN" altLang="en-US" dirty="0" smtClean="0"/>
-              <a:t>。</a:t>
+              <a:t>php</a:t>
+            </a:r>
+            <a:r>
+              <a:rPr lang="zh-CN" altLang="en-US" dirty="0"/>
+              <a:t>实现的</a:t>
+            </a:r>
+            <a:r>
+              <a:rPr lang="en-US" altLang="zh-CN" dirty="0"/>
+              <a:t>web</a:t>
+            </a:r>
+            <a:r>
+              <a:rPr lang="zh-CN" altLang="en-US" dirty="0"/>
+              <a:t>服务，现要切换为</a:t>
+            </a:r>
+            <a:r>
+              <a:rPr lang="en-US" altLang="zh-CN" dirty="0"/>
+              <a:t>java</a:t>
+            </a:r>
+            <a:r>
+              <a:rPr lang="zh-CN" altLang="en-US" dirty="0"/>
+              <a:t>实现的</a:t>
+            </a:r>
+            <a:r>
+              <a:rPr lang="en-US" altLang="zh-CN" dirty="0"/>
+              <a:t>web</a:t>
+            </a:r>
+            <a:r>
+              <a:rPr lang="zh-CN" altLang="en-US" dirty="0"/>
+              <a:t>服务</a:t>
             </a:r>
             <a:endParaRPr lang="en-US" altLang="zh-CN" dirty="0" smtClean="0"/>
           </a:p>
           <a:p>
-            <a:pPr lvl="2"/>
-            <a:r>
-              <a:rPr lang="zh-CN" altLang="en-US" dirty="0" smtClean="0"/>
-              <a:t>配置</a:t>
-            </a:r>
-            <a:r>
-              <a:rPr lang="en-US" altLang="zh-CN" dirty="0" smtClean="0"/>
-              <a:t>pom.xml</a:t>
-            </a:r>
-            <a:r>
-              <a:rPr lang="zh-CN" altLang="en-US" dirty="0" smtClean="0"/>
-              <a:t>中</a:t>
-            </a:r>
-            <a:r>
-              <a:rPr lang="en-US" altLang="zh-CN" dirty="0" smtClean="0"/>
-              <a:t>jetty eclipse</a:t>
-            </a:r>
-            <a:r>
-              <a:rPr lang="zh-CN" altLang="en-US" dirty="0" smtClean="0"/>
-              <a:t>插件的</a:t>
-            </a:r>
-            <a:r>
-              <a:rPr lang="en-US" altLang="zh-CN" dirty="0" smtClean="0"/>
-              <a:t>https</a:t>
-            </a:r>
-            <a:r>
-              <a:rPr lang="zh-CN" altLang="en-US" dirty="0" smtClean="0"/>
-              <a:t>连接</a:t>
+            <a:r>
+              <a:rPr lang="zh-CN" altLang="en-US" dirty="0" smtClean="0"/>
+              <a:t>方案：</a:t>
             </a:r>
             <a:endParaRPr lang="en-US" altLang="zh-CN" dirty="0" smtClean="0"/>
           </a:p>
           <a:p>
-            <a:pPr lvl="2"/>
-            <a:r>
-              <a:rPr lang="zh-CN" altLang="en-US" dirty="0" smtClean="0"/>
-              <a:t>用</a:t>
-            </a:r>
-            <a:r>
-              <a:rPr lang="en-US" altLang="zh-CN" dirty="0" smtClean="0"/>
-              <a:t>java</a:t>
-            </a:r>
-            <a:r>
-              <a:rPr lang="zh-CN" altLang="en-US" dirty="0"/>
-              <a:t>生成</a:t>
-            </a:r>
-            <a:r>
-              <a:rPr lang="en-US" altLang="zh-CN" dirty="0"/>
-              <a:t>.</a:t>
-            </a:r>
-            <a:r>
-              <a:rPr lang="en-US" altLang="zh-CN" dirty="0" err="1"/>
-              <a:t>keystore</a:t>
-            </a:r>
-            <a:r>
-              <a:rPr lang="zh-CN" altLang="en-US" dirty="0"/>
-              <a:t>。</a:t>
-            </a:r>
-            <a:r>
-              <a:rPr lang="zh-CN" altLang="en-US" dirty="0" smtClean="0"/>
-              <a:t>。可以使得</a:t>
-            </a:r>
-            <a:r>
-              <a:rPr lang="en-US" altLang="zh-CN" dirty="0" smtClean="0"/>
-              <a:t>jetty</a:t>
-            </a:r>
-            <a:r>
-              <a:rPr lang="zh-CN" altLang="en-US" dirty="0" smtClean="0"/>
-              <a:t>监听</a:t>
-            </a:r>
-            <a:r>
-              <a:rPr lang="en-US" altLang="zh-CN" dirty="0" err="1" smtClean="0"/>
-              <a:t>ssl</a:t>
-            </a:r>
-            <a:r>
-              <a:rPr lang="zh-CN" altLang="en-US" dirty="0" smtClean="0"/>
-              <a:t>端口，但是自签名，所以会有不安全的标记</a:t>
-            </a:r>
-            <a:endParaRPr lang="en-US" altLang="zh-CN" dirty="0" smtClean="0"/>
-          </a:p>
-          <a:p>
-            <a:r>
-              <a:rPr lang="zh-CN" altLang="en-US" dirty="0"/>
-              <a:t>本地</a:t>
-            </a:r>
-            <a:r>
-              <a:rPr lang="zh-CN" altLang="en-US" dirty="0" smtClean="0"/>
-              <a:t>可以查出附近房源数而</a:t>
-            </a:r>
-            <a:r>
-              <a:rPr lang="en-US" altLang="zh-CN" dirty="0" smtClean="0"/>
-              <a:t>app</a:t>
-            </a:r>
-            <a:r>
-              <a:rPr lang="zh-CN" altLang="en-US" dirty="0" smtClean="0"/>
-              <a:t>上没有查出的问题？</a:t>
-            </a:r>
-            <a:endParaRPr lang="en-US" altLang="zh-CN" dirty="0" smtClean="0"/>
-          </a:p>
-          <a:p>
             <a:pPr lvl="1"/>
             <a:r>
               <a:rPr lang="zh-CN" altLang="en-US" dirty="0" smtClean="0"/>
-              <a:t>问题详情：使用</a:t>
-            </a:r>
-            <a:r>
-              <a:rPr lang="en-US" altLang="zh-CN" dirty="0" err="1" smtClean="0"/>
-              <a:t>houseinterface</a:t>
-            </a:r>
-            <a:r>
-              <a:rPr lang="zh-CN" altLang="en-US" dirty="0" smtClean="0"/>
-              <a:t>的</a:t>
-            </a:r>
-            <a:r>
-              <a:rPr lang="en-US" altLang="zh-CN" dirty="0" err="1" smtClean="0"/>
-              <a:t>NewDictServcie</a:t>
-            </a:r>
-            <a:r>
-              <a:rPr lang="zh-CN" altLang="en-US" dirty="0" smtClean="0"/>
-              <a:t>接口查附近房源数，本地可以查出为</a:t>
-            </a:r>
-            <a:r>
-              <a:rPr lang="en-US" altLang="zh-CN" dirty="0" smtClean="0"/>
-              <a:t>				</a:t>
-            </a:r>
-            <a:r>
-              <a:rPr lang="zh-CN" altLang="en-US" dirty="0" smtClean="0"/>
-              <a:t>正数，私有云上查出为</a:t>
-            </a:r>
-            <a:r>
-              <a:rPr lang="en-US" altLang="zh-CN" dirty="0" smtClean="0"/>
-              <a:t>0</a:t>
-            </a:r>
-            <a:r>
-              <a:rPr lang="zh-CN" altLang="en-US" dirty="0" smtClean="0"/>
-              <a:t>。</a:t>
-            </a:r>
-            <a:endParaRPr lang="en-US" altLang="zh-CN" dirty="0" smtClean="0"/>
-          </a:p>
-          <a:p>
-            <a:pPr lvl="1"/>
-            <a:r>
-              <a:rPr lang="zh-CN" altLang="en-US" dirty="0" smtClean="0"/>
-              <a:t>问题定位：由</a:t>
-            </a:r>
-            <a:r>
-              <a:rPr lang="en-US" altLang="zh-CN" dirty="0" err="1" smtClean="0"/>
-              <a:t>charles</a:t>
-            </a:r>
-            <a:r>
-              <a:rPr lang="zh-CN" altLang="en-US" dirty="0"/>
-              <a:t> </a:t>
-            </a:r>
-            <a:r>
-              <a:rPr lang="en-US" altLang="zh-CN" dirty="0" smtClean="0"/>
-              <a:t>map remote</a:t>
-            </a:r>
-            <a:r>
-              <a:rPr lang="zh-CN" altLang="en-US" dirty="0" smtClean="0"/>
-              <a:t>转发请求到本地来</a:t>
-            </a:r>
-            <a:r>
-              <a:rPr lang="en-US" altLang="zh-CN" dirty="0" smtClean="0"/>
-              <a:t>debug</a:t>
-            </a:r>
-            <a:r>
-              <a:rPr lang="zh-CN" altLang="en-US" dirty="0" smtClean="0"/>
-              <a:t>后发现是请求传的经纬度的值不同，某些经纬度下附近</a:t>
-            </a:r>
-            <a:r>
-              <a:rPr lang="en-US" altLang="zh-CN" dirty="0" smtClean="0"/>
-              <a:t>1km</a:t>
-            </a:r>
-            <a:r>
-              <a:rPr lang="zh-CN" altLang="en-US" dirty="0" smtClean="0"/>
-              <a:t>查出来的二手房数量为</a:t>
-            </a:r>
-            <a:r>
-              <a:rPr lang="en-US" altLang="zh-CN" dirty="0" smtClean="0"/>
-              <a:t>0</a:t>
-            </a:r>
-            <a:r>
-              <a:rPr lang="zh-CN" altLang="en-US" dirty="0" smtClean="0"/>
-              <a:t>，比如本人工位上。</a:t>
-            </a:r>
-            <a:endParaRPr lang="en-US" altLang="zh-CN" dirty="0"/>
-          </a:p>
-          <a:p>
-            <a:pPr lvl="1"/>
-            <a:endParaRPr lang="zh-CN" altLang="en-US" dirty="0"/>
-          </a:p>
-          <a:p>
-            <a:endParaRPr lang="en-US" altLang="zh-CN" dirty="0"/>
-          </a:p>
-          <a:p>
+              <a:t>和二手房大类页归属在同一个项目，略。</a:t>
+            </a:r>
             <a:endParaRPr lang="en-US" altLang="zh-CN" dirty="0"/>
           </a:p>
         </p:txBody>
@@ -8696,7 +8691,7 @@
     </p:spTree>
     <p:extLst>
       <p:ext uri="{BB962C8B-B14F-4D97-AF65-F5344CB8AC3E}">
-        <p14:creationId xmlns:p14="http://schemas.microsoft.com/office/powerpoint/2010/main" val="2360821312"/>
+        <p14:creationId xmlns:p14="http://schemas.microsoft.com/office/powerpoint/2010/main" val="1444609922"/>
       </p:ext>
     </p:extLst>
   </p:cSld>
@@ -8739,12 +8734,8 @@
           <a:lstStyle/>
           <a:p>
             <a:r>
-              <a:rPr lang="zh-CN" altLang="en-US" dirty="0"/>
-              <a:t>切换中遇到的问题和解决措施</a:t>
-            </a:r>
-            <a:r>
-              <a:rPr lang="zh-CN" altLang="en-US" dirty="0" smtClean="0"/>
-              <a:t>（二）</a:t>
+              <a:rPr lang="zh-CN" altLang="en-US" dirty="0" smtClean="0"/>
+              <a:t>切换中遇到的问题和解决措施（一）</a:t>
             </a:r>
             <a:endParaRPr lang="zh-CN" altLang="en-US" dirty="0"/>
           </a:p>
@@ -8762,313 +8753,290 @@
         </p:nvSpPr>
         <p:spPr/>
         <p:txBody>
-          <a:bodyPr>
-            <a:normAutofit fontScale="92500"/>
-          </a:bodyPr>
+          <a:bodyPr/>
           <a:lstStyle/>
           <a:p>
             <a:r>
               <a:rPr lang="zh-CN" altLang="en-US" dirty="0" smtClean="0"/>
-              <a:t>广告位</a:t>
-            </a:r>
-            <a:r>
-              <a:rPr lang="en-US" altLang="zh-CN" dirty="0" smtClean="0"/>
-              <a:t>banner</a:t>
-            </a:r>
-            <a:r>
-              <a:rPr lang="zh-CN" altLang="en-US" dirty="0" smtClean="0"/>
-              <a:t>实现中，</a:t>
-            </a:r>
-            <a:r>
-              <a:rPr lang="en-US" altLang="zh-CN" dirty="0" smtClean="0"/>
-              <a:t>ajax</a:t>
-            </a:r>
-            <a:r>
-              <a:rPr lang="zh-CN" altLang="en-US" dirty="0" smtClean="0"/>
-              <a:t>跨域请求后端的实现问题？</a:t>
+              <a:t>项目</a:t>
+            </a:r>
+            <a:r>
+              <a:rPr lang="en-US" altLang="zh-CN" dirty="0" smtClean="0"/>
+              <a:t>https</a:t>
+            </a:r>
+            <a:r>
+              <a:rPr lang="zh-CN" altLang="en-US" dirty="0" smtClean="0"/>
+              <a:t>连接实现问题？</a:t>
             </a:r>
             <a:endParaRPr lang="en-US" altLang="zh-CN" dirty="0" smtClean="0"/>
           </a:p>
           <a:p>
             <a:pPr lvl="1"/>
             <a:r>
-              <a:rPr lang="zh-CN" altLang="en-US" dirty="0"/>
-              <a:t>跨</a:t>
-            </a:r>
-            <a:r>
-              <a:rPr lang="zh-CN" altLang="en-US" dirty="0" smtClean="0"/>
-              <a:t>域请求不能直接实现的原因：</a:t>
-            </a:r>
-            <a:r>
-              <a:rPr lang="en-US" altLang="zh-CN" dirty="0" smtClean="0"/>
-              <a:t>ajax</a:t>
-            </a:r>
-            <a:r>
-              <a:rPr lang="zh-CN" altLang="en-US" dirty="0"/>
-              <a:t>请求</a:t>
-            </a:r>
-            <a:r>
-              <a:rPr lang="zh-CN" altLang="en-US" dirty="0" smtClean="0"/>
-              <a:t>时在报头增加了</a:t>
+              <a:rPr lang="zh-CN" altLang="en-US" dirty="0" smtClean="0"/>
+              <a:t>本地非</a:t>
             </a:r>
             <a:r>
               <a:rPr lang="en-US" altLang="zh-CN" dirty="0" err="1" smtClean="0"/>
-              <a:t>orgin</a:t>
-            </a:r>
-            <a:r>
-              <a:rPr lang="zh-CN" altLang="en-US" dirty="0" smtClean="0"/>
-              <a:t>等字段，后台检测报头后拒绝。</a:t>
+              <a:t>nginx</a:t>
+            </a:r>
+            <a:r>
+              <a:rPr lang="zh-CN" altLang="en-US" dirty="0" smtClean="0"/>
+              <a:t>代理：项目以</a:t>
+            </a:r>
+            <a:r>
+              <a:rPr lang="en-US" altLang="zh-CN" dirty="0" smtClean="0"/>
+              <a:t>maven </a:t>
+            </a:r>
+            <a:r>
+              <a:rPr lang="en-US" altLang="zh-CN" dirty="0" err="1" smtClean="0"/>
+              <a:t>jetty:run</a:t>
+            </a:r>
+            <a:r>
+              <a:rPr lang="zh-CN" altLang="en-US" dirty="0"/>
+              <a:t>启动</a:t>
+            </a:r>
+            <a:r>
+              <a:rPr lang="zh-CN" altLang="en-US" dirty="0" smtClean="0"/>
+              <a:t>，方案如下。缺点：尽管可以</a:t>
+            </a:r>
+            <a:r>
+              <a:rPr lang="zh-CN" altLang="en-US" dirty="0"/>
+              <a:t>使得</a:t>
+            </a:r>
+            <a:r>
+              <a:rPr lang="en-US" altLang="zh-CN" dirty="0"/>
+              <a:t>jetty</a:t>
+            </a:r>
+            <a:r>
+              <a:rPr lang="zh-CN" altLang="en-US" dirty="0"/>
+              <a:t>监听</a:t>
+            </a:r>
+            <a:r>
+              <a:rPr lang="en-US" altLang="zh-CN" dirty="0" err="1"/>
+              <a:t>ssl</a:t>
+            </a:r>
+            <a:r>
+              <a:rPr lang="zh-CN" altLang="en-US" dirty="0"/>
+              <a:t>端口，但是自签名，</a:t>
+            </a:r>
+            <a:r>
+              <a:rPr lang="zh-CN" altLang="en-US" dirty="0" smtClean="0"/>
+              <a:t>所以浏览器上访问时会</a:t>
+            </a:r>
+            <a:r>
+              <a:rPr lang="zh-CN" altLang="en-US" dirty="0"/>
+              <a:t>有不安全的标记</a:t>
+            </a:r>
+            <a:r>
+              <a:rPr lang="zh-CN" altLang="en-US" dirty="0" smtClean="0"/>
+              <a:t>。</a:t>
             </a:r>
             <a:endParaRPr lang="en-US" altLang="zh-CN" dirty="0" smtClean="0"/>
           </a:p>
           <a:p>
+            <a:pPr lvl="2"/>
+            <a:r>
+              <a:rPr lang="zh-CN" altLang="en-US" dirty="0" smtClean="0"/>
+              <a:t>配置</a:t>
+            </a:r>
+            <a:r>
+              <a:rPr lang="en-US" altLang="zh-CN" dirty="0" smtClean="0"/>
+              <a:t>pom.xml</a:t>
+            </a:r>
+            <a:r>
+              <a:rPr lang="zh-CN" altLang="en-US" dirty="0" smtClean="0"/>
+              <a:t>中</a:t>
+            </a:r>
+            <a:r>
+              <a:rPr lang="en-US" altLang="zh-CN" dirty="0" smtClean="0"/>
+              <a:t>jetty eclipse</a:t>
+            </a:r>
+            <a:r>
+              <a:rPr lang="zh-CN" altLang="en-US" dirty="0" smtClean="0"/>
+              <a:t>插件的</a:t>
+            </a:r>
+            <a:r>
+              <a:rPr lang="en-US" altLang="zh-CN" dirty="0" smtClean="0"/>
+              <a:t>https</a:t>
+            </a:r>
+            <a:r>
+              <a:rPr lang="zh-CN" altLang="en-US" dirty="0" smtClean="0"/>
+              <a:t>连接</a:t>
+            </a:r>
+            <a:endParaRPr lang="en-US" altLang="zh-CN" dirty="0" smtClean="0"/>
+          </a:p>
+          <a:p>
+            <a:pPr lvl="2"/>
+            <a:r>
+              <a:rPr lang="zh-CN" altLang="en-US" dirty="0" smtClean="0"/>
+              <a:t>用</a:t>
+            </a:r>
+            <a:r>
+              <a:rPr lang="en-US" altLang="zh-CN" dirty="0" smtClean="0"/>
+              <a:t>java</a:t>
+            </a:r>
+            <a:r>
+              <a:rPr lang="zh-CN" altLang="en-US" dirty="0"/>
+              <a:t>生成</a:t>
+            </a:r>
+            <a:r>
+              <a:rPr lang="en-US" altLang="zh-CN" dirty="0"/>
+              <a:t>.</a:t>
+            </a:r>
+            <a:r>
+              <a:rPr lang="en-US" altLang="zh-CN" dirty="0" err="1"/>
+              <a:t>keystore</a:t>
+            </a:r>
+            <a:r>
+              <a:rPr lang="zh-CN" altLang="en-US" dirty="0"/>
+              <a:t>。</a:t>
+            </a:r>
+            <a:r>
+              <a:rPr lang="zh-CN" altLang="en-US" dirty="0" smtClean="0"/>
+              <a:t>。可以使得</a:t>
+            </a:r>
+            <a:r>
+              <a:rPr lang="en-US" altLang="zh-CN" dirty="0" smtClean="0"/>
+              <a:t>jetty</a:t>
+            </a:r>
+            <a:r>
+              <a:rPr lang="zh-CN" altLang="en-US" dirty="0" smtClean="0"/>
+              <a:t>监听</a:t>
+            </a:r>
+            <a:r>
+              <a:rPr lang="en-US" altLang="zh-CN" dirty="0" err="1" smtClean="0"/>
+              <a:t>ssl</a:t>
+            </a:r>
+            <a:r>
+              <a:rPr lang="zh-CN" altLang="en-US" dirty="0" smtClean="0"/>
+              <a:t>端口，但是自签名，所以会有不安全的标记</a:t>
+            </a:r>
+            <a:endParaRPr lang="en-US" altLang="zh-CN" dirty="0" smtClean="0"/>
+          </a:p>
+          <a:p>
+            <a:r>
+              <a:rPr lang="zh-CN" altLang="en-US" dirty="0"/>
+              <a:t>本地</a:t>
+            </a:r>
+            <a:r>
+              <a:rPr lang="zh-CN" altLang="en-US" dirty="0" smtClean="0"/>
+              <a:t>可以查出附近房源数而</a:t>
+            </a:r>
+            <a:r>
+              <a:rPr lang="en-US" altLang="zh-CN" dirty="0" smtClean="0"/>
+              <a:t>app</a:t>
+            </a:r>
+            <a:r>
+              <a:rPr lang="zh-CN" altLang="en-US" dirty="0" smtClean="0"/>
+              <a:t>上没有查出的问题？</a:t>
+            </a:r>
+            <a:endParaRPr lang="en-US" altLang="zh-CN" dirty="0" smtClean="0"/>
+          </a:p>
+          <a:p>
             <a:pPr lvl="1"/>
             <a:r>
-              <a:rPr lang="en-US" altLang="zh-CN" dirty="0" err="1"/>
-              <a:t>j</a:t>
+              <a:rPr lang="zh-CN" altLang="en-US" dirty="0" smtClean="0"/>
+              <a:t>问题详情：使用</a:t>
             </a:r>
             <a:r>
               <a:rPr lang="en-US" altLang="zh-CN" dirty="0" err="1" smtClean="0"/>
-              <a:t>sonp</a:t>
-            </a:r>
-            <a:r>
-              <a:rPr lang="zh-CN" altLang="en-US" dirty="0" smtClean="0"/>
-              <a:t>方案：</a:t>
+              <a:t>houseinterface</a:t>
+            </a:r>
+            <a:r>
+              <a:rPr lang="zh-CN" altLang="en-US" dirty="0" smtClean="0"/>
+              <a:t>的</a:t>
+            </a:r>
+            <a:r>
+              <a:rPr lang="en-US" altLang="zh-CN" dirty="0" err="1" smtClean="0"/>
+              <a:t>NewDictServcie</a:t>
+            </a:r>
+            <a:r>
+              <a:rPr lang="zh-CN" altLang="en-US" dirty="0" smtClean="0"/>
+              <a:t>接口查附近房源数，本地可以查出为</a:t>
+            </a:r>
+            <a:r>
+              <a:rPr lang="en-US" altLang="zh-CN" dirty="0" smtClean="0"/>
+              <a:t>				</a:t>
+            </a:r>
+            <a:r>
+              <a:rPr lang="zh-CN" altLang="en-US" dirty="0" smtClean="0"/>
+              <a:t>正数，私有云上查出为</a:t>
+            </a:r>
+            <a:r>
+              <a:rPr lang="en-US" altLang="zh-CN" dirty="0" smtClean="0"/>
+              <a:t>0</a:t>
+            </a:r>
+            <a:r>
+              <a:rPr lang="zh-CN" altLang="en-US" dirty="0" smtClean="0"/>
+              <a:t>。</a:t>
             </a:r>
             <a:endParaRPr lang="en-US" altLang="zh-CN" dirty="0" smtClean="0"/>
           </a:p>
           <a:p>
-            <a:pPr lvl="2"/>
-            <a:r>
-              <a:rPr lang="zh-CN" altLang="en-US" dirty="0" smtClean="0"/>
-              <a:t>原理：因为</a:t>
-            </a:r>
-            <a:r>
-              <a:rPr lang="en-US" altLang="zh-CN" dirty="0" smtClean="0"/>
-              <a:t>&lt;script &gt;</a:t>
-            </a:r>
-            <a:r>
-              <a:rPr lang="zh-CN" altLang="en-US" dirty="0" smtClean="0"/>
-              <a:t>标签中</a:t>
+            <a:pPr lvl="1"/>
+            <a:r>
+              <a:rPr lang="zh-CN" altLang="en-US" dirty="0" smtClean="0"/>
+              <a:t>问题定位：由</a:t>
             </a:r>
             <a:r>
               <a:rPr lang="en-US" altLang="zh-CN" dirty="0" err="1" smtClean="0"/>
-              <a:t>src</a:t>
-            </a:r>
-            <a:r>
-              <a:rPr lang="zh-CN" altLang="en-US" dirty="0" smtClean="0"/>
-              <a:t>可以是跨域的</a:t>
-            </a:r>
-            <a:r>
-              <a:rPr lang="en-US" altLang="zh-CN" dirty="0" err="1" smtClean="0"/>
-              <a:t>url</a:t>
-            </a:r>
-            <a:r>
-              <a:rPr lang="zh-CN" altLang="en-US" dirty="0" smtClean="0"/>
-              <a:t>，又因为通过此请求到脚本资源后会立即加载执行。</a:t>
-            </a:r>
-            <a:r>
-              <a:rPr lang="en-US" altLang="zh-CN" dirty="0" smtClean="0"/>
-              <a:t/>
-            </a:r>
-            <a:br>
-              <a:rPr lang="en-US" altLang="zh-CN" dirty="0" smtClean="0"/>
-            </a:br>
-            <a:r>
-              <a:rPr lang="zh-CN" altLang="en-US" dirty="0"/>
-              <a:t>从而</a:t>
-            </a:r>
-            <a:r>
-              <a:rPr lang="zh-CN" altLang="en-US" dirty="0" smtClean="0"/>
-              <a:t>请求到的脚本就在页面上了。</a:t>
-            </a:r>
-            <a:endParaRPr lang="en-US" altLang="zh-CN" dirty="0" smtClean="0"/>
-          </a:p>
-          <a:p>
-            <a:pPr lvl="3"/>
-            <a:r>
-              <a:rPr lang="zh-CN" altLang="en-US" dirty="0" smtClean="0"/>
-              <a:t>如果这个脚本是一个赋值语句，被赋变量是全局变量，赋的值就是目标数据，那么可以通过此全局变量获取到需要的数据。</a:t>
-            </a:r>
-            <a:endParaRPr lang="en-US" altLang="zh-CN" dirty="0" smtClean="0"/>
-          </a:p>
-          <a:p>
-            <a:pPr lvl="3"/>
-            <a:r>
-              <a:rPr lang="zh-CN" altLang="en-US" dirty="0" smtClean="0"/>
-              <a:t>如果这个脚本是一个函数调用语句，参数是目标数据，而且这个函数已经定义，函数内容定义为调用</a:t>
-            </a:r>
-            <a:r>
-              <a:rPr lang="en-US" altLang="zh-CN" dirty="0" smtClean="0"/>
-              <a:t>ajax</a:t>
-            </a:r>
-            <a:r>
-              <a:rPr lang="zh-CN" altLang="en-US" dirty="0" smtClean="0"/>
-              <a:t>的回调函数</a:t>
-            </a:r>
-            <a:r>
-              <a:rPr lang="en-US" altLang="zh-CN" dirty="0" smtClean="0"/>
-              <a:t>(success,</a:t>
-            </a:r>
-            <a:r>
-              <a:rPr lang="zh-CN" altLang="en-US" dirty="0" smtClean="0"/>
-              <a:t>或者</a:t>
-            </a:r>
-            <a:r>
-              <a:rPr lang="en-US" altLang="zh-CN" dirty="0" smtClean="0"/>
-              <a:t>error</a:t>
-            </a:r>
-            <a:r>
-              <a:rPr lang="zh-CN" altLang="en-US" dirty="0" smtClean="0"/>
-              <a:t>的回调函数</a:t>
-            </a:r>
-            <a:r>
-              <a:rPr lang="en-US" altLang="zh-CN" dirty="0" smtClean="0"/>
-              <a:t>)</a:t>
-            </a:r>
-            <a:r>
-              <a:rPr lang="zh-CN" altLang="en-US" dirty="0" smtClean="0"/>
-              <a:t>，回调函数参数就是本函数的参数，那么</a:t>
-            </a:r>
-            <a:r>
-              <a:rPr lang="en-US" altLang="zh-CN" dirty="0" smtClean="0"/>
-              <a:t>ajax</a:t>
-            </a:r>
-            <a:r>
-              <a:rPr lang="zh-CN" altLang="en-US" dirty="0" smtClean="0"/>
-              <a:t>请求就间接通过</a:t>
-            </a:r>
-            <a:r>
-              <a:rPr lang="en-US" altLang="zh-CN" dirty="0" smtClean="0"/>
-              <a:t>http</a:t>
-            </a:r>
-            <a:r>
-              <a:rPr lang="zh-CN" altLang="en-US" dirty="0" smtClean="0"/>
-              <a:t>请求获取到了后台数据来传给回调函数。</a:t>
+              <a:t>charles</a:t>
+            </a:r>
+            <a:r>
+              <a:rPr lang="zh-CN" altLang="en-US" dirty="0"/>
+              <a:t> </a:t>
+            </a:r>
+            <a:r>
+              <a:rPr lang="en-US" altLang="zh-CN" dirty="0" smtClean="0"/>
+              <a:t>map remote</a:t>
+            </a:r>
+            <a:r>
+              <a:rPr lang="zh-CN" altLang="en-US" dirty="0" smtClean="0"/>
+              <a:t>转发请求到本地来</a:t>
+            </a:r>
+            <a:r>
+              <a:rPr lang="en-US" altLang="zh-CN" dirty="0" smtClean="0"/>
+              <a:t>debug</a:t>
+            </a:r>
+            <a:r>
+              <a:rPr lang="zh-CN" altLang="en-US" dirty="0" smtClean="0"/>
+              <a:t>后发现是请求传的经纬度的值不同，某些经纬度下附近</a:t>
+            </a:r>
+            <a:r>
+              <a:rPr lang="en-US" altLang="zh-CN" dirty="0" smtClean="0"/>
+              <a:t>1km</a:t>
+            </a:r>
+            <a:r>
+              <a:rPr lang="zh-CN" altLang="en-US" dirty="0" smtClean="0"/>
+              <a:t>查出来的二手房数量为</a:t>
+            </a:r>
+            <a:r>
+              <a:rPr lang="en-US" altLang="zh-CN" dirty="0" smtClean="0"/>
+              <a:t>0</a:t>
+            </a:r>
+            <a:r>
+              <a:rPr lang="zh-CN" altLang="en-US" dirty="0" smtClean="0"/>
+              <a:t>，比如本人工位上。</a:t>
             </a:r>
             <a:endParaRPr lang="en-US" altLang="zh-CN" dirty="0"/>
           </a:p>
           <a:p>
-            <a:pPr lvl="2"/>
-            <a:r>
-              <a:rPr lang="zh-CN" altLang="en-US" dirty="0" smtClean="0"/>
-              <a:t>缺点：只能</a:t>
-            </a:r>
-            <a:r>
-              <a:rPr lang="en-US" altLang="zh-CN" dirty="0" smtClean="0"/>
-              <a:t>get</a:t>
-            </a:r>
-            <a:r>
-              <a:rPr lang="zh-CN" altLang="en-US" dirty="0" smtClean="0"/>
-              <a:t>请求</a:t>
-            </a:r>
-            <a:endParaRPr lang="en-US" altLang="zh-CN" dirty="0" smtClean="0"/>
-          </a:p>
-          <a:p>
-            <a:pPr lvl="2"/>
-            <a:r>
-              <a:rPr lang="en-US" altLang="zh-CN" dirty="0" err="1" smtClean="0"/>
-              <a:t>wf</a:t>
-            </a:r>
-            <a:r>
-              <a:rPr lang="zh-CN" altLang="en-US" dirty="0" smtClean="0"/>
-              <a:t>下应用实践：</a:t>
-            </a:r>
-            <a:r>
-              <a:rPr lang="en-US" altLang="zh-CN" dirty="0"/>
-              <a:t>@Response</a:t>
-            </a:r>
-            <a:r>
-              <a:rPr lang="zh-CN" altLang="en-US" dirty="0"/>
-              <a:t>注解一个非</a:t>
-            </a:r>
-            <a:r>
-              <a:rPr lang="en-US" altLang="zh-CN" dirty="0" err="1"/>
-              <a:t>ActionResult</a:t>
-            </a:r>
-            <a:r>
-              <a:rPr lang="zh-CN" altLang="en-US" dirty="0"/>
-              <a:t>返回类型的</a:t>
-            </a:r>
-            <a:r>
-              <a:rPr lang="zh-CN" altLang="en-US" dirty="0" smtClean="0"/>
-              <a:t>方法，该</a:t>
-            </a:r>
-            <a:r>
-              <a:rPr lang="zh-CN" altLang="en-US" dirty="0"/>
-              <a:t>方法不会被</a:t>
-            </a:r>
-            <a:r>
-              <a:rPr lang="zh-CN" altLang="en-US" dirty="0" smtClean="0"/>
-              <a:t>访问。有</a:t>
-            </a:r>
-            <a:r>
-              <a:rPr lang="zh-CN" altLang="en-US" dirty="0"/>
-              <a:t>一个现成的</a:t>
-            </a:r>
-            <a:r>
-              <a:rPr lang="en-US" altLang="zh-CN" dirty="0" err="1"/>
-              <a:t>ActionResult</a:t>
-            </a:r>
-            <a:r>
-              <a:rPr lang="zh-CN" altLang="en-US" dirty="0"/>
-              <a:t>子类可以实现：</a:t>
-            </a:r>
-            <a:r>
-              <a:rPr lang="en-US" altLang="zh-CN" dirty="0"/>
-              <a:t>return new </a:t>
-            </a:r>
-            <a:r>
-              <a:rPr lang="en-US" altLang="zh-CN" dirty="0" err="1"/>
-              <a:t>JsonPActionResult</a:t>
-            </a:r>
-            <a:r>
-              <a:rPr lang="en-US" altLang="zh-CN" dirty="0"/>
-              <a:t>(</a:t>
-            </a:r>
-            <a:r>
-              <a:rPr lang="zh-CN" altLang="en-US" dirty="0"/>
-              <a:t>函数名，</a:t>
-            </a:r>
-            <a:r>
-              <a:rPr lang="en-US" altLang="zh-CN" dirty="0"/>
-              <a:t>new </a:t>
-            </a:r>
-            <a:r>
-              <a:rPr lang="en-US" altLang="zh-CN" dirty="0" err="1"/>
-              <a:t>JsonVo</a:t>
-            </a:r>
-            <a:r>
-              <a:rPr lang="en-US" altLang="zh-CN" dirty="0"/>
-              <a:t>(</a:t>
-            </a:r>
-            <a:r>
-              <a:rPr lang="en-US" altLang="zh-CN" dirty="0" err="1"/>
-              <a:t>json</a:t>
-            </a:r>
-            <a:r>
-              <a:rPr lang="zh-CN" altLang="en-US" dirty="0"/>
-              <a:t>字符串</a:t>
-            </a:r>
-            <a:r>
-              <a:rPr lang="en-US" altLang="zh-CN" dirty="0"/>
-              <a:t>))</a:t>
-            </a:r>
-            <a:endParaRPr lang="en-US" altLang="zh-CN" dirty="0" smtClean="0"/>
-          </a:p>
-          <a:p>
             <a:pPr lvl="1"/>
+            <a:endParaRPr lang="zh-CN" altLang="en-US" dirty="0"/>
+          </a:p>
+          <a:p>
             <a:endParaRPr lang="en-US" altLang="zh-CN" dirty="0"/>
           </a:p>
           <a:p>
-            <a:endParaRPr lang="zh-CN" altLang="en-US" dirty="0"/>
+            <a:endParaRPr lang="en-US" altLang="zh-CN" dirty="0"/>
           </a:p>
         </p:txBody>
       </p:sp>
     </p:spTree>
     <p:extLst>
       <p:ext uri="{BB962C8B-B14F-4D97-AF65-F5344CB8AC3E}">
-        <p14:creationId xmlns:p14="http://schemas.microsoft.com/office/powerpoint/2010/main" val="3619645267"/>
+        <p14:creationId xmlns:p14="http://schemas.microsoft.com/office/powerpoint/2010/main" val="2360821312"/>
       </p:ext>
     </p:extLst>
   </p:cSld>
@@ -9116,7 +9084,7 @@
             </a:r>
             <a:r>
               <a:rPr lang="zh-CN" altLang="en-US" dirty="0" smtClean="0"/>
-              <a:t>（三）</a:t>
+              <a:t>（二）</a:t>
             </a:r>
             <a:endParaRPr lang="zh-CN" altLang="en-US" dirty="0"/>
           </a:p>
@@ -9134,185 +9102,303 @@
         </p:nvSpPr>
         <p:spPr/>
         <p:txBody>
-          <a:bodyPr/>
+          <a:bodyPr>
+            <a:normAutofit fontScale="92500"/>
+          </a:bodyPr>
           <a:lstStyle/>
           <a:p>
             <a:r>
-              <a:rPr lang="zh-CN" altLang="en-US" dirty="0"/>
+              <a:rPr lang="zh-CN" altLang="en-US" dirty="0" smtClean="0"/>
               <a:t>广告位</a:t>
             </a:r>
             <a:r>
+              <a:rPr lang="en-US" altLang="zh-CN" dirty="0" smtClean="0"/>
+              <a:t>banner</a:t>
+            </a:r>
+            <a:r>
+              <a:rPr lang="zh-CN" altLang="en-US" dirty="0" smtClean="0"/>
+              <a:t>实现中，</a:t>
+            </a:r>
+            <a:r>
+              <a:rPr lang="en-US" altLang="zh-CN" dirty="0" smtClean="0"/>
+              <a:t>ajax</a:t>
+            </a:r>
+            <a:r>
+              <a:rPr lang="zh-CN" altLang="en-US" dirty="0" smtClean="0"/>
+              <a:t>跨域请求后端的实现问题？</a:t>
+            </a:r>
+            <a:endParaRPr lang="en-US" altLang="zh-CN" dirty="0" smtClean="0"/>
+          </a:p>
+          <a:p>
+            <a:pPr lvl="1"/>
+            <a:r>
+              <a:rPr lang="zh-CN" altLang="en-US" dirty="0"/>
+              <a:t>跨</a:t>
+            </a:r>
+            <a:r>
+              <a:rPr lang="zh-CN" altLang="en-US" dirty="0" smtClean="0"/>
+              <a:t>域请求不能直接实现的原因：</a:t>
+            </a:r>
+            <a:r>
+              <a:rPr lang="en-US" altLang="zh-CN" dirty="0" smtClean="0"/>
+              <a:t>ajax</a:t>
+            </a:r>
+            <a:r>
+              <a:rPr lang="zh-CN" altLang="en-US" dirty="0"/>
+              <a:t>请求</a:t>
+            </a:r>
+            <a:r>
+              <a:rPr lang="zh-CN" altLang="en-US" dirty="0" smtClean="0"/>
+              <a:t>时在报头增加了</a:t>
+            </a:r>
+            <a:r>
+              <a:rPr lang="en-US" altLang="zh-CN" dirty="0" err="1" smtClean="0"/>
+              <a:t>orgin</a:t>
+            </a:r>
+            <a:r>
+              <a:rPr lang="zh-CN" altLang="en-US" dirty="0" smtClean="0"/>
+              <a:t>等字段，后台检测报头后拒绝。</a:t>
+            </a:r>
+            <a:endParaRPr lang="en-US" altLang="zh-CN" dirty="0" smtClean="0"/>
+          </a:p>
+          <a:p>
+            <a:pPr lvl="1"/>
+            <a:r>
+              <a:rPr lang="en-US" altLang="zh-CN" dirty="0" err="1"/>
+              <a:t>j</a:t>
+            </a:r>
+            <a:r>
+              <a:rPr lang="en-US" altLang="zh-CN" dirty="0" err="1" smtClean="0"/>
+              <a:t>sonp</a:t>
+            </a:r>
+            <a:r>
+              <a:rPr lang="zh-CN" altLang="en-US" dirty="0" smtClean="0"/>
+              <a:t>方案：</a:t>
+            </a:r>
+            <a:endParaRPr lang="en-US" altLang="zh-CN" dirty="0" smtClean="0"/>
+          </a:p>
+          <a:p>
+            <a:pPr lvl="2"/>
+            <a:r>
+              <a:rPr lang="zh-CN" altLang="en-US" dirty="0" smtClean="0"/>
+              <a:t>原理：因为</a:t>
+            </a:r>
+            <a:r>
+              <a:rPr lang="en-US" altLang="zh-CN" dirty="0" smtClean="0"/>
+              <a:t>&lt;script &gt;</a:t>
+            </a:r>
+            <a:r>
+              <a:rPr lang="zh-CN" altLang="en-US" dirty="0" smtClean="0"/>
+              <a:t>标签中</a:t>
+            </a:r>
+            <a:r>
+              <a:rPr lang="en-US" altLang="zh-CN" dirty="0" err="1" smtClean="0"/>
+              <a:t>src</a:t>
+            </a:r>
+            <a:r>
+              <a:rPr lang="zh-CN" altLang="en-US" dirty="0" smtClean="0"/>
+              <a:t>可以是跨域的</a:t>
+            </a:r>
+            <a:r>
+              <a:rPr lang="en-US" altLang="zh-CN" dirty="0" err="1" smtClean="0"/>
+              <a:t>url</a:t>
+            </a:r>
+            <a:r>
+              <a:rPr lang="zh-CN" altLang="en-US" dirty="0" smtClean="0"/>
+              <a:t>，又因为通过此请求到脚本资源后会立即加载执行。</a:t>
+            </a:r>
+            <a:r>
+              <a:rPr lang="en-US" altLang="zh-CN" dirty="0" smtClean="0"/>
+              <a:t/>
+            </a:r>
+            <a:br>
+              <a:rPr lang="en-US" altLang="zh-CN" dirty="0" smtClean="0"/>
+            </a:br>
+            <a:r>
+              <a:rPr lang="zh-CN" altLang="en-US" dirty="0"/>
+              <a:t>从而</a:t>
+            </a:r>
+            <a:r>
+              <a:rPr lang="zh-CN" altLang="en-US" dirty="0" smtClean="0"/>
+              <a:t>请求到的脚本就在页面上了。</a:t>
+            </a:r>
+            <a:endParaRPr lang="en-US" altLang="zh-CN" dirty="0" smtClean="0"/>
+          </a:p>
+          <a:p>
+            <a:pPr lvl="3"/>
+            <a:r>
+              <a:rPr lang="zh-CN" altLang="en-US" dirty="0" smtClean="0"/>
+              <a:t>如果这个脚本是一个赋值语句，被赋变量是全局变量，赋的值就是目标数据，那么可以通过此全局变量获取到需要的数据。</a:t>
+            </a:r>
+            <a:endParaRPr lang="en-US" altLang="zh-CN" dirty="0" smtClean="0"/>
+          </a:p>
+          <a:p>
+            <a:pPr lvl="3"/>
+            <a:r>
+              <a:rPr lang="zh-CN" altLang="en-US" dirty="0" smtClean="0"/>
+              <a:t>如果这个脚本是一个函数调用语句，参数是目标数据，而且这个函数已经定义，函数内容定义为调用</a:t>
+            </a:r>
+            <a:r>
+              <a:rPr lang="en-US" altLang="zh-CN" dirty="0" smtClean="0"/>
+              <a:t>ajax</a:t>
+            </a:r>
+            <a:r>
+              <a:rPr lang="zh-CN" altLang="en-US" dirty="0" smtClean="0"/>
+              <a:t>的回调函数</a:t>
+            </a:r>
+            <a:r>
+              <a:rPr lang="en-US" altLang="zh-CN" dirty="0" smtClean="0"/>
+              <a:t>(success,</a:t>
+            </a:r>
+            <a:r>
+              <a:rPr lang="zh-CN" altLang="en-US" dirty="0" smtClean="0"/>
+              <a:t>或者</a:t>
+            </a:r>
+            <a:r>
+              <a:rPr lang="en-US" altLang="zh-CN" dirty="0" smtClean="0"/>
+              <a:t>error</a:t>
+            </a:r>
+            <a:r>
+              <a:rPr lang="zh-CN" altLang="en-US" dirty="0" smtClean="0"/>
+              <a:t>的回调函数</a:t>
+            </a:r>
+            <a:r>
+              <a:rPr lang="en-US" altLang="zh-CN" dirty="0" smtClean="0"/>
+              <a:t>)</a:t>
+            </a:r>
+            <a:r>
+              <a:rPr lang="zh-CN" altLang="en-US" dirty="0" smtClean="0"/>
+              <a:t>，回调函数参数就是本函数的参数，那么</a:t>
+            </a:r>
+            <a:r>
+              <a:rPr lang="en-US" altLang="zh-CN" dirty="0" smtClean="0"/>
+              <a:t>ajax</a:t>
+            </a:r>
+            <a:r>
+              <a:rPr lang="zh-CN" altLang="en-US" dirty="0" smtClean="0"/>
+              <a:t>请求就间接通过</a:t>
+            </a:r>
+            <a:r>
+              <a:rPr lang="en-US" altLang="zh-CN" dirty="0" smtClean="0"/>
+              <a:t>http</a:t>
+            </a:r>
+            <a:r>
+              <a:rPr lang="zh-CN" altLang="en-US" dirty="0" smtClean="0"/>
+              <a:t>请求获取到了后台数据来传给回调函数。</a:t>
+            </a:r>
+            <a:endParaRPr lang="en-US" altLang="zh-CN" dirty="0"/>
+          </a:p>
+          <a:p>
+            <a:pPr lvl="2"/>
+            <a:r>
+              <a:rPr lang="zh-CN" altLang="en-US" dirty="0" smtClean="0"/>
+              <a:t>缺点：只能</a:t>
+            </a:r>
+            <a:r>
+              <a:rPr lang="en-US" altLang="zh-CN" dirty="0" smtClean="0"/>
+              <a:t>get</a:t>
+            </a:r>
+            <a:r>
+              <a:rPr lang="zh-CN" altLang="en-US" dirty="0" smtClean="0"/>
+              <a:t>请求</a:t>
+            </a:r>
+            <a:endParaRPr lang="en-US" altLang="zh-CN" dirty="0" smtClean="0"/>
+          </a:p>
+          <a:p>
+            <a:pPr lvl="2"/>
+            <a:r>
+              <a:rPr lang="en-US" altLang="zh-CN" dirty="0" err="1" smtClean="0"/>
+              <a:t>wf</a:t>
+            </a:r>
+            <a:r>
+              <a:rPr lang="zh-CN" altLang="en-US" dirty="0" smtClean="0"/>
+              <a:t>下应用实践：</a:t>
+            </a:r>
+            <a:r>
               <a:rPr lang="en-US" altLang="zh-CN" dirty="0"/>
-              <a:t>banner</a:t>
-            </a:r>
-            <a:r>
-              <a:rPr lang="zh-CN" altLang="en-US" dirty="0"/>
-              <a:t>实现中，</a:t>
+              <a:t>@Response</a:t>
+            </a:r>
+            <a:r>
+              <a:rPr lang="zh-CN" altLang="en-US" dirty="0"/>
+              <a:t>注解一个非</a:t>
+            </a:r>
+            <a:r>
+              <a:rPr lang="en-US" altLang="zh-CN" dirty="0" err="1"/>
+              <a:t>ActionResult</a:t>
+            </a:r>
+            <a:r>
+              <a:rPr lang="zh-CN" altLang="en-US" dirty="0"/>
+              <a:t>返回类型的</a:t>
+            </a:r>
+            <a:r>
+              <a:rPr lang="zh-CN" altLang="en-US" dirty="0" smtClean="0"/>
+              <a:t>方法，该</a:t>
+            </a:r>
+            <a:r>
+              <a:rPr lang="zh-CN" altLang="en-US" dirty="0"/>
+              <a:t>方法不会被</a:t>
+            </a:r>
+            <a:r>
+              <a:rPr lang="zh-CN" altLang="en-US" dirty="0" smtClean="0"/>
+              <a:t>访问。有</a:t>
+            </a:r>
+            <a:r>
+              <a:rPr lang="zh-CN" altLang="en-US" dirty="0"/>
+              <a:t>一个现成的</a:t>
+            </a:r>
+            <a:r>
+              <a:rPr lang="en-US" altLang="zh-CN" dirty="0" err="1"/>
+              <a:t>ActionResult</a:t>
+            </a:r>
+            <a:r>
+              <a:rPr lang="zh-CN" altLang="en-US" dirty="0"/>
+              <a:t>子类可以实现：</a:t>
             </a:r>
             <a:r>
               <a:rPr lang="en-US" altLang="zh-CN" dirty="0"/>
-              <a:t>ajax</a:t>
-            </a:r>
-            <a:r>
-              <a:rPr lang="zh-CN" altLang="en-US" dirty="0"/>
-              <a:t>跨域请求后端的实现问题</a:t>
-            </a:r>
-            <a:r>
-              <a:rPr lang="zh-CN" altLang="en-US" dirty="0" smtClean="0"/>
-              <a:t>？</a:t>
-            </a:r>
-            <a:r>
-              <a:rPr lang="en-US" altLang="zh-CN" dirty="0" smtClean="0"/>
+              <a:t>return new </a:t>
+            </a:r>
+            <a:r>
+              <a:rPr lang="en-US" altLang="zh-CN" dirty="0" err="1"/>
+              <a:t>JsonPActionResult</a:t>
+            </a:r>
+            <a:r>
+              <a:rPr lang="en-US" altLang="zh-CN" dirty="0"/>
               <a:t>(</a:t>
             </a:r>
             <a:r>
-              <a:rPr lang="zh-CN" altLang="en-US" dirty="0" smtClean="0"/>
-              <a:t>续</a:t>
-            </a:r>
-            <a:r>
-              <a:rPr lang="en-US" altLang="zh-CN" dirty="0" smtClean="0"/>
-              <a:t>)</a:t>
-            </a:r>
+              <a:rPr lang="zh-CN" altLang="en-US" dirty="0"/>
+              <a:t>函数名，</a:t>
+            </a:r>
+            <a:r>
+              <a:rPr lang="en-US" altLang="zh-CN" dirty="0"/>
+              <a:t>new </a:t>
+            </a:r>
+            <a:r>
+              <a:rPr lang="en-US" altLang="zh-CN" dirty="0" err="1"/>
+              <a:t>JsonVo</a:t>
+            </a:r>
+            <a:r>
+              <a:rPr lang="en-US" altLang="zh-CN" dirty="0"/>
+              <a:t>(</a:t>
+            </a:r>
+            <a:r>
+              <a:rPr lang="en-US" altLang="zh-CN" dirty="0" err="1"/>
+              <a:t>json</a:t>
+            </a:r>
+            <a:r>
+              <a:rPr lang="zh-CN" altLang="en-US" dirty="0"/>
+              <a:t>字符串</a:t>
+            </a:r>
+            <a:r>
+              <a:rPr lang="en-US" altLang="zh-CN" dirty="0"/>
+              <a:t>))</a:t>
+            </a:r>
+            <a:endParaRPr lang="en-US" altLang="zh-CN" dirty="0" smtClean="0"/>
+          </a:p>
+          <a:p>
+            <a:pPr lvl="1"/>
             <a:endParaRPr lang="en-US" altLang="zh-CN" dirty="0"/>
-          </a:p>
-          <a:p>
-            <a:pPr lvl="1"/>
-            <a:r>
-              <a:rPr lang="en-US" altLang="zh-CN" dirty="0" smtClean="0"/>
-              <a:t>CORS</a:t>
-            </a:r>
-            <a:r>
-              <a:rPr lang="zh-CN" altLang="en-US" dirty="0" smtClean="0"/>
-              <a:t>方案：</a:t>
-            </a:r>
-            <a:endParaRPr lang="en-US" altLang="zh-CN" dirty="0" smtClean="0"/>
-          </a:p>
-          <a:p>
-            <a:pPr lvl="2"/>
-            <a:r>
-              <a:rPr lang="zh-CN" altLang="en-US" dirty="0" smtClean="0"/>
-              <a:t>原理：让服务器允许某个跨域请求。即在这个请求返回的报文中增加</a:t>
-            </a:r>
-            <a:r>
-              <a:rPr lang="en-US" altLang="zh-CN" dirty="0" smtClean="0"/>
-              <a:t>|</a:t>
-            </a:r>
-            <a:r>
-              <a:rPr lang="zh-CN" altLang="en-US" dirty="0" smtClean="0"/>
-              <a:t>配置三个报头：</a:t>
-            </a:r>
-            <a:endParaRPr lang="en-US" altLang="zh-CN" dirty="0" smtClean="0"/>
-          </a:p>
-          <a:p>
-            <a:pPr lvl="3"/>
-            <a:r>
-              <a:rPr lang="en-US" altLang="zh-CN" dirty="0"/>
-              <a:t>Access-Control-Allow-Headers: </a:t>
-            </a:r>
-            <a:r>
-              <a:rPr lang="en-US" altLang="zh-CN" dirty="0" smtClean="0"/>
-              <a:t>X-Requested-</a:t>
-            </a:r>
-            <a:r>
-              <a:rPr lang="en-US" altLang="zh-CN" dirty="0" err="1" smtClean="0"/>
-              <a:t>With,Content</a:t>
-            </a:r>
-            <a:r>
-              <a:rPr lang="en-US" altLang="zh-CN" dirty="0" smtClean="0"/>
-              <a:t>-</a:t>
-            </a:r>
-            <a:r>
-              <a:rPr lang="en-US" altLang="zh-CN" dirty="0" err="1" smtClean="0"/>
-              <a:t>Type,Accept</a:t>
-            </a:r>
-            <a:endParaRPr lang="en-US" altLang="zh-CN" dirty="0" smtClean="0"/>
-          </a:p>
-          <a:p>
-            <a:pPr lvl="3"/>
-            <a:r>
-              <a:rPr lang="en-US" altLang="zh-CN" dirty="0"/>
-              <a:t>Access-Control-Allow-Methods: </a:t>
-            </a:r>
-            <a:r>
-              <a:rPr lang="en-US" altLang="zh-CN" dirty="0" err="1" smtClean="0"/>
-              <a:t>Get,Post,Put,OPTIONS</a:t>
-            </a:r>
-            <a:r>
-              <a:rPr lang="en-US" altLang="zh-CN" dirty="0" smtClean="0"/>
-              <a:t>(</a:t>
-            </a:r>
-            <a:r>
-              <a:rPr lang="zh-CN" altLang="en-US" dirty="0" smtClean="0"/>
-              <a:t>非简单请求，允许预检</a:t>
-            </a:r>
-            <a:r>
-              <a:rPr lang="en-US" altLang="zh-CN" dirty="0" smtClean="0"/>
-              <a:t>)</a:t>
-            </a:r>
-          </a:p>
-          <a:p>
-            <a:pPr lvl="3"/>
-            <a:r>
-              <a:rPr lang="en-US" altLang="zh-CN" dirty="0"/>
-              <a:t>Access-Control-Allow-Origin: *</a:t>
-            </a:r>
-            <a:endParaRPr lang="en-US" altLang="zh-CN" dirty="0" smtClean="0"/>
-          </a:p>
-          <a:p>
-            <a:pPr lvl="2"/>
-            <a:r>
-              <a:rPr lang="zh-CN" altLang="en-US" dirty="0" smtClean="0"/>
-              <a:t>实现：直接在某个请求后加，或者用</a:t>
-            </a:r>
-            <a:r>
-              <a:rPr lang="en-US" altLang="zh-CN" dirty="0" smtClean="0"/>
-              <a:t>filter</a:t>
-            </a:r>
-            <a:r>
-              <a:rPr lang="zh-CN" altLang="en-US" dirty="0" smtClean="0"/>
-              <a:t>统一加。</a:t>
-            </a:r>
-            <a:endParaRPr lang="en-US" altLang="zh-CN" dirty="0" smtClean="0"/>
-          </a:p>
-          <a:p>
-            <a:pPr lvl="2"/>
-            <a:r>
-              <a:rPr lang="en-US" altLang="zh-CN" dirty="0" err="1"/>
-              <a:t>w</a:t>
-            </a:r>
-            <a:r>
-              <a:rPr lang="en-US" altLang="zh-CN" dirty="0" err="1" smtClean="0"/>
-              <a:t>f</a:t>
-            </a:r>
-            <a:r>
-              <a:rPr lang="zh-CN" altLang="en-US" dirty="0" smtClean="0"/>
-              <a:t>下实现：增加：</a:t>
-            </a:r>
-            <a:r>
-              <a:rPr lang="en-US" altLang="zh-CN" dirty="0"/>
-              <a:t> </a:t>
-            </a:r>
-            <a:r>
-              <a:rPr lang="en-US" altLang="zh-CN" dirty="0" err="1"/>
-              <a:t>beat.getResponse</a:t>
-            </a:r>
-            <a:r>
-              <a:rPr lang="en-US" altLang="zh-CN" dirty="0"/>
-              <a:t>().</a:t>
-            </a:r>
-            <a:r>
-              <a:rPr lang="en-US" altLang="zh-CN" dirty="0" err="1"/>
-              <a:t>addHeader</a:t>
-            </a:r>
-            <a:r>
-              <a:rPr lang="en-US" altLang="zh-CN" dirty="0"/>
-              <a:t>("Access-Control-Allow-Origin", "*");</a:t>
-            </a:r>
-            <a:endParaRPr lang="en-US" altLang="zh-CN" dirty="0" smtClean="0"/>
-          </a:p>
-          <a:p>
-            <a:pPr lvl="1"/>
-            <a:endParaRPr lang="en-US" altLang="zh-CN" dirty="0" smtClean="0"/>
           </a:p>
           <a:p>
             <a:endParaRPr lang="zh-CN" altLang="en-US" dirty="0"/>
@@ -9322,7 +9408,7 @@
     </p:spTree>
     <p:extLst>
       <p:ext uri="{BB962C8B-B14F-4D97-AF65-F5344CB8AC3E}">
-        <p14:creationId xmlns:p14="http://schemas.microsoft.com/office/powerpoint/2010/main" val="4030390260"/>
+        <p14:creationId xmlns:p14="http://schemas.microsoft.com/office/powerpoint/2010/main" val="3619645267"/>
       </p:ext>
     </p:extLst>
   </p:cSld>
@@ -9370,7 +9456,7 @@
             </a:r>
             <a:r>
               <a:rPr lang="zh-CN" altLang="en-US" dirty="0" smtClean="0"/>
-              <a:t>（四）</a:t>
+              <a:t>（三）</a:t>
             </a:r>
             <a:endParaRPr lang="zh-CN" altLang="en-US" dirty="0"/>
           </a:p>
@@ -9393,166 +9479,182 @@
           <a:p>
             <a:r>
               <a:rPr lang="zh-CN" altLang="en-US" dirty="0"/>
-              <a:t>简单</a:t>
-            </a:r>
-            <a:r>
-              <a:rPr lang="zh-CN" altLang="en-US" dirty="0" smtClean="0"/>
-              <a:t>网站压力测试？</a:t>
+              <a:t>广告位</a:t>
+            </a:r>
+            <a:r>
+              <a:rPr lang="en-US" altLang="zh-CN" dirty="0"/>
+              <a:t>banner</a:t>
+            </a:r>
+            <a:r>
+              <a:rPr lang="zh-CN" altLang="en-US" dirty="0"/>
+              <a:t>实现中，</a:t>
+            </a:r>
+            <a:r>
+              <a:rPr lang="en-US" altLang="zh-CN" dirty="0"/>
+              <a:t>ajax</a:t>
+            </a:r>
+            <a:r>
+              <a:rPr lang="zh-CN" altLang="en-US" dirty="0"/>
+              <a:t>跨域请求后端的实现问题</a:t>
+            </a:r>
+            <a:r>
+              <a:rPr lang="zh-CN" altLang="en-US" dirty="0" smtClean="0"/>
+              <a:t>？</a:t>
+            </a:r>
+            <a:r>
+              <a:rPr lang="en-US" altLang="zh-CN" dirty="0" smtClean="0"/>
+              <a:t>(</a:t>
+            </a:r>
+            <a:r>
+              <a:rPr lang="zh-CN" altLang="en-US" dirty="0" smtClean="0"/>
+              <a:t>续</a:t>
+            </a:r>
+            <a:r>
+              <a:rPr lang="en-US" altLang="zh-CN" dirty="0" smtClean="0"/>
+              <a:t>)</a:t>
+            </a:r>
+            <a:endParaRPr lang="en-US" altLang="zh-CN" dirty="0"/>
+          </a:p>
+          <a:p>
+            <a:pPr lvl="1"/>
+            <a:r>
+              <a:rPr lang="en-US" altLang="zh-CN" dirty="0" smtClean="0"/>
+              <a:t>CORS</a:t>
+            </a:r>
+            <a:r>
+              <a:rPr lang="zh-CN" altLang="en-US" dirty="0" smtClean="0"/>
+              <a:t>方案：</a:t>
             </a:r>
             <a:endParaRPr lang="en-US" altLang="zh-CN" dirty="0" smtClean="0"/>
           </a:p>
           <a:p>
+            <a:pPr lvl="2"/>
+            <a:r>
+              <a:rPr lang="zh-CN" altLang="en-US" dirty="0" smtClean="0"/>
+              <a:t>原理：让服务器允许某个跨域请求。即在这个请求返回的报文中增加</a:t>
+            </a:r>
+            <a:r>
+              <a:rPr lang="en-US" altLang="zh-CN" dirty="0" smtClean="0"/>
+              <a:t>|</a:t>
+            </a:r>
+            <a:r>
+              <a:rPr lang="zh-CN" altLang="en-US" dirty="0" smtClean="0"/>
+              <a:t>配置三个报头：</a:t>
+            </a:r>
+            <a:endParaRPr lang="en-US" altLang="zh-CN" dirty="0" smtClean="0"/>
+          </a:p>
+          <a:p>
+            <a:pPr lvl="3"/>
+            <a:r>
+              <a:rPr lang="en-US" altLang="zh-CN" dirty="0"/>
+              <a:t>Access-Control-Allow-Headers: </a:t>
+            </a:r>
+            <a:r>
+              <a:rPr lang="en-US" altLang="zh-CN" dirty="0" smtClean="0"/>
+              <a:t>X-Requested-</a:t>
+            </a:r>
+            <a:r>
+              <a:rPr lang="en-US" altLang="zh-CN" dirty="0" err="1" smtClean="0"/>
+              <a:t>With,Content</a:t>
+            </a:r>
+            <a:r>
+              <a:rPr lang="en-US" altLang="zh-CN" dirty="0" smtClean="0"/>
+              <a:t>-</a:t>
+            </a:r>
+            <a:r>
+              <a:rPr lang="en-US" altLang="zh-CN" dirty="0" err="1" smtClean="0"/>
+              <a:t>Type,Accept</a:t>
+            </a:r>
+            <a:endParaRPr lang="en-US" altLang="zh-CN" dirty="0" smtClean="0"/>
+          </a:p>
+          <a:p>
+            <a:pPr lvl="3"/>
+            <a:r>
+              <a:rPr lang="en-US" altLang="zh-CN" dirty="0"/>
+              <a:t>Access-Control-Allow-Methods: </a:t>
+            </a:r>
+            <a:r>
+              <a:rPr lang="en-US" altLang="zh-CN" dirty="0" err="1" smtClean="0"/>
+              <a:t>Get,Post,Put,OPTIONS</a:t>
+            </a:r>
+            <a:r>
+              <a:rPr lang="en-US" altLang="zh-CN" dirty="0" smtClean="0"/>
+              <a:t>(</a:t>
+            </a:r>
+            <a:r>
+              <a:rPr lang="zh-CN" altLang="en-US" dirty="0" smtClean="0"/>
+              <a:t>非简单请求，允许预检</a:t>
+            </a:r>
+            <a:r>
+              <a:rPr lang="en-US" altLang="zh-CN" dirty="0" smtClean="0"/>
+              <a:t>)</a:t>
+            </a:r>
+          </a:p>
+          <a:p>
+            <a:pPr lvl="3"/>
+            <a:r>
+              <a:rPr lang="en-US" altLang="zh-CN" dirty="0"/>
+              <a:t>Access-Control-Allow-Origin: *</a:t>
+            </a:r>
+            <a:endParaRPr lang="en-US" altLang="zh-CN" dirty="0" smtClean="0"/>
+          </a:p>
+          <a:p>
+            <a:pPr lvl="2"/>
+            <a:r>
+              <a:rPr lang="zh-CN" altLang="en-US" dirty="0" smtClean="0"/>
+              <a:t>实现：直接在某个请求后加，或者用</a:t>
+            </a:r>
+            <a:r>
+              <a:rPr lang="en-US" altLang="zh-CN" dirty="0" smtClean="0"/>
+              <a:t>filter</a:t>
+            </a:r>
+            <a:r>
+              <a:rPr lang="zh-CN" altLang="en-US" dirty="0" smtClean="0"/>
+              <a:t>统一加。</a:t>
+            </a:r>
+            <a:endParaRPr lang="en-US" altLang="zh-CN" dirty="0" smtClean="0"/>
+          </a:p>
+          <a:p>
+            <a:pPr lvl="2"/>
+            <a:r>
+              <a:rPr lang="en-US" altLang="zh-CN" dirty="0" err="1"/>
+              <a:t>w</a:t>
+            </a:r>
+            <a:r>
+              <a:rPr lang="en-US" altLang="zh-CN" dirty="0" err="1" smtClean="0"/>
+              <a:t>f</a:t>
+            </a:r>
+            <a:r>
+              <a:rPr lang="zh-CN" altLang="en-US" dirty="0" smtClean="0"/>
+              <a:t>下实现：增加：</a:t>
+            </a:r>
+            <a:r>
+              <a:rPr lang="en-US" altLang="zh-CN" dirty="0"/>
+              <a:t> </a:t>
+            </a:r>
+            <a:r>
+              <a:rPr lang="en-US" altLang="zh-CN" dirty="0" err="1"/>
+              <a:t>beat.getResponse</a:t>
+            </a:r>
+            <a:r>
+              <a:rPr lang="en-US" altLang="zh-CN" dirty="0"/>
+              <a:t>().</a:t>
+            </a:r>
+            <a:r>
+              <a:rPr lang="en-US" altLang="zh-CN" dirty="0" err="1"/>
+              <a:t>addHeader</a:t>
+            </a:r>
+            <a:r>
+              <a:rPr lang="en-US" altLang="zh-CN" dirty="0"/>
+              <a:t>("Access-Control-Allow-Origin", "*");</a:t>
+            </a:r>
+            <a:endParaRPr lang="en-US" altLang="zh-CN" dirty="0" smtClean="0"/>
+          </a:p>
+          <a:p>
             <a:pPr lvl="1"/>
-            <a:r>
-              <a:rPr lang="en-US" altLang="zh-CN" dirty="0" smtClean="0"/>
-              <a:t>Apache Bench:</a:t>
-            </a:r>
-            <a:r>
-              <a:rPr lang="zh-CN" altLang="en-US" dirty="0" smtClean="0"/>
-              <a:t>在</a:t>
-            </a:r>
-            <a:r>
-              <a:rPr lang="en-US" altLang="zh-CN" dirty="0" err="1" smtClean="0"/>
-              <a:t>httpd</a:t>
-            </a:r>
-            <a:r>
-              <a:rPr lang="en-US" altLang="zh-CN" dirty="0" smtClean="0"/>
-              <a:t>/apache/bin</a:t>
-            </a:r>
-            <a:r>
-              <a:rPr lang="zh-CN" altLang="en-US" dirty="0" smtClean="0"/>
-              <a:t>目录下</a:t>
-            </a:r>
-            <a:endParaRPr lang="en-US" altLang="zh-CN" dirty="0"/>
-          </a:p>
-          <a:p>
-            <a:pPr lvl="2"/>
-            <a:r>
-              <a:rPr lang="zh-CN" altLang="en-US" dirty="0" smtClean="0"/>
-              <a:t>一般使用：</a:t>
-            </a:r>
-            <a:r>
-              <a:rPr lang="en-US" altLang="zh-CN" dirty="0" smtClean="0"/>
-              <a:t>ab –n </a:t>
-            </a:r>
-            <a:r>
-              <a:rPr lang="zh-CN" altLang="en-US" dirty="0" smtClean="0"/>
-              <a:t>总请求量 </a:t>
-            </a:r>
-            <a:r>
-              <a:rPr lang="en-US" altLang="zh-CN" dirty="0" smtClean="0"/>
-              <a:t>–c </a:t>
-            </a:r>
-            <a:r>
-              <a:rPr lang="zh-CN" altLang="en-US" dirty="0" smtClean="0"/>
-              <a:t>并发请求量 目标网站</a:t>
-            </a:r>
-            <a:r>
-              <a:rPr lang="en-US" altLang="zh-CN" dirty="0" err="1" smtClean="0"/>
-              <a:t>url</a:t>
-            </a:r>
-            <a:r>
-              <a:rPr lang="en-US" altLang="zh-CN" dirty="0" smtClean="0"/>
-              <a:t>   </a:t>
-            </a:r>
-          </a:p>
-          <a:p>
-            <a:pPr lvl="2"/>
-            <a:r>
-              <a:rPr lang="zh-CN" altLang="en-US" dirty="0" smtClean="0"/>
-              <a:t>返回信息：如每秒请求数：</a:t>
-            </a:r>
-            <a:r>
-              <a:rPr lang="en-US" altLang="zh-CN" dirty="0" smtClean="0"/>
-              <a:t>requests per second  </a:t>
-            </a:r>
-            <a:r>
-              <a:rPr lang="zh-CN" altLang="en-US" dirty="0" smtClean="0"/>
-              <a:t>、每个请求的响应时间的分布情况</a:t>
-            </a:r>
             <a:endParaRPr lang="en-US" altLang="zh-CN" dirty="0" smtClean="0"/>
           </a:p>
           <a:p>
-            <a:pPr lvl="1"/>
-            <a:r>
-              <a:rPr lang="en-US" altLang="zh-CN" dirty="0" smtClean="0"/>
-              <a:t>Apache </a:t>
-            </a:r>
-            <a:r>
-              <a:rPr lang="en-US" altLang="zh-CN" dirty="0" err="1" smtClean="0"/>
-              <a:t>jmeter</a:t>
-            </a:r>
-            <a:r>
-              <a:rPr lang="en-US" altLang="zh-CN" dirty="0" smtClean="0"/>
-              <a:t>:</a:t>
-            </a:r>
-          </a:p>
-          <a:p>
-            <a:pPr lvl="2"/>
-            <a:r>
-              <a:rPr lang="zh-CN" altLang="en-US" dirty="0" smtClean="0"/>
-              <a:t>一般使用：配置线程组、</a:t>
-            </a:r>
-            <a:r>
-              <a:rPr lang="en-US" altLang="zh-CN" dirty="0" smtClean="0"/>
-              <a:t>http cookie manager</a:t>
-            </a:r>
-            <a:r>
-              <a:rPr lang="zh-CN" altLang="en-US" dirty="0" smtClean="0"/>
-              <a:t>、</a:t>
-            </a:r>
-            <a:r>
-              <a:rPr lang="en-US" altLang="zh-CN" dirty="0" smtClean="0"/>
-              <a:t>view results tree</a:t>
-            </a:r>
-            <a:r>
-              <a:rPr lang="zh-CN" altLang="en-US" dirty="0" smtClean="0"/>
-              <a:t>。点击</a:t>
-            </a:r>
-            <a:r>
-              <a:rPr lang="en-US" altLang="zh-CN" dirty="0" smtClean="0"/>
-              <a:t>start</a:t>
-            </a:r>
-            <a:r>
-              <a:rPr lang="zh-CN" altLang="en-US" dirty="0" smtClean="0"/>
-              <a:t>。查看</a:t>
-            </a:r>
-            <a:r>
-              <a:rPr lang="en-US" altLang="zh-CN" dirty="0" smtClean="0"/>
-              <a:t>summary report</a:t>
-            </a:r>
-            <a:r>
-              <a:rPr lang="zh-CN" altLang="en-US" dirty="0" smtClean="0"/>
-              <a:t>即可。</a:t>
-            </a:r>
-            <a:endParaRPr lang="en-US" altLang="zh-CN" dirty="0" smtClean="0"/>
-          </a:p>
-          <a:p>
-            <a:pPr lvl="2"/>
-            <a:r>
-              <a:rPr lang="en-US" altLang="zh-CN" dirty="0" smtClean="0"/>
-              <a:t>Summary report</a:t>
-            </a:r>
-            <a:r>
-              <a:rPr lang="zh-CN" altLang="en-US" dirty="0" smtClean="0"/>
-              <a:t>信息：每秒请求数：</a:t>
-            </a:r>
-            <a:r>
-              <a:rPr lang="en-US" altLang="zh-CN" dirty="0" smtClean="0"/>
-              <a:t>Throughout ,</a:t>
-            </a:r>
-            <a:r>
-              <a:rPr lang="zh-CN" altLang="en-US" dirty="0" smtClean="0"/>
-              <a:t>每秒发送流量和接收流量</a:t>
-            </a:r>
-            <a:endParaRPr lang="en-US" altLang="zh-CN" dirty="0"/>
-          </a:p>
-          <a:p>
-            <a:pPr lvl="1"/>
-            <a:endParaRPr lang="en-US" altLang="zh-CN" dirty="0"/>
-          </a:p>
-          <a:p>
-            <a:pPr lvl="1"/>
             <a:endParaRPr lang="zh-CN" altLang="en-US" dirty="0"/>
           </a:p>
         </p:txBody>
@@ -9560,7 +9662,7 @@
     </p:spTree>
     <p:extLst>
       <p:ext uri="{BB962C8B-B14F-4D97-AF65-F5344CB8AC3E}">
-        <p14:creationId xmlns:p14="http://schemas.microsoft.com/office/powerpoint/2010/main" val="1454907375"/>
+        <p14:creationId xmlns:p14="http://schemas.microsoft.com/office/powerpoint/2010/main" val="4030390260"/>
       </p:ext>
     </p:extLst>
   </p:cSld>
@@ -9608,7 +9710,7 @@
             </a:r>
             <a:r>
               <a:rPr lang="zh-CN" altLang="en-US" dirty="0" smtClean="0"/>
-              <a:t>（五）</a:t>
+              <a:t>（四）</a:t>
             </a:r>
             <a:endParaRPr lang="zh-CN" altLang="en-US" dirty="0"/>
           </a:p>
@@ -9630,36 +9732,95 @@
           <a:lstStyle/>
           <a:p>
             <a:r>
-              <a:rPr lang="en-US" altLang="zh-CN" dirty="0"/>
-              <a:t>App</a:t>
-            </a:r>
-            <a:r>
-              <a:rPr lang="zh-CN" altLang="en-US" dirty="0"/>
-              <a:t>请求转发到本地</a:t>
-            </a:r>
-            <a:r>
-              <a:rPr lang="en-US" altLang="zh-CN" dirty="0"/>
-              <a:t>debug</a:t>
-            </a:r>
-            <a:r>
-              <a:rPr lang="zh-CN" altLang="en-US" dirty="0" smtClean="0"/>
-              <a:t>？</a:t>
+              <a:rPr lang="zh-CN" altLang="en-US" dirty="0"/>
+              <a:t>简单</a:t>
+            </a:r>
+            <a:r>
+              <a:rPr lang="zh-CN" altLang="en-US" dirty="0" smtClean="0"/>
+              <a:t>网站压力测试？</a:t>
             </a:r>
             <a:endParaRPr lang="en-US" altLang="zh-CN" dirty="0" smtClean="0"/>
           </a:p>
           <a:p>
             <a:pPr lvl="1"/>
             <a:r>
-              <a:rPr lang="zh-CN" altLang="en-US" dirty="0" smtClean="0"/>
-              <a:t>使用</a:t>
+              <a:rPr lang="en-US" altLang="zh-CN" dirty="0" smtClean="0"/>
+              <a:t>Apache Bench:</a:t>
+            </a:r>
+            <a:r>
+              <a:rPr lang="zh-CN" altLang="en-US" dirty="0" smtClean="0"/>
+              <a:t>在</a:t>
             </a:r>
             <a:r>
               <a:rPr lang="en-US" altLang="zh-CN" dirty="0" err="1" smtClean="0"/>
-              <a:t>charles</a:t>
-            </a:r>
-            <a:r>
-              <a:rPr lang="zh-CN" altLang="en-US" dirty="0" smtClean="0"/>
-              <a:t>作代理服务器</a:t>
+              <a:t>httpd</a:t>
+            </a:r>
+            <a:r>
+              <a:rPr lang="en-US" altLang="zh-CN" dirty="0" smtClean="0"/>
+              <a:t>/apache/bin</a:t>
+            </a:r>
+            <a:r>
+              <a:rPr lang="zh-CN" altLang="en-US" dirty="0" smtClean="0"/>
+              <a:t>目录下</a:t>
+            </a:r>
+            <a:endParaRPr lang="en-US" altLang="zh-CN" dirty="0"/>
+          </a:p>
+          <a:p>
+            <a:pPr lvl="2"/>
+            <a:r>
+              <a:rPr lang="zh-CN" altLang="en-US" dirty="0" smtClean="0"/>
+              <a:t>一般使用：</a:t>
+            </a:r>
+            <a:r>
+              <a:rPr lang="en-US" altLang="zh-CN" dirty="0" smtClean="0"/>
+              <a:t>ab –n </a:t>
+            </a:r>
+            <a:r>
+              <a:rPr lang="zh-CN" altLang="en-US" dirty="0" smtClean="0"/>
+              <a:t>总请求量 </a:t>
+            </a:r>
+            <a:r>
+              <a:rPr lang="en-US" altLang="zh-CN" dirty="0" smtClean="0"/>
+              <a:t>–c </a:t>
+            </a:r>
+            <a:r>
+              <a:rPr lang="zh-CN" altLang="en-US" dirty="0" smtClean="0"/>
+              <a:t>并发请求量 目标网站</a:t>
+            </a:r>
+            <a:r>
+              <a:rPr lang="en-US" altLang="zh-CN" dirty="0" err="1" smtClean="0"/>
+              <a:t>url</a:t>
+            </a:r>
+            <a:r>
+              <a:rPr lang="en-US" altLang="zh-CN" dirty="0" smtClean="0"/>
+              <a:t>   </a:t>
+            </a:r>
+          </a:p>
+          <a:p>
+            <a:pPr lvl="2"/>
+            <a:r>
+              <a:rPr lang="zh-CN" altLang="en-US" dirty="0" smtClean="0"/>
+              <a:t>返回信息：如每秒请求数：</a:t>
+            </a:r>
+            <a:r>
+              <a:rPr lang="en-US" altLang="zh-CN" dirty="0" smtClean="0"/>
+              <a:t>requests per second  </a:t>
+            </a:r>
+            <a:r>
+              <a:rPr lang="zh-CN" altLang="en-US" dirty="0" smtClean="0"/>
+              <a:t>、每个请求的响应时间的分布情况</a:t>
+            </a:r>
+            <a:endParaRPr lang="en-US" altLang="zh-CN" dirty="0" smtClean="0"/>
+          </a:p>
+          <a:p>
+            <a:pPr lvl="1"/>
+            <a:r>
+              <a:rPr lang="en-US" altLang="zh-CN" dirty="0" smtClean="0"/>
+              <a:t>Apache </a:t>
+            </a:r>
+            <a:r>
+              <a:rPr lang="en-US" altLang="zh-CN" dirty="0" err="1" smtClean="0"/>
+              <a:t>jmeter</a:t>
             </a:r>
             <a:r>
               <a:rPr lang="en-US" altLang="zh-CN" dirty="0" smtClean="0"/>
@@ -9669,304 +9830,77 @@
           <a:p>
             <a:pPr lvl="2"/>
             <a:r>
-              <a:rPr lang="zh-CN" altLang="en-US" dirty="0"/>
-              <a:t>环境条件：电脑无线</a:t>
-            </a:r>
-            <a:r>
-              <a:rPr lang="zh-CN" altLang="en-US" dirty="0" smtClean="0"/>
-              <a:t>连接、防火墙</a:t>
-            </a:r>
-            <a:r>
-              <a:rPr lang="zh-CN" altLang="en-US" dirty="0"/>
-              <a:t>关闭 </a:t>
-            </a:r>
-            <a:r>
-              <a:rPr lang="zh-CN" altLang="en-US" dirty="0" smtClean="0"/>
-              <a:t>、手机</a:t>
-            </a:r>
-            <a:r>
-              <a:rPr lang="zh-CN" altLang="en-US" dirty="0"/>
-              <a:t>连接代理服务器后安装证书</a:t>
-            </a:r>
-            <a:r>
-              <a:rPr lang="en-US" altLang="zh-CN" dirty="0"/>
-              <a:t>(</a:t>
-            </a:r>
-            <a:r>
-              <a:rPr lang="en-US" altLang="zh-CN" dirty="0" err="1"/>
-              <a:t>ios</a:t>
-            </a:r>
-            <a:r>
-              <a:rPr lang="en-US" altLang="zh-CN" dirty="0"/>
-              <a:t> </a:t>
-            </a:r>
-            <a:r>
-              <a:rPr lang="zh-CN" altLang="en-US" dirty="0"/>
-              <a:t>扫</a:t>
-            </a:r>
-            <a:r>
-              <a:rPr lang="en-US" altLang="zh-CN" dirty="0" smtClean="0">
-                <a:hlinkClick r:id="rId2"/>
-              </a:rPr>
-              <a:t>www.charlesproxy.com/getssl</a:t>
-            </a:r>
-            <a:r>
-              <a:rPr lang="en-US" altLang="zh-CN" dirty="0" smtClean="0"/>
-              <a:t>)</a:t>
+              <a:rPr lang="zh-CN" altLang="en-US" dirty="0" smtClean="0"/>
+              <a:t>一般使用：配置线程组、</a:t>
+            </a:r>
+            <a:r>
+              <a:rPr lang="en-US" altLang="zh-CN" dirty="0" smtClean="0"/>
+              <a:t>http cookie manager</a:t>
             </a:r>
             <a:r>
               <a:rPr lang="zh-CN" altLang="en-US" dirty="0" smtClean="0"/>
               <a:t>、</a:t>
             </a:r>
             <a:r>
-              <a:rPr lang="en-US" altLang="zh-CN" dirty="0" err="1" smtClean="0"/>
-              <a:t>charles</a:t>
-            </a:r>
-            <a:r>
-              <a:rPr lang="zh-CN" altLang="en-US" dirty="0"/>
-              <a:t>确认</a:t>
-            </a:r>
-            <a:r>
-              <a:rPr lang="en-US" altLang="zh-CN" dirty="0" smtClean="0"/>
-              <a:t>allow</a:t>
-            </a:r>
+              <a:rPr lang="en-US" altLang="zh-CN" dirty="0" smtClean="0"/>
+              <a:t>view results tree</a:t>
+            </a:r>
+            <a:r>
+              <a:rPr lang="zh-CN" altLang="en-US" dirty="0" smtClean="0"/>
+              <a:t>。点击</a:t>
+            </a:r>
+            <a:r>
+              <a:rPr lang="en-US" altLang="zh-CN" dirty="0" smtClean="0"/>
+              <a:t>start</a:t>
+            </a:r>
+            <a:r>
+              <a:rPr lang="zh-CN" altLang="en-US" dirty="0" smtClean="0"/>
+              <a:t>。查看</a:t>
+            </a:r>
+            <a:r>
+              <a:rPr lang="en-US" altLang="zh-CN" dirty="0" smtClean="0"/>
+              <a:t>summary report</a:t>
+            </a:r>
+            <a:r>
+              <a:rPr lang="zh-CN" altLang="en-US" dirty="0" smtClean="0"/>
+              <a:t>即可。</a:t>
+            </a:r>
+            <a:endParaRPr lang="en-US" altLang="zh-CN" dirty="0" smtClean="0"/>
           </a:p>
           <a:p>
             <a:pPr lvl="2"/>
             <a:r>
-              <a:rPr lang="zh-CN" altLang="en-US" dirty="0" smtClean="0"/>
-              <a:t>基本配置：</a:t>
-            </a:r>
-            <a:endParaRPr lang="en-US" altLang="zh-CN" dirty="0" smtClean="0"/>
-          </a:p>
-          <a:p>
-            <a:pPr lvl="3"/>
-            <a:r>
-              <a:rPr lang="en-US" altLang="zh-CN" dirty="0"/>
-              <a:t>p</a:t>
-            </a:r>
-            <a:r>
-              <a:rPr lang="en-US" altLang="zh-CN" dirty="0" smtClean="0"/>
-              <a:t>roxy settings:</a:t>
-            </a:r>
-            <a:r>
-              <a:rPr lang="zh-CN" altLang="en-US" dirty="0" smtClean="0"/>
-              <a:t>配置代理服务器端口、使能透明</a:t>
-            </a:r>
-            <a:r>
-              <a:rPr lang="en-US" altLang="zh-CN" dirty="0" smtClean="0"/>
-              <a:t>http </a:t>
-            </a:r>
-            <a:r>
-              <a:rPr lang="en-US" altLang="zh-CN" dirty="0" err="1" smtClean="0"/>
-              <a:t>proxying</a:t>
-            </a:r>
-            <a:r>
-              <a:rPr lang="zh-CN" altLang="en-US" dirty="0" smtClean="0"/>
-              <a:t>，点击开始</a:t>
-            </a:r>
-            <a:r>
-              <a:rPr lang="zh-CN" altLang="en-US" dirty="0"/>
-              <a:t>记录</a:t>
-            </a:r>
-            <a:endParaRPr lang="en-US" altLang="zh-CN" dirty="0" smtClean="0"/>
-          </a:p>
-          <a:p>
-            <a:pPr lvl="3"/>
-            <a:r>
-              <a:rPr lang="en-US" altLang="zh-CN" dirty="0" err="1"/>
-              <a:t>ssl</a:t>
-            </a:r>
-            <a:r>
-              <a:rPr lang="en-US" altLang="zh-CN" dirty="0"/>
-              <a:t> proxy settings: locations</a:t>
-            </a:r>
-            <a:r>
-              <a:rPr lang="zh-CN" altLang="en-US" dirty="0"/>
-              <a:t>一栏要加*</a:t>
-            </a:r>
-            <a:r>
-              <a:rPr lang="en-US" altLang="zh-CN" dirty="0"/>
-              <a:t>:443</a:t>
-            </a:r>
-            <a:r>
-              <a:rPr lang="zh-CN" altLang="en-US" dirty="0"/>
-              <a:t>来代理所有的</a:t>
-            </a:r>
-            <a:r>
-              <a:rPr lang="en-US" altLang="zh-CN" dirty="0"/>
-              <a:t>https</a:t>
-            </a:r>
-            <a:r>
-              <a:rPr lang="zh-CN" altLang="en-US" dirty="0"/>
-              <a:t>安全请求</a:t>
-            </a:r>
-            <a:r>
-              <a:rPr lang="en-US" altLang="zh-CN" dirty="0"/>
-              <a:t>,</a:t>
-            </a:r>
-            <a:r>
-              <a:rPr lang="zh-CN" altLang="en-US" dirty="0"/>
-              <a:t>否则有的</a:t>
-            </a:r>
-            <a:r>
-              <a:rPr lang="en-US" altLang="zh-CN" dirty="0"/>
-              <a:t>https</a:t>
-            </a:r>
-            <a:r>
-              <a:rPr lang="zh-CN" altLang="en-US" dirty="0"/>
-              <a:t>请求会被忽略</a:t>
-            </a:r>
-            <a:r>
-              <a:rPr lang="en-US" altLang="zh-CN" dirty="0"/>
-              <a:t>--</a:t>
-            </a:r>
-            <a:r>
-              <a:rPr lang="zh-CN" altLang="en-US" dirty="0"/>
-              <a:t>比如</a:t>
-            </a:r>
-            <a:r>
-              <a:rPr lang="en-US" altLang="zh-CN" dirty="0" err="1"/>
-              <a:t>js</a:t>
-            </a:r>
-            <a:r>
-              <a:rPr lang="en-US" altLang="zh-CN" dirty="0"/>
-              <a:t>/</a:t>
-            </a:r>
-            <a:r>
-              <a:rPr lang="en-US" altLang="zh-CN" dirty="0" err="1"/>
-              <a:t>css</a:t>
-            </a:r>
-            <a:r>
-              <a:rPr lang="zh-CN" altLang="en-US" dirty="0"/>
-              <a:t>从而获取不到资源</a:t>
-            </a:r>
-            <a:r>
-              <a:rPr lang="zh-CN" altLang="en-US" dirty="0" smtClean="0"/>
-              <a:t>。</a:t>
-            </a:r>
-            <a:endParaRPr lang="en-US" altLang="zh-CN" dirty="0" smtClean="0"/>
-          </a:p>
-          <a:p>
-            <a:pPr lvl="3"/>
-            <a:r>
-              <a:rPr lang="en-US" altLang="zh-CN" dirty="0"/>
-              <a:t>map remote settings: </a:t>
-            </a:r>
-            <a:r>
-              <a:rPr lang="zh-CN" altLang="en-US" dirty="0"/>
-              <a:t>要加一个</a:t>
-            </a:r>
-            <a:r>
-              <a:rPr lang="en-US" altLang="zh-CN" dirty="0" err="1"/>
-              <a:t>url</a:t>
-            </a:r>
-            <a:r>
-              <a:rPr lang="zh-CN" altLang="en-US" dirty="0"/>
-              <a:t>映射</a:t>
-            </a:r>
-            <a:r>
-              <a:rPr lang="zh-CN" altLang="en-US" dirty="0" smtClean="0"/>
-              <a:t>，协议、域名必写，</a:t>
-            </a:r>
-            <a:r>
-              <a:rPr lang="en-US" altLang="zh-CN" dirty="0" smtClean="0"/>
-              <a:t>query</a:t>
-            </a:r>
-            <a:r>
-              <a:rPr lang="zh-CN" altLang="en-US" dirty="0"/>
-              <a:t>一栏可以不写，会自动将源</a:t>
-            </a:r>
-            <a:r>
-              <a:rPr lang="en-US" altLang="zh-CN" dirty="0" err="1"/>
-              <a:t>url</a:t>
-            </a:r>
-            <a:r>
-              <a:rPr lang="zh-CN" altLang="en-US" dirty="0"/>
-              <a:t>上</a:t>
-            </a:r>
-            <a:r>
-              <a:rPr lang="zh-CN" altLang="en-US" dirty="0" smtClean="0"/>
-              <a:t>的查询参数补</a:t>
-            </a:r>
-            <a:r>
-              <a:rPr lang="zh-CN" altLang="en-US" dirty="0"/>
-              <a:t>到目的</a:t>
-            </a:r>
-            <a:r>
-              <a:rPr lang="en-US" altLang="zh-CN" dirty="0" err="1"/>
-              <a:t>url</a:t>
-            </a:r>
-            <a:r>
-              <a:rPr lang="zh-CN" altLang="en-US" dirty="0"/>
-              <a:t>上。</a:t>
+              <a:rPr lang="en-US" altLang="zh-CN" dirty="0" smtClean="0"/>
+              <a:t>Summary report</a:t>
+            </a:r>
+            <a:r>
+              <a:rPr lang="zh-CN" altLang="en-US" dirty="0" smtClean="0"/>
+              <a:t>信息：每秒请求数：</a:t>
+            </a:r>
+            <a:r>
+              <a:rPr lang="en-US" altLang="zh-CN" dirty="0" smtClean="0"/>
+              <a:t>Throughout ,</a:t>
+            </a:r>
+            <a:r>
+              <a:rPr lang="zh-CN" altLang="en-US" dirty="0" smtClean="0"/>
+              <a:t>每秒发送流量和接收流量</a:t>
             </a:r>
             <a:endParaRPr lang="en-US" altLang="zh-CN" dirty="0"/>
-          </a:p>
-          <a:p>
-            <a:pPr lvl="2"/>
-            <a:r>
-              <a:rPr lang="zh-CN" altLang="en-US" dirty="0"/>
-              <a:t>注意：源请求</a:t>
-            </a:r>
-            <a:r>
-              <a:rPr lang="en-US" altLang="zh-CN" dirty="0"/>
-              <a:t>path</a:t>
-            </a:r>
-            <a:r>
-              <a:rPr lang="zh-CN" altLang="en-US" dirty="0"/>
-              <a:t>路径不</a:t>
-            </a:r>
-            <a:r>
-              <a:rPr lang="zh-CN" altLang="en-US" dirty="0" smtClean="0"/>
-              <a:t>加</a:t>
-            </a:r>
-            <a:r>
-              <a:rPr lang="zh-CN" altLang="en-US" dirty="0"/>
-              <a:t>？</a:t>
-            </a:r>
-            <a:r>
-              <a:rPr lang="zh-CN" altLang="en-US" dirty="0" smtClean="0"/>
-              <a:t>结尾</a:t>
-            </a:r>
-            <a:r>
-              <a:rPr lang="zh-CN" altLang="en-US" dirty="0"/>
-              <a:t>，而目标</a:t>
-            </a:r>
-            <a:r>
-              <a:rPr lang="en-US" altLang="zh-CN" dirty="0" err="1"/>
-              <a:t>url</a:t>
-            </a:r>
-            <a:r>
-              <a:rPr lang="zh-CN" altLang="en-US" dirty="0"/>
-              <a:t>可以加</a:t>
-            </a:r>
-            <a:r>
-              <a:rPr lang="zh-CN" altLang="en-US" dirty="0" smtClean="0"/>
-              <a:t>。否则无法路由。</a:t>
-            </a:r>
-            <a:endParaRPr lang="en-US" altLang="zh-CN" dirty="0"/>
-          </a:p>
-          <a:p>
-            <a:pPr lvl="1"/>
-            <a:endParaRPr lang="en-US" altLang="zh-CN" dirty="0" smtClean="0"/>
           </a:p>
           <a:p>
             <a:pPr lvl="1"/>
             <a:endParaRPr lang="en-US" altLang="zh-CN" dirty="0"/>
           </a:p>
           <a:p>
-            <a:endParaRPr lang="en-US" altLang="zh-CN" dirty="0" smtClean="0"/>
-          </a:p>
-          <a:p>
-            <a:endParaRPr lang="en-US" altLang="zh-CN" dirty="0"/>
+            <a:pPr lvl="1"/>
+            <a:endParaRPr lang="zh-CN" altLang="en-US" dirty="0"/>
           </a:p>
         </p:txBody>
       </p:sp>
     </p:spTree>
     <p:extLst>
       <p:ext uri="{BB962C8B-B14F-4D97-AF65-F5344CB8AC3E}">
-        <p14:creationId xmlns:p14="http://schemas.microsoft.com/office/powerpoint/2010/main" val="2577353309"/>
+        <p14:creationId xmlns:p14="http://schemas.microsoft.com/office/powerpoint/2010/main" val="1454907375"/>
       </p:ext>
     </p:extLst>
   </p:cSld>
@@ -10014,7 +9948,7 @@
             </a:r>
             <a:r>
               <a:rPr lang="zh-CN" altLang="en-US" dirty="0" smtClean="0"/>
-              <a:t>（六）</a:t>
+              <a:t>（五）</a:t>
             </a:r>
             <a:endParaRPr lang="zh-CN" altLang="en-US" dirty="0"/>
           </a:p>
@@ -10032,413 +9966,347 @@
         </p:nvSpPr>
         <p:spPr/>
         <p:txBody>
-          <a:bodyPr>
-            <a:normAutofit fontScale="92500" lnSpcReduction="20000"/>
-          </a:bodyPr>
+          <a:bodyPr/>
           <a:lstStyle/>
           <a:p>
             <a:r>
-              <a:rPr lang="en-US" altLang="zh-CN" dirty="0" smtClean="0"/>
-              <a:t>android/</a:t>
+              <a:rPr lang="en-US" altLang="zh-CN" dirty="0"/>
+              <a:t>App</a:t>
+            </a:r>
+            <a:r>
+              <a:rPr lang="zh-CN" altLang="en-US" dirty="0"/>
+              <a:t>请求转发到本地</a:t>
+            </a:r>
+            <a:r>
+              <a:rPr lang="en-US" altLang="zh-CN" dirty="0"/>
+              <a:t>debug</a:t>
+            </a:r>
+            <a:r>
+              <a:rPr lang="zh-CN" altLang="en-US" dirty="0" smtClean="0"/>
+              <a:t>？</a:t>
+            </a:r>
+            <a:endParaRPr lang="en-US" altLang="zh-CN" dirty="0" smtClean="0"/>
+          </a:p>
+          <a:p>
+            <a:pPr lvl="1"/>
+            <a:r>
+              <a:rPr lang="zh-CN" altLang="en-US" dirty="0" smtClean="0"/>
+              <a:t>使用</a:t>
             </a:r>
             <a:r>
               <a:rPr lang="en-US" altLang="zh-CN" dirty="0" err="1" smtClean="0"/>
+              <a:t>charles</a:t>
+            </a:r>
+            <a:r>
+              <a:rPr lang="zh-CN" altLang="en-US" dirty="0" smtClean="0"/>
+              <a:t>作代理服务器</a:t>
+            </a:r>
+            <a:r>
+              <a:rPr lang="en-US" altLang="zh-CN" dirty="0" smtClean="0"/>
+              <a:t>:</a:t>
+            </a:r>
+          </a:p>
+          <a:p>
+            <a:pPr lvl="2"/>
+            <a:r>
+              <a:rPr lang="zh-CN" altLang="en-US" dirty="0"/>
+              <a:t>环境条件：电脑无线</a:t>
+            </a:r>
+            <a:r>
+              <a:rPr lang="zh-CN" altLang="en-US" dirty="0" smtClean="0"/>
+              <a:t>连接、防火墙</a:t>
+            </a:r>
+            <a:r>
+              <a:rPr lang="zh-CN" altLang="en-US" dirty="0"/>
+              <a:t>关闭 </a:t>
+            </a:r>
+            <a:r>
+              <a:rPr lang="zh-CN" altLang="en-US" dirty="0" smtClean="0"/>
+              <a:t>、手机</a:t>
+            </a:r>
+            <a:r>
+              <a:rPr lang="zh-CN" altLang="en-US" dirty="0"/>
+              <a:t>连接代理服务器后安装证书</a:t>
+            </a:r>
+            <a:r>
+              <a:rPr lang="en-US" altLang="zh-CN" dirty="0"/>
+              <a:t>(</a:t>
+            </a:r>
+            <a:r>
+              <a:rPr lang="en-US" altLang="zh-CN" dirty="0" err="1"/>
               <a:t>ios</a:t>
             </a:r>
             <a:r>
-              <a:rPr lang="zh-CN" altLang="en-US" dirty="0" smtClean="0"/>
-              <a:t>环境上</a:t>
-            </a:r>
-            <a:r>
-              <a:rPr lang="en-US" altLang="zh-CN" dirty="0" smtClean="0"/>
-              <a:t>app</a:t>
-            </a:r>
-            <a:r>
-              <a:rPr lang="zh-CN" altLang="en-US" dirty="0" smtClean="0"/>
-              <a:t>测试包的基本使用：</a:t>
+              <a:rPr lang="en-US" altLang="zh-CN" dirty="0"/>
+              <a:t> </a:t>
+            </a:r>
+            <a:r>
+              <a:rPr lang="zh-CN" altLang="en-US" dirty="0"/>
+              <a:t>扫</a:t>
+            </a:r>
+            <a:r>
+              <a:rPr lang="en-US" altLang="zh-CN" dirty="0" smtClean="0">
+                <a:hlinkClick r:id="rId2"/>
+              </a:rPr>
+              <a:t>www.charlesproxy.com/getssl</a:t>
+            </a:r>
+            <a:r>
+              <a:rPr lang="en-US" altLang="zh-CN" dirty="0" smtClean="0"/>
+              <a:t>)</a:t>
+            </a:r>
+            <a:r>
+              <a:rPr lang="zh-CN" altLang="en-US" dirty="0" smtClean="0"/>
+              <a:t>、</a:t>
+            </a:r>
+            <a:r>
+              <a:rPr lang="en-US" altLang="zh-CN" dirty="0" err="1" smtClean="0"/>
+              <a:t>charles</a:t>
+            </a:r>
+            <a:r>
+              <a:rPr lang="zh-CN" altLang="en-US" dirty="0"/>
+              <a:t>确认</a:t>
+            </a:r>
+            <a:r>
+              <a:rPr lang="en-US" altLang="zh-CN" dirty="0" smtClean="0"/>
+              <a:t>allow</a:t>
+            </a:r>
+          </a:p>
+          <a:p>
+            <a:pPr lvl="2"/>
+            <a:r>
+              <a:rPr lang="zh-CN" altLang="en-US" dirty="0" smtClean="0"/>
+              <a:t>基本配置：</a:t>
             </a:r>
             <a:endParaRPr lang="en-US" altLang="zh-CN" dirty="0" smtClean="0"/>
           </a:p>
           <a:p>
-            <a:pPr lvl="1"/>
-            <a:r>
-              <a:rPr lang="zh-CN" altLang="en-US" dirty="0" smtClean="0"/>
-              <a:t>测试环境切换：</a:t>
-            </a:r>
-            <a:r>
-              <a:rPr lang="en-US" altLang="zh-CN" dirty="0" smtClean="0"/>
-              <a:t>app</a:t>
-            </a:r>
-            <a:r>
-              <a:rPr lang="en-US" altLang="zh-CN" dirty="0" smtClean="0">
-                <a:sym typeface="Wingdings" panose="05000000000000000000" pitchFamily="2" charset="2"/>
-              </a:rPr>
-              <a:t></a:t>
-            </a:r>
-            <a:r>
-              <a:rPr lang="zh-CN" altLang="en-US" dirty="0" smtClean="0">
-                <a:sym typeface="Wingdings" panose="05000000000000000000" pitchFamily="2" charset="2"/>
-              </a:rPr>
-              <a:t>个人中心</a:t>
-            </a:r>
-            <a:r>
-              <a:rPr lang="en-US" altLang="zh-CN" dirty="0" smtClean="0">
-                <a:sym typeface="Wingdings" panose="05000000000000000000" pitchFamily="2" charset="2"/>
-              </a:rPr>
-              <a:t></a:t>
-            </a:r>
-            <a:r>
-              <a:rPr lang="zh-CN" altLang="en-US" dirty="0" smtClean="0"/>
-              <a:t>开发</a:t>
-            </a:r>
-            <a:r>
-              <a:rPr lang="zh-CN" altLang="en-US" dirty="0"/>
-              <a:t>者</a:t>
-            </a:r>
-            <a:r>
-              <a:rPr lang="zh-CN" altLang="en-US" dirty="0" smtClean="0"/>
-              <a:t>选项</a:t>
-            </a:r>
-            <a:r>
-              <a:rPr lang="en-US" altLang="zh-CN" dirty="0" smtClean="0">
-                <a:sym typeface="Wingdings" panose="05000000000000000000" pitchFamily="2" charset="2"/>
-              </a:rPr>
-              <a:t></a:t>
-            </a:r>
-            <a:r>
-              <a:rPr lang="zh-CN" altLang="en-US" dirty="0" smtClean="0"/>
-              <a:t>切换</a:t>
-            </a:r>
-            <a:r>
-              <a:rPr lang="zh-CN" altLang="en-US" dirty="0"/>
-              <a:t>运行</a:t>
-            </a:r>
-            <a:r>
-              <a:rPr lang="zh-CN" altLang="en-US" dirty="0" smtClean="0"/>
-              <a:t>环境</a:t>
-            </a:r>
-            <a:r>
-              <a:rPr lang="en-US" altLang="zh-CN" dirty="0" smtClean="0">
-                <a:sym typeface="Wingdings" panose="05000000000000000000" pitchFamily="2" charset="2"/>
-              </a:rPr>
-              <a:t></a:t>
-            </a:r>
-            <a:r>
-              <a:rPr lang="zh-CN" altLang="en-US" dirty="0" smtClean="0"/>
-              <a:t>测试</a:t>
-            </a:r>
-            <a:r>
-              <a:rPr lang="zh-CN" altLang="en-US" dirty="0"/>
-              <a:t>环境</a:t>
+            <a:pPr lvl="3"/>
+            <a:r>
+              <a:rPr lang="en-US" altLang="zh-CN" dirty="0"/>
+              <a:t>p</a:t>
+            </a:r>
+            <a:r>
+              <a:rPr lang="en-US" altLang="zh-CN" dirty="0" smtClean="0"/>
+              <a:t>roxy settings:</a:t>
+            </a:r>
+            <a:r>
+              <a:rPr lang="zh-CN" altLang="en-US" dirty="0" smtClean="0"/>
+              <a:t>配置代理服务器端口、使能透明</a:t>
+            </a:r>
+            <a:r>
+              <a:rPr lang="en-US" altLang="zh-CN" dirty="0" smtClean="0"/>
+              <a:t>http </a:t>
+            </a:r>
+            <a:r>
+              <a:rPr lang="en-US" altLang="zh-CN" dirty="0" err="1" smtClean="0"/>
+              <a:t>proxying</a:t>
+            </a:r>
+            <a:r>
+              <a:rPr lang="zh-CN" altLang="en-US" dirty="0" smtClean="0"/>
+              <a:t>，点击开始</a:t>
+            </a:r>
+            <a:r>
+              <a:rPr lang="zh-CN" altLang="en-US" dirty="0"/>
+              <a:t>记录</a:t>
+            </a:r>
+            <a:endParaRPr lang="en-US" altLang="zh-CN" dirty="0" smtClean="0"/>
+          </a:p>
+          <a:p>
+            <a:pPr lvl="3"/>
+            <a:r>
+              <a:rPr lang="en-US" altLang="zh-CN" dirty="0" err="1"/>
+              <a:t>ssl</a:t>
+            </a:r>
+            <a:r>
+              <a:rPr lang="en-US" altLang="zh-CN" dirty="0"/>
+              <a:t> proxy settings: locations</a:t>
+            </a:r>
+            <a:r>
+              <a:rPr lang="zh-CN" altLang="en-US" dirty="0"/>
+              <a:t>一栏要加*</a:t>
+            </a:r>
+            <a:r>
+              <a:rPr lang="en-US" altLang="zh-CN" dirty="0"/>
+              <a:t>:443</a:t>
+            </a:r>
+            <a:r>
+              <a:rPr lang="zh-CN" altLang="en-US" dirty="0"/>
+              <a:t>来代理所有的</a:t>
+            </a:r>
+            <a:r>
+              <a:rPr lang="en-US" altLang="zh-CN" dirty="0"/>
+              <a:t>https</a:t>
+            </a:r>
+            <a:r>
+              <a:rPr lang="zh-CN" altLang="en-US" dirty="0"/>
+              <a:t>安全请求</a:t>
+            </a:r>
+            <a:r>
+              <a:rPr lang="en-US" altLang="zh-CN" dirty="0"/>
+              <a:t>,</a:t>
+            </a:r>
+            <a:r>
+              <a:rPr lang="zh-CN" altLang="en-US" dirty="0"/>
+              <a:t>否则有的</a:t>
+            </a:r>
+            <a:r>
+              <a:rPr lang="en-US" altLang="zh-CN" dirty="0"/>
+              <a:t>https</a:t>
+            </a:r>
+            <a:r>
+              <a:rPr lang="zh-CN" altLang="en-US" dirty="0"/>
+              <a:t>请求会被忽略</a:t>
+            </a:r>
+            <a:r>
+              <a:rPr lang="en-US" altLang="zh-CN" dirty="0"/>
+              <a:t>--</a:t>
+            </a:r>
+            <a:r>
+              <a:rPr lang="zh-CN" altLang="en-US" dirty="0"/>
+              <a:t>比如</a:t>
+            </a:r>
+            <a:r>
+              <a:rPr lang="en-US" altLang="zh-CN" dirty="0" err="1"/>
+              <a:t>js</a:t>
             </a:r>
             <a:r>
               <a:rPr lang="en-US" altLang="zh-CN" dirty="0"/>
               <a:t>/</a:t>
             </a:r>
             <a:r>
-              <a:rPr lang="zh-CN" altLang="en-US" dirty="0"/>
-              <a:t>业务线预上线</a:t>
-            </a:r>
-            <a:r>
-              <a:rPr lang="zh-CN" altLang="en-US" dirty="0" smtClean="0"/>
-              <a:t>环境。。。测试环境可以配置为连接私有云沙箱环境。</a:t>
+              <a:rPr lang="en-US" altLang="zh-CN" dirty="0" err="1"/>
+              <a:t>css</a:t>
+            </a:r>
+            <a:r>
+              <a:rPr lang="zh-CN" altLang="en-US" dirty="0"/>
+              <a:t>从而获取不到资源</a:t>
+            </a:r>
+            <a:r>
+              <a:rPr lang="zh-CN" altLang="en-US" dirty="0" smtClean="0"/>
+              <a:t>。</a:t>
+            </a:r>
+            <a:endParaRPr lang="en-US" altLang="zh-CN" dirty="0" smtClean="0"/>
+          </a:p>
+          <a:p>
+            <a:pPr lvl="3"/>
+            <a:r>
+              <a:rPr lang="en-US" altLang="zh-CN" dirty="0"/>
+              <a:t>map remote settings: </a:t>
+            </a:r>
+            <a:r>
+              <a:rPr lang="zh-CN" altLang="en-US" dirty="0"/>
+              <a:t>要加一个</a:t>
+            </a:r>
+            <a:r>
+              <a:rPr lang="en-US" altLang="zh-CN" dirty="0" err="1"/>
+              <a:t>url</a:t>
+            </a:r>
+            <a:r>
+              <a:rPr lang="zh-CN" altLang="en-US" dirty="0"/>
+              <a:t>映射</a:t>
+            </a:r>
+            <a:r>
+              <a:rPr lang="zh-CN" altLang="en-US" dirty="0" smtClean="0"/>
+              <a:t>，协议、域名必写，</a:t>
+            </a:r>
+            <a:r>
+              <a:rPr lang="en-US" altLang="zh-CN" dirty="0" smtClean="0"/>
+              <a:t>query</a:t>
+            </a:r>
+            <a:r>
+              <a:rPr lang="zh-CN" altLang="en-US" dirty="0"/>
+              <a:t>一栏可以不写，会自动将源</a:t>
+            </a:r>
+            <a:r>
+              <a:rPr lang="en-US" altLang="zh-CN" dirty="0" err="1"/>
+              <a:t>url</a:t>
+            </a:r>
+            <a:r>
+              <a:rPr lang="zh-CN" altLang="en-US" dirty="0"/>
+              <a:t>上</a:t>
+            </a:r>
+            <a:r>
+              <a:rPr lang="zh-CN" altLang="en-US" dirty="0" smtClean="0"/>
+              <a:t>的查询参数补</a:t>
+            </a:r>
+            <a:r>
+              <a:rPr lang="zh-CN" altLang="en-US" dirty="0"/>
+              <a:t>到目的</a:t>
+            </a:r>
+            <a:r>
+              <a:rPr lang="en-US" altLang="zh-CN" dirty="0" err="1"/>
+              <a:t>url</a:t>
+            </a:r>
+            <a:r>
+              <a:rPr lang="zh-CN" altLang="en-US" dirty="0"/>
+              <a:t>上。</a:t>
             </a:r>
             <a:endParaRPr lang="en-US" altLang="zh-CN" dirty="0"/>
           </a:p>
           <a:p>
+            <a:pPr lvl="2"/>
+            <a:r>
+              <a:rPr lang="zh-CN" altLang="en-US" dirty="0"/>
+              <a:t>注意：源请求</a:t>
+            </a:r>
+            <a:r>
+              <a:rPr lang="en-US" altLang="zh-CN" dirty="0"/>
+              <a:t>path</a:t>
+            </a:r>
+            <a:r>
+              <a:rPr lang="zh-CN" altLang="en-US" dirty="0"/>
+              <a:t>路径不</a:t>
+            </a:r>
+            <a:r>
+              <a:rPr lang="zh-CN" altLang="en-US" dirty="0" smtClean="0"/>
+              <a:t>加</a:t>
+            </a:r>
+            <a:r>
+              <a:rPr lang="zh-CN" altLang="en-US" dirty="0"/>
+              <a:t>？</a:t>
+            </a:r>
+            <a:r>
+              <a:rPr lang="zh-CN" altLang="en-US" dirty="0" smtClean="0"/>
+              <a:t>结尾</a:t>
+            </a:r>
+            <a:r>
+              <a:rPr lang="zh-CN" altLang="en-US" dirty="0"/>
+              <a:t>，而目标</a:t>
+            </a:r>
             <a:r>
               <a:rPr lang="en-US" altLang="zh-CN" dirty="0" err="1"/>
-              <a:t>i</a:t>
-            </a:r>
-            <a:r>
-              <a:rPr lang="en-US" altLang="zh-CN" dirty="0" err="1" smtClean="0"/>
-              <a:t>os</a:t>
-            </a:r>
-            <a:r>
-              <a:rPr lang="zh-CN" altLang="en-US" dirty="0" smtClean="0"/>
-              <a:t>上</a:t>
-            </a:r>
-            <a:r>
-              <a:rPr lang="en-US" altLang="zh-CN" dirty="0" smtClean="0"/>
-              <a:t>app</a:t>
-            </a:r>
-            <a:r>
-              <a:rPr lang="zh-CN" altLang="en-US" dirty="0" smtClean="0"/>
-              <a:t>二手房大类页没显示城市地图的</a:t>
-            </a:r>
-            <a:r>
-              <a:rPr lang="en-US" altLang="zh-CN" dirty="0" smtClean="0"/>
-              <a:t>bug</a:t>
-            </a:r>
-            <a:r>
-              <a:rPr lang="zh-CN" altLang="en-US" dirty="0" smtClean="0"/>
-              <a:t>？</a:t>
-            </a:r>
+              <a:t>url</a:t>
+            </a:r>
+            <a:r>
+              <a:rPr lang="zh-CN" altLang="en-US" dirty="0"/>
+              <a:t>可以加</a:t>
+            </a:r>
+            <a:r>
+              <a:rPr lang="zh-CN" altLang="en-US" dirty="0" smtClean="0"/>
+              <a:t>。否则无法路由。</a:t>
+            </a:r>
+            <a:endParaRPr lang="en-US" altLang="zh-CN" dirty="0"/>
+          </a:p>
+          <a:p>
+            <a:pPr lvl="1"/>
             <a:endParaRPr lang="en-US" altLang="zh-CN" dirty="0" smtClean="0"/>
           </a:p>
           <a:p>
             <a:pPr lvl="1"/>
-            <a:r>
-              <a:rPr lang="zh-CN" altLang="en-US" dirty="0" smtClean="0"/>
-              <a:t>问题复现：在</a:t>
-            </a:r>
-            <a:r>
-              <a:rPr lang="en-US" altLang="zh-CN" dirty="0" smtClean="0"/>
-              <a:t>android</a:t>
-            </a:r>
-            <a:r>
-              <a:rPr lang="zh-CN" altLang="en-US" dirty="0" smtClean="0"/>
-              <a:t>系统上，可以显示。而在</a:t>
-            </a:r>
-            <a:r>
-              <a:rPr lang="en-US" altLang="zh-CN" dirty="0" err="1" smtClean="0"/>
-              <a:t>ios</a:t>
-            </a:r>
-            <a:r>
-              <a:rPr lang="zh-CN" altLang="en-US" dirty="0" smtClean="0"/>
-              <a:t>上不显示。在浏览器上可以显示。</a:t>
-            </a:r>
+            <a:endParaRPr lang="en-US" altLang="zh-CN" dirty="0"/>
+          </a:p>
+          <a:p>
             <a:endParaRPr lang="en-US" altLang="zh-CN" dirty="0" smtClean="0"/>
           </a:p>
           <a:p>
-            <a:pPr lvl="1"/>
-            <a:r>
-              <a:rPr lang="zh-CN" altLang="en-US" dirty="0" smtClean="0"/>
-              <a:t>显示的逻辑：判断当前城市</a:t>
-            </a:r>
-            <a:r>
-              <a:rPr lang="en-US" altLang="zh-CN" dirty="0" smtClean="0"/>
-              <a:t>id == </a:t>
-            </a:r>
-            <a:r>
-              <a:rPr lang="zh-CN" altLang="en-US" dirty="0" smtClean="0"/>
-              <a:t>定位城市</a:t>
-            </a:r>
-            <a:r>
-              <a:rPr lang="en-US" altLang="zh-CN" dirty="0" smtClean="0"/>
-              <a:t>id  ,</a:t>
-            </a:r>
-            <a:r>
-              <a:rPr lang="zh-CN" altLang="en-US" dirty="0" smtClean="0"/>
-              <a:t>为真则显示，否则不显示。</a:t>
-            </a:r>
-            <a:endParaRPr lang="en-US" altLang="zh-CN" dirty="0" smtClean="0"/>
-          </a:p>
-          <a:p>
-            <a:pPr lvl="1"/>
-            <a:r>
-              <a:rPr lang="zh-CN" altLang="en-US" dirty="0" smtClean="0"/>
-              <a:t>问题原因：</a:t>
-            </a:r>
-            <a:r>
-              <a:rPr lang="en-US" altLang="zh-CN" dirty="0" err="1" smtClean="0"/>
-              <a:t>ios</a:t>
-            </a:r>
-            <a:r>
-              <a:rPr lang="zh-CN" altLang="en-US" dirty="0" smtClean="0"/>
-              <a:t>定位城市</a:t>
-            </a:r>
-            <a:r>
-              <a:rPr lang="en-US" altLang="zh-CN" dirty="0" smtClean="0"/>
-              <a:t>id</a:t>
-            </a:r>
-            <a:r>
-              <a:rPr lang="zh-CN" altLang="en-US" dirty="0" smtClean="0"/>
-              <a:t>取值为</a:t>
-            </a:r>
-            <a:r>
-              <a:rPr lang="en-US" altLang="zh-CN" dirty="0" smtClean="0"/>
-              <a:t>null</a:t>
-            </a:r>
-            <a:r>
-              <a:rPr lang="zh-CN" altLang="en-US" dirty="0" smtClean="0"/>
-              <a:t>。</a:t>
-            </a:r>
-            <a:endParaRPr lang="en-US" altLang="zh-CN" dirty="0" smtClean="0"/>
-          </a:p>
-          <a:p>
-            <a:pPr lvl="2"/>
-            <a:r>
-              <a:rPr lang="zh-CN" altLang="en-US" dirty="0" smtClean="0"/>
-              <a:t>为</a:t>
-            </a:r>
-            <a:r>
-              <a:rPr lang="en-US" altLang="zh-CN" dirty="0" smtClean="0"/>
-              <a:t>null</a:t>
-            </a:r>
-            <a:r>
-              <a:rPr lang="zh-CN" altLang="en-US" dirty="0" smtClean="0"/>
-              <a:t>原因：</a:t>
-            </a:r>
-            <a:r>
-              <a:rPr lang="en-US" altLang="zh-CN" dirty="0" err="1" smtClean="0"/>
-              <a:t>currentcid</a:t>
-            </a:r>
-            <a:r>
-              <a:rPr lang="zh-CN" altLang="en-US" dirty="0" smtClean="0"/>
-              <a:t>键值对在</a:t>
-            </a:r>
-            <a:r>
-              <a:rPr lang="en-US" altLang="zh-CN" dirty="0" smtClean="0"/>
-              <a:t>android</a:t>
-            </a:r>
-            <a:r>
-              <a:rPr lang="zh-CN" altLang="en-US" dirty="0"/>
-              <a:t>发</a:t>
-            </a:r>
-            <a:r>
-              <a:rPr lang="zh-CN" altLang="en-US" dirty="0" smtClean="0"/>
-              <a:t>来的请求中是在</a:t>
-            </a:r>
-            <a:r>
-              <a:rPr lang="en-US" altLang="zh-CN" dirty="0" smtClean="0"/>
-              <a:t>cookie</a:t>
-            </a:r>
-            <a:r>
-              <a:rPr lang="zh-CN" altLang="en-US" dirty="0" smtClean="0"/>
-              <a:t>里，而</a:t>
-            </a:r>
-            <a:r>
-              <a:rPr lang="en-US" altLang="zh-CN" dirty="0" err="1" smtClean="0"/>
-              <a:t>ios</a:t>
-            </a:r>
-            <a:r>
-              <a:rPr lang="zh-CN" altLang="en-US" dirty="0" smtClean="0"/>
-              <a:t>发来的请求中是在</a:t>
-            </a:r>
-            <a:r>
-              <a:rPr lang="en-US" altLang="zh-CN" dirty="0" smtClean="0"/>
-              <a:t>headers</a:t>
-            </a:r>
-            <a:r>
-              <a:rPr lang="zh-CN" altLang="en-US" dirty="0" smtClean="0"/>
-              <a:t>里。且键名全为小写。</a:t>
-            </a:r>
-            <a:r>
-              <a:rPr lang="en-US" altLang="zh-CN" dirty="0" smtClean="0"/>
-              <a:t>(</a:t>
-            </a:r>
-            <a:r>
-              <a:rPr lang="en-US" altLang="zh-CN" dirty="0" err="1" smtClean="0"/>
-              <a:t>php</a:t>
-            </a:r>
-            <a:r>
-              <a:rPr lang="zh-CN" altLang="en-US" dirty="0" smtClean="0"/>
-              <a:t>中代码从</a:t>
-            </a:r>
-            <a:r>
-              <a:rPr lang="en-US" altLang="zh-CN" dirty="0" smtClean="0"/>
-              <a:t>header</a:t>
-            </a:r>
-            <a:r>
-              <a:rPr lang="zh-CN" altLang="en-US" dirty="0" smtClean="0"/>
-              <a:t>取却是首字母大写</a:t>
-            </a:r>
-            <a:r>
-              <a:rPr lang="en-US" altLang="zh-CN" dirty="0" smtClean="0"/>
-              <a:t>)</a:t>
-            </a:r>
-          </a:p>
-          <a:p>
-            <a:pPr lvl="1"/>
-            <a:r>
-              <a:rPr lang="zh-CN" altLang="en-US" dirty="0" smtClean="0"/>
-              <a:t>总结：</a:t>
-            </a:r>
-            <a:endParaRPr lang="en-US" altLang="zh-CN" dirty="0" smtClean="0"/>
-          </a:p>
-          <a:p>
-            <a:pPr lvl="2"/>
-            <a:r>
-              <a:rPr lang="en-US" altLang="zh-CN" dirty="0" err="1" smtClean="0"/>
-              <a:t>php</a:t>
-            </a:r>
-            <a:r>
-              <a:rPr lang="zh-CN" altLang="en-US" dirty="0" smtClean="0"/>
-              <a:t>里的代码中</a:t>
-            </a:r>
-            <a:r>
-              <a:rPr lang="en-US" altLang="zh-CN" dirty="0" smtClean="0"/>
-              <a:t>request-&gt;headers</a:t>
-            </a:r>
-            <a:r>
-              <a:rPr lang="zh-CN" altLang="en-US" dirty="0" smtClean="0"/>
-              <a:t>中的键不一定和实际传来的一样</a:t>
-            </a:r>
-            <a:r>
-              <a:rPr lang="en-US" altLang="zh-CN" dirty="0" smtClean="0"/>
-              <a:t>,</a:t>
-            </a:r>
-            <a:r>
-              <a:rPr lang="zh-CN" altLang="en-US" dirty="0" smtClean="0"/>
-              <a:t>还是要以真实报头为准。</a:t>
-            </a:r>
-            <a:endParaRPr lang="en-US" altLang="zh-CN" dirty="0" smtClean="0"/>
-          </a:p>
-          <a:p>
-            <a:pPr lvl="2"/>
-            <a:r>
-              <a:rPr lang="zh-CN" altLang="en-US" dirty="0" smtClean="0"/>
-              <a:t>第二，</a:t>
-            </a:r>
-            <a:r>
-              <a:rPr lang="en-US" altLang="zh-CN" dirty="0" smtClean="0"/>
-              <a:t>android</a:t>
-            </a:r>
-            <a:r>
-              <a:rPr lang="zh-CN" altLang="en-US" dirty="0" smtClean="0"/>
-              <a:t>和</a:t>
-            </a:r>
-            <a:r>
-              <a:rPr lang="en-US" altLang="zh-CN" dirty="0" err="1" smtClean="0"/>
-              <a:t>ios</a:t>
-            </a:r>
-            <a:r>
-              <a:rPr lang="zh-CN" altLang="en-US" dirty="0" smtClean="0"/>
-              <a:t>上发送来的请求中</a:t>
-            </a:r>
-            <a:r>
-              <a:rPr lang="en-US" altLang="zh-CN" dirty="0" smtClean="0"/>
-              <a:t>key-value</a:t>
-            </a:r>
-            <a:r>
-              <a:rPr lang="zh-CN" altLang="en-US" dirty="0" smtClean="0"/>
-              <a:t>安排位置可能不一样。</a:t>
-            </a:r>
-            <a:endParaRPr lang="en-US" altLang="zh-CN" dirty="0" smtClean="0"/>
-          </a:p>
-          <a:p>
-            <a:pPr lvl="2"/>
-            <a:r>
-              <a:rPr lang="en-US" altLang="zh-CN" dirty="0" smtClean="0"/>
-              <a:t>div</a:t>
-            </a:r>
-            <a:r>
-              <a:rPr lang="zh-CN" altLang="en-US" dirty="0" smtClean="0"/>
-              <a:t>块一样但显示结果却不同，可能是</a:t>
-            </a:r>
-            <a:r>
-              <a:rPr lang="en-US" altLang="zh-CN" dirty="0" smtClean="0"/>
-              <a:t>__json4fe</a:t>
-            </a:r>
-            <a:r>
-              <a:rPr lang="zh-CN" altLang="en-US" dirty="0" smtClean="0"/>
-              <a:t>里的参数值不同。</a:t>
-            </a:r>
             <a:endParaRPr lang="en-US" altLang="zh-CN" dirty="0"/>
-          </a:p>
-          <a:p>
-            <a:endParaRPr lang="en-US" altLang="zh-CN" dirty="0" smtClean="0"/>
-          </a:p>
-          <a:p>
-            <a:endParaRPr lang="zh-CN" altLang="en-US" dirty="0"/>
           </a:p>
         </p:txBody>
       </p:sp>
     </p:spTree>
     <p:extLst>
       <p:ext uri="{BB962C8B-B14F-4D97-AF65-F5344CB8AC3E}">
-        <p14:creationId xmlns:p14="http://schemas.microsoft.com/office/powerpoint/2010/main" val="3490281145"/>
+        <p14:creationId xmlns:p14="http://schemas.microsoft.com/office/powerpoint/2010/main" val="2577353309"/>
       </p:ext>
     </p:extLst>
   </p:cSld>
@@ -10486,7 +10354,7 @@
             </a:r>
             <a:r>
               <a:rPr lang="zh-CN" altLang="en-US" dirty="0" smtClean="0"/>
-              <a:t>（七）</a:t>
+              <a:t>（六）</a:t>
             </a:r>
             <a:endParaRPr lang="zh-CN" altLang="en-US" dirty="0"/>
           </a:p>
@@ -10505,61 +10373,122 @@
         <p:spPr/>
         <p:txBody>
           <a:bodyPr>
-            <a:normAutofit fontScale="92500" lnSpcReduction="10000"/>
+            <a:normAutofit fontScale="92500" lnSpcReduction="20000"/>
           </a:bodyPr>
           <a:lstStyle/>
           <a:p>
             <a:r>
+              <a:rPr lang="en-US" altLang="zh-CN" dirty="0" smtClean="0"/>
+              <a:t>android/</a:t>
+            </a:r>
+            <a:r>
+              <a:rPr lang="en-US" altLang="zh-CN" dirty="0" err="1" smtClean="0"/>
+              <a:t>ios</a:t>
+            </a:r>
+            <a:r>
+              <a:rPr lang="zh-CN" altLang="en-US" dirty="0" smtClean="0"/>
+              <a:t>环境上</a:t>
+            </a:r>
+            <a:r>
+              <a:rPr lang="en-US" altLang="zh-CN" dirty="0" smtClean="0"/>
+              <a:t>app</a:t>
+            </a:r>
+            <a:r>
+              <a:rPr lang="zh-CN" altLang="en-US" dirty="0" smtClean="0"/>
+              <a:t>测试包的基本使用：</a:t>
+            </a:r>
+            <a:endParaRPr lang="en-US" altLang="zh-CN" dirty="0" smtClean="0"/>
+          </a:p>
+          <a:p>
+            <a:pPr lvl="1"/>
+            <a:r>
+              <a:rPr lang="zh-CN" altLang="en-US" dirty="0" smtClean="0"/>
+              <a:t>测试环境切换：</a:t>
+            </a:r>
+            <a:r>
+              <a:rPr lang="en-US" altLang="zh-CN" dirty="0" smtClean="0"/>
+              <a:t>app</a:t>
+            </a:r>
+            <a:r>
+              <a:rPr lang="en-US" altLang="zh-CN" dirty="0" smtClean="0">
+                <a:sym typeface="Wingdings" panose="05000000000000000000" pitchFamily="2" charset="2"/>
+              </a:rPr>
+              <a:t></a:t>
+            </a:r>
+            <a:r>
+              <a:rPr lang="zh-CN" altLang="en-US" dirty="0" smtClean="0">
+                <a:sym typeface="Wingdings" panose="05000000000000000000" pitchFamily="2" charset="2"/>
+              </a:rPr>
+              <a:t>个人中心</a:t>
+            </a:r>
+            <a:r>
+              <a:rPr lang="en-US" altLang="zh-CN" dirty="0" smtClean="0">
+                <a:sym typeface="Wingdings" panose="05000000000000000000" pitchFamily="2" charset="2"/>
+              </a:rPr>
+              <a:t></a:t>
+            </a:r>
+            <a:r>
+              <a:rPr lang="zh-CN" altLang="en-US" dirty="0" smtClean="0"/>
+              <a:t>开发</a:t>
+            </a:r>
+            <a:r>
+              <a:rPr lang="zh-CN" altLang="en-US" dirty="0"/>
+              <a:t>者</a:t>
+            </a:r>
+            <a:r>
+              <a:rPr lang="zh-CN" altLang="en-US" dirty="0" smtClean="0"/>
+              <a:t>选项</a:t>
+            </a:r>
+            <a:r>
+              <a:rPr lang="en-US" altLang="zh-CN" dirty="0" smtClean="0">
+                <a:sym typeface="Wingdings" panose="05000000000000000000" pitchFamily="2" charset="2"/>
+              </a:rPr>
+              <a:t></a:t>
+            </a:r>
+            <a:r>
+              <a:rPr lang="zh-CN" altLang="en-US" dirty="0" smtClean="0"/>
+              <a:t>切换</a:t>
+            </a:r>
+            <a:r>
+              <a:rPr lang="zh-CN" altLang="en-US" dirty="0"/>
+              <a:t>运行</a:t>
+            </a:r>
+            <a:r>
+              <a:rPr lang="zh-CN" altLang="en-US" dirty="0" smtClean="0"/>
+              <a:t>环境</a:t>
+            </a:r>
+            <a:r>
+              <a:rPr lang="en-US" altLang="zh-CN" dirty="0" smtClean="0">
+                <a:sym typeface="Wingdings" panose="05000000000000000000" pitchFamily="2" charset="2"/>
+              </a:rPr>
+              <a:t></a:t>
+            </a:r>
+            <a:r>
+              <a:rPr lang="zh-CN" altLang="en-US" dirty="0" smtClean="0"/>
+              <a:t>测试</a:t>
+            </a:r>
+            <a:r>
+              <a:rPr lang="zh-CN" altLang="en-US" dirty="0"/>
+              <a:t>环境</a:t>
+            </a:r>
+            <a:r>
+              <a:rPr lang="en-US" altLang="zh-CN" dirty="0"/>
+              <a:t>/</a:t>
+            </a:r>
+            <a:r>
+              <a:rPr lang="zh-CN" altLang="en-US" dirty="0"/>
+              <a:t>业务线预上线</a:t>
+            </a:r>
+            <a:r>
+              <a:rPr lang="zh-CN" altLang="en-US" dirty="0" smtClean="0"/>
+              <a:t>环境。。。测试环境可以配置为连接私有云沙箱环境。</a:t>
+            </a:r>
+            <a:endParaRPr lang="en-US" altLang="zh-CN" dirty="0"/>
+          </a:p>
+          <a:p>
+            <a:r>
               <a:rPr lang="en-US" altLang="zh-CN" dirty="0" err="1"/>
-              <a:t>ios</a:t>
-            </a:r>
-            <a:r>
-              <a:rPr lang="zh-CN" altLang="en-US" dirty="0"/>
-              <a:t>上</a:t>
-            </a:r>
-            <a:r>
-              <a:rPr lang="en-US" altLang="zh-CN" dirty="0"/>
-              <a:t>app</a:t>
-            </a:r>
-            <a:r>
-              <a:rPr lang="zh-CN" altLang="en-US" dirty="0"/>
-              <a:t>二手房大类页没</a:t>
-            </a:r>
-            <a:r>
-              <a:rPr lang="zh-CN" altLang="en-US" dirty="0" smtClean="0"/>
-              <a:t>显示小区大全、房价走势的</a:t>
-            </a:r>
-            <a:r>
-              <a:rPr lang="en-US" altLang="zh-CN" dirty="0"/>
-              <a:t>bug</a:t>
-            </a:r>
-            <a:r>
-              <a:rPr lang="zh-CN" altLang="en-US" dirty="0" smtClean="0"/>
-              <a:t>？</a:t>
-            </a:r>
-            <a:endParaRPr lang="en-US" altLang="zh-CN" dirty="0" smtClean="0"/>
-          </a:p>
-          <a:p>
-            <a:pPr lvl="1"/>
-            <a:r>
-              <a:rPr lang="zh-CN" altLang="en-US" dirty="0" smtClean="0"/>
-              <a:t>原因：</a:t>
-            </a:r>
-            <a:r>
-              <a:rPr lang="en-US" altLang="zh-CN" dirty="0" smtClean="0"/>
-              <a:t>android</a:t>
-            </a:r>
-            <a:r>
-              <a:rPr lang="zh-CN" altLang="en-US" dirty="0" smtClean="0"/>
-              <a:t>上</a:t>
-            </a:r>
-            <a:r>
-              <a:rPr lang="en-US" altLang="zh-CN" dirty="0" smtClean="0"/>
-              <a:t>app</a:t>
-            </a:r>
-            <a:r>
-              <a:rPr lang="zh-CN" altLang="en-US" dirty="0" smtClean="0"/>
-              <a:t>发来的请求中</a:t>
+              <a:t>i</a:t>
             </a:r>
             <a:r>
               <a:rPr lang="en-US" altLang="zh-CN" dirty="0" err="1" smtClean="0"/>
@@ -10567,23 +10496,39 @@
             </a:r>
             <a:r>
               <a:rPr lang="zh-CN" altLang="en-US" dirty="0" smtClean="0"/>
-              <a:t>和</a:t>
-            </a:r>
-            <a:r>
-              <a:rPr lang="en-US" altLang="zh-CN" dirty="0" smtClean="0"/>
-              <a:t>platform</a:t>
-            </a:r>
-            <a:r>
-              <a:rPr lang="zh-CN" altLang="en-US" dirty="0" smtClean="0"/>
-              <a:t>的值都是</a:t>
-            </a:r>
-            <a:r>
-              <a:rPr lang="en-US" altLang="zh-CN" dirty="0" smtClean="0"/>
-              <a:t>android,</a:t>
-            </a:r>
-            <a:r>
-              <a:rPr lang="zh-CN" altLang="en-US" dirty="0" smtClean="0"/>
-              <a:t>但</a:t>
+              <a:t>上</a:t>
+            </a:r>
+            <a:r>
+              <a:rPr lang="en-US" altLang="zh-CN" dirty="0" smtClean="0"/>
+              <a:t>app</a:t>
+            </a:r>
+            <a:r>
+              <a:rPr lang="zh-CN" altLang="en-US" dirty="0" smtClean="0"/>
+              <a:t>二手房大类页没显示城市地图的</a:t>
+            </a:r>
+            <a:r>
+              <a:rPr lang="en-US" altLang="zh-CN" dirty="0" smtClean="0"/>
+              <a:t>bug</a:t>
+            </a:r>
+            <a:r>
+              <a:rPr lang="zh-CN" altLang="en-US" dirty="0" smtClean="0"/>
+              <a:t>？</a:t>
+            </a:r>
+            <a:endParaRPr lang="en-US" altLang="zh-CN" dirty="0" smtClean="0"/>
+          </a:p>
+          <a:p>
+            <a:pPr lvl="1"/>
+            <a:r>
+              <a:rPr lang="zh-CN" altLang="en-US" dirty="0" smtClean="0"/>
+              <a:t>问题复现：在</a:t>
+            </a:r>
+            <a:r>
+              <a:rPr lang="en-US" altLang="zh-CN" dirty="0" smtClean="0"/>
+              <a:t>android</a:t>
+            </a:r>
+            <a:r>
+              <a:rPr lang="zh-CN" altLang="en-US" dirty="0" smtClean="0"/>
+              <a:t>系统上，可以显示。而在</a:t>
             </a:r>
             <a:r>
               <a:rPr lang="en-US" altLang="zh-CN" dirty="0" err="1" smtClean="0"/>
@@ -10591,75 +10536,107 @@
             </a:r>
             <a:r>
               <a:rPr lang="zh-CN" altLang="en-US" dirty="0" smtClean="0"/>
-              <a:t>上</a:t>
-            </a:r>
-            <a:r>
-              <a:rPr lang="en-US" altLang="zh-CN" dirty="0" smtClean="0"/>
-              <a:t>app</a:t>
-            </a:r>
-            <a:r>
-              <a:rPr lang="zh-CN" altLang="en-US" dirty="0"/>
-              <a:t>发</a:t>
-            </a:r>
-            <a:r>
-              <a:rPr lang="zh-CN" altLang="en-US" dirty="0" smtClean="0"/>
-              <a:t>来的</a:t>
-            </a:r>
-            <a:r>
-              <a:rPr lang="en-US" altLang="zh-CN" dirty="0" err="1" smtClean="0"/>
-              <a:t>os</a:t>
-            </a:r>
-            <a:r>
-              <a:rPr lang="zh-CN" altLang="en-US" dirty="0" smtClean="0"/>
-              <a:t>和</a:t>
-            </a:r>
-            <a:r>
-              <a:rPr lang="en-US" altLang="zh-CN" dirty="0" smtClean="0"/>
-              <a:t>platform</a:t>
-            </a:r>
-            <a:r>
-              <a:rPr lang="zh-CN" altLang="en-US" dirty="0" smtClean="0"/>
-              <a:t>分别是：</a:t>
+              <a:t>上不显示。在浏览器上可以显示。</a:t>
+            </a:r>
+            <a:endParaRPr lang="en-US" altLang="zh-CN" dirty="0" smtClean="0"/>
+          </a:p>
+          <a:p>
+            <a:pPr lvl="1"/>
+            <a:r>
+              <a:rPr lang="zh-CN" altLang="en-US" dirty="0" smtClean="0"/>
+              <a:t>显示的逻辑：判断当前城市</a:t>
+            </a:r>
+            <a:r>
+              <a:rPr lang="en-US" altLang="zh-CN" dirty="0" smtClean="0"/>
+              <a:t>id == </a:t>
+            </a:r>
+            <a:r>
+              <a:rPr lang="zh-CN" altLang="en-US" dirty="0" smtClean="0"/>
+              <a:t>定位城市</a:t>
+            </a:r>
+            <a:r>
+              <a:rPr lang="en-US" altLang="zh-CN" dirty="0" smtClean="0"/>
+              <a:t>id  ,</a:t>
+            </a:r>
+            <a:r>
+              <a:rPr lang="zh-CN" altLang="en-US" dirty="0" smtClean="0"/>
+              <a:t>为真则显示，否则不显示。</a:t>
+            </a:r>
+            <a:endParaRPr lang="en-US" altLang="zh-CN" dirty="0" smtClean="0"/>
+          </a:p>
+          <a:p>
+            <a:pPr lvl="1"/>
+            <a:r>
+              <a:rPr lang="zh-CN" altLang="en-US" dirty="0" smtClean="0"/>
+              <a:t>问题原因：</a:t>
             </a:r>
             <a:r>
               <a:rPr lang="en-US" altLang="zh-CN" dirty="0" err="1" smtClean="0"/>
               <a:t>ios</a:t>
             </a:r>
             <a:r>
-              <a:rPr lang="en-US" altLang="zh-CN" dirty="0" smtClean="0"/>
-              <a:t> </a:t>
-            </a:r>
-            <a:r>
-              <a:rPr lang="zh-CN" altLang="en-US" dirty="0" smtClean="0"/>
-              <a:t>和</a:t>
+              <a:rPr lang="zh-CN" altLang="en-US" dirty="0" smtClean="0"/>
+              <a:t>定位城市</a:t>
+            </a:r>
+            <a:r>
+              <a:rPr lang="en-US" altLang="zh-CN" dirty="0" smtClean="0"/>
+              <a:t>id</a:t>
+            </a:r>
+            <a:r>
+              <a:rPr lang="zh-CN" altLang="en-US" dirty="0" smtClean="0"/>
+              <a:t>取值为</a:t>
+            </a:r>
+            <a:r>
+              <a:rPr lang="en-US" altLang="zh-CN" dirty="0" smtClean="0"/>
+              <a:t>null</a:t>
+            </a:r>
+            <a:r>
+              <a:rPr lang="zh-CN" altLang="en-US" dirty="0" smtClean="0"/>
+              <a:t>。</a:t>
+            </a:r>
+            <a:endParaRPr lang="en-US" altLang="zh-CN" dirty="0" smtClean="0"/>
+          </a:p>
+          <a:p>
+            <a:pPr lvl="2"/>
+            <a:r>
+              <a:rPr lang="zh-CN" altLang="en-US" dirty="0" smtClean="0"/>
+              <a:t>为</a:t>
+            </a:r>
+            <a:r>
+              <a:rPr lang="en-US" altLang="zh-CN" dirty="0" smtClean="0"/>
+              <a:t>null</a:t>
+            </a:r>
+            <a:r>
+              <a:rPr lang="zh-CN" altLang="en-US" dirty="0" smtClean="0"/>
+              <a:t>原因：</a:t>
             </a:r>
             <a:r>
               <a:rPr lang="en-US" altLang="zh-CN" dirty="0" err="1" smtClean="0"/>
-              <a:t>iphone</a:t>
-            </a:r>
-            <a:r>
-              <a:rPr lang="en-US" altLang="zh-CN" dirty="0" smtClean="0"/>
-              <a:t> ,</a:t>
-            </a:r>
-            <a:r>
-              <a:rPr lang="zh-CN" altLang="en-US" dirty="0" smtClean="0"/>
-              <a:t>而要求后台逻辑不能直接将</a:t>
-            </a:r>
-            <a:r>
-              <a:rPr lang="en-US" altLang="zh-CN" dirty="0" smtClean="0"/>
-              <a:t>platform</a:t>
-            </a:r>
-            <a:r>
-              <a:rPr lang="zh-CN" altLang="en-US" dirty="0" smtClean="0"/>
-              <a:t>值覆盖</a:t>
-            </a:r>
-            <a:r>
-              <a:rPr lang="en-US" altLang="zh-CN" dirty="0" err="1" smtClean="0"/>
-              <a:t>os</a:t>
-            </a:r>
-            <a:r>
-              <a:rPr lang="zh-CN" altLang="en-US" dirty="0" smtClean="0"/>
-              <a:t>。而要转换为</a:t>
+              <a:t>currentcid</a:t>
+            </a:r>
+            <a:r>
+              <a:rPr lang="zh-CN" altLang="en-US" dirty="0" smtClean="0"/>
+              <a:t>键值对在</a:t>
+            </a:r>
+            <a:r>
+              <a:rPr lang="en-US" altLang="zh-CN" dirty="0" smtClean="0"/>
+              <a:t>android</a:t>
+            </a:r>
+            <a:r>
+              <a:rPr lang="zh-CN" altLang="en-US" dirty="0"/>
+              <a:t>发</a:t>
+            </a:r>
+            <a:r>
+              <a:rPr lang="zh-CN" altLang="en-US" dirty="0" smtClean="0"/>
+              <a:t>来的请求中是在</a:t>
+            </a:r>
+            <a:r>
+              <a:rPr lang="en-US" altLang="zh-CN" dirty="0" smtClean="0"/>
+              <a:t>cookie</a:t>
+            </a:r>
+            <a:r>
+              <a:rPr lang="zh-CN" altLang="en-US" dirty="0" smtClean="0"/>
+              <a:t>里，而</a:t>
             </a:r>
             <a:r>
               <a:rPr lang="en-US" altLang="zh-CN" dirty="0" err="1" smtClean="0"/>
@@ -10667,15 +10644,19 @@
             </a:r>
             <a:r>
               <a:rPr lang="zh-CN" altLang="en-US" dirty="0" smtClean="0"/>
-              <a:t>。</a:t>
-            </a:r>
-            <a:endParaRPr lang="en-US" altLang="zh-CN" dirty="0" smtClean="0"/>
-          </a:p>
-          <a:p>
-            <a:pPr lvl="1"/>
-            <a:r>
-              <a:rPr lang="zh-CN" altLang="en-US" dirty="0" smtClean="0"/>
-              <a:t>注意：</a:t>
+              <a:t>发来的请求中是在</a:t>
+            </a:r>
+            <a:r>
+              <a:rPr lang="en-US" altLang="zh-CN" dirty="0" smtClean="0"/>
+              <a:t>headers</a:t>
+            </a:r>
+            <a:r>
+              <a:rPr lang="zh-CN" altLang="en-US" dirty="0" smtClean="0"/>
+              <a:t>里。且键名全为小写。</a:t>
+            </a:r>
+            <a:r>
+              <a:rPr lang="en-US" altLang="zh-CN" dirty="0" smtClean="0"/>
+              <a:t>(</a:t>
             </a:r>
             <a:r>
               <a:rPr lang="en-US" altLang="zh-CN" dirty="0" err="1" smtClean="0"/>
@@ -10683,248 +10664,111 @@
             </a:r>
             <a:r>
               <a:rPr lang="zh-CN" altLang="en-US" dirty="0" smtClean="0"/>
-              <a:t>语法中，</a:t>
-            </a:r>
-            <a:r>
-              <a:rPr lang="en-US" altLang="zh-CN" dirty="0" smtClean="0"/>
-              <a:t>empty(</a:t>
-            </a:r>
-            <a:r>
-              <a:rPr lang="en-US" altLang="zh-CN" dirty="0" err="1" smtClean="0"/>
-              <a:t>obj</a:t>
+              <a:t>中代码从</a:t>
+            </a:r>
+            <a:r>
+              <a:rPr lang="en-US" altLang="zh-CN" dirty="0" smtClean="0"/>
+              <a:t>header</a:t>
+            </a:r>
+            <a:r>
+              <a:rPr lang="zh-CN" altLang="en-US" dirty="0" smtClean="0"/>
+              <a:t>取却是首字母大写</a:t>
             </a:r>
             <a:r>
               <a:rPr lang="en-US" altLang="zh-CN" dirty="0" smtClean="0"/>
               <a:t>)</a:t>
             </a:r>
-            <a:r>
-              <a:rPr lang="zh-CN" altLang="en-US" dirty="0" smtClean="0"/>
-              <a:t>函数认为</a:t>
-            </a:r>
-            <a:r>
-              <a:rPr lang="en-US" altLang="zh-CN" dirty="0" err="1" smtClean="0"/>
-              <a:t>obj</a:t>
-            </a:r>
-            <a:r>
-              <a:rPr lang="zh-CN" altLang="en-US" dirty="0" smtClean="0"/>
-              <a:t>如果是空字符串、</a:t>
-            </a:r>
-            <a:r>
-              <a:rPr lang="en-US" altLang="zh-CN" dirty="0" smtClean="0"/>
-              <a:t>null</a:t>
-            </a:r>
-            <a:r>
-              <a:rPr lang="zh-CN" altLang="en-US" dirty="0" smtClean="0"/>
-              <a:t>、</a:t>
-            </a:r>
-            <a:r>
-              <a:rPr lang="en-US" altLang="zh-CN" dirty="0" smtClean="0"/>
-              <a:t>0</a:t>
-            </a:r>
-            <a:r>
-              <a:rPr lang="zh-CN" altLang="en-US" dirty="0" smtClean="0"/>
-              <a:t>返回值都是</a:t>
-            </a:r>
-            <a:r>
-              <a:rPr lang="en-US" altLang="zh-CN" dirty="0" smtClean="0"/>
-              <a:t>true</a:t>
-            </a:r>
-            <a:endParaRPr lang="en-US" altLang="zh-CN" dirty="0"/>
-          </a:p>
-          <a:p>
-            <a:r>
-              <a:rPr lang="en-US" altLang="zh-CN" dirty="0" err="1"/>
-              <a:t>p</a:t>
-            </a:r>
-            <a:r>
-              <a:rPr lang="en-US" altLang="zh-CN" dirty="0" err="1" smtClean="0"/>
-              <a:t>hp</a:t>
-            </a:r>
-            <a:r>
-              <a:rPr lang="zh-CN" altLang="en-US" dirty="0" smtClean="0"/>
-              <a:t>模板页面转换为</a:t>
-            </a:r>
-            <a:r>
-              <a:rPr lang="en-US" altLang="zh-CN" dirty="0" smtClean="0"/>
-              <a:t>html + velocity</a:t>
-            </a:r>
-            <a:r>
-              <a:rPr lang="zh-CN" altLang="en-US" dirty="0" smtClean="0"/>
-              <a:t>模板页面的问题？</a:t>
+          </a:p>
+          <a:p>
+            <a:pPr lvl="1"/>
+            <a:r>
+              <a:rPr lang="zh-CN" altLang="en-US" dirty="0" smtClean="0"/>
+              <a:t>总结：</a:t>
             </a:r>
             <a:endParaRPr lang="en-US" altLang="zh-CN" dirty="0" smtClean="0"/>
           </a:p>
           <a:p>
-            <a:pPr lvl="1"/>
-            <a:r>
-              <a:rPr lang="zh-CN" altLang="en-US" dirty="0"/>
-              <a:t>潜藏</a:t>
-            </a:r>
-            <a:r>
-              <a:rPr lang="zh-CN" altLang="en-US" dirty="0" smtClean="0"/>
-              <a:t>问题的做法：直接将浏览器访问到的</a:t>
-            </a:r>
+            <a:pPr lvl="2"/>
             <a:r>
               <a:rPr lang="en-US" altLang="zh-CN" dirty="0" err="1" smtClean="0"/>
               <a:t>php</a:t>
             </a:r>
             <a:r>
               <a:rPr lang="zh-CN" altLang="en-US" dirty="0" smtClean="0"/>
-              <a:t>页面获取到的</a:t>
-            </a:r>
-            <a:r>
-              <a:rPr lang="en-US" altLang="zh-CN" dirty="0" smtClean="0"/>
-              <a:t>html</a:t>
-            </a:r>
-            <a:r>
-              <a:rPr lang="zh-CN" altLang="en-US" dirty="0" smtClean="0"/>
-              <a:t>复制下来改造，可能</a:t>
-            </a:r>
-            <a:r>
-              <a:rPr lang="en-US" altLang="zh-CN" dirty="0"/>
-              <a:t>html</a:t>
-            </a:r>
-            <a:r>
-              <a:rPr lang="zh-CN" altLang="en-US" dirty="0"/>
-              <a:t>页面</a:t>
-            </a:r>
-            <a:r>
-              <a:rPr lang="zh-CN" altLang="en-US" dirty="0" smtClean="0"/>
-              <a:t>上某些标签上会多出一些或者少一些</a:t>
-            </a:r>
-            <a:r>
-              <a:rPr lang="en-US" altLang="zh-CN" dirty="0" smtClean="0"/>
-              <a:t>class</a:t>
-            </a:r>
-            <a:r>
-              <a:rPr lang="zh-CN" altLang="en-US" dirty="0" smtClean="0"/>
-              <a:t>、</a:t>
-            </a:r>
-            <a:r>
-              <a:rPr lang="en-US" altLang="zh-CN" dirty="0" smtClean="0"/>
-              <a:t>style</a:t>
-            </a:r>
-            <a:r>
-              <a:rPr lang="zh-CN" altLang="en-US" dirty="0" smtClean="0"/>
-              <a:t>等。如果直接使用这个或多或少的</a:t>
-            </a:r>
-            <a:r>
-              <a:rPr lang="en-US" altLang="zh-CN" dirty="0" smtClean="0"/>
-              <a:t>html + velocity</a:t>
-            </a:r>
-            <a:r>
-              <a:rPr lang="zh-CN" altLang="en-US" dirty="0" smtClean="0"/>
-              <a:t>模板，访问时可能会出现页面抖动、伸缩一下的问题。</a:t>
+              <a:t>里的代码中</a:t>
+            </a:r>
+            <a:r>
+              <a:rPr lang="en-US" altLang="zh-CN" dirty="0" smtClean="0"/>
+              <a:t>request-&gt;headers</a:t>
+            </a:r>
+            <a:r>
+              <a:rPr lang="zh-CN" altLang="en-US" dirty="0" smtClean="0"/>
+              <a:t>中的键不一定和实际传来的一样</a:t>
+            </a:r>
+            <a:r>
+              <a:rPr lang="en-US" altLang="zh-CN" dirty="0" smtClean="0"/>
+              <a:t>,</a:t>
+            </a:r>
+            <a:r>
+              <a:rPr lang="zh-CN" altLang="en-US" dirty="0" smtClean="0"/>
+              <a:t>还是要以真实报头为准。</a:t>
             </a:r>
             <a:endParaRPr lang="en-US" altLang="zh-CN" dirty="0" smtClean="0"/>
           </a:p>
           <a:p>
             <a:pPr lvl="2"/>
             <a:r>
-              <a:rPr lang="zh-CN" altLang="en-US" dirty="0"/>
-              <a:t>图片收缩问题</a:t>
-            </a:r>
-            <a:r>
-              <a:rPr lang="zh-CN" altLang="en-US" dirty="0" smtClean="0"/>
-              <a:t>：加载页面时反复</a:t>
-            </a:r>
-            <a:r>
-              <a:rPr lang="zh-CN" altLang="en-US" dirty="0"/>
-              <a:t>应用</a:t>
-            </a:r>
-            <a:r>
-              <a:rPr lang="en-US" altLang="zh-CN" dirty="0"/>
-              <a:t>class</a:t>
-            </a:r>
-            <a:r>
-              <a:rPr lang="zh-CN" altLang="en-US" dirty="0" smtClean="0"/>
-              <a:t>样式，而该</a:t>
-            </a:r>
-            <a:r>
-              <a:rPr lang="en-US" altLang="zh-CN" dirty="0" smtClean="0"/>
-              <a:t>class</a:t>
-            </a:r>
-            <a:r>
-              <a:rPr lang="zh-CN" altLang="en-US" dirty="0" smtClean="0"/>
-              <a:t>样式是加载图片。</a:t>
-            </a:r>
-            <a:r>
-              <a:rPr lang="en-US" altLang="zh-CN" dirty="0" err="1"/>
-              <a:t>d</a:t>
+              <a:rPr lang="zh-CN" altLang="en-US" dirty="0" smtClean="0"/>
+              <a:t>第二，</a:t>
+            </a:r>
+            <a:r>
+              <a:rPr lang="en-US" altLang="zh-CN" dirty="0" smtClean="0"/>
+              <a:t>android</a:t>
+            </a:r>
+            <a:r>
+              <a:rPr lang="zh-CN" altLang="en-US" dirty="0" smtClean="0"/>
+              <a:t>和</a:t>
             </a:r>
             <a:r>
               <a:rPr lang="en-US" altLang="zh-CN" dirty="0" err="1" smtClean="0"/>
-              <a:t>om</a:t>
-            </a:r>
-            <a:r>
-              <a:rPr lang="zh-CN" altLang="en-US" dirty="0" smtClean="0"/>
-              <a:t>上加了，而</a:t>
-            </a:r>
-            <a:r>
-              <a:rPr lang="en-US" altLang="zh-CN" dirty="0" err="1" smtClean="0"/>
-              <a:t>js</a:t>
-            </a:r>
-            <a:r>
-              <a:rPr lang="zh-CN" altLang="en-US" dirty="0" smtClean="0"/>
-              <a:t>又加一遍。</a:t>
+              <a:t>ios</a:t>
+            </a:r>
+            <a:r>
+              <a:rPr lang="zh-CN" altLang="en-US" dirty="0" smtClean="0"/>
+              <a:t>上发送来的请求中</a:t>
+            </a:r>
+            <a:r>
+              <a:rPr lang="en-US" altLang="zh-CN" dirty="0" smtClean="0"/>
+              <a:t>key-value</a:t>
+            </a:r>
+            <a:r>
+              <a:rPr lang="zh-CN" altLang="en-US" dirty="0" smtClean="0"/>
+              <a:t>安排位置可能不一样。</a:t>
             </a:r>
             <a:endParaRPr lang="en-US" altLang="zh-CN" dirty="0" smtClean="0"/>
           </a:p>
           <a:p>
             <a:pPr lvl="2"/>
             <a:r>
-              <a:rPr lang="zh-CN" altLang="en-US" dirty="0" smtClean="0"/>
-              <a:t>页面抖动问题：浏览器渲染时对同一个地方先后使用两个不同值的样式。如</a:t>
-            </a:r>
-            <a:r>
-              <a:rPr lang="en-US" altLang="zh-CN" dirty="0" smtClean="0"/>
-              <a:t>font-size</a:t>
-            </a:r>
-            <a:r>
-              <a:rPr lang="zh-CN" altLang="en-US" dirty="0" smtClean="0"/>
-              <a:t>样式如果先写在</a:t>
-            </a:r>
-            <a:r>
-              <a:rPr lang="en-US" altLang="zh-CN" dirty="0" smtClean="0"/>
-              <a:t>&lt;html&gt;</a:t>
-            </a:r>
-            <a:r>
-              <a:rPr lang="zh-CN" altLang="en-US" dirty="0" smtClean="0"/>
-              <a:t>上，而</a:t>
-            </a:r>
-            <a:r>
-              <a:rPr lang="en-US" altLang="zh-CN" dirty="0" err="1" smtClean="0"/>
-              <a:t>js</a:t>
-            </a:r>
-            <a:r>
-              <a:rPr lang="zh-CN" altLang="en-US" dirty="0" smtClean="0"/>
-              <a:t>中又有立即函数重新给该</a:t>
-            </a:r>
-            <a:r>
-              <a:rPr lang="en-US" altLang="zh-CN" dirty="0" smtClean="0"/>
-              <a:t>font-size</a:t>
-            </a:r>
-            <a:r>
-              <a:rPr lang="zh-CN" altLang="en-US" dirty="0" smtClean="0"/>
-              <a:t>赋一个不同的值，就会出现页面出来瞬间抖动一下现象。</a:t>
-            </a:r>
+              <a:rPr lang="en-US" altLang="zh-CN" dirty="0" smtClean="0"/>
+              <a:t>div</a:t>
+            </a:r>
+            <a:r>
+              <a:rPr lang="zh-CN" altLang="en-US" dirty="0" smtClean="0"/>
+              <a:t>块一样但显示结果却不同，可能是</a:t>
+            </a:r>
+            <a:r>
+              <a:rPr lang="en-US" altLang="zh-CN" dirty="0" smtClean="0"/>
+              <a:t>__json4fe</a:t>
+            </a:r>
+            <a:r>
+              <a:rPr lang="zh-CN" altLang="en-US" dirty="0" smtClean="0"/>
+              <a:t>里的参数值不同。</a:t>
+            </a:r>
+            <a:endParaRPr lang="en-US" altLang="zh-CN" dirty="0"/>
+          </a:p>
+          <a:p>
             <a:endParaRPr lang="en-US" altLang="zh-CN" dirty="0" smtClean="0"/>
-          </a:p>
-          <a:p>
-            <a:pPr lvl="1"/>
-            <a:r>
-              <a:rPr lang="zh-CN" altLang="en-US" dirty="0" smtClean="0"/>
-              <a:t>建议：直接对</a:t>
-            </a:r>
-            <a:r>
-              <a:rPr lang="en-US" altLang="zh-CN" dirty="0" err="1" smtClean="0"/>
-              <a:t>php</a:t>
-            </a:r>
-            <a:r>
-              <a:rPr lang="zh-CN" altLang="en-US" dirty="0" smtClean="0"/>
-              <a:t>模板改造，尽管有点麻烦。</a:t>
-            </a:r>
-            <a:endParaRPr lang="en-US" altLang="zh-CN" dirty="0"/>
           </a:p>
           <a:p>
             <a:endParaRPr lang="zh-CN" altLang="en-US" dirty="0"/>
@@ -10934,7 +10778,7 @@
     </p:spTree>
     <p:extLst>
       <p:ext uri="{BB962C8B-B14F-4D97-AF65-F5344CB8AC3E}">
-        <p14:creationId xmlns:p14="http://schemas.microsoft.com/office/powerpoint/2010/main" val="2891412647"/>
+        <p14:creationId xmlns:p14="http://schemas.microsoft.com/office/powerpoint/2010/main" val="3490281145"/>
       </p:ext>
     </p:extLst>
   </p:cSld>
@@ -10982,7 +10826,7 @@
             </a:r>
             <a:r>
               <a:rPr lang="zh-CN" altLang="en-US" dirty="0" smtClean="0"/>
-              <a:t>（八）</a:t>
+              <a:t>（七）</a:t>
             </a:r>
             <a:endParaRPr lang="zh-CN" altLang="en-US" dirty="0"/>
           </a:p>
@@ -11000,24 +10844,38 @@
         </p:nvSpPr>
         <p:spPr/>
         <p:txBody>
-          <a:bodyPr/>
+          <a:bodyPr>
+            <a:normAutofit fontScale="92500" lnSpcReduction="10000"/>
+          </a:bodyPr>
           <a:lstStyle/>
           <a:p>
             <a:r>
-              <a:rPr lang="zh-CN" altLang="en-US" dirty="0"/>
-              <a:t>浏览器</a:t>
-            </a:r>
-            <a:r>
-              <a:rPr lang="zh-CN" altLang="en-US" dirty="0" smtClean="0"/>
-              <a:t>上访问网站时网页标题前</a:t>
-            </a:r>
-            <a:r>
-              <a:rPr lang="en-US" altLang="zh-CN" dirty="0" smtClean="0"/>
-              <a:t>logo</a:t>
-            </a:r>
-            <a:r>
-              <a:rPr lang="zh-CN" altLang="en-US" dirty="0" smtClean="0"/>
-              <a:t>图标未显示的问题？</a:t>
+              <a:rPr lang="en-US" altLang="zh-CN" dirty="0" err="1"/>
+              <a:t>ios</a:t>
+            </a:r>
+            <a:r>
+              <a:rPr lang="zh-CN" altLang="en-US" dirty="0"/>
+              <a:t>上</a:t>
+            </a:r>
+            <a:r>
+              <a:rPr lang="en-US" altLang="zh-CN" dirty="0"/>
+              <a:t>app</a:t>
+            </a:r>
+            <a:r>
+              <a:rPr lang="zh-CN" altLang="en-US" dirty="0"/>
+              <a:t>二手房大类页没</a:t>
+            </a:r>
+            <a:r>
+              <a:rPr lang="zh-CN" altLang="en-US" dirty="0" smtClean="0"/>
+              <a:t>显示小区大全、房价走势的</a:t>
+            </a:r>
+            <a:r>
+              <a:rPr lang="en-US" altLang="zh-CN" dirty="0"/>
+              <a:t>bug</a:t>
+            </a:r>
+            <a:r>
+              <a:rPr lang="zh-CN" altLang="en-US" dirty="0" smtClean="0"/>
+              <a:t>？</a:t>
             </a:r>
             <a:endParaRPr lang="en-US" altLang="zh-CN" dirty="0" smtClean="0"/>
           </a:p>
@@ -11025,62 +10883,387 @@
             <a:pPr lvl="1"/>
             <a:r>
               <a:rPr lang="zh-CN" altLang="en-US" dirty="0" smtClean="0"/>
-              <a:t>固定格式：页面</a:t>
-            </a:r>
-            <a:r>
-              <a:rPr lang="en-US" altLang="zh-CN" dirty="0" smtClean="0"/>
-              <a:t>&lt;head&gt;</a:t>
-            </a:r>
-            <a:r>
-              <a:rPr lang="zh-CN" altLang="en-US" dirty="0" smtClean="0"/>
-              <a:t>里加</a:t>
-            </a:r>
-            <a:r>
-              <a:rPr lang="en-US" altLang="zh-CN" dirty="0" smtClean="0"/>
-              <a:t>&lt;link </a:t>
-            </a:r>
+              <a:t>原因：</a:t>
+            </a:r>
+            <a:r>
+              <a:rPr lang="en-US" altLang="zh-CN" dirty="0" smtClean="0"/>
+              <a:t>android</a:t>
+            </a:r>
+            <a:r>
+              <a:rPr lang="zh-CN" altLang="en-US" dirty="0" smtClean="0"/>
+              <a:t>上</a:t>
+            </a:r>
+            <a:r>
+              <a:rPr lang="en-US" altLang="zh-CN" dirty="0" smtClean="0"/>
+              <a:t>app</a:t>
+            </a:r>
+            <a:r>
+              <a:rPr lang="zh-CN" altLang="en-US" dirty="0" smtClean="0"/>
+              <a:t>发来的请求中</a:t>
+            </a:r>
+            <a:r>
+              <a:rPr lang="en-US" altLang="zh-CN" dirty="0" err="1" smtClean="0"/>
+              <a:t>os</a:t>
+            </a:r>
+            <a:r>
+              <a:rPr lang="zh-CN" altLang="en-US" dirty="0" smtClean="0"/>
+              <a:t>和</a:t>
+            </a:r>
+            <a:r>
+              <a:rPr lang="en-US" altLang="zh-CN" dirty="0" smtClean="0"/>
+              <a:t>platform</a:t>
+            </a:r>
+            <a:r>
+              <a:rPr lang="zh-CN" altLang="en-US" dirty="0" smtClean="0"/>
+              <a:t>的值都是</a:t>
+            </a:r>
+            <a:r>
+              <a:rPr lang="en-US" altLang="zh-CN" dirty="0" smtClean="0"/>
+              <a:t>android,</a:t>
+            </a:r>
+            <a:r>
+              <a:rPr lang="zh-CN" altLang="en-US" dirty="0" smtClean="0"/>
+              <a:t>但</a:t>
+            </a:r>
+            <a:r>
+              <a:rPr lang="en-US" altLang="zh-CN" dirty="0" err="1" smtClean="0"/>
+              <a:t>ios</a:t>
+            </a:r>
+            <a:r>
+              <a:rPr lang="zh-CN" altLang="en-US" dirty="0" smtClean="0"/>
+              <a:t>上</a:t>
+            </a:r>
+            <a:r>
+              <a:rPr lang="en-US" altLang="zh-CN" dirty="0" smtClean="0"/>
+              <a:t>app</a:t>
+            </a:r>
+            <a:r>
+              <a:rPr lang="zh-CN" altLang="en-US" dirty="0"/>
+              <a:t>发</a:t>
+            </a:r>
+            <a:r>
+              <a:rPr lang="zh-CN" altLang="en-US" dirty="0" smtClean="0"/>
+              <a:t>来的</a:t>
+            </a:r>
+            <a:r>
+              <a:rPr lang="en-US" altLang="zh-CN" dirty="0" err="1" smtClean="0"/>
+              <a:t>os</a:t>
+            </a:r>
+            <a:r>
+              <a:rPr lang="zh-CN" altLang="en-US" dirty="0" smtClean="0"/>
+              <a:t>和</a:t>
+            </a:r>
+            <a:r>
+              <a:rPr lang="en-US" altLang="zh-CN" dirty="0" smtClean="0"/>
+              <a:t>platform</a:t>
+            </a:r>
+            <a:r>
+              <a:rPr lang="zh-CN" altLang="en-US" dirty="0" smtClean="0"/>
+              <a:t>分别是：</a:t>
+            </a:r>
+            <a:r>
+              <a:rPr lang="en-US" altLang="zh-CN" dirty="0" err="1" smtClean="0"/>
+              <a:t>ios</a:t>
+            </a:r>
+            <a:r>
+              <a:rPr lang="en-US" altLang="zh-CN" dirty="0" smtClean="0"/>
+              <a:t> </a:t>
+            </a:r>
+            <a:r>
+              <a:rPr lang="zh-CN" altLang="en-US" dirty="0" smtClean="0"/>
+              <a:t>和</a:t>
+            </a:r>
+            <a:r>
+              <a:rPr lang="en-US" altLang="zh-CN" dirty="0" err="1" smtClean="0"/>
+              <a:t>iphone</a:t>
+            </a:r>
+            <a:r>
+              <a:rPr lang="en-US" altLang="zh-CN" dirty="0" smtClean="0"/>
+              <a:t> ,</a:t>
+            </a:r>
+            <a:r>
+              <a:rPr lang="zh-CN" altLang="en-US" dirty="0" smtClean="0"/>
+              <a:t>而要求后台逻辑不能直接将</a:t>
+            </a:r>
+            <a:r>
+              <a:rPr lang="en-US" altLang="zh-CN" dirty="0" smtClean="0"/>
+              <a:t>platform</a:t>
+            </a:r>
+            <a:r>
+              <a:rPr lang="zh-CN" altLang="en-US" dirty="0" smtClean="0"/>
+              <a:t>值覆盖</a:t>
+            </a:r>
+            <a:r>
+              <a:rPr lang="en-US" altLang="zh-CN" dirty="0" err="1" smtClean="0"/>
+              <a:t>os</a:t>
+            </a:r>
+            <a:r>
+              <a:rPr lang="zh-CN" altLang="en-US" dirty="0" smtClean="0"/>
+              <a:t>。而要转换为</a:t>
+            </a:r>
+            <a:r>
+              <a:rPr lang="en-US" altLang="zh-CN" dirty="0" err="1" smtClean="0"/>
+              <a:t>ios</a:t>
+            </a:r>
+            <a:r>
+              <a:rPr lang="zh-CN" altLang="en-US" dirty="0" smtClean="0"/>
+              <a:t>。</a:t>
+            </a:r>
+            <a:endParaRPr lang="en-US" altLang="zh-CN" dirty="0" smtClean="0"/>
+          </a:p>
+          <a:p>
+            <a:pPr lvl="1"/>
+            <a:r>
+              <a:rPr lang="zh-CN" altLang="en-US" dirty="0" smtClean="0"/>
+              <a:t>注意：</a:t>
+            </a:r>
+            <a:r>
+              <a:rPr lang="en-US" altLang="zh-CN" dirty="0" err="1" smtClean="0"/>
+              <a:t>php</a:t>
+            </a:r>
+            <a:r>
+              <a:rPr lang="zh-CN" altLang="en-US" dirty="0" smtClean="0"/>
+              <a:t>语法中，</a:t>
+            </a:r>
+            <a:r>
+              <a:rPr lang="en-US" altLang="zh-CN" dirty="0" smtClean="0"/>
+              <a:t>empty(</a:t>
+            </a:r>
+            <a:r>
+              <a:rPr lang="en-US" altLang="zh-CN" dirty="0" err="1" smtClean="0"/>
+              <a:t>obj</a:t>
+            </a:r>
+            <a:r>
+              <a:rPr lang="en-US" altLang="zh-CN" dirty="0" smtClean="0"/>
+              <a:t>)</a:t>
+            </a:r>
+            <a:r>
+              <a:rPr lang="zh-CN" altLang="en-US" dirty="0" smtClean="0"/>
+              <a:t>函数认为</a:t>
+            </a:r>
+            <a:r>
+              <a:rPr lang="en-US" altLang="zh-CN" dirty="0" err="1" smtClean="0"/>
+              <a:t>obj</a:t>
+            </a:r>
+            <a:r>
+              <a:rPr lang="zh-CN" altLang="en-US" dirty="0" smtClean="0"/>
+              <a:t>如果是空字符串、</a:t>
+            </a:r>
+            <a:r>
+              <a:rPr lang="en-US" altLang="zh-CN" dirty="0" smtClean="0"/>
+              <a:t>null</a:t>
+            </a:r>
+            <a:r>
+              <a:rPr lang="zh-CN" altLang="en-US" dirty="0" smtClean="0"/>
+              <a:t>、</a:t>
+            </a:r>
+            <a:r>
+              <a:rPr lang="en-US" altLang="zh-CN" dirty="0" smtClean="0"/>
+              <a:t>0</a:t>
+            </a:r>
+            <a:r>
+              <a:rPr lang="zh-CN" altLang="en-US" dirty="0" smtClean="0"/>
+              <a:t>返回值都是</a:t>
+            </a:r>
+            <a:r>
+              <a:rPr lang="en-US" altLang="zh-CN" dirty="0" smtClean="0"/>
+              <a:t>true</a:t>
+            </a:r>
+            <a:endParaRPr lang="en-US" altLang="zh-CN" dirty="0"/>
+          </a:p>
+          <a:p>
             <a:r>
               <a:rPr lang="en-US" altLang="zh-CN" dirty="0" err="1"/>
-              <a:t>rel</a:t>
+              <a:t>p</a:t>
+            </a:r>
+            <a:r>
+              <a:rPr lang="en-US" altLang="zh-CN" dirty="0" err="1" smtClean="0"/>
+              <a:t>hp</a:t>
+            </a:r>
+            <a:r>
+              <a:rPr lang="zh-CN" altLang="en-US" dirty="0" smtClean="0"/>
+              <a:t>模板页面转换为</a:t>
+            </a:r>
+            <a:r>
+              <a:rPr lang="en-US" altLang="zh-CN" dirty="0" smtClean="0"/>
+              <a:t>html + velocity</a:t>
+            </a:r>
+            <a:r>
+              <a:rPr lang="zh-CN" altLang="en-US" dirty="0" smtClean="0"/>
+              <a:t>模板页面的问题？</a:t>
+            </a:r>
+            <a:endParaRPr lang="en-US" altLang="zh-CN" dirty="0" smtClean="0"/>
+          </a:p>
+          <a:p>
+            <a:pPr lvl="1"/>
+            <a:r>
+              <a:rPr lang="zh-CN" altLang="en-US" dirty="0"/>
+              <a:t>潜藏</a:t>
+            </a:r>
+            <a:r>
+              <a:rPr lang="zh-CN" altLang="en-US" dirty="0" smtClean="0"/>
+              <a:t>问题的做法：直接将浏览器访问到的</a:t>
+            </a:r>
+            <a:r>
+              <a:rPr lang="en-US" altLang="zh-CN" dirty="0" err="1" smtClean="0"/>
+              <a:t>php</a:t>
+            </a:r>
+            <a:r>
+              <a:rPr lang="zh-CN" altLang="en-US" dirty="0" smtClean="0"/>
+              <a:t>页面获取到的</a:t>
+            </a:r>
+            <a:r>
+              <a:rPr lang="en-US" altLang="zh-CN" dirty="0" smtClean="0"/>
+              <a:t>html</a:t>
+            </a:r>
+            <a:r>
+              <a:rPr lang="zh-CN" altLang="en-US" dirty="0" smtClean="0"/>
+              <a:t>复制下来改造，可能</a:t>
             </a:r>
             <a:r>
               <a:rPr lang="en-US" altLang="zh-CN" dirty="0"/>
-              <a:t>="shortcut icon" </a:t>
+              <a:t>html</a:t>
+            </a:r>
+            <a:r>
+              <a:rPr lang="zh-CN" altLang="en-US" dirty="0"/>
+              <a:t>页面</a:t>
+            </a:r>
+            <a:r>
+              <a:rPr lang="zh-CN" altLang="en-US" dirty="0" smtClean="0"/>
+              <a:t>上某些标签上会多出一些或者少一些</a:t>
+            </a:r>
+            <a:r>
+              <a:rPr lang="en-US" altLang="zh-CN" dirty="0" smtClean="0"/>
+              <a:t>class</a:t>
+            </a:r>
+            <a:r>
+              <a:rPr lang="zh-CN" altLang="en-US" dirty="0" smtClean="0"/>
+              <a:t>、</a:t>
+            </a:r>
+            <a:r>
+              <a:rPr lang="en-US" altLang="zh-CN" dirty="0" smtClean="0"/>
+              <a:t>style</a:t>
+            </a:r>
+            <a:r>
+              <a:rPr lang="zh-CN" altLang="en-US" dirty="0" smtClean="0"/>
+              <a:t>等。如果直接使用这个或多或少的</a:t>
+            </a:r>
+            <a:r>
+              <a:rPr lang="en-US" altLang="zh-CN" dirty="0" smtClean="0"/>
+              <a:t>html + velocity</a:t>
+            </a:r>
+            <a:r>
+              <a:rPr lang="zh-CN" altLang="en-US" dirty="0" smtClean="0"/>
+              <a:t>模板，访问时可能会出现页面抖动、伸缩一下的问题。</a:t>
+            </a:r>
+            <a:endParaRPr lang="en-US" altLang="zh-CN" dirty="0" smtClean="0"/>
+          </a:p>
+          <a:p>
+            <a:pPr lvl="2"/>
+            <a:r>
+              <a:rPr lang="zh-CN" altLang="en-US" dirty="0"/>
+              <a:t>图片收缩问题</a:t>
+            </a:r>
+            <a:r>
+              <a:rPr lang="zh-CN" altLang="en-US" dirty="0" smtClean="0"/>
+              <a:t>：加载页面时反复</a:t>
+            </a:r>
+            <a:r>
+              <a:rPr lang="zh-CN" altLang="en-US" dirty="0"/>
+              <a:t>应用</a:t>
+            </a:r>
+            <a:r>
+              <a:rPr lang="en-US" altLang="zh-CN" dirty="0"/>
+              <a:t>class</a:t>
+            </a:r>
+            <a:r>
+              <a:rPr lang="zh-CN" altLang="en-US" dirty="0" smtClean="0"/>
+              <a:t>样式，而该</a:t>
+            </a:r>
+            <a:r>
+              <a:rPr lang="en-US" altLang="zh-CN" dirty="0" smtClean="0"/>
+              <a:t>class</a:t>
+            </a:r>
+            <a:r>
+              <a:rPr lang="zh-CN" altLang="en-US" dirty="0" smtClean="0"/>
+              <a:t>样式是加载图片。</a:t>
             </a:r>
             <a:r>
               <a:rPr lang="en-US" altLang="zh-CN" dirty="0" err="1"/>
-              <a:t>href</a:t>
-            </a:r>
-            <a:r>
-              <a:rPr lang="en-US" altLang="zh-CN" dirty="0"/>
-              <a:t>="https://pic2.58.com/n/</a:t>
-            </a:r>
-            <a:r>
-              <a:rPr lang="en-US" altLang="zh-CN" dirty="0" err="1"/>
-              <a:t>tuan</a:t>
-            </a:r>
-            <a:r>
-              <a:rPr lang="en-US" altLang="zh-CN" dirty="0"/>
-              <a:t>/v3/</a:t>
-            </a:r>
-            <a:r>
-              <a:rPr lang="en-US" altLang="zh-CN" dirty="0" err="1"/>
-              <a:t>favicon.ico?v</a:t>
-            </a:r>
-            <a:r>
-              <a:rPr lang="en-US" altLang="zh-CN" dirty="0"/>
-              <a:t>=20160516" </a:t>
-            </a:r>
-            <a:r>
-              <a:rPr lang="en-US" altLang="zh-CN" dirty="0" smtClean="0"/>
-              <a:t>/&gt;</a:t>
-            </a:r>
-            <a:endParaRPr lang="en-US" altLang="zh-CN" dirty="0"/>
-          </a:p>
-          <a:p>
+              <a:t>d</a:t>
+            </a:r>
+            <a:r>
+              <a:rPr lang="en-US" altLang="zh-CN" dirty="0" err="1" smtClean="0"/>
+              <a:t>om</a:t>
+            </a:r>
+            <a:r>
+              <a:rPr lang="zh-CN" altLang="en-US" dirty="0" smtClean="0"/>
+              <a:t>上加了，而</a:t>
+            </a:r>
+            <a:r>
+              <a:rPr lang="en-US" altLang="zh-CN" dirty="0" err="1" smtClean="0"/>
+              <a:t>js</a:t>
+            </a:r>
+            <a:r>
+              <a:rPr lang="zh-CN" altLang="en-US" dirty="0" smtClean="0"/>
+              <a:t>又加一遍。</a:t>
+            </a:r>
             <a:endParaRPr lang="en-US" altLang="zh-CN" dirty="0" smtClean="0"/>
           </a:p>
           <a:p>
+            <a:pPr lvl="2"/>
+            <a:r>
+              <a:rPr lang="zh-CN" altLang="en-US" dirty="0" smtClean="0"/>
+              <a:t>页面抖动问题：浏览器渲染时对同一个地方先后使用两个不同值的样式。如</a:t>
+            </a:r>
+            <a:r>
+              <a:rPr lang="en-US" altLang="zh-CN" dirty="0" smtClean="0"/>
+              <a:t>font-size</a:t>
+            </a:r>
+            <a:r>
+              <a:rPr lang="zh-CN" altLang="en-US" dirty="0" smtClean="0"/>
+              <a:t>样式如果先写在</a:t>
+            </a:r>
+            <a:r>
+              <a:rPr lang="en-US" altLang="zh-CN" dirty="0" smtClean="0"/>
+              <a:t>&lt;html&gt;</a:t>
+            </a:r>
+            <a:r>
+              <a:rPr lang="zh-CN" altLang="en-US" dirty="0" smtClean="0"/>
+              <a:t>上，而</a:t>
+            </a:r>
+            <a:r>
+              <a:rPr lang="en-US" altLang="zh-CN" dirty="0" err="1" smtClean="0"/>
+              <a:t>js</a:t>
+            </a:r>
+            <a:r>
+              <a:rPr lang="zh-CN" altLang="en-US" dirty="0" smtClean="0"/>
+              <a:t>中又有立即函数重新给该</a:t>
+            </a:r>
+            <a:r>
+              <a:rPr lang="en-US" altLang="zh-CN" dirty="0" smtClean="0"/>
+              <a:t>font-size</a:t>
+            </a:r>
+            <a:r>
+              <a:rPr lang="zh-CN" altLang="en-US" dirty="0" smtClean="0"/>
+              <a:t>赋一个不同的值，就会出现页面出来瞬间抖动一下现象。</a:t>
+            </a:r>
+            <a:endParaRPr lang="en-US" altLang="zh-CN" dirty="0" smtClean="0"/>
+          </a:p>
+          <a:p>
+            <a:pPr lvl="1"/>
+            <a:r>
+              <a:rPr lang="zh-CN" altLang="en-US" dirty="0" smtClean="0"/>
+              <a:t>建议：直接对</a:t>
+            </a:r>
+            <a:r>
+              <a:rPr lang="en-US" altLang="zh-CN" dirty="0" err="1" smtClean="0"/>
+              <a:t>php</a:t>
+            </a:r>
+            <a:r>
+              <a:rPr lang="zh-CN" altLang="en-US" dirty="0" smtClean="0"/>
+              <a:t>模板改造，尽管有点麻烦。</a:t>
+            </a:r>
             <a:endParaRPr lang="en-US" altLang="zh-CN" dirty="0"/>
           </a:p>
           <a:p>
@@ -11091,7 +11274,7 @@
     </p:spTree>
     <p:extLst>
       <p:ext uri="{BB962C8B-B14F-4D97-AF65-F5344CB8AC3E}">
-        <p14:creationId xmlns:p14="http://schemas.microsoft.com/office/powerpoint/2010/main" val="2644243219"/>
+        <p14:creationId xmlns:p14="http://schemas.microsoft.com/office/powerpoint/2010/main" val="2891412647"/>
       </p:ext>
     </p:extLst>
   </p:cSld>
@@ -11341,13 +11524,14 @@
           <a:lstStyle/>
           <a:p>
             <a:r>
-              <a:rPr lang="zh-CN" altLang="en-US" dirty="0" smtClean="0"/>
-              <a:t>开发时遇到</a:t>
-            </a:r>
-            <a:r>
-              <a:rPr lang="zh-CN" altLang="en-US" dirty="0"/>
-              <a:t>的问题和解决措施</a:t>
-            </a:r>
+              <a:rPr lang="zh-CN" altLang="en-US" dirty="0"/>
+              <a:t>切换中遇到的问题和解决措施</a:t>
+            </a:r>
+            <a:r>
+              <a:rPr lang="zh-CN" altLang="en-US" dirty="0" smtClean="0"/>
+              <a:t>（八）</a:t>
+            </a:r>
+            <a:endParaRPr lang="zh-CN" altLang="en-US" dirty="0"/>
           </a:p>
         </p:txBody>
       </p:sp>
@@ -11363,356 +11547,157 @@
         </p:nvSpPr>
         <p:spPr/>
         <p:txBody>
-          <a:bodyPr>
-            <a:normAutofit fontScale="85000" lnSpcReduction="20000"/>
-          </a:bodyPr>
+          <a:bodyPr/>
           <a:lstStyle/>
           <a:p>
             <a:r>
               <a:rPr lang="en-US" altLang="zh-CN" dirty="0" err="1"/>
-              <a:t>json</a:t>
-            </a:r>
-            <a:r>
-              <a:rPr lang="zh-CN" altLang="en-US" dirty="0"/>
-              <a:t>格式化</a:t>
-            </a:r>
-            <a:r>
-              <a:rPr lang="zh-CN" altLang="en-US" dirty="0" smtClean="0"/>
-              <a:t>插件：</a:t>
+              <a:t>c</a:t>
+            </a:r>
+            <a:r>
+              <a:rPr lang="en-US" altLang="zh-CN" dirty="0" err="1" smtClean="0"/>
+              <a:t>mcpc</a:t>
+            </a:r>
+            <a:r>
+              <a:rPr lang="zh-CN" altLang="en-US" dirty="0" smtClean="0"/>
+              <a:t>服务不下载数据的问题？且执行中报错。</a:t>
             </a:r>
             <a:endParaRPr lang="en-US" altLang="zh-CN" dirty="0" smtClean="0"/>
           </a:p>
           <a:p>
             <a:pPr lvl="1"/>
             <a:r>
-              <a:rPr lang="en-US" altLang="zh-CN" dirty="0" smtClean="0"/>
-              <a:t>chrome</a:t>
-            </a:r>
-            <a:r>
-              <a:rPr lang="zh-CN" altLang="en-US" dirty="0"/>
-              <a:t>自带安装：下载</a:t>
-            </a:r>
-            <a:r>
-              <a:rPr lang="en-US" altLang="zh-CN" dirty="0">
-                <a:hlinkClick r:id="rId2"/>
-              </a:rPr>
-              <a:t>http://jsonhandle.sinaapp.com</a:t>
-            </a:r>
-            <a:r>
-              <a:rPr lang="en-US" altLang="zh-CN" dirty="0" smtClean="0">
-                <a:hlinkClick r:id="rId2"/>
-              </a:rPr>
-              <a:t>/</a:t>
-            </a:r>
-            <a:r>
-              <a:rPr lang="zh-CN" altLang="en-US" dirty="0"/>
-              <a:t>，将该</a:t>
+              <a:rPr lang="zh-CN" altLang="en-US" dirty="0" smtClean="0"/>
+              <a:t>在</a:t>
+            </a:r>
+            <a:r>
+              <a:rPr lang="zh-CN" altLang="en-US" dirty="0"/>
+              <a:t>服务初始化的时候需要连</a:t>
             </a:r>
             <a:r>
               <a:rPr lang="en-US" altLang="zh-CN" dirty="0" err="1"/>
-              <a:t>crx</a:t>
-            </a:r>
-            <a:r>
-              <a:rPr lang="zh-CN" altLang="en-US" dirty="0"/>
-              <a:t>文件拖入浏览器</a:t>
+              <a:t>vpn</a:t>
+            </a:r>
+            <a:r>
+              <a:rPr lang="zh-CN" altLang="en-US" dirty="0"/>
+              <a:t>，否则不能返回正确的</a:t>
+            </a:r>
+            <a:r>
+              <a:rPr lang="en-US" altLang="zh-CN" dirty="0" err="1"/>
+              <a:t>cmcpc.config</a:t>
+            </a:r>
+            <a:r>
+              <a:rPr lang="zh-CN" altLang="en-US" dirty="0"/>
+              <a:t>配置文件，从而调用</a:t>
+            </a:r>
+            <a:r>
+              <a:rPr lang="en-US" altLang="zh-CN" dirty="0" err="1"/>
+              <a:t>cmcpc</a:t>
+            </a:r>
+            <a:r>
+              <a:rPr lang="zh-CN" altLang="en-US" dirty="0"/>
+              <a:t>服务会失败。而且每次启动都是如此，启动之后断</a:t>
+            </a:r>
+            <a:r>
+              <a:rPr lang="en-US" altLang="zh-CN" dirty="0" err="1"/>
+              <a:t>vpn</a:t>
+            </a:r>
+            <a:r>
+              <a:rPr lang="zh-CN" altLang="en-US" dirty="0"/>
+              <a:t>没影响。</a:t>
+            </a:r>
+            <a:endParaRPr lang="en-US" altLang="zh-CN" dirty="0" smtClean="0"/>
+          </a:p>
+          <a:p>
+            <a:r>
+              <a:rPr lang="zh-CN" altLang="en-US" dirty="0" smtClean="0"/>
+              <a:t>浏览器</a:t>
+            </a:r>
+            <a:r>
+              <a:rPr lang="zh-CN" altLang="en-US" dirty="0" smtClean="0"/>
+              <a:t>上访问网站时网页标题前</a:t>
+            </a:r>
+            <a:r>
+              <a:rPr lang="en-US" altLang="zh-CN" dirty="0" smtClean="0"/>
+              <a:t>logo</a:t>
+            </a:r>
+            <a:r>
+              <a:rPr lang="zh-CN" altLang="en-US" dirty="0" smtClean="0"/>
+              <a:t>图标未显示的问题？</a:t>
+            </a:r>
+            <a:endParaRPr lang="en-US" altLang="zh-CN" dirty="0" smtClean="0"/>
+          </a:p>
+          <a:p>
+            <a:pPr lvl="1"/>
+            <a:r>
+              <a:rPr lang="zh-CN" altLang="en-US" dirty="0" smtClean="0"/>
+              <a:t>固定格式：页面</a:t>
+            </a:r>
+            <a:r>
+              <a:rPr lang="en-US" altLang="zh-CN" dirty="0" smtClean="0"/>
+              <a:t>&lt;head&gt;</a:t>
+            </a:r>
+            <a:r>
+              <a:rPr lang="zh-CN" altLang="en-US" dirty="0" smtClean="0"/>
+              <a:t>里加</a:t>
+            </a:r>
+            <a:r>
+              <a:rPr lang="en-US" altLang="zh-CN" dirty="0" smtClean="0"/>
+              <a:t>&lt;link </a:t>
+            </a:r>
+            <a:r>
+              <a:rPr lang="en-US" altLang="zh-CN" dirty="0" err="1"/>
+              <a:t>rel</a:t>
             </a:r>
             <a:r>
               <a:rPr lang="en-US" altLang="zh-CN" dirty="0"/>
-              <a:t>chrome://extensions</a:t>
-            </a:r>
-            <a:r>
-              <a:rPr lang="en-US" altLang="zh-CN" dirty="0" smtClean="0"/>
-              <a:t>/</a:t>
-            </a:r>
-            <a:r>
-              <a:rPr lang="zh-CN" altLang="en-US" dirty="0" smtClean="0"/>
-              <a:t>。</a:t>
-            </a:r>
+              <a:t>="shortcut icon" </a:t>
+            </a:r>
+            <a:r>
+              <a:rPr lang="en-US" altLang="zh-CN" dirty="0" err="1"/>
+              <a:t>href</a:t>
+            </a:r>
+            <a:r>
+              <a:rPr lang="en-US" altLang="zh-CN" dirty="0"/>
+              <a:t>="https://pic2.58.com/n/</a:t>
+            </a:r>
+            <a:r>
+              <a:rPr lang="en-US" altLang="zh-CN" dirty="0" err="1"/>
+              <a:t>tuan</a:t>
+            </a:r>
+            <a:r>
+              <a:rPr lang="en-US" altLang="zh-CN" dirty="0"/>
+              <a:t>/v3/</a:t>
+            </a:r>
+            <a:r>
+              <a:rPr lang="en-US" altLang="zh-CN" dirty="0" err="1"/>
+              <a:t>favicon.ico?v</a:t>
+            </a:r>
+            <a:r>
+              <a:rPr lang="en-US" altLang="zh-CN" dirty="0"/>
+              <a:t>=20160516" </a:t>
+            </a:r>
+            <a:r>
+              <a:rPr lang="en-US" altLang="zh-CN" dirty="0" smtClean="0"/>
+              <a:t>/&gt;</a:t>
+            </a:r>
+            <a:endParaRPr lang="en-US" altLang="zh-CN" dirty="0"/>
+          </a:p>
+          <a:p>
             <a:endParaRPr lang="en-US" altLang="zh-CN" dirty="0" smtClean="0"/>
           </a:p>
           <a:p>
-            <a:pPr lvl="1"/>
-            <a:r>
-              <a:rPr lang="zh-CN" altLang="en-US" dirty="0" smtClean="0"/>
-              <a:t>使用</a:t>
-            </a:r>
-            <a:r>
-              <a:rPr lang="en-US" altLang="zh-CN" dirty="0" smtClean="0"/>
-              <a:t>: 	</a:t>
-            </a:r>
-            <a:r>
-              <a:rPr lang="zh-CN" altLang="en-US" dirty="0" smtClean="0"/>
-              <a:t>浏览器</a:t>
-            </a:r>
-            <a:r>
-              <a:rPr lang="zh-CN" altLang="en-US" dirty="0"/>
-              <a:t>右上角有</a:t>
-            </a:r>
-            <a:r>
-              <a:rPr lang="en-US" altLang="zh-CN" dirty="0"/>
-              <a:t>JH</a:t>
-            </a:r>
-            <a:r>
-              <a:rPr lang="zh-CN" altLang="en-US" dirty="0"/>
-              <a:t>的图标，点击可以</a:t>
-            </a:r>
-            <a:r>
-              <a:rPr lang="zh-CN" altLang="en-US" dirty="0" smtClean="0"/>
-              <a:t>使用。请求时返回的数据也会自动化</a:t>
-            </a:r>
-            <a:r>
-              <a:rPr lang="en-US" altLang="zh-CN" dirty="0" err="1" smtClean="0"/>
-              <a:t>json</a:t>
-            </a:r>
-            <a:r>
-              <a:rPr lang="zh-CN" altLang="en-US" dirty="0"/>
-              <a:t>层级格式。不想看这种格式想看实际数据的格式：选择查看网页源代码，或者开发者工具中</a:t>
-            </a:r>
-            <a:r>
-              <a:rPr lang="en-US" altLang="zh-CN" dirty="0"/>
-              <a:t>network tab</a:t>
-            </a:r>
-            <a:r>
-              <a:rPr lang="zh-CN" altLang="en-US" dirty="0"/>
-              <a:t>下查看。</a:t>
-            </a:r>
             <a:endParaRPr lang="en-US" altLang="zh-CN" dirty="0"/>
           </a:p>
           <a:p>
-            <a:r>
-              <a:rPr lang="zh-CN" altLang="en-US" dirty="0" smtClean="0"/>
-              <a:t>查询到的</a:t>
-            </a:r>
-            <a:r>
-              <a:rPr lang="en-US" altLang="zh-CN" dirty="0" err="1" smtClean="0"/>
-              <a:t>json</a:t>
-            </a:r>
-            <a:r>
-              <a:rPr lang="zh-CN" altLang="en-US" dirty="0" smtClean="0"/>
-              <a:t>数据如何转换为</a:t>
-            </a:r>
-            <a:r>
-              <a:rPr lang="en-US" altLang="zh-CN" dirty="0" smtClean="0"/>
-              <a:t>java </a:t>
-            </a:r>
-            <a:r>
-              <a:rPr lang="zh-CN" altLang="en-US" dirty="0" smtClean="0"/>
-              <a:t>实体类来实现？</a:t>
-            </a:r>
-            <a:endParaRPr lang="en-US" altLang="zh-CN" dirty="0" smtClean="0"/>
-          </a:p>
-          <a:p>
-            <a:pPr lvl="1"/>
-            <a:r>
-              <a:rPr lang="zh-CN" altLang="en-US" dirty="0" smtClean="0"/>
-              <a:t>自动编程方式：根据</a:t>
-            </a:r>
-            <a:r>
-              <a:rPr lang="en-US" altLang="zh-CN" dirty="0" err="1" smtClean="0"/>
-              <a:t>json</a:t>
-            </a:r>
-            <a:r>
-              <a:rPr lang="zh-CN" altLang="en-US" dirty="0" smtClean="0"/>
-              <a:t>数据，生成一套</a:t>
-            </a:r>
-            <a:r>
-              <a:rPr lang="en-US" altLang="zh-CN" dirty="0" smtClean="0"/>
-              <a:t>java bean</a:t>
-            </a:r>
-            <a:r>
-              <a:rPr lang="zh-CN" altLang="en-US" dirty="0" smtClean="0"/>
-              <a:t>类代码，并用这套</a:t>
-            </a:r>
-            <a:r>
-              <a:rPr lang="en-US" altLang="zh-CN" dirty="0" smtClean="0"/>
-              <a:t>java bean</a:t>
-            </a:r>
-            <a:r>
-              <a:rPr lang="zh-CN" altLang="en-US" dirty="0" smtClean="0"/>
-              <a:t>类代码重新组装出对应</a:t>
-            </a:r>
-            <a:r>
-              <a:rPr lang="en-US" altLang="zh-CN" dirty="0" err="1" smtClean="0"/>
-              <a:t>json</a:t>
-            </a:r>
-            <a:r>
-              <a:rPr lang="zh-CN" altLang="en-US" dirty="0" smtClean="0"/>
-              <a:t>数据的最终实例。</a:t>
-            </a:r>
-            <a:endParaRPr lang="en-US" altLang="zh-CN" dirty="0" smtClean="0"/>
-          </a:p>
-          <a:p>
-            <a:pPr lvl="2"/>
-            <a:r>
-              <a:rPr lang="zh-CN" altLang="en-US" dirty="0"/>
-              <a:t>约定</a:t>
-            </a:r>
-            <a:r>
-              <a:rPr lang="zh-CN" altLang="en-US" dirty="0" smtClean="0"/>
-              <a:t>：</a:t>
-            </a:r>
-            <a:r>
-              <a:rPr lang="zh-CN" altLang="en-US" dirty="0"/>
-              <a:t>类名由父级给定、变量名由父级给定、</a:t>
-            </a:r>
-            <a:r>
-              <a:rPr lang="en-US" altLang="zh-CN" dirty="0" err="1"/>
-              <a:t>json</a:t>
-            </a:r>
-            <a:r>
-              <a:rPr lang="zh-CN" altLang="en-US" dirty="0"/>
-              <a:t>属性的变量名由所属对象给定（自己的变量名</a:t>
-            </a:r>
-            <a:r>
-              <a:rPr lang="en-US" altLang="zh-CN" dirty="0"/>
-              <a:t>+</a:t>
-            </a:r>
-            <a:r>
-              <a:rPr lang="zh-CN" altLang="en-US" dirty="0"/>
-              <a:t>该属性的属性名</a:t>
-            </a:r>
-            <a:r>
-              <a:rPr lang="zh-CN" altLang="en-US" dirty="0" smtClean="0"/>
-              <a:t>）</a:t>
-            </a:r>
-            <a:endParaRPr lang="en-US" altLang="zh-CN" dirty="0" smtClean="0"/>
-          </a:p>
-          <a:p>
-            <a:pPr lvl="2"/>
-            <a:r>
-              <a:rPr lang="en-US" altLang="zh-CN" dirty="0" err="1"/>
-              <a:t>j</a:t>
-            </a:r>
-            <a:r>
-              <a:rPr lang="en-US" altLang="zh-CN" dirty="0" err="1" smtClean="0"/>
-              <a:t>son</a:t>
-            </a:r>
-            <a:r>
-              <a:rPr lang="zh-CN" altLang="en-US" dirty="0" smtClean="0"/>
-              <a:t>特征：一个</a:t>
-            </a:r>
-            <a:r>
-              <a:rPr lang="en-US" altLang="zh-CN" dirty="0" err="1" smtClean="0"/>
-              <a:t>json</a:t>
-            </a:r>
-            <a:r>
-              <a:rPr lang="zh-CN" altLang="en-US" dirty="0" smtClean="0"/>
-              <a:t>的</a:t>
-            </a:r>
-            <a:r>
-              <a:rPr lang="en-US" altLang="zh-CN" dirty="0" smtClean="0"/>
-              <a:t>key</a:t>
-            </a:r>
-            <a:r>
-              <a:rPr lang="zh-CN" altLang="en-US" dirty="0"/>
-              <a:t>，不会重复。同</a:t>
-            </a:r>
-            <a:r>
-              <a:rPr lang="en-US" altLang="zh-CN" dirty="0" err="1"/>
-              <a:t>jsonarray</a:t>
-            </a:r>
-            <a:r>
-              <a:rPr lang="zh-CN" altLang="en-US" dirty="0"/>
-              <a:t>里</a:t>
-            </a:r>
-            <a:r>
-              <a:rPr lang="zh-CN" altLang="en-US" dirty="0" smtClean="0"/>
-              <a:t>的各个</a:t>
-            </a:r>
-            <a:r>
-              <a:rPr lang="en-US" altLang="zh-CN" dirty="0" err="1" smtClean="0"/>
-              <a:t>json</a:t>
-            </a:r>
-            <a:r>
-              <a:rPr lang="zh-CN" altLang="en-US" dirty="0" smtClean="0"/>
-              <a:t>对象，</a:t>
-            </a:r>
-            <a:r>
-              <a:rPr lang="en-US" altLang="zh-CN" dirty="0" smtClean="0"/>
-              <a:t>key</a:t>
-            </a:r>
-            <a:r>
-              <a:rPr lang="zh-CN" altLang="en-US" dirty="0" smtClean="0"/>
-              <a:t>可能不同，要融合。融合方式：文件。</a:t>
-            </a:r>
-            <a:endParaRPr lang="en-US" altLang="zh-CN" dirty="0" smtClean="0"/>
-          </a:p>
-          <a:p>
-            <a:pPr lvl="2"/>
-            <a:r>
-              <a:rPr lang="zh-CN" altLang="en-US" dirty="0" smtClean="0"/>
-              <a:t>对</a:t>
-            </a:r>
-            <a:r>
-              <a:rPr lang="en-US" altLang="zh-CN" dirty="0" err="1" smtClean="0"/>
-              <a:t>json</a:t>
-            </a:r>
-            <a:r>
-              <a:rPr lang="zh-CN" altLang="en-US" dirty="0" smtClean="0"/>
-              <a:t>数组的处理：认为每个</a:t>
-            </a:r>
-            <a:r>
-              <a:rPr lang="en-US" altLang="zh-CN" dirty="0" err="1" smtClean="0"/>
-              <a:t>json</a:t>
-            </a:r>
-            <a:r>
-              <a:rPr lang="zh-CN" altLang="en-US" dirty="0" smtClean="0"/>
-              <a:t>对象数据结构一致。实例化</a:t>
-            </a:r>
-            <a:r>
-              <a:rPr lang="en-US" altLang="zh-CN" dirty="0" err="1" smtClean="0"/>
-              <a:t>json</a:t>
-            </a:r>
-            <a:r>
-              <a:rPr lang="zh-CN" altLang="en-US" dirty="0" smtClean="0"/>
-              <a:t>数组属性时，先设置一个实例化</a:t>
-            </a:r>
-            <a:r>
-              <a:rPr lang="zh-CN" altLang="en-US" dirty="0"/>
-              <a:t>空</a:t>
-            </a:r>
-            <a:r>
-              <a:rPr lang="zh-CN" altLang="en-US" dirty="0" smtClean="0"/>
-              <a:t>数组，后给数</a:t>
-            </a:r>
-            <a:r>
-              <a:rPr lang="en-US" altLang="zh-CN" dirty="0" smtClean="0"/>
-              <a:t>				</a:t>
-            </a:r>
-            <a:r>
-              <a:rPr lang="zh-CN" altLang="en-US" dirty="0" smtClean="0"/>
-              <a:t>组添加元素。</a:t>
-            </a:r>
-            <a:endParaRPr lang="en-US" altLang="zh-CN" dirty="0" smtClean="0"/>
-          </a:p>
-          <a:p>
-            <a:pPr lvl="1"/>
-            <a:r>
-              <a:rPr lang="zh-CN" altLang="en-US" dirty="0" smtClean="0"/>
-              <a:t>不足：类命名、变量命名不很规范。</a:t>
-            </a:r>
-            <a:endParaRPr lang="en-US" altLang="zh-CN" dirty="0" smtClean="0"/>
-          </a:p>
-          <a:p>
-            <a:pPr lvl="1"/>
-            <a:r>
-              <a:rPr lang="zh-CN" altLang="en-US" dirty="0" smtClean="0"/>
-              <a:t>实际用处：</a:t>
-            </a:r>
-            <a:r>
-              <a:rPr lang="en-US" altLang="zh-CN" dirty="0" smtClean="0"/>
-              <a:t>…</a:t>
-            </a:r>
-          </a:p>
-          <a:p>
-            <a:endParaRPr lang="en-US" altLang="zh-CN" dirty="0" smtClean="0"/>
+            <a:endParaRPr lang="zh-CN" altLang="en-US" dirty="0"/>
           </a:p>
         </p:txBody>
       </p:sp>
     </p:spTree>
     <p:extLst>
       <p:ext uri="{BB962C8B-B14F-4D97-AF65-F5344CB8AC3E}">
-        <p14:creationId xmlns:p14="http://schemas.microsoft.com/office/powerpoint/2010/main" val="2934030976"/>
+        <p14:creationId xmlns:p14="http://schemas.microsoft.com/office/powerpoint/2010/main" val="2644243219"/>
       </p:ext>
     </p:extLst>
   </p:cSld>
@@ -11755,8 +11740,28 @@
           <a:lstStyle/>
           <a:p>
             <a:r>
-              <a:rPr lang="en-US" altLang="zh-CN" dirty="0" smtClean="0"/>
-              <a:t>	</a:t>
+              <a:rPr lang="zh-CN" altLang="en-US" dirty="0" smtClean="0"/>
+              <a:t>开发时遇到</a:t>
+            </a:r>
+            <a:r>
+              <a:rPr lang="zh-CN" altLang="en-US" dirty="0"/>
+              <a:t>的问题和解决</a:t>
+            </a:r>
+            <a:r>
+              <a:rPr lang="zh-CN" altLang="en-US" dirty="0" smtClean="0"/>
+              <a:t>措施</a:t>
+            </a:r>
+            <a:r>
+              <a:rPr lang="en-US" altLang="zh-CN" dirty="0" smtClean="0"/>
+              <a:t>(</a:t>
+            </a:r>
+            <a:r>
+              <a:rPr lang="zh-CN" altLang="en-US" dirty="0" smtClean="0"/>
+              <a:t>一</a:t>
+            </a:r>
+            <a:r>
+              <a:rPr lang="en-US" altLang="zh-CN" dirty="0" smtClean="0"/>
+              <a:t>)</a:t>
             </a:r>
             <a:endParaRPr lang="zh-CN" altLang="en-US" dirty="0"/>
           </a:p>
@@ -11774,20 +11779,364 @@
         </p:nvSpPr>
         <p:spPr/>
         <p:txBody>
-          <a:bodyPr/>
+          <a:bodyPr>
+            <a:normAutofit fontScale="77500" lnSpcReduction="20000"/>
+          </a:bodyPr>
           <a:lstStyle/>
           <a:p>
-            <a:pPr marL="0" indent="0">
-              <a:buNone/>
-            </a:pPr>
-            <a:endParaRPr lang="zh-CN" altLang="en-US" dirty="0"/>
+            <a:r>
+              <a:rPr lang="en-US" altLang="zh-CN" dirty="0" err="1"/>
+              <a:t>json</a:t>
+            </a:r>
+            <a:r>
+              <a:rPr lang="zh-CN" altLang="en-US" dirty="0"/>
+              <a:t>格式化</a:t>
+            </a:r>
+            <a:r>
+              <a:rPr lang="zh-CN" altLang="en-US" dirty="0" smtClean="0"/>
+              <a:t>插件：</a:t>
+            </a:r>
+            <a:endParaRPr lang="en-US" altLang="zh-CN" dirty="0" smtClean="0"/>
+          </a:p>
+          <a:p>
+            <a:pPr lvl="1"/>
+            <a:r>
+              <a:rPr lang="en-US" altLang="zh-CN" dirty="0" smtClean="0"/>
+              <a:t>chrome</a:t>
+            </a:r>
+            <a:r>
+              <a:rPr lang="zh-CN" altLang="en-US" dirty="0"/>
+              <a:t>自带安装：下载</a:t>
+            </a:r>
+            <a:r>
+              <a:rPr lang="en-US" altLang="zh-CN" dirty="0">
+                <a:hlinkClick r:id="rId2"/>
+              </a:rPr>
+              <a:t>http://jsonhandle.sinaapp.com</a:t>
+            </a:r>
+            <a:r>
+              <a:rPr lang="en-US" altLang="zh-CN" dirty="0" smtClean="0">
+                <a:hlinkClick r:id="rId2"/>
+              </a:rPr>
+              <a:t>/</a:t>
+            </a:r>
+            <a:r>
+              <a:rPr lang="zh-CN" altLang="en-US" dirty="0"/>
+              <a:t>，将该</a:t>
+            </a:r>
+            <a:r>
+              <a:rPr lang="en-US" altLang="zh-CN" dirty="0" err="1"/>
+              <a:t>crx</a:t>
+            </a:r>
+            <a:r>
+              <a:rPr lang="zh-CN" altLang="en-US" dirty="0"/>
+              <a:t>文件拖入浏览器</a:t>
+            </a:r>
+            <a:r>
+              <a:rPr lang="en-US" altLang="zh-CN" dirty="0"/>
+              <a:t>chrome://extensions</a:t>
+            </a:r>
+            <a:r>
+              <a:rPr lang="en-US" altLang="zh-CN" dirty="0" smtClean="0"/>
+              <a:t>/</a:t>
+            </a:r>
+            <a:r>
+              <a:rPr lang="zh-CN" altLang="en-US" dirty="0" smtClean="0"/>
+              <a:t>。</a:t>
+            </a:r>
+            <a:endParaRPr lang="en-US" altLang="zh-CN" dirty="0" smtClean="0"/>
+          </a:p>
+          <a:p>
+            <a:pPr lvl="1"/>
+            <a:r>
+              <a:rPr lang="zh-CN" altLang="en-US" dirty="0" smtClean="0"/>
+              <a:t>使用</a:t>
+            </a:r>
+            <a:r>
+              <a:rPr lang="en-US" altLang="zh-CN" dirty="0" smtClean="0"/>
+              <a:t>: 	</a:t>
+            </a:r>
+            <a:r>
+              <a:rPr lang="zh-CN" altLang="en-US" dirty="0" smtClean="0"/>
+              <a:t>浏览器</a:t>
+            </a:r>
+            <a:r>
+              <a:rPr lang="zh-CN" altLang="en-US" dirty="0"/>
+              <a:t>右上角有</a:t>
+            </a:r>
+            <a:r>
+              <a:rPr lang="en-US" altLang="zh-CN" dirty="0"/>
+              <a:t>JH</a:t>
+            </a:r>
+            <a:r>
+              <a:rPr lang="zh-CN" altLang="en-US" dirty="0"/>
+              <a:t>的图标，点击可以</a:t>
+            </a:r>
+            <a:r>
+              <a:rPr lang="zh-CN" altLang="en-US" dirty="0" smtClean="0"/>
+              <a:t>使用。请求时返回的数据也会自动化</a:t>
+            </a:r>
+            <a:r>
+              <a:rPr lang="en-US" altLang="zh-CN" dirty="0" err="1" smtClean="0"/>
+              <a:t>json</a:t>
+            </a:r>
+            <a:r>
+              <a:rPr lang="zh-CN" altLang="en-US" dirty="0"/>
+              <a:t>层级格式。不想看这种格式想看实际数据的格式：选择查看网页源代码，或者开发者工具中</a:t>
+            </a:r>
+            <a:r>
+              <a:rPr lang="en-US" altLang="zh-CN" dirty="0"/>
+              <a:t>network tab</a:t>
+            </a:r>
+            <a:r>
+              <a:rPr lang="zh-CN" altLang="en-US" dirty="0"/>
+              <a:t>下查看。</a:t>
+            </a:r>
+            <a:endParaRPr lang="en-US" altLang="zh-CN" dirty="0"/>
+          </a:p>
+          <a:p>
+            <a:r>
+              <a:rPr lang="zh-CN" altLang="en-US" dirty="0" smtClean="0"/>
+              <a:t>查询到的</a:t>
+            </a:r>
+            <a:r>
+              <a:rPr lang="en-US" altLang="zh-CN" dirty="0" err="1" smtClean="0"/>
+              <a:t>json</a:t>
+            </a:r>
+            <a:r>
+              <a:rPr lang="zh-CN" altLang="en-US" dirty="0" smtClean="0"/>
+              <a:t>数据如何转换为</a:t>
+            </a:r>
+            <a:r>
+              <a:rPr lang="en-US" altLang="zh-CN" dirty="0" smtClean="0"/>
+              <a:t>java </a:t>
+            </a:r>
+            <a:r>
+              <a:rPr lang="zh-CN" altLang="en-US" dirty="0" smtClean="0"/>
+              <a:t>实体类来实现？</a:t>
+            </a:r>
+            <a:endParaRPr lang="en-US" altLang="zh-CN" dirty="0" smtClean="0"/>
+          </a:p>
+          <a:p>
+            <a:pPr lvl="1"/>
+            <a:r>
+              <a:rPr lang="zh-CN" altLang="en-US" dirty="0" smtClean="0"/>
+              <a:t>自动编程方式：根据</a:t>
+            </a:r>
+            <a:r>
+              <a:rPr lang="en-US" altLang="zh-CN" dirty="0" err="1" smtClean="0"/>
+              <a:t>json</a:t>
+            </a:r>
+            <a:r>
+              <a:rPr lang="zh-CN" altLang="en-US" dirty="0" smtClean="0"/>
+              <a:t>数据，生成一套</a:t>
+            </a:r>
+            <a:r>
+              <a:rPr lang="en-US" altLang="zh-CN" dirty="0" smtClean="0"/>
+              <a:t>java bean</a:t>
+            </a:r>
+            <a:r>
+              <a:rPr lang="zh-CN" altLang="en-US" dirty="0" smtClean="0"/>
+              <a:t>类代码，并用这套</a:t>
+            </a:r>
+            <a:r>
+              <a:rPr lang="en-US" altLang="zh-CN" dirty="0" smtClean="0"/>
+              <a:t>java bean</a:t>
+            </a:r>
+            <a:r>
+              <a:rPr lang="zh-CN" altLang="en-US" dirty="0" smtClean="0"/>
+              <a:t>类代码重新组装出对应</a:t>
+            </a:r>
+            <a:r>
+              <a:rPr lang="en-US" altLang="zh-CN" dirty="0" err="1" smtClean="0"/>
+              <a:t>json</a:t>
+            </a:r>
+            <a:r>
+              <a:rPr lang="zh-CN" altLang="en-US" dirty="0" smtClean="0"/>
+              <a:t>数据的最终实例。</a:t>
+            </a:r>
+            <a:endParaRPr lang="en-US" altLang="zh-CN" dirty="0" smtClean="0"/>
+          </a:p>
+          <a:p>
+            <a:pPr lvl="2"/>
+            <a:r>
+              <a:rPr lang="zh-CN" altLang="en-US" dirty="0"/>
+              <a:t>约定</a:t>
+            </a:r>
+            <a:r>
+              <a:rPr lang="zh-CN" altLang="en-US" dirty="0" smtClean="0"/>
+              <a:t>：</a:t>
+            </a:r>
+            <a:r>
+              <a:rPr lang="zh-CN" altLang="en-US" dirty="0"/>
+              <a:t>类名由父级给定、变量名由父级给定、</a:t>
+            </a:r>
+            <a:r>
+              <a:rPr lang="en-US" altLang="zh-CN" dirty="0" err="1"/>
+              <a:t>json</a:t>
+            </a:r>
+            <a:r>
+              <a:rPr lang="zh-CN" altLang="en-US" dirty="0"/>
+              <a:t>属性的变量名由所属对象给定（自己的变量名</a:t>
+            </a:r>
+            <a:r>
+              <a:rPr lang="en-US" altLang="zh-CN" dirty="0"/>
+              <a:t>+</a:t>
+            </a:r>
+            <a:r>
+              <a:rPr lang="zh-CN" altLang="en-US" dirty="0"/>
+              <a:t>该属性的属性名</a:t>
+            </a:r>
+            <a:r>
+              <a:rPr lang="zh-CN" altLang="en-US" dirty="0" smtClean="0"/>
+              <a:t>）</a:t>
+            </a:r>
+            <a:endParaRPr lang="en-US" altLang="zh-CN" dirty="0" smtClean="0"/>
+          </a:p>
+          <a:p>
+            <a:pPr lvl="2"/>
+            <a:r>
+              <a:rPr lang="en-US" altLang="zh-CN" dirty="0" err="1"/>
+              <a:t>j</a:t>
+            </a:r>
+            <a:r>
+              <a:rPr lang="en-US" altLang="zh-CN" dirty="0" err="1" smtClean="0"/>
+              <a:t>son</a:t>
+            </a:r>
+            <a:r>
+              <a:rPr lang="zh-CN" altLang="en-US" dirty="0" smtClean="0"/>
+              <a:t>特征：一个</a:t>
+            </a:r>
+            <a:r>
+              <a:rPr lang="en-US" altLang="zh-CN" dirty="0" err="1" smtClean="0"/>
+              <a:t>json</a:t>
+            </a:r>
+            <a:r>
+              <a:rPr lang="zh-CN" altLang="en-US" dirty="0" smtClean="0"/>
+              <a:t>的</a:t>
+            </a:r>
+            <a:r>
+              <a:rPr lang="en-US" altLang="zh-CN" dirty="0" smtClean="0"/>
+              <a:t>key</a:t>
+            </a:r>
+            <a:r>
+              <a:rPr lang="zh-CN" altLang="en-US" dirty="0"/>
+              <a:t>，不会重复。同</a:t>
+            </a:r>
+            <a:r>
+              <a:rPr lang="en-US" altLang="zh-CN" dirty="0" err="1"/>
+              <a:t>jsonarray</a:t>
+            </a:r>
+            <a:r>
+              <a:rPr lang="zh-CN" altLang="en-US" dirty="0"/>
+              <a:t>里</a:t>
+            </a:r>
+            <a:r>
+              <a:rPr lang="zh-CN" altLang="en-US" dirty="0" smtClean="0"/>
+              <a:t>的各个</a:t>
+            </a:r>
+            <a:r>
+              <a:rPr lang="en-US" altLang="zh-CN" dirty="0" err="1" smtClean="0"/>
+              <a:t>json</a:t>
+            </a:r>
+            <a:r>
+              <a:rPr lang="zh-CN" altLang="en-US" dirty="0" smtClean="0"/>
+              <a:t>对象，</a:t>
+            </a:r>
+            <a:r>
+              <a:rPr lang="en-US" altLang="zh-CN" dirty="0" smtClean="0"/>
+              <a:t>key</a:t>
+            </a:r>
+            <a:r>
+              <a:rPr lang="zh-CN" altLang="en-US" dirty="0" smtClean="0"/>
+              <a:t>可能不同，要融合。融合方式：文件。</a:t>
+            </a:r>
+            <a:endParaRPr lang="en-US" altLang="zh-CN" dirty="0" smtClean="0"/>
+          </a:p>
+          <a:p>
+            <a:pPr lvl="2"/>
+            <a:r>
+              <a:rPr lang="zh-CN" altLang="en-US" dirty="0" smtClean="0"/>
+              <a:t>对</a:t>
+            </a:r>
+            <a:r>
+              <a:rPr lang="en-US" altLang="zh-CN" dirty="0" err="1" smtClean="0"/>
+              <a:t>json</a:t>
+            </a:r>
+            <a:r>
+              <a:rPr lang="zh-CN" altLang="en-US" dirty="0" smtClean="0"/>
+              <a:t>数组的处理：认为每个</a:t>
+            </a:r>
+            <a:r>
+              <a:rPr lang="en-US" altLang="zh-CN" dirty="0" err="1" smtClean="0"/>
+              <a:t>json</a:t>
+            </a:r>
+            <a:r>
+              <a:rPr lang="zh-CN" altLang="en-US" dirty="0" smtClean="0"/>
+              <a:t>对象数据结构一致。实例化</a:t>
+            </a:r>
+            <a:r>
+              <a:rPr lang="en-US" altLang="zh-CN" dirty="0" err="1" smtClean="0"/>
+              <a:t>json</a:t>
+            </a:r>
+            <a:r>
+              <a:rPr lang="zh-CN" altLang="en-US" dirty="0" smtClean="0"/>
+              <a:t>数组属性时，先设置一个实例化</a:t>
+            </a:r>
+            <a:r>
+              <a:rPr lang="zh-CN" altLang="en-US" dirty="0"/>
+              <a:t>空</a:t>
+            </a:r>
+            <a:r>
+              <a:rPr lang="zh-CN" altLang="en-US" dirty="0" smtClean="0"/>
+              <a:t>数组，后给数</a:t>
+            </a:r>
+            <a:r>
+              <a:rPr lang="en-US" altLang="zh-CN" dirty="0" smtClean="0"/>
+              <a:t>				</a:t>
+            </a:r>
+            <a:r>
+              <a:rPr lang="zh-CN" altLang="en-US" dirty="0" smtClean="0"/>
+              <a:t>组添加元素。</a:t>
+            </a:r>
+            <a:endParaRPr lang="en-US" altLang="zh-CN" dirty="0" smtClean="0"/>
+          </a:p>
+          <a:p>
+            <a:pPr lvl="1"/>
+            <a:r>
+              <a:rPr lang="zh-CN" altLang="en-US" dirty="0" smtClean="0"/>
+              <a:t>不足：类命名、变量命名不很规范。</a:t>
+            </a:r>
+            <a:endParaRPr lang="en-US" altLang="zh-CN" dirty="0" smtClean="0"/>
+          </a:p>
+          <a:p>
+            <a:pPr lvl="1"/>
+            <a:r>
+              <a:rPr lang="zh-CN" altLang="en-US" dirty="0" smtClean="0"/>
+              <a:t>实际用处：</a:t>
+            </a:r>
+            <a:r>
+              <a:rPr lang="en-US" altLang="zh-CN" dirty="0" smtClean="0"/>
+              <a:t>…</a:t>
+            </a:r>
+          </a:p>
+          <a:p>
+            <a:pPr lvl="1"/>
+            <a:r>
+              <a:rPr lang="zh-CN" altLang="en-US" dirty="0" smtClean="0"/>
+              <a:t>主要流程图：下页</a:t>
+            </a:r>
+            <a:endParaRPr lang="en-US" altLang="zh-CN" dirty="0" smtClean="0"/>
+          </a:p>
+          <a:p>
+            <a:endParaRPr lang="en-US" altLang="zh-CN" dirty="0" smtClean="0"/>
           </a:p>
         </p:txBody>
       </p:sp>
     </p:spTree>
     <p:extLst>
       <p:ext uri="{BB962C8B-B14F-4D97-AF65-F5344CB8AC3E}">
-        <p14:creationId xmlns:p14="http://schemas.microsoft.com/office/powerpoint/2010/main" val="3365769730"/>
+        <p14:creationId xmlns:p14="http://schemas.microsoft.com/office/powerpoint/2010/main" val="2934030976"/>
       </p:ext>
     </p:extLst>
   </p:cSld>
@@ -11829,7 +12178,113 @@
           <a:bodyPr/>
           <a:lstStyle/>
           <a:p>
-            <a:endParaRPr lang="zh-CN" altLang="en-US"/>
+            <a:r>
+              <a:rPr lang="en-US" altLang="zh-CN" dirty="0" smtClean="0"/>
+              <a:t>	</a:t>
+            </a:r>
+            <a:r>
+              <a:rPr lang="zh-CN" altLang="en-US" dirty="0"/>
+              <a:t>开发时遇到的问题和解决措施</a:t>
+            </a:r>
+            <a:r>
+              <a:rPr lang="en-US" altLang="zh-CN" dirty="0" smtClean="0"/>
+              <a:t>(</a:t>
+            </a:r>
+            <a:r>
+              <a:rPr lang="zh-CN" altLang="en-US" dirty="0" smtClean="0"/>
+              <a:t>二</a:t>
+            </a:r>
+            <a:r>
+              <a:rPr lang="en-US" altLang="zh-CN" dirty="0" smtClean="0"/>
+              <a:t>)</a:t>
+            </a:r>
+            <a:endParaRPr lang="zh-CN" altLang="en-US" dirty="0"/>
+          </a:p>
+        </p:txBody>
+      </p:sp>
+      <p:pic>
+        <p:nvPicPr>
+          <p:cNvPr id="4" name="内容占位符 3"/>
+          <p:cNvPicPr>
+            <a:picLocks noGrp="1" noChangeAspect="1"/>
+          </p:cNvPicPr>
+          <p:nvPr>
+            <p:ph idx="1"/>
+          </p:nvPr>
+        </p:nvPicPr>
+        <p:blipFill>
+          <a:blip r:embed="rId2">
+            <a:extLst>
+              <a:ext uri="{28A0092B-C50C-407E-A947-70E740481C1C}">
+                <a14:useLocalDpi xmlns:a14="http://schemas.microsoft.com/office/drawing/2010/main" val="0"/>
+              </a:ext>
+            </a:extLst>
+          </a:blip>
+          <a:stretch>
+            <a:fillRect/>
+          </a:stretch>
+        </p:blipFill>
+        <p:spPr>
+          <a:xfrm>
+            <a:off x="4127863" y="1521143"/>
+            <a:ext cx="3456300" cy="4390707"/>
+          </a:xfrm>
+        </p:spPr>
+      </p:pic>
+    </p:spTree>
+    <p:extLst>
+      <p:ext uri="{BB962C8B-B14F-4D97-AF65-F5344CB8AC3E}">
+        <p14:creationId xmlns:p14="http://schemas.microsoft.com/office/powerpoint/2010/main" val="3365769730"/>
+      </p:ext>
+    </p:extLst>
+  </p:cSld>
+  <p:clrMapOvr>
+    <a:masterClrMapping/>
+  </p:clrMapOvr>
+</p:sld>
+</file>
+
+<file path=ppt/slides/slide23.xml><?xml version="1.0" encoding="utf-8"?>
+<p:sld xmlns:a="http://schemas.openxmlformats.org/drawingml/2006/main" xmlns:r="http://schemas.openxmlformats.org/officeDocument/2006/relationships" xmlns:p="http://schemas.openxmlformats.org/presentationml/2006/main">
+  <p:cSld>
+    <p:spTree>
+      <p:nvGrpSpPr>
+        <p:cNvPr id="1" name=""/>
+        <p:cNvGrpSpPr/>
+        <p:nvPr/>
+      </p:nvGrpSpPr>
+      <p:grpSpPr>
+        <a:xfrm>
+          <a:off x="0" y="0"/>
+          <a:ext cx="0" cy="0"/>
+          <a:chOff x="0" y="0"/>
+          <a:chExt cx="0" cy="0"/>
+        </a:xfrm>
+      </p:grpSpPr>
+      <p:sp>
+        <p:nvSpPr>
+          <p:cNvPr id="2" name="标题 1"/>
+          <p:cNvSpPr>
+            <a:spLocks noGrp="1"/>
+          </p:cNvSpPr>
+          <p:nvPr>
+            <p:ph type="title"/>
+          </p:nvPr>
+        </p:nvSpPr>
+        <p:spPr/>
+        <p:txBody>
+          <a:bodyPr/>
+          <a:lstStyle/>
+          <a:p>
+            <a:r>
+              <a:rPr lang="zh-CN" altLang="en-US" dirty="0" smtClean="0"/>
+              <a:t>总结</a:t>
+            </a:r>
+            <a:r>
+              <a:rPr lang="en-US" altLang="zh-CN" dirty="0" smtClean="0"/>
+              <a:t>	</a:t>
+            </a:r>
+            <a:endParaRPr lang="zh-CN" altLang="en-US" dirty="0"/>
           </a:p>
         </p:txBody>
       </p:sp>
@@ -11848,7 +12303,171 @@
           <a:bodyPr/>
           <a:lstStyle/>
           <a:p>
-            <a:endParaRPr lang="zh-CN" altLang="en-US"/>
+            <a:r>
+              <a:rPr lang="zh-CN" altLang="en-US" dirty="0" smtClean="0"/>
+              <a:t>提高开发效率：</a:t>
+            </a:r>
+            <a:endParaRPr lang="en-US" altLang="zh-CN" dirty="0" smtClean="0"/>
+          </a:p>
+          <a:p>
+            <a:pPr lvl="1"/>
+            <a:r>
+              <a:rPr lang="zh-CN" altLang="en-US" dirty="0" smtClean="0"/>
+              <a:t>掌握公司的技术栈：如</a:t>
+            </a:r>
+            <a:r>
+              <a:rPr lang="en-US" altLang="zh-CN" dirty="0" err="1" smtClean="0"/>
+              <a:t>wf</a:t>
+            </a:r>
+            <a:r>
+              <a:rPr lang="zh-CN" altLang="en-US" dirty="0" smtClean="0"/>
+              <a:t>、</a:t>
+            </a:r>
+            <a:r>
+              <a:rPr lang="en-US" altLang="zh-CN" dirty="0" err="1" smtClean="0"/>
+              <a:t>scf</a:t>
+            </a:r>
+            <a:r>
+              <a:rPr lang="zh-CN" altLang="en-US" dirty="0" smtClean="0"/>
+              <a:t>、</a:t>
+            </a:r>
+            <a:r>
+              <a:rPr lang="en-US" altLang="zh-CN" dirty="0" err="1" smtClean="0"/>
+              <a:t>wlist</a:t>
+            </a:r>
+            <a:r>
+              <a:rPr lang="zh-CN" altLang="en-US" dirty="0" smtClean="0"/>
+              <a:t>、</a:t>
+            </a:r>
+            <a:r>
+              <a:rPr lang="en-US" altLang="zh-CN" dirty="0" err="1" smtClean="0"/>
+              <a:t>wredis</a:t>
+            </a:r>
+            <a:r>
+              <a:rPr lang="zh-CN" altLang="en-US" dirty="0" smtClean="0"/>
+              <a:t>、</a:t>
+            </a:r>
+            <a:r>
+              <a:rPr lang="en-US" altLang="zh-CN" dirty="0" err="1" smtClean="0"/>
+              <a:t>wtable</a:t>
+            </a:r>
+            <a:r>
+              <a:rPr lang="zh-CN" altLang="en-US" dirty="0" smtClean="0"/>
+              <a:t>、</a:t>
+            </a:r>
+            <a:r>
+              <a:rPr lang="en-US" altLang="zh-CN" dirty="0" err="1" smtClean="0"/>
+              <a:t>wmonitor</a:t>
+            </a:r>
+            <a:r>
+              <a:rPr lang="zh-CN" altLang="en-US" dirty="0" smtClean="0"/>
+              <a:t>、</a:t>
+            </a:r>
+            <a:r>
+              <a:rPr lang="en-US" altLang="zh-CN" dirty="0" err="1" smtClean="0"/>
+              <a:t>wmb</a:t>
+            </a:r>
+            <a:r>
+              <a:rPr lang="zh-CN" altLang="en-US" dirty="0" smtClean="0"/>
+              <a:t>、定时任务</a:t>
+            </a:r>
+            <a:endParaRPr lang="en-US" altLang="zh-CN" dirty="0" smtClean="0"/>
+          </a:p>
+          <a:p>
+            <a:pPr lvl="1"/>
+            <a:r>
+              <a:rPr lang="zh-CN" altLang="en-US" dirty="0"/>
+              <a:t>熟悉</a:t>
+            </a:r>
+            <a:r>
+              <a:rPr lang="zh-CN" altLang="en-US" dirty="0" smtClean="0"/>
+              <a:t>公司常用管理网站：服管平台、私有云平台、代码需求管理</a:t>
+            </a:r>
+            <a:r>
+              <a:rPr lang="en-US" altLang="zh-CN" dirty="0" err="1" smtClean="0"/>
+              <a:t>iwork</a:t>
+            </a:r>
+            <a:r>
+              <a:rPr lang="zh-CN" altLang="en-US" dirty="0" smtClean="0"/>
+              <a:t>、</a:t>
+            </a:r>
+            <a:endParaRPr lang="en-US" altLang="zh-CN" dirty="0" smtClean="0"/>
+          </a:p>
+          <a:p>
+            <a:pPr lvl="1"/>
+            <a:r>
+              <a:rPr lang="zh-CN" altLang="en-US" dirty="0" smtClean="0"/>
+              <a:t>熟悉相关文档：</a:t>
+            </a:r>
+            <a:r>
+              <a:rPr lang="en-US" altLang="zh-CN" dirty="0" smtClean="0"/>
+              <a:t>wiki </a:t>
+            </a:r>
+            <a:r>
+              <a:rPr lang="zh-CN" altLang="en-US" dirty="0" smtClean="0"/>
+              <a:t>、部门相关服务接口文档技术文档</a:t>
+            </a:r>
+            <a:endParaRPr lang="en-US" altLang="zh-CN" dirty="0" smtClean="0"/>
+          </a:p>
+          <a:p>
+            <a:pPr lvl="1"/>
+            <a:r>
+              <a:rPr lang="zh-CN" altLang="en-US" dirty="0"/>
+              <a:t>开</a:t>
+            </a:r>
+            <a:r>
+              <a:rPr lang="zh-CN" altLang="en-US" dirty="0" smtClean="0"/>
+              <a:t>源工具：</a:t>
+            </a:r>
+            <a:r>
+              <a:rPr lang="en-US" altLang="zh-CN" dirty="0" err="1" smtClean="0"/>
+              <a:t>jmeter</a:t>
+            </a:r>
+            <a:r>
+              <a:rPr lang="zh-CN" altLang="en-US" dirty="0" smtClean="0"/>
+              <a:t>、</a:t>
+            </a:r>
+            <a:r>
+              <a:rPr lang="en-US" altLang="zh-CN" dirty="0" smtClean="0"/>
+              <a:t>ab</a:t>
+            </a:r>
+            <a:r>
+              <a:rPr lang="zh-CN" altLang="en-US" dirty="0" smtClean="0"/>
+              <a:t>、</a:t>
+            </a:r>
+            <a:r>
+              <a:rPr lang="en-US" altLang="zh-CN" dirty="0" smtClean="0"/>
+              <a:t>Charles\</a:t>
+            </a:r>
+            <a:r>
+              <a:rPr lang="en-US" altLang="zh-CN" dirty="0" err="1" smtClean="0"/>
+              <a:t>findler</a:t>
+            </a:r>
+            <a:r>
+              <a:rPr lang="en-US" altLang="zh-CN" dirty="0" smtClean="0"/>
+              <a:t>…</a:t>
+            </a:r>
+          </a:p>
+          <a:p>
+            <a:pPr marL="457200" lvl="1" indent="0">
+              <a:buNone/>
+            </a:pPr>
+            <a:endParaRPr lang="en-US" altLang="zh-CN" dirty="0" smtClean="0"/>
+          </a:p>
+          <a:p>
+            <a:endParaRPr lang="en-US" altLang="zh-CN" dirty="0"/>
+          </a:p>
+          <a:p>
+            <a:endParaRPr lang="en-US" altLang="zh-CN" dirty="0" smtClean="0"/>
+          </a:p>
+          <a:p>
+            <a:endParaRPr lang="en-US" altLang="zh-CN" dirty="0"/>
+          </a:p>
+          <a:p>
+            <a:endParaRPr lang="en-US" altLang="zh-CN" dirty="0" smtClean="0"/>
+          </a:p>
+          <a:p>
+            <a:endParaRPr lang="zh-CN" altLang="en-US" dirty="0"/>
           </a:p>
         </p:txBody>
       </p:sp>
@@ -14041,8 +14660,39 @@
           <a:p>
             <a:r>
               <a:rPr lang="zh-CN" altLang="en-US" dirty="0"/>
-              <a:t>问题：不知道调用那个服务、方法。梳理几种基本服务：用户基本信息服务、帖子服务</a:t>
-            </a:r>
+              <a:t>问题：不知道调用那个服务、</a:t>
+            </a:r>
+            <a:r>
+              <a:rPr lang="zh-CN" altLang="en-US" dirty="0" smtClean="0"/>
+              <a:t>方法</a:t>
+            </a:r>
+            <a:r>
+              <a:rPr lang="zh-CN" altLang="en-US" dirty="0"/>
+              <a:t>？</a:t>
+            </a:r>
+            <a:endParaRPr lang="en-US" altLang="zh-CN" dirty="0" smtClean="0"/>
+          </a:p>
+          <a:p>
+            <a:pPr lvl="1"/>
+            <a:r>
+              <a:rPr lang="zh-CN" altLang="en-US" dirty="0" smtClean="0"/>
+              <a:t>梳理</a:t>
+            </a:r>
+            <a:r>
+              <a:rPr lang="zh-CN" altLang="en-US" dirty="0"/>
+              <a:t>几种基本服务：用户基本信息服务、帖子</a:t>
+            </a:r>
+            <a:r>
+              <a:rPr lang="zh-CN" altLang="en-US" dirty="0" smtClean="0"/>
+              <a:t>服务、地域信息服务</a:t>
+            </a:r>
+            <a:endParaRPr lang="en-US" altLang="zh-CN" dirty="0" smtClean="0"/>
+          </a:p>
+          <a:p>
+            <a:endParaRPr lang="en-US" altLang="zh-CN" dirty="0"/>
+          </a:p>
+          <a:p>
+            <a:endParaRPr lang="zh-CN" altLang="en-US" dirty="0"/>
           </a:p>
         </p:txBody>
       </p:sp>
